--- a/Whiteboard design session/media/Predictive Maintenance MCW Diagrams.pptx
+++ b/Whiteboard design session/media/Predictive Maintenance MCW Diagrams.pptx
@@ -3,9 +3,11 @@
 <p:presentation xmlns:a="http://schemas.openxmlformats.org/drawingml/2006/main" xmlns:r="http://schemas.openxmlformats.org/officeDocument/2006/relationships" xmlns:p="http://schemas.openxmlformats.org/presentationml/2006/main" saveSubsetFonts="1">
   <p:sldMasterIdLst>
     <p:sldMasterId id="2147483648" r:id="rId1"/>
+    <p:sldMasterId id="2147483660" r:id="rId2"/>
   </p:sldMasterIdLst>
   <p:sldIdLst>
-    <p:sldId id="256" r:id="rId2"/>
+    <p:sldId id="256" r:id="rId3"/>
+    <p:sldId id="258" r:id="rId4"/>
   </p:sldIdLst>
   <p:sldSz cx="12192000" cy="6858000"/>
   <p:notesSz cx="6858000" cy="9144000"/>
@@ -104,6 +106,11 @@
       </a:defRPr>
     </a:lvl9pPr>
   </p:defaultTextStyle>
+  <p:extLst>
+    <p:ext uri="{EFAFB233-063F-42B5-8137-9DF3F51BA10A}">
+      <p15:sldGuideLst xmlns:p15="http://schemas.microsoft.com/office/powerpoint/2012/main"/>
+    </p:ext>
+  </p:extLst>
 </p:presentation>
 </file>
 
@@ -254,7 +261,7 @@
           <a:p>
             <a:fld id="{A987B397-E019-424E-929C-93741A0EF2DA}" type="datetimeFigureOut">
               <a:rPr lang="en-US" smtClean="0"/>
-              <a:t>7/26/2019</a:t>
+              <a:t>10/2/2019</a:t>
             </a:fld>
             <a:endParaRPr lang="en-US"/>
           </a:p>
@@ -452,7 +459,7 @@
           <a:p>
             <a:fld id="{A987B397-E019-424E-929C-93741A0EF2DA}" type="datetimeFigureOut">
               <a:rPr lang="en-US" smtClean="0"/>
-              <a:t>7/26/2019</a:t>
+              <a:t>10/2/2019</a:t>
             </a:fld>
             <a:endParaRPr lang="en-US"/>
           </a:p>
@@ -660,7 +667,7 @@
           <a:p>
             <a:fld id="{A987B397-E019-424E-929C-93741A0EF2DA}" type="datetimeFigureOut">
               <a:rPr lang="en-US" smtClean="0"/>
-              <a:t>7/26/2019</a:t>
+              <a:t>10/2/2019</a:t>
             </a:fld>
             <a:endParaRPr lang="en-US"/>
           </a:p>
@@ -733,7 +740,227 @@
 </p:sldLayout>
 </file>
 
-<file path=ppt/slideLayouts/slideLayout2.xml><?xml version="1.0" encoding="utf-8"?>
+<file path=ppt/slideLayouts/slideLayout12.xml><?xml version="1.0" encoding="utf-8"?>
+<p:sldLayout xmlns:a="http://schemas.openxmlformats.org/drawingml/2006/main" xmlns:r="http://schemas.openxmlformats.org/officeDocument/2006/relationships" xmlns:p="http://schemas.openxmlformats.org/presentationml/2006/main" type="title" preserve="1">
+  <p:cSld name="Title Slide">
+    <p:spTree>
+      <p:nvGrpSpPr>
+        <p:cNvPr id="1" name=""/>
+        <p:cNvGrpSpPr/>
+        <p:nvPr/>
+      </p:nvGrpSpPr>
+      <p:grpSpPr>
+        <a:xfrm>
+          <a:off x="0" y="0"/>
+          <a:ext cx="0" cy="0"/>
+          <a:chOff x="0" y="0"/>
+          <a:chExt cx="0" cy="0"/>
+        </a:xfrm>
+      </p:grpSpPr>
+      <p:sp>
+        <p:nvSpPr>
+          <p:cNvPr id="2" name="Title 1">
+            <a:extLst>
+              <a:ext uri="{FF2B5EF4-FFF2-40B4-BE49-F238E27FC236}">
+                <a16:creationId xmlns:a16="http://schemas.microsoft.com/office/drawing/2014/main" id="{E1BF26B4-E584-42AF-9ECD-8D14DE6A2937}"/>
+              </a:ext>
+            </a:extLst>
+          </p:cNvPr>
+          <p:cNvSpPr>
+            <a:spLocks noGrp="1"/>
+          </p:cNvSpPr>
+          <p:nvPr>
+            <p:ph type="ctrTitle"/>
+          </p:nvPr>
+        </p:nvSpPr>
+        <p:spPr>
+          <a:xfrm>
+            <a:off x="1524000" y="1122363"/>
+            <a:ext cx="9144000" cy="2387600"/>
+          </a:xfrm>
+        </p:spPr>
+        <p:txBody>
+          <a:bodyPr anchor="b"/>
+          <a:lstStyle>
+            <a:lvl1pPr algn="ctr">
+              <a:defRPr sz="6000"/>
+            </a:lvl1pPr>
+          </a:lstStyle>
+          <a:p>
+            <a:r>
+              <a:rPr lang="en-US"/>
+              <a:t>Click to edit Master title style</a:t>
+            </a:r>
+          </a:p>
+        </p:txBody>
+      </p:sp>
+      <p:sp>
+        <p:nvSpPr>
+          <p:cNvPr id="3" name="Subtitle 2">
+            <a:extLst>
+              <a:ext uri="{FF2B5EF4-FFF2-40B4-BE49-F238E27FC236}">
+                <a16:creationId xmlns:a16="http://schemas.microsoft.com/office/drawing/2014/main" id="{5C2900A2-BE5D-4711-BE76-912B8A71DB6E}"/>
+              </a:ext>
+            </a:extLst>
+          </p:cNvPr>
+          <p:cNvSpPr>
+            <a:spLocks noGrp="1"/>
+          </p:cNvSpPr>
+          <p:nvPr>
+            <p:ph type="subTitle" idx="1"/>
+          </p:nvPr>
+        </p:nvSpPr>
+        <p:spPr>
+          <a:xfrm>
+            <a:off x="1524000" y="3602038"/>
+            <a:ext cx="9144000" cy="1655762"/>
+          </a:xfrm>
+        </p:spPr>
+        <p:txBody>
+          <a:bodyPr/>
+          <a:lstStyle>
+            <a:lvl1pPr marL="0" indent="0" algn="ctr">
+              <a:buNone/>
+              <a:defRPr sz="2400"/>
+            </a:lvl1pPr>
+            <a:lvl2pPr marL="457200" indent="0" algn="ctr">
+              <a:buNone/>
+              <a:defRPr sz="2000"/>
+            </a:lvl2pPr>
+            <a:lvl3pPr marL="914400" indent="0" algn="ctr">
+              <a:buNone/>
+              <a:defRPr sz="1800"/>
+            </a:lvl3pPr>
+            <a:lvl4pPr marL="1371600" indent="0" algn="ctr">
+              <a:buNone/>
+              <a:defRPr sz="1600"/>
+            </a:lvl4pPr>
+            <a:lvl5pPr marL="1828800" indent="0" algn="ctr">
+              <a:buNone/>
+              <a:defRPr sz="1600"/>
+            </a:lvl5pPr>
+            <a:lvl6pPr marL="2286000" indent="0" algn="ctr">
+              <a:buNone/>
+              <a:defRPr sz="1600"/>
+            </a:lvl6pPr>
+            <a:lvl7pPr marL="2743200" indent="0" algn="ctr">
+              <a:buNone/>
+              <a:defRPr sz="1600"/>
+            </a:lvl7pPr>
+            <a:lvl8pPr marL="3200400" indent="0" algn="ctr">
+              <a:buNone/>
+              <a:defRPr sz="1600"/>
+            </a:lvl8pPr>
+            <a:lvl9pPr marL="3657600" indent="0" algn="ctr">
+              <a:buNone/>
+              <a:defRPr sz="1600"/>
+            </a:lvl9pPr>
+          </a:lstStyle>
+          <a:p>
+            <a:r>
+              <a:rPr lang="en-US"/>
+              <a:t>Click to edit Master subtitle style</a:t>
+            </a:r>
+          </a:p>
+        </p:txBody>
+      </p:sp>
+      <p:sp>
+        <p:nvSpPr>
+          <p:cNvPr id="4" name="Date Placeholder 3">
+            <a:extLst>
+              <a:ext uri="{FF2B5EF4-FFF2-40B4-BE49-F238E27FC236}">
+                <a16:creationId xmlns:a16="http://schemas.microsoft.com/office/drawing/2014/main" id="{132A0513-490D-4E57-ACC7-0510AA0648EB}"/>
+              </a:ext>
+            </a:extLst>
+          </p:cNvPr>
+          <p:cNvSpPr>
+            <a:spLocks noGrp="1"/>
+          </p:cNvSpPr>
+          <p:nvPr>
+            <p:ph type="dt" sz="half" idx="10"/>
+          </p:nvPr>
+        </p:nvSpPr>
+        <p:spPr/>
+        <p:txBody>
+          <a:bodyPr/>
+          <a:lstStyle/>
+          <a:p>
+            <a:fld id="{A3801F64-650A-4E5C-9452-07D25B3D3043}" type="datetimeFigureOut">
+              <a:rPr lang="en-US" smtClean="0"/>
+              <a:t>10/2/2019</a:t>
+            </a:fld>
+            <a:endParaRPr lang="en-US"/>
+          </a:p>
+        </p:txBody>
+      </p:sp>
+      <p:sp>
+        <p:nvSpPr>
+          <p:cNvPr id="5" name="Footer Placeholder 4">
+            <a:extLst>
+              <a:ext uri="{FF2B5EF4-FFF2-40B4-BE49-F238E27FC236}">
+                <a16:creationId xmlns:a16="http://schemas.microsoft.com/office/drawing/2014/main" id="{5E8CAF9E-10E3-4D9D-BFF6-79C63C77B314}"/>
+              </a:ext>
+            </a:extLst>
+          </p:cNvPr>
+          <p:cNvSpPr>
+            <a:spLocks noGrp="1"/>
+          </p:cNvSpPr>
+          <p:nvPr>
+            <p:ph type="ftr" sz="quarter" idx="11"/>
+          </p:nvPr>
+        </p:nvSpPr>
+        <p:spPr/>
+        <p:txBody>
+          <a:bodyPr/>
+          <a:lstStyle/>
+          <a:p>
+            <a:endParaRPr lang="en-US"/>
+          </a:p>
+        </p:txBody>
+      </p:sp>
+      <p:sp>
+        <p:nvSpPr>
+          <p:cNvPr id="6" name="Slide Number Placeholder 5">
+            <a:extLst>
+              <a:ext uri="{FF2B5EF4-FFF2-40B4-BE49-F238E27FC236}">
+                <a16:creationId xmlns:a16="http://schemas.microsoft.com/office/drawing/2014/main" id="{DE6F4067-4A87-4A24-A1FD-E22DCEDD667B}"/>
+              </a:ext>
+            </a:extLst>
+          </p:cNvPr>
+          <p:cNvSpPr>
+            <a:spLocks noGrp="1"/>
+          </p:cNvSpPr>
+          <p:nvPr>
+            <p:ph type="sldNum" sz="quarter" idx="12"/>
+          </p:nvPr>
+        </p:nvSpPr>
+        <p:spPr/>
+        <p:txBody>
+          <a:bodyPr/>
+          <a:lstStyle/>
+          <a:p>
+            <a:fld id="{687794A9-DBC2-4488-BED6-A689E0FA8576}" type="slidenum">
+              <a:rPr lang="en-US" smtClean="0"/>
+              <a:t>‹#›</a:t>
+            </a:fld>
+            <a:endParaRPr lang="en-US"/>
+          </a:p>
+        </p:txBody>
+      </p:sp>
+    </p:spTree>
+    <p:extLst>
+      <p:ext uri="{BB962C8B-B14F-4D97-AF65-F5344CB8AC3E}">
+        <p14:creationId xmlns:p14="http://schemas.microsoft.com/office/powerpoint/2010/main" val="23293723"/>
+      </p:ext>
+    </p:extLst>
+  </p:cSld>
+  <p:clrMapOvr>
+    <a:masterClrMapping/>
+  </p:clrMapOvr>
+</p:sldLayout>
+</file>
+
+<file path=ppt/slideLayouts/slideLayout13.xml><?xml version="1.0" encoding="utf-8"?>
 <p:sldLayout xmlns:a="http://schemas.openxmlformats.org/drawingml/2006/main" xmlns:r="http://schemas.openxmlformats.org/officeDocument/2006/relationships" xmlns:p="http://schemas.openxmlformats.org/presentationml/2006/main" type="obj" preserve="1">
   <p:cSld name="Title and Content">
     <p:spTree>
@@ -755,7 +982,7 @@
           <p:cNvPr id="2" name="Title 1">
             <a:extLst>
               <a:ext uri="{FF2B5EF4-FFF2-40B4-BE49-F238E27FC236}">
-                <a16:creationId xmlns:a16="http://schemas.microsoft.com/office/drawing/2014/main" id="{86EDC728-4028-4195-99C1-5FD3B55A7684}"/>
+                <a16:creationId xmlns:a16="http://schemas.microsoft.com/office/drawing/2014/main" id="{70994BEC-275B-40AD-BA17-D20E6F83EEA8}"/>
               </a:ext>
             </a:extLst>
           </p:cNvPr>
@@ -783,7 +1010,7 @@
           <p:cNvPr id="3" name="Content Placeholder 2">
             <a:extLst>
               <a:ext uri="{FF2B5EF4-FFF2-40B4-BE49-F238E27FC236}">
-                <a16:creationId xmlns:a16="http://schemas.microsoft.com/office/drawing/2014/main" id="{43F17B07-0784-4FF8-BF06-E5EEB5074296}"/>
+                <a16:creationId xmlns:a16="http://schemas.microsoft.com/office/drawing/2014/main" id="{0957A4AD-BF4F-4D73-B6DE-420B3337AEDC}"/>
               </a:ext>
             </a:extLst>
           </p:cNvPr>
@@ -802,7 +1029,7 @@
             <a:pPr lvl="0"/>
             <a:r>
               <a:rPr lang="en-US"/>
-              <a:t>Click to edit Master text styles</a:t>
+              <a:t>Edit Master text styles</a:t>
             </a:r>
           </a:p>
           <a:p>
@@ -840,7 +1067,7 @@
           <p:cNvPr id="4" name="Date Placeholder 3">
             <a:extLst>
               <a:ext uri="{FF2B5EF4-FFF2-40B4-BE49-F238E27FC236}">
-                <a16:creationId xmlns:a16="http://schemas.microsoft.com/office/drawing/2014/main" id="{1A10EA37-5DED-48FC-831E-1F847E40FFA0}"/>
+                <a16:creationId xmlns:a16="http://schemas.microsoft.com/office/drawing/2014/main" id="{E438B0D0-E386-495E-8B24-FF20999B38F8}"/>
               </a:ext>
             </a:extLst>
           </p:cNvPr>
@@ -856,9 +1083,9 @@
           <a:bodyPr/>
           <a:lstStyle/>
           <a:p>
-            <a:fld id="{A987B397-E019-424E-929C-93741A0EF2DA}" type="datetimeFigureOut">
+            <a:fld id="{A3801F64-650A-4E5C-9452-07D25B3D3043}" type="datetimeFigureOut">
               <a:rPr lang="en-US" smtClean="0"/>
-              <a:t>7/26/2019</a:t>
+              <a:t>10/2/2019</a:t>
             </a:fld>
             <a:endParaRPr lang="en-US"/>
           </a:p>
@@ -869,7 +1096,7 @@
           <p:cNvPr id="5" name="Footer Placeholder 4">
             <a:extLst>
               <a:ext uri="{FF2B5EF4-FFF2-40B4-BE49-F238E27FC236}">
-                <a16:creationId xmlns:a16="http://schemas.microsoft.com/office/drawing/2014/main" id="{BDC7413A-ABD1-4ABA-852D-DE6CD014618F}"/>
+                <a16:creationId xmlns:a16="http://schemas.microsoft.com/office/drawing/2014/main" id="{A03C9E41-DB46-421C-86F1-8DAFC0854E45}"/>
               </a:ext>
             </a:extLst>
           </p:cNvPr>
@@ -894,7 +1121,7 @@
           <p:cNvPr id="6" name="Slide Number Placeholder 5">
             <a:extLst>
               <a:ext uri="{FF2B5EF4-FFF2-40B4-BE49-F238E27FC236}">
-                <a16:creationId xmlns:a16="http://schemas.microsoft.com/office/drawing/2014/main" id="{28FB3559-22B2-4069-8FF2-24F898B419B1}"/>
+                <a16:creationId xmlns:a16="http://schemas.microsoft.com/office/drawing/2014/main" id="{FDDAF4D9-2AE2-4062-A601-210254114348}"/>
               </a:ext>
             </a:extLst>
           </p:cNvPr>
@@ -910,7 +1137,7 @@
           <a:bodyPr/>
           <a:lstStyle/>
           <a:p>
-            <a:fld id="{44371008-8CA0-4192-A47F-F2BB0B05684C}" type="slidenum">
+            <a:fld id="{687794A9-DBC2-4488-BED6-A689E0FA8576}" type="slidenum">
               <a:rPr lang="en-US" smtClean="0"/>
               <a:t>‹#›</a:t>
             </a:fld>
@@ -921,7 +1148,7 @@
     </p:spTree>
     <p:extLst>
       <p:ext uri="{BB962C8B-B14F-4D97-AF65-F5344CB8AC3E}">
-        <p14:creationId xmlns:p14="http://schemas.microsoft.com/office/powerpoint/2010/main" val="1348182883"/>
+        <p14:creationId xmlns:p14="http://schemas.microsoft.com/office/powerpoint/2010/main" val="2510336861"/>
       </p:ext>
     </p:extLst>
   </p:cSld>
@@ -931,7 +1158,7 @@
 </p:sldLayout>
 </file>
 
-<file path=ppt/slideLayouts/slideLayout3.xml><?xml version="1.0" encoding="utf-8"?>
+<file path=ppt/slideLayouts/slideLayout14.xml><?xml version="1.0" encoding="utf-8"?>
 <p:sldLayout xmlns:a="http://schemas.openxmlformats.org/drawingml/2006/main" xmlns:r="http://schemas.openxmlformats.org/officeDocument/2006/relationships" xmlns:p="http://schemas.openxmlformats.org/presentationml/2006/main" type="secHead" preserve="1">
   <p:cSld name="Section Header">
     <p:spTree>
@@ -953,7 +1180,7 @@
           <p:cNvPr id="2" name="Title 1">
             <a:extLst>
               <a:ext uri="{FF2B5EF4-FFF2-40B4-BE49-F238E27FC236}">
-                <a16:creationId xmlns:a16="http://schemas.microsoft.com/office/drawing/2014/main" id="{FF7AFC90-31D7-472A-A348-EA7A07371418}"/>
+                <a16:creationId xmlns:a16="http://schemas.microsoft.com/office/drawing/2014/main" id="{1188D4D0-A0E9-492F-B07A-05E16A028395}"/>
               </a:ext>
             </a:extLst>
           </p:cNvPr>
@@ -990,7 +1217,7 @@
           <p:cNvPr id="3" name="Text Placeholder 2">
             <a:extLst>
               <a:ext uri="{FF2B5EF4-FFF2-40B4-BE49-F238E27FC236}">
-                <a16:creationId xmlns:a16="http://schemas.microsoft.com/office/drawing/2014/main" id="{B7D83DF4-242B-478C-85D4-DAEBC44C0B25}"/>
+                <a16:creationId xmlns:a16="http://schemas.microsoft.com/office/drawing/2014/main" id="{11AE6A00-5715-409A-A6CA-742305F0AD91}"/>
               </a:ext>
             </a:extLst>
           </p:cNvPr>
@@ -1105,7 +1332,7 @@
             <a:pPr lvl="0"/>
             <a:r>
               <a:rPr lang="en-US"/>
-              <a:t>Click to edit Master text styles</a:t>
+              <a:t>Edit Master text styles</a:t>
             </a:r>
           </a:p>
         </p:txBody>
@@ -1115,7 +1342,7 @@
           <p:cNvPr id="4" name="Date Placeholder 3">
             <a:extLst>
               <a:ext uri="{FF2B5EF4-FFF2-40B4-BE49-F238E27FC236}">
-                <a16:creationId xmlns:a16="http://schemas.microsoft.com/office/drawing/2014/main" id="{826DF384-EC28-4590-963A-3C4890EE1494}"/>
+                <a16:creationId xmlns:a16="http://schemas.microsoft.com/office/drawing/2014/main" id="{A8040AFC-E715-4CD3-8F15-C4FF29E414F2}"/>
               </a:ext>
             </a:extLst>
           </p:cNvPr>
@@ -1131,9 +1358,9 @@
           <a:bodyPr/>
           <a:lstStyle/>
           <a:p>
-            <a:fld id="{A987B397-E019-424E-929C-93741A0EF2DA}" type="datetimeFigureOut">
+            <a:fld id="{A3801F64-650A-4E5C-9452-07D25B3D3043}" type="datetimeFigureOut">
               <a:rPr lang="en-US" smtClean="0"/>
-              <a:t>7/26/2019</a:t>
+              <a:t>10/2/2019</a:t>
             </a:fld>
             <a:endParaRPr lang="en-US"/>
           </a:p>
@@ -1144,7 +1371,7 @@
           <p:cNvPr id="5" name="Footer Placeholder 4">
             <a:extLst>
               <a:ext uri="{FF2B5EF4-FFF2-40B4-BE49-F238E27FC236}">
-                <a16:creationId xmlns:a16="http://schemas.microsoft.com/office/drawing/2014/main" id="{8088C6EB-FDCC-4769-8D43-D94F1D3FD6EB}"/>
+                <a16:creationId xmlns:a16="http://schemas.microsoft.com/office/drawing/2014/main" id="{974BAE35-20E7-42D4-A026-83AFD9FFE27E}"/>
               </a:ext>
             </a:extLst>
           </p:cNvPr>
@@ -1169,7 +1396,7 @@
           <p:cNvPr id="6" name="Slide Number Placeholder 5">
             <a:extLst>
               <a:ext uri="{FF2B5EF4-FFF2-40B4-BE49-F238E27FC236}">
-                <a16:creationId xmlns:a16="http://schemas.microsoft.com/office/drawing/2014/main" id="{AA8950ED-712A-4901-98C3-9AB5E0E3F91B}"/>
+                <a16:creationId xmlns:a16="http://schemas.microsoft.com/office/drawing/2014/main" id="{37F96299-11A3-418B-A747-9CB6CB92982E}"/>
               </a:ext>
             </a:extLst>
           </p:cNvPr>
@@ -1185,7 +1412,7 @@
           <a:bodyPr/>
           <a:lstStyle/>
           <a:p>
-            <a:fld id="{44371008-8CA0-4192-A47F-F2BB0B05684C}" type="slidenum">
+            <a:fld id="{687794A9-DBC2-4488-BED6-A689E0FA8576}" type="slidenum">
               <a:rPr lang="en-US" smtClean="0"/>
               <a:t>‹#›</a:t>
             </a:fld>
@@ -1196,7 +1423,7 @@
     </p:spTree>
     <p:extLst>
       <p:ext uri="{BB962C8B-B14F-4D97-AF65-F5344CB8AC3E}">
-        <p14:creationId xmlns:p14="http://schemas.microsoft.com/office/powerpoint/2010/main" val="3221238780"/>
+        <p14:creationId xmlns:p14="http://schemas.microsoft.com/office/powerpoint/2010/main" val="4064201519"/>
       </p:ext>
     </p:extLst>
   </p:cSld>
@@ -1206,7 +1433,7 @@
 </p:sldLayout>
 </file>
 
-<file path=ppt/slideLayouts/slideLayout4.xml><?xml version="1.0" encoding="utf-8"?>
+<file path=ppt/slideLayouts/slideLayout15.xml><?xml version="1.0" encoding="utf-8"?>
 <p:sldLayout xmlns:a="http://schemas.openxmlformats.org/drawingml/2006/main" xmlns:r="http://schemas.openxmlformats.org/officeDocument/2006/relationships" xmlns:p="http://schemas.openxmlformats.org/presentationml/2006/main" type="twoObj" preserve="1">
   <p:cSld name="Two Content">
     <p:spTree>
@@ -1228,7 +1455,7 @@
           <p:cNvPr id="2" name="Title 1">
             <a:extLst>
               <a:ext uri="{FF2B5EF4-FFF2-40B4-BE49-F238E27FC236}">
-                <a16:creationId xmlns:a16="http://schemas.microsoft.com/office/drawing/2014/main" id="{7EC83E06-7EF5-4D65-B9D2-7B0D79D6CA45}"/>
+                <a16:creationId xmlns:a16="http://schemas.microsoft.com/office/drawing/2014/main" id="{00783659-26BC-40D7-914F-66FFD25AAB51}"/>
               </a:ext>
             </a:extLst>
           </p:cNvPr>
@@ -1256,7 +1483,7 @@
           <p:cNvPr id="3" name="Content Placeholder 2">
             <a:extLst>
               <a:ext uri="{FF2B5EF4-FFF2-40B4-BE49-F238E27FC236}">
-                <a16:creationId xmlns:a16="http://schemas.microsoft.com/office/drawing/2014/main" id="{356EED88-2612-4103-93FF-4A8C464165E5}"/>
+                <a16:creationId xmlns:a16="http://schemas.microsoft.com/office/drawing/2014/main" id="{DA545568-101C-4A77-97E4-ECD96769DE44}"/>
               </a:ext>
             </a:extLst>
           </p:cNvPr>
@@ -1280,7 +1507,7 @@
             <a:pPr lvl="0"/>
             <a:r>
               <a:rPr lang="en-US"/>
-              <a:t>Click to edit Master text styles</a:t>
+              <a:t>Edit Master text styles</a:t>
             </a:r>
           </a:p>
           <a:p>
@@ -1318,7 +1545,7 @@
           <p:cNvPr id="4" name="Content Placeholder 3">
             <a:extLst>
               <a:ext uri="{FF2B5EF4-FFF2-40B4-BE49-F238E27FC236}">
-                <a16:creationId xmlns:a16="http://schemas.microsoft.com/office/drawing/2014/main" id="{8A8DC4B0-7592-4919-A700-B19FB396A21C}"/>
+                <a16:creationId xmlns:a16="http://schemas.microsoft.com/office/drawing/2014/main" id="{7E5A1713-8B1E-48E0-9BA0-F73BE66E98A8}"/>
               </a:ext>
             </a:extLst>
           </p:cNvPr>
@@ -1342,7 +1569,7 @@
             <a:pPr lvl="0"/>
             <a:r>
               <a:rPr lang="en-US"/>
-              <a:t>Click to edit Master text styles</a:t>
+              <a:t>Edit Master text styles</a:t>
             </a:r>
           </a:p>
           <a:p>
@@ -1380,7 +1607,7 @@
           <p:cNvPr id="5" name="Date Placeholder 4">
             <a:extLst>
               <a:ext uri="{FF2B5EF4-FFF2-40B4-BE49-F238E27FC236}">
-                <a16:creationId xmlns:a16="http://schemas.microsoft.com/office/drawing/2014/main" id="{4D9D7316-517B-45A6-B90B-37DEC4FC7162}"/>
+                <a16:creationId xmlns:a16="http://schemas.microsoft.com/office/drawing/2014/main" id="{A77850D5-33F9-4EA1-868B-FCCB43D6DA16}"/>
               </a:ext>
             </a:extLst>
           </p:cNvPr>
@@ -1396,9 +1623,9 @@
           <a:bodyPr/>
           <a:lstStyle/>
           <a:p>
-            <a:fld id="{A987B397-E019-424E-929C-93741A0EF2DA}" type="datetimeFigureOut">
+            <a:fld id="{A3801F64-650A-4E5C-9452-07D25B3D3043}" type="datetimeFigureOut">
               <a:rPr lang="en-US" smtClean="0"/>
-              <a:t>7/26/2019</a:t>
+              <a:t>10/2/2019</a:t>
             </a:fld>
             <a:endParaRPr lang="en-US"/>
           </a:p>
@@ -1409,7 +1636,7 @@
           <p:cNvPr id="6" name="Footer Placeholder 5">
             <a:extLst>
               <a:ext uri="{FF2B5EF4-FFF2-40B4-BE49-F238E27FC236}">
-                <a16:creationId xmlns:a16="http://schemas.microsoft.com/office/drawing/2014/main" id="{03994DA7-7841-483B-9F0E-519DD1DAC105}"/>
+                <a16:creationId xmlns:a16="http://schemas.microsoft.com/office/drawing/2014/main" id="{B77DCAF2-E5C3-43AD-9158-A2DC70A3EF2C}"/>
               </a:ext>
             </a:extLst>
           </p:cNvPr>
@@ -1434,7 +1661,7 @@
           <p:cNvPr id="7" name="Slide Number Placeholder 6">
             <a:extLst>
               <a:ext uri="{FF2B5EF4-FFF2-40B4-BE49-F238E27FC236}">
-                <a16:creationId xmlns:a16="http://schemas.microsoft.com/office/drawing/2014/main" id="{671B2A6F-1B4B-4B27-B280-8A6C7706D821}"/>
+                <a16:creationId xmlns:a16="http://schemas.microsoft.com/office/drawing/2014/main" id="{92788D51-F83C-4494-8278-E3964B57C7F2}"/>
               </a:ext>
             </a:extLst>
           </p:cNvPr>
@@ -1450,7 +1677,7 @@
           <a:bodyPr/>
           <a:lstStyle/>
           <a:p>
-            <a:fld id="{44371008-8CA0-4192-A47F-F2BB0B05684C}" type="slidenum">
+            <a:fld id="{687794A9-DBC2-4488-BED6-A689E0FA8576}" type="slidenum">
               <a:rPr lang="en-US" smtClean="0"/>
               <a:t>‹#›</a:t>
             </a:fld>
@@ -1461,7 +1688,7 @@
     </p:spTree>
     <p:extLst>
       <p:ext uri="{BB962C8B-B14F-4D97-AF65-F5344CB8AC3E}">
-        <p14:creationId xmlns:p14="http://schemas.microsoft.com/office/powerpoint/2010/main" val="2094183897"/>
+        <p14:creationId xmlns:p14="http://schemas.microsoft.com/office/powerpoint/2010/main" val="2452418194"/>
       </p:ext>
     </p:extLst>
   </p:cSld>
@@ -1471,7 +1698,7 @@
 </p:sldLayout>
 </file>
 
-<file path=ppt/slideLayouts/slideLayout5.xml><?xml version="1.0" encoding="utf-8"?>
+<file path=ppt/slideLayouts/slideLayout16.xml><?xml version="1.0" encoding="utf-8"?>
 <p:sldLayout xmlns:a="http://schemas.openxmlformats.org/drawingml/2006/main" xmlns:r="http://schemas.openxmlformats.org/officeDocument/2006/relationships" xmlns:p="http://schemas.openxmlformats.org/presentationml/2006/main" type="twoTxTwoObj" preserve="1">
   <p:cSld name="Comparison">
     <p:spTree>
@@ -1493,7 +1720,7 @@
           <p:cNvPr id="2" name="Title 1">
             <a:extLst>
               <a:ext uri="{FF2B5EF4-FFF2-40B4-BE49-F238E27FC236}">
-                <a16:creationId xmlns:a16="http://schemas.microsoft.com/office/drawing/2014/main" id="{B5A0933A-6342-4508-B4DA-3D73D31AFD42}"/>
+                <a16:creationId xmlns:a16="http://schemas.microsoft.com/office/drawing/2014/main" id="{A2E6D425-58FC-4DA0-8B66-F7C611318AEA}"/>
               </a:ext>
             </a:extLst>
           </p:cNvPr>
@@ -1526,7 +1753,7 @@
           <p:cNvPr id="3" name="Text Placeholder 2">
             <a:extLst>
               <a:ext uri="{FF2B5EF4-FFF2-40B4-BE49-F238E27FC236}">
-                <a16:creationId xmlns:a16="http://schemas.microsoft.com/office/drawing/2014/main" id="{E0799F37-C75D-4824-A748-C29D5964ABF4}"/>
+                <a16:creationId xmlns:a16="http://schemas.microsoft.com/office/drawing/2014/main" id="{726173A5-0461-4436-84AF-49B43D50F35E}"/>
               </a:ext>
             </a:extLst>
           </p:cNvPr>
@@ -1587,7 +1814,7 @@
             <a:pPr lvl="0"/>
             <a:r>
               <a:rPr lang="en-US"/>
-              <a:t>Click to edit Master text styles</a:t>
+              <a:t>Edit Master text styles</a:t>
             </a:r>
           </a:p>
         </p:txBody>
@@ -1597,7 +1824,7 @@
           <p:cNvPr id="4" name="Content Placeholder 3">
             <a:extLst>
               <a:ext uri="{FF2B5EF4-FFF2-40B4-BE49-F238E27FC236}">
-                <a16:creationId xmlns:a16="http://schemas.microsoft.com/office/drawing/2014/main" id="{1179B7FD-B972-4BCE-BE60-D2F2B729BE31}"/>
+                <a16:creationId xmlns:a16="http://schemas.microsoft.com/office/drawing/2014/main" id="{A9D10BDF-BB61-47E1-BD9F-3039D3393A0A}"/>
               </a:ext>
             </a:extLst>
           </p:cNvPr>
@@ -1621,7 +1848,7 @@
             <a:pPr lvl="0"/>
             <a:r>
               <a:rPr lang="en-US"/>
-              <a:t>Click to edit Master text styles</a:t>
+              <a:t>Edit Master text styles</a:t>
             </a:r>
           </a:p>
           <a:p>
@@ -1659,7 +1886,7 @@
           <p:cNvPr id="5" name="Text Placeholder 4">
             <a:extLst>
               <a:ext uri="{FF2B5EF4-FFF2-40B4-BE49-F238E27FC236}">
-                <a16:creationId xmlns:a16="http://schemas.microsoft.com/office/drawing/2014/main" id="{D0B8CD46-BFB3-44DD-8F8B-5296A3A5D276}"/>
+                <a16:creationId xmlns:a16="http://schemas.microsoft.com/office/drawing/2014/main" id="{FDA75D0D-D7AF-4ED4-8612-4571936F7694}"/>
               </a:ext>
             </a:extLst>
           </p:cNvPr>
@@ -1720,7 +1947,7 @@
             <a:pPr lvl="0"/>
             <a:r>
               <a:rPr lang="en-US"/>
-              <a:t>Click to edit Master text styles</a:t>
+              <a:t>Edit Master text styles</a:t>
             </a:r>
           </a:p>
         </p:txBody>
@@ -1730,7 +1957,7 @@
           <p:cNvPr id="6" name="Content Placeholder 5">
             <a:extLst>
               <a:ext uri="{FF2B5EF4-FFF2-40B4-BE49-F238E27FC236}">
-                <a16:creationId xmlns:a16="http://schemas.microsoft.com/office/drawing/2014/main" id="{EB3B03CF-6B13-4EB1-8A3D-094C0C80B6CD}"/>
+                <a16:creationId xmlns:a16="http://schemas.microsoft.com/office/drawing/2014/main" id="{E8F66A49-5B35-4E7C-995E-F3ACC39AD48D}"/>
               </a:ext>
             </a:extLst>
           </p:cNvPr>
@@ -1754,7 +1981,7 @@
             <a:pPr lvl="0"/>
             <a:r>
               <a:rPr lang="en-US"/>
-              <a:t>Click to edit Master text styles</a:t>
+              <a:t>Edit Master text styles</a:t>
             </a:r>
           </a:p>
           <a:p>
@@ -1792,7 +2019,7 @@
           <p:cNvPr id="7" name="Date Placeholder 6">
             <a:extLst>
               <a:ext uri="{FF2B5EF4-FFF2-40B4-BE49-F238E27FC236}">
-                <a16:creationId xmlns:a16="http://schemas.microsoft.com/office/drawing/2014/main" id="{00392493-5096-46D7-8122-E4F65F51A3A4}"/>
+                <a16:creationId xmlns:a16="http://schemas.microsoft.com/office/drawing/2014/main" id="{E67678A3-1B42-43B2-810B-10FD0BBCD922}"/>
               </a:ext>
             </a:extLst>
           </p:cNvPr>
@@ -1808,9 +2035,9 @@
           <a:bodyPr/>
           <a:lstStyle/>
           <a:p>
-            <a:fld id="{A987B397-E019-424E-929C-93741A0EF2DA}" type="datetimeFigureOut">
+            <a:fld id="{A3801F64-650A-4E5C-9452-07D25B3D3043}" type="datetimeFigureOut">
               <a:rPr lang="en-US" smtClean="0"/>
-              <a:t>7/26/2019</a:t>
+              <a:t>10/2/2019</a:t>
             </a:fld>
             <a:endParaRPr lang="en-US"/>
           </a:p>
@@ -1821,7 +2048,7 @@
           <p:cNvPr id="8" name="Footer Placeholder 7">
             <a:extLst>
               <a:ext uri="{FF2B5EF4-FFF2-40B4-BE49-F238E27FC236}">
-                <a16:creationId xmlns:a16="http://schemas.microsoft.com/office/drawing/2014/main" id="{1AB26CD4-C80D-4C14-9670-7C08F8BD098F}"/>
+                <a16:creationId xmlns:a16="http://schemas.microsoft.com/office/drawing/2014/main" id="{EACA9C9F-BC60-40A1-8F94-C4838E3FCC79}"/>
               </a:ext>
             </a:extLst>
           </p:cNvPr>
@@ -1846,7 +2073,7 @@
           <p:cNvPr id="9" name="Slide Number Placeholder 8">
             <a:extLst>
               <a:ext uri="{FF2B5EF4-FFF2-40B4-BE49-F238E27FC236}">
-                <a16:creationId xmlns:a16="http://schemas.microsoft.com/office/drawing/2014/main" id="{3BEE1609-3042-4A9A-911E-5F162BA25E66}"/>
+                <a16:creationId xmlns:a16="http://schemas.microsoft.com/office/drawing/2014/main" id="{317429E0-2341-4B53-8D3D-9A18AD893F5F}"/>
               </a:ext>
             </a:extLst>
           </p:cNvPr>
@@ -1862,7 +2089,7 @@
           <a:bodyPr/>
           <a:lstStyle/>
           <a:p>
-            <a:fld id="{44371008-8CA0-4192-A47F-F2BB0B05684C}" type="slidenum">
+            <a:fld id="{687794A9-DBC2-4488-BED6-A689E0FA8576}" type="slidenum">
               <a:rPr lang="en-US" smtClean="0"/>
               <a:t>‹#›</a:t>
             </a:fld>
@@ -1873,7 +2100,7 @@
     </p:spTree>
     <p:extLst>
       <p:ext uri="{BB962C8B-B14F-4D97-AF65-F5344CB8AC3E}">
-        <p14:creationId xmlns:p14="http://schemas.microsoft.com/office/powerpoint/2010/main" val="1588649099"/>
+        <p14:creationId xmlns:p14="http://schemas.microsoft.com/office/powerpoint/2010/main" val="428591642"/>
       </p:ext>
     </p:extLst>
   </p:cSld>
@@ -1883,7 +2110,7 @@
 </p:sldLayout>
 </file>
 
-<file path=ppt/slideLayouts/slideLayout6.xml><?xml version="1.0" encoding="utf-8"?>
+<file path=ppt/slideLayouts/slideLayout17.xml><?xml version="1.0" encoding="utf-8"?>
 <p:sldLayout xmlns:a="http://schemas.openxmlformats.org/drawingml/2006/main" xmlns:r="http://schemas.openxmlformats.org/officeDocument/2006/relationships" xmlns:p="http://schemas.openxmlformats.org/presentationml/2006/main" type="titleOnly" preserve="1">
   <p:cSld name="Title Only">
     <p:spTree>
@@ -1905,7 +2132,7 @@
           <p:cNvPr id="2" name="Title 1">
             <a:extLst>
               <a:ext uri="{FF2B5EF4-FFF2-40B4-BE49-F238E27FC236}">
-                <a16:creationId xmlns:a16="http://schemas.microsoft.com/office/drawing/2014/main" id="{A286DFE6-91B0-4071-BAC0-30427EECF682}"/>
+                <a16:creationId xmlns:a16="http://schemas.microsoft.com/office/drawing/2014/main" id="{B5F89DFD-08D0-4232-AB2D-6F61FA773635}"/>
               </a:ext>
             </a:extLst>
           </p:cNvPr>
@@ -1933,7 +2160,7 @@
           <p:cNvPr id="3" name="Date Placeholder 2">
             <a:extLst>
               <a:ext uri="{FF2B5EF4-FFF2-40B4-BE49-F238E27FC236}">
-                <a16:creationId xmlns:a16="http://schemas.microsoft.com/office/drawing/2014/main" id="{3B90BC6A-2532-489A-B1A9-84AA2C4154C3}"/>
+                <a16:creationId xmlns:a16="http://schemas.microsoft.com/office/drawing/2014/main" id="{FD74FE12-F9E0-451E-9704-3A81076531A8}"/>
               </a:ext>
             </a:extLst>
           </p:cNvPr>
@@ -1949,9 +2176,9 @@
           <a:bodyPr/>
           <a:lstStyle/>
           <a:p>
-            <a:fld id="{A987B397-E019-424E-929C-93741A0EF2DA}" type="datetimeFigureOut">
+            <a:fld id="{A3801F64-650A-4E5C-9452-07D25B3D3043}" type="datetimeFigureOut">
               <a:rPr lang="en-US" smtClean="0"/>
-              <a:t>7/26/2019</a:t>
+              <a:t>10/2/2019</a:t>
             </a:fld>
             <a:endParaRPr lang="en-US"/>
           </a:p>
@@ -1962,7 +2189,7 @@
           <p:cNvPr id="4" name="Footer Placeholder 3">
             <a:extLst>
               <a:ext uri="{FF2B5EF4-FFF2-40B4-BE49-F238E27FC236}">
-                <a16:creationId xmlns:a16="http://schemas.microsoft.com/office/drawing/2014/main" id="{4BF624CD-312B-4877-B1F5-1614BB3440D1}"/>
+                <a16:creationId xmlns:a16="http://schemas.microsoft.com/office/drawing/2014/main" id="{80E27A87-6999-4EC0-8137-003743497D83}"/>
               </a:ext>
             </a:extLst>
           </p:cNvPr>
@@ -1987,7 +2214,7 @@
           <p:cNvPr id="5" name="Slide Number Placeholder 4">
             <a:extLst>
               <a:ext uri="{FF2B5EF4-FFF2-40B4-BE49-F238E27FC236}">
-                <a16:creationId xmlns:a16="http://schemas.microsoft.com/office/drawing/2014/main" id="{3D8BD876-1D9F-4755-AA09-A22399DC496F}"/>
+                <a16:creationId xmlns:a16="http://schemas.microsoft.com/office/drawing/2014/main" id="{6672C2E2-039F-4691-95E2-C57749BBA1EC}"/>
               </a:ext>
             </a:extLst>
           </p:cNvPr>
@@ -2003,7 +2230,7 @@
           <a:bodyPr/>
           <a:lstStyle/>
           <a:p>
-            <a:fld id="{44371008-8CA0-4192-A47F-F2BB0B05684C}" type="slidenum">
+            <a:fld id="{687794A9-DBC2-4488-BED6-A689E0FA8576}" type="slidenum">
               <a:rPr lang="en-US" smtClean="0"/>
               <a:t>‹#›</a:t>
             </a:fld>
@@ -2014,7 +2241,7 @@
     </p:spTree>
     <p:extLst>
       <p:ext uri="{BB962C8B-B14F-4D97-AF65-F5344CB8AC3E}">
-        <p14:creationId xmlns:p14="http://schemas.microsoft.com/office/powerpoint/2010/main" val="2177758221"/>
+        <p14:creationId xmlns:p14="http://schemas.microsoft.com/office/powerpoint/2010/main" val="82295952"/>
       </p:ext>
     </p:extLst>
   </p:cSld>
@@ -2024,7 +2251,7 @@
 </p:sldLayout>
 </file>
 
-<file path=ppt/slideLayouts/slideLayout7.xml><?xml version="1.0" encoding="utf-8"?>
+<file path=ppt/slideLayouts/slideLayout18.xml><?xml version="1.0" encoding="utf-8"?>
 <p:sldLayout xmlns:a="http://schemas.openxmlformats.org/drawingml/2006/main" xmlns:r="http://schemas.openxmlformats.org/officeDocument/2006/relationships" xmlns:p="http://schemas.openxmlformats.org/presentationml/2006/main" type="blank" preserve="1">
   <p:cSld name="Blank">
     <p:spTree>
@@ -2046,7 +2273,7 @@
           <p:cNvPr id="2" name="Date Placeholder 1">
             <a:extLst>
               <a:ext uri="{FF2B5EF4-FFF2-40B4-BE49-F238E27FC236}">
-                <a16:creationId xmlns:a16="http://schemas.microsoft.com/office/drawing/2014/main" id="{390CBBBF-A9C1-4EA2-A482-2EDA66A76744}"/>
+                <a16:creationId xmlns:a16="http://schemas.microsoft.com/office/drawing/2014/main" id="{1E83BE21-A029-4185-AAC8-AC737C9E8FB0}"/>
               </a:ext>
             </a:extLst>
           </p:cNvPr>
@@ -2062,9 +2289,9 @@
           <a:bodyPr/>
           <a:lstStyle/>
           <a:p>
-            <a:fld id="{A987B397-E019-424E-929C-93741A0EF2DA}" type="datetimeFigureOut">
+            <a:fld id="{A3801F64-650A-4E5C-9452-07D25B3D3043}" type="datetimeFigureOut">
               <a:rPr lang="en-US" smtClean="0"/>
-              <a:t>7/26/2019</a:t>
+              <a:t>10/2/2019</a:t>
             </a:fld>
             <a:endParaRPr lang="en-US"/>
           </a:p>
@@ -2075,7 +2302,7 @@
           <p:cNvPr id="3" name="Footer Placeholder 2">
             <a:extLst>
               <a:ext uri="{FF2B5EF4-FFF2-40B4-BE49-F238E27FC236}">
-                <a16:creationId xmlns:a16="http://schemas.microsoft.com/office/drawing/2014/main" id="{7E96DCA6-137B-4A88-A7F4-BCA87F37A165}"/>
+                <a16:creationId xmlns:a16="http://schemas.microsoft.com/office/drawing/2014/main" id="{1A4E8E20-3CD5-4ACE-A930-09BB50A85756}"/>
               </a:ext>
             </a:extLst>
           </p:cNvPr>
@@ -2100,7 +2327,7 @@
           <p:cNvPr id="4" name="Slide Number Placeholder 3">
             <a:extLst>
               <a:ext uri="{FF2B5EF4-FFF2-40B4-BE49-F238E27FC236}">
-                <a16:creationId xmlns:a16="http://schemas.microsoft.com/office/drawing/2014/main" id="{EE7CA730-606E-4A60-BA8D-431EB3ADE45F}"/>
+                <a16:creationId xmlns:a16="http://schemas.microsoft.com/office/drawing/2014/main" id="{2E1AD8A9-DE90-4F1A-B6F6-91A913F33988}"/>
               </a:ext>
             </a:extLst>
           </p:cNvPr>
@@ -2116,7 +2343,7 @@
           <a:bodyPr/>
           <a:lstStyle/>
           <a:p>
-            <a:fld id="{44371008-8CA0-4192-A47F-F2BB0B05684C}" type="slidenum">
+            <a:fld id="{687794A9-DBC2-4488-BED6-A689E0FA8576}" type="slidenum">
               <a:rPr lang="en-US" smtClean="0"/>
               <a:t>‹#›</a:t>
             </a:fld>
@@ -2127,7 +2354,7 @@
     </p:spTree>
     <p:extLst>
       <p:ext uri="{BB962C8B-B14F-4D97-AF65-F5344CB8AC3E}">
-        <p14:creationId xmlns:p14="http://schemas.microsoft.com/office/powerpoint/2010/main" val="1272417245"/>
+        <p14:creationId xmlns:p14="http://schemas.microsoft.com/office/powerpoint/2010/main" val="3162567531"/>
       </p:ext>
     </p:extLst>
   </p:cSld>
@@ -2137,7 +2364,7 @@
 </p:sldLayout>
 </file>
 
-<file path=ppt/slideLayouts/slideLayout8.xml><?xml version="1.0" encoding="utf-8"?>
+<file path=ppt/slideLayouts/slideLayout19.xml><?xml version="1.0" encoding="utf-8"?>
 <p:sldLayout xmlns:a="http://schemas.openxmlformats.org/drawingml/2006/main" xmlns:r="http://schemas.openxmlformats.org/officeDocument/2006/relationships" xmlns:p="http://schemas.openxmlformats.org/presentationml/2006/main" type="objTx" preserve="1">
   <p:cSld name="Content with Caption">
     <p:spTree>
@@ -2159,7 +2386,7 @@
           <p:cNvPr id="2" name="Title 1">
             <a:extLst>
               <a:ext uri="{FF2B5EF4-FFF2-40B4-BE49-F238E27FC236}">
-                <a16:creationId xmlns:a16="http://schemas.microsoft.com/office/drawing/2014/main" id="{25776560-1FA3-4EE3-B9F8-A789F418DDB4}"/>
+                <a16:creationId xmlns:a16="http://schemas.microsoft.com/office/drawing/2014/main" id="{47E36A58-5292-46FF-B763-32069D5D1173}"/>
               </a:ext>
             </a:extLst>
           </p:cNvPr>
@@ -2196,7 +2423,7 @@
           <p:cNvPr id="3" name="Content Placeholder 2">
             <a:extLst>
               <a:ext uri="{FF2B5EF4-FFF2-40B4-BE49-F238E27FC236}">
-                <a16:creationId xmlns:a16="http://schemas.microsoft.com/office/drawing/2014/main" id="{EB7B85CD-C817-47D6-BA98-01CDCBFA3F99}"/>
+                <a16:creationId xmlns:a16="http://schemas.microsoft.com/office/drawing/2014/main" id="{A285598D-05DC-45F8-BBF7-125E61CD4F7A}"/>
               </a:ext>
             </a:extLst>
           </p:cNvPr>
@@ -2248,7 +2475,7 @@
             <a:pPr lvl="0"/>
             <a:r>
               <a:rPr lang="en-US"/>
-              <a:t>Click to edit Master text styles</a:t>
+              <a:t>Edit Master text styles</a:t>
             </a:r>
           </a:p>
           <a:p>
@@ -2286,7 +2513,7 @@
           <p:cNvPr id="4" name="Text Placeholder 3">
             <a:extLst>
               <a:ext uri="{FF2B5EF4-FFF2-40B4-BE49-F238E27FC236}">
-                <a16:creationId xmlns:a16="http://schemas.microsoft.com/office/drawing/2014/main" id="{430E31C6-74F8-4C47-8F0D-D378DE762FAA}"/>
+                <a16:creationId xmlns:a16="http://schemas.microsoft.com/office/drawing/2014/main" id="{FA78690F-47DE-4C48-B3DE-7C6F696F1205}"/>
               </a:ext>
             </a:extLst>
           </p:cNvPr>
@@ -2347,7 +2574,7 @@
             <a:pPr lvl="0"/>
             <a:r>
               <a:rPr lang="en-US"/>
-              <a:t>Click to edit Master text styles</a:t>
+              <a:t>Edit Master text styles</a:t>
             </a:r>
           </a:p>
         </p:txBody>
@@ -2357,7 +2584,7 @@
           <p:cNvPr id="5" name="Date Placeholder 4">
             <a:extLst>
               <a:ext uri="{FF2B5EF4-FFF2-40B4-BE49-F238E27FC236}">
-                <a16:creationId xmlns:a16="http://schemas.microsoft.com/office/drawing/2014/main" id="{452FCE6A-D7FC-45F7-8913-6CF1056FAAAA}"/>
+                <a16:creationId xmlns:a16="http://schemas.microsoft.com/office/drawing/2014/main" id="{C27E0965-E639-4BD2-B0E9-AB208DA2B30A}"/>
               </a:ext>
             </a:extLst>
           </p:cNvPr>
@@ -2373,9 +2600,9 @@
           <a:bodyPr/>
           <a:lstStyle/>
           <a:p>
-            <a:fld id="{A987B397-E019-424E-929C-93741A0EF2DA}" type="datetimeFigureOut">
+            <a:fld id="{A3801F64-650A-4E5C-9452-07D25B3D3043}" type="datetimeFigureOut">
               <a:rPr lang="en-US" smtClean="0"/>
-              <a:t>7/26/2019</a:t>
+              <a:t>10/2/2019</a:t>
             </a:fld>
             <a:endParaRPr lang="en-US"/>
           </a:p>
@@ -2386,7 +2613,7 @@
           <p:cNvPr id="6" name="Footer Placeholder 5">
             <a:extLst>
               <a:ext uri="{FF2B5EF4-FFF2-40B4-BE49-F238E27FC236}">
-                <a16:creationId xmlns:a16="http://schemas.microsoft.com/office/drawing/2014/main" id="{845B8A61-5390-4455-AA6E-0AF3E191EE25}"/>
+                <a16:creationId xmlns:a16="http://schemas.microsoft.com/office/drawing/2014/main" id="{A5359440-03C5-4260-A154-D760F53AF2DD}"/>
               </a:ext>
             </a:extLst>
           </p:cNvPr>
@@ -2411,7 +2638,7 @@
           <p:cNvPr id="7" name="Slide Number Placeholder 6">
             <a:extLst>
               <a:ext uri="{FF2B5EF4-FFF2-40B4-BE49-F238E27FC236}">
-                <a16:creationId xmlns:a16="http://schemas.microsoft.com/office/drawing/2014/main" id="{4D1AB0DA-6AFF-4A07-A1AB-C9CACECD0F9D}"/>
+                <a16:creationId xmlns:a16="http://schemas.microsoft.com/office/drawing/2014/main" id="{F8A1FB11-CDD4-4294-8E35-A1AA8609A3AB}"/>
               </a:ext>
             </a:extLst>
           </p:cNvPr>
@@ -2427,7 +2654,7 @@
           <a:bodyPr/>
           <a:lstStyle/>
           <a:p>
-            <a:fld id="{44371008-8CA0-4192-A47F-F2BB0B05684C}" type="slidenum">
+            <a:fld id="{687794A9-DBC2-4488-BED6-A689E0FA8576}" type="slidenum">
               <a:rPr lang="en-US" smtClean="0"/>
               <a:t>‹#›</a:t>
             </a:fld>
@@ -2438,7 +2665,7 @@
     </p:spTree>
     <p:extLst>
       <p:ext uri="{BB962C8B-B14F-4D97-AF65-F5344CB8AC3E}">
-        <p14:creationId xmlns:p14="http://schemas.microsoft.com/office/powerpoint/2010/main" val="3511068598"/>
+        <p14:creationId xmlns:p14="http://schemas.microsoft.com/office/powerpoint/2010/main" val="1261100587"/>
       </p:ext>
     </p:extLst>
   </p:cSld>
@@ -2448,7 +2675,205 @@
 </p:sldLayout>
 </file>
 
-<file path=ppt/slideLayouts/slideLayout9.xml><?xml version="1.0" encoding="utf-8"?>
+<file path=ppt/slideLayouts/slideLayout2.xml><?xml version="1.0" encoding="utf-8"?>
+<p:sldLayout xmlns:a="http://schemas.openxmlformats.org/drawingml/2006/main" xmlns:r="http://schemas.openxmlformats.org/officeDocument/2006/relationships" xmlns:p="http://schemas.openxmlformats.org/presentationml/2006/main" type="obj" preserve="1">
+  <p:cSld name="Title and Content">
+    <p:spTree>
+      <p:nvGrpSpPr>
+        <p:cNvPr id="1" name=""/>
+        <p:cNvGrpSpPr/>
+        <p:nvPr/>
+      </p:nvGrpSpPr>
+      <p:grpSpPr>
+        <a:xfrm>
+          <a:off x="0" y="0"/>
+          <a:ext cx="0" cy="0"/>
+          <a:chOff x="0" y="0"/>
+          <a:chExt cx="0" cy="0"/>
+        </a:xfrm>
+      </p:grpSpPr>
+      <p:sp>
+        <p:nvSpPr>
+          <p:cNvPr id="2" name="Title 1">
+            <a:extLst>
+              <a:ext uri="{FF2B5EF4-FFF2-40B4-BE49-F238E27FC236}">
+                <a16:creationId xmlns:a16="http://schemas.microsoft.com/office/drawing/2014/main" id="{86EDC728-4028-4195-99C1-5FD3B55A7684}"/>
+              </a:ext>
+            </a:extLst>
+          </p:cNvPr>
+          <p:cNvSpPr>
+            <a:spLocks noGrp="1"/>
+          </p:cNvSpPr>
+          <p:nvPr>
+            <p:ph type="title"/>
+          </p:nvPr>
+        </p:nvSpPr>
+        <p:spPr/>
+        <p:txBody>
+          <a:bodyPr/>
+          <a:lstStyle/>
+          <a:p>
+            <a:r>
+              <a:rPr lang="en-US"/>
+              <a:t>Click to edit Master title style</a:t>
+            </a:r>
+          </a:p>
+        </p:txBody>
+      </p:sp>
+      <p:sp>
+        <p:nvSpPr>
+          <p:cNvPr id="3" name="Content Placeholder 2">
+            <a:extLst>
+              <a:ext uri="{FF2B5EF4-FFF2-40B4-BE49-F238E27FC236}">
+                <a16:creationId xmlns:a16="http://schemas.microsoft.com/office/drawing/2014/main" id="{43F17B07-0784-4FF8-BF06-E5EEB5074296}"/>
+              </a:ext>
+            </a:extLst>
+          </p:cNvPr>
+          <p:cNvSpPr>
+            <a:spLocks noGrp="1"/>
+          </p:cNvSpPr>
+          <p:nvPr>
+            <p:ph idx="1"/>
+          </p:nvPr>
+        </p:nvSpPr>
+        <p:spPr/>
+        <p:txBody>
+          <a:bodyPr/>
+          <a:lstStyle/>
+          <a:p>
+            <a:pPr lvl="0"/>
+            <a:r>
+              <a:rPr lang="en-US"/>
+              <a:t>Click to edit Master text styles</a:t>
+            </a:r>
+          </a:p>
+          <a:p>
+            <a:pPr lvl="1"/>
+            <a:r>
+              <a:rPr lang="en-US"/>
+              <a:t>Second level</a:t>
+            </a:r>
+          </a:p>
+          <a:p>
+            <a:pPr lvl="2"/>
+            <a:r>
+              <a:rPr lang="en-US"/>
+              <a:t>Third level</a:t>
+            </a:r>
+          </a:p>
+          <a:p>
+            <a:pPr lvl="3"/>
+            <a:r>
+              <a:rPr lang="en-US"/>
+              <a:t>Fourth level</a:t>
+            </a:r>
+          </a:p>
+          <a:p>
+            <a:pPr lvl="4"/>
+            <a:r>
+              <a:rPr lang="en-US"/>
+              <a:t>Fifth level</a:t>
+            </a:r>
+          </a:p>
+        </p:txBody>
+      </p:sp>
+      <p:sp>
+        <p:nvSpPr>
+          <p:cNvPr id="4" name="Date Placeholder 3">
+            <a:extLst>
+              <a:ext uri="{FF2B5EF4-FFF2-40B4-BE49-F238E27FC236}">
+                <a16:creationId xmlns:a16="http://schemas.microsoft.com/office/drawing/2014/main" id="{1A10EA37-5DED-48FC-831E-1F847E40FFA0}"/>
+              </a:ext>
+            </a:extLst>
+          </p:cNvPr>
+          <p:cNvSpPr>
+            <a:spLocks noGrp="1"/>
+          </p:cNvSpPr>
+          <p:nvPr>
+            <p:ph type="dt" sz="half" idx="10"/>
+          </p:nvPr>
+        </p:nvSpPr>
+        <p:spPr/>
+        <p:txBody>
+          <a:bodyPr/>
+          <a:lstStyle/>
+          <a:p>
+            <a:fld id="{A987B397-E019-424E-929C-93741A0EF2DA}" type="datetimeFigureOut">
+              <a:rPr lang="en-US" smtClean="0"/>
+              <a:t>10/2/2019</a:t>
+            </a:fld>
+            <a:endParaRPr lang="en-US"/>
+          </a:p>
+        </p:txBody>
+      </p:sp>
+      <p:sp>
+        <p:nvSpPr>
+          <p:cNvPr id="5" name="Footer Placeholder 4">
+            <a:extLst>
+              <a:ext uri="{FF2B5EF4-FFF2-40B4-BE49-F238E27FC236}">
+                <a16:creationId xmlns:a16="http://schemas.microsoft.com/office/drawing/2014/main" id="{BDC7413A-ABD1-4ABA-852D-DE6CD014618F}"/>
+              </a:ext>
+            </a:extLst>
+          </p:cNvPr>
+          <p:cNvSpPr>
+            <a:spLocks noGrp="1"/>
+          </p:cNvSpPr>
+          <p:nvPr>
+            <p:ph type="ftr" sz="quarter" idx="11"/>
+          </p:nvPr>
+        </p:nvSpPr>
+        <p:spPr/>
+        <p:txBody>
+          <a:bodyPr/>
+          <a:lstStyle/>
+          <a:p>
+            <a:endParaRPr lang="en-US"/>
+          </a:p>
+        </p:txBody>
+      </p:sp>
+      <p:sp>
+        <p:nvSpPr>
+          <p:cNvPr id="6" name="Slide Number Placeholder 5">
+            <a:extLst>
+              <a:ext uri="{FF2B5EF4-FFF2-40B4-BE49-F238E27FC236}">
+                <a16:creationId xmlns:a16="http://schemas.microsoft.com/office/drawing/2014/main" id="{28FB3559-22B2-4069-8FF2-24F898B419B1}"/>
+              </a:ext>
+            </a:extLst>
+          </p:cNvPr>
+          <p:cNvSpPr>
+            <a:spLocks noGrp="1"/>
+          </p:cNvSpPr>
+          <p:nvPr>
+            <p:ph type="sldNum" sz="quarter" idx="12"/>
+          </p:nvPr>
+        </p:nvSpPr>
+        <p:spPr/>
+        <p:txBody>
+          <a:bodyPr/>
+          <a:lstStyle/>
+          <a:p>
+            <a:fld id="{44371008-8CA0-4192-A47F-F2BB0B05684C}" type="slidenum">
+              <a:rPr lang="en-US" smtClean="0"/>
+              <a:t>‹#›</a:t>
+            </a:fld>
+            <a:endParaRPr lang="en-US"/>
+          </a:p>
+        </p:txBody>
+      </p:sp>
+    </p:spTree>
+    <p:extLst>
+      <p:ext uri="{BB962C8B-B14F-4D97-AF65-F5344CB8AC3E}">
+        <p14:creationId xmlns:p14="http://schemas.microsoft.com/office/powerpoint/2010/main" val="1348182883"/>
+      </p:ext>
+    </p:extLst>
+  </p:cSld>
+  <p:clrMapOvr>
+    <a:masterClrMapping/>
+  </p:clrMapOvr>
+</p:sldLayout>
+</file>
+
+<file path=ppt/slideLayouts/slideLayout20.xml><?xml version="1.0" encoding="utf-8"?>
 <p:sldLayout xmlns:a="http://schemas.openxmlformats.org/drawingml/2006/main" xmlns:r="http://schemas.openxmlformats.org/officeDocument/2006/relationships" xmlns:p="http://schemas.openxmlformats.org/presentationml/2006/main" type="picTx" preserve="1">
   <p:cSld name="Picture with Caption">
     <p:spTree>
@@ -2470,7 +2895,7 @@
           <p:cNvPr id="2" name="Title 1">
             <a:extLst>
               <a:ext uri="{FF2B5EF4-FFF2-40B4-BE49-F238E27FC236}">
-                <a16:creationId xmlns:a16="http://schemas.microsoft.com/office/drawing/2014/main" id="{48C17C20-1ECB-4681-88C6-D2ADCC70BBC5}"/>
+                <a16:creationId xmlns:a16="http://schemas.microsoft.com/office/drawing/2014/main" id="{853B96CE-8ECF-4D8D-B717-045B4FA5BA45}"/>
               </a:ext>
             </a:extLst>
           </p:cNvPr>
@@ -2507,7 +2932,7 @@
           <p:cNvPr id="3" name="Picture Placeholder 2">
             <a:extLst>
               <a:ext uri="{FF2B5EF4-FFF2-40B4-BE49-F238E27FC236}">
-                <a16:creationId xmlns:a16="http://schemas.microsoft.com/office/drawing/2014/main" id="{8F0050CD-E08D-4E15-9205-7029CF588B84}"/>
+                <a16:creationId xmlns:a16="http://schemas.microsoft.com/office/drawing/2014/main" id="{B4893DF5-768A-4F72-8787-C18DD506E22A}"/>
               </a:ext>
             </a:extLst>
           </p:cNvPr>
@@ -2574,7 +2999,7 @@
           <p:cNvPr id="4" name="Text Placeholder 3">
             <a:extLst>
               <a:ext uri="{FF2B5EF4-FFF2-40B4-BE49-F238E27FC236}">
-                <a16:creationId xmlns:a16="http://schemas.microsoft.com/office/drawing/2014/main" id="{8C75DB53-CE68-4C12-ADEB-2366D1C7739E}"/>
+                <a16:creationId xmlns:a16="http://schemas.microsoft.com/office/drawing/2014/main" id="{FAFD4212-3E48-4887-9B78-4597A489B3AE}"/>
               </a:ext>
             </a:extLst>
           </p:cNvPr>
@@ -2635,7 +3060,7 @@
             <a:pPr lvl="0"/>
             <a:r>
               <a:rPr lang="en-US"/>
-              <a:t>Click to edit Master text styles</a:t>
+              <a:t>Edit Master text styles</a:t>
             </a:r>
           </a:p>
         </p:txBody>
@@ -2645,7 +3070,7 @@
           <p:cNvPr id="5" name="Date Placeholder 4">
             <a:extLst>
               <a:ext uri="{FF2B5EF4-FFF2-40B4-BE49-F238E27FC236}">
-                <a16:creationId xmlns:a16="http://schemas.microsoft.com/office/drawing/2014/main" id="{E8D0CA85-DE8E-4EC8-8B47-A1E012BA8DB1}"/>
+                <a16:creationId xmlns:a16="http://schemas.microsoft.com/office/drawing/2014/main" id="{A8AFDE71-70C6-4678-BDE6-3A0629065C19}"/>
               </a:ext>
             </a:extLst>
           </p:cNvPr>
@@ -2661,9 +3086,2220 @@
           <a:bodyPr/>
           <a:lstStyle/>
           <a:p>
+            <a:fld id="{A3801F64-650A-4E5C-9452-07D25B3D3043}" type="datetimeFigureOut">
+              <a:rPr lang="en-US" smtClean="0"/>
+              <a:t>10/2/2019</a:t>
+            </a:fld>
+            <a:endParaRPr lang="en-US"/>
+          </a:p>
+        </p:txBody>
+      </p:sp>
+      <p:sp>
+        <p:nvSpPr>
+          <p:cNvPr id="6" name="Footer Placeholder 5">
+            <a:extLst>
+              <a:ext uri="{FF2B5EF4-FFF2-40B4-BE49-F238E27FC236}">
+                <a16:creationId xmlns:a16="http://schemas.microsoft.com/office/drawing/2014/main" id="{81E6A7FF-738B-479D-A66F-DC3833B0386C}"/>
+              </a:ext>
+            </a:extLst>
+          </p:cNvPr>
+          <p:cNvSpPr>
+            <a:spLocks noGrp="1"/>
+          </p:cNvSpPr>
+          <p:nvPr>
+            <p:ph type="ftr" sz="quarter" idx="11"/>
+          </p:nvPr>
+        </p:nvSpPr>
+        <p:spPr/>
+        <p:txBody>
+          <a:bodyPr/>
+          <a:lstStyle/>
+          <a:p>
+            <a:endParaRPr lang="en-US"/>
+          </a:p>
+        </p:txBody>
+      </p:sp>
+      <p:sp>
+        <p:nvSpPr>
+          <p:cNvPr id="7" name="Slide Number Placeholder 6">
+            <a:extLst>
+              <a:ext uri="{FF2B5EF4-FFF2-40B4-BE49-F238E27FC236}">
+                <a16:creationId xmlns:a16="http://schemas.microsoft.com/office/drawing/2014/main" id="{2ED1937C-0C94-4EB6-8ACA-AB0AC4E69B57}"/>
+              </a:ext>
+            </a:extLst>
+          </p:cNvPr>
+          <p:cNvSpPr>
+            <a:spLocks noGrp="1"/>
+          </p:cNvSpPr>
+          <p:nvPr>
+            <p:ph type="sldNum" sz="quarter" idx="12"/>
+          </p:nvPr>
+        </p:nvSpPr>
+        <p:spPr/>
+        <p:txBody>
+          <a:bodyPr/>
+          <a:lstStyle/>
+          <a:p>
+            <a:fld id="{687794A9-DBC2-4488-BED6-A689E0FA8576}" type="slidenum">
+              <a:rPr lang="en-US" smtClean="0"/>
+              <a:t>‹#›</a:t>
+            </a:fld>
+            <a:endParaRPr lang="en-US"/>
+          </a:p>
+        </p:txBody>
+      </p:sp>
+    </p:spTree>
+    <p:extLst>
+      <p:ext uri="{BB962C8B-B14F-4D97-AF65-F5344CB8AC3E}">
+        <p14:creationId xmlns:p14="http://schemas.microsoft.com/office/powerpoint/2010/main" val="3162782204"/>
+      </p:ext>
+    </p:extLst>
+  </p:cSld>
+  <p:clrMapOvr>
+    <a:masterClrMapping/>
+  </p:clrMapOvr>
+</p:sldLayout>
+</file>
+
+<file path=ppt/slideLayouts/slideLayout21.xml><?xml version="1.0" encoding="utf-8"?>
+<p:sldLayout xmlns:a="http://schemas.openxmlformats.org/drawingml/2006/main" xmlns:r="http://schemas.openxmlformats.org/officeDocument/2006/relationships" xmlns:p="http://schemas.openxmlformats.org/presentationml/2006/main" type="vertTx" preserve="1">
+  <p:cSld name="Title and Vertical Text">
+    <p:spTree>
+      <p:nvGrpSpPr>
+        <p:cNvPr id="1" name=""/>
+        <p:cNvGrpSpPr/>
+        <p:nvPr/>
+      </p:nvGrpSpPr>
+      <p:grpSpPr>
+        <a:xfrm>
+          <a:off x="0" y="0"/>
+          <a:ext cx="0" cy="0"/>
+          <a:chOff x="0" y="0"/>
+          <a:chExt cx="0" cy="0"/>
+        </a:xfrm>
+      </p:grpSpPr>
+      <p:sp>
+        <p:nvSpPr>
+          <p:cNvPr id="2" name="Title 1">
+            <a:extLst>
+              <a:ext uri="{FF2B5EF4-FFF2-40B4-BE49-F238E27FC236}">
+                <a16:creationId xmlns:a16="http://schemas.microsoft.com/office/drawing/2014/main" id="{1BD0D7A8-A45A-4AF1-87B5-2A2A664B42F2}"/>
+              </a:ext>
+            </a:extLst>
+          </p:cNvPr>
+          <p:cNvSpPr>
+            <a:spLocks noGrp="1"/>
+          </p:cNvSpPr>
+          <p:nvPr>
+            <p:ph type="title"/>
+          </p:nvPr>
+        </p:nvSpPr>
+        <p:spPr/>
+        <p:txBody>
+          <a:bodyPr/>
+          <a:lstStyle/>
+          <a:p>
+            <a:r>
+              <a:rPr lang="en-US"/>
+              <a:t>Click to edit Master title style</a:t>
+            </a:r>
+          </a:p>
+        </p:txBody>
+      </p:sp>
+      <p:sp>
+        <p:nvSpPr>
+          <p:cNvPr id="3" name="Vertical Text Placeholder 2">
+            <a:extLst>
+              <a:ext uri="{FF2B5EF4-FFF2-40B4-BE49-F238E27FC236}">
+                <a16:creationId xmlns:a16="http://schemas.microsoft.com/office/drawing/2014/main" id="{FC25AA14-CC26-4DCC-AFBE-A910F340008F}"/>
+              </a:ext>
+            </a:extLst>
+          </p:cNvPr>
+          <p:cNvSpPr>
+            <a:spLocks noGrp="1"/>
+          </p:cNvSpPr>
+          <p:nvPr>
+            <p:ph type="body" orient="vert" idx="1"/>
+          </p:nvPr>
+        </p:nvSpPr>
+        <p:spPr/>
+        <p:txBody>
+          <a:bodyPr vert="eaVert"/>
+          <a:lstStyle/>
+          <a:p>
+            <a:pPr lvl="0"/>
+            <a:r>
+              <a:rPr lang="en-US"/>
+              <a:t>Edit Master text styles</a:t>
+            </a:r>
+          </a:p>
+          <a:p>
+            <a:pPr lvl="1"/>
+            <a:r>
+              <a:rPr lang="en-US"/>
+              <a:t>Second level</a:t>
+            </a:r>
+          </a:p>
+          <a:p>
+            <a:pPr lvl="2"/>
+            <a:r>
+              <a:rPr lang="en-US"/>
+              <a:t>Third level</a:t>
+            </a:r>
+          </a:p>
+          <a:p>
+            <a:pPr lvl="3"/>
+            <a:r>
+              <a:rPr lang="en-US"/>
+              <a:t>Fourth level</a:t>
+            </a:r>
+          </a:p>
+          <a:p>
+            <a:pPr lvl="4"/>
+            <a:r>
+              <a:rPr lang="en-US"/>
+              <a:t>Fifth level</a:t>
+            </a:r>
+          </a:p>
+        </p:txBody>
+      </p:sp>
+      <p:sp>
+        <p:nvSpPr>
+          <p:cNvPr id="4" name="Date Placeholder 3">
+            <a:extLst>
+              <a:ext uri="{FF2B5EF4-FFF2-40B4-BE49-F238E27FC236}">
+                <a16:creationId xmlns:a16="http://schemas.microsoft.com/office/drawing/2014/main" id="{D6CEC589-D07F-4914-A93A-1321DE2D89A9}"/>
+              </a:ext>
+            </a:extLst>
+          </p:cNvPr>
+          <p:cNvSpPr>
+            <a:spLocks noGrp="1"/>
+          </p:cNvSpPr>
+          <p:nvPr>
+            <p:ph type="dt" sz="half" idx="10"/>
+          </p:nvPr>
+        </p:nvSpPr>
+        <p:spPr/>
+        <p:txBody>
+          <a:bodyPr/>
+          <a:lstStyle/>
+          <a:p>
+            <a:fld id="{A3801F64-650A-4E5C-9452-07D25B3D3043}" type="datetimeFigureOut">
+              <a:rPr lang="en-US" smtClean="0"/>
+              <a:t>10/2/2019</a:t>
+            </a:fld>
+            <a:endParaRPr lang="en-US"/>
+          </a:p>
+        </p:txBody>
+      </p:sp>
+      <p:sp>
+        <p:nvSpPr>
+          <p:cNvPr id="5" name="Footer Placeholder 4">
+            <a:extLst>
+              <a:ext uri="{FF2B5EF4-FFF2-40B4-BE49-F238E27FC236}">
+                <a16:creationId xmlns:a16="http://schemas.microsoft.com/office/drawing/2014/main" id="{A8B51DDC-1288-4D6D-9FAF-BCF0CD8AE9A7}"/>
+              </a:ext>
+            </a:extLst>
+          </p:cNvPr>
+          <p:cNvSpPr>
+            <a:spLocks noGrp="1"/>
+          </p:cNvSpPr>
+          <p:nvPr>
+            <p:ph type="ftr" sz="quarter" idx="11"/>
+          </p:nvPr>
+        </p:nvSpPr>
+        <p:spPr/>
+        <p:txBody>
+          <a:bodyPr/>
+          <a:lstStyle/>
+          <a:p>
+            <a:endParaRPr lang="en-US"/>
+          </a:p>
+        </p:txBody>
+      </p:sp>
+      <p:sp>
+        <p:nvSpPr>
+          <p:cNvPr id="6" name="Slide Number Placeholder 5">
+            <a:extLst>
+              <a:ext uri="{FF2B5EF4-FFF2-40B4-BE49-F238E27FC236}">
+                <a16:creationId xmlns:a16="http://schemas.microsoft.com/office/drawing/2014/main" id="{5F7DBEA7-C228-4172-A51B-060AF8A33462}"/>
+              </a:ext>
+            </a:extLst>
+          </p:cNvPr>
+          <p:cNvSpPr>
+            <a:spLocks noGrp="1"/>
+          </p:cNvSpPr>
+          <p:nvPr>
+            <p:ph type="sldNum" sz="quarter" idx="12"/>
+          </p:nvPr>
+        </p:nvSpPr>
+        <p:spPr/>
+        <p:txBody>
+          <a:bodyPr/>
+          <a:lstStyle/>
+          <a:p>
+            <a:fld id="{687794A9-DBC2-4488-BED6-A689E0FA8576}" type="slidenum">
+              <a:rPr lang="en-US" smtClean="0"/>
+              <a:t>‹#›</a:t>
+            </a:fld>
+            <a:endParaRPr lang="en-US"/>
+          </a:p>
+        </p:txBody>
+      </p:sp>
+    </p:spTree>
+    <p:extLst>
+      <p:ext uri="{BB962C8B-B14F-4D97-AF65-F5344CB8AC3E}">
+        <p14:creationId xmlns:p14="http://schemas.microsoft.com/office/powerpoint/2010/main" val="3138083272"/>
+      </p:ext>
+    </p:extLst>
+  </p:cSld>
+  <p:clrMapOvr>
+    <a:masterClrMapping/>
+  </p:clrMapOvr>
+</p:sldLayout>
+</file>
+
+<file path=ppt/slideLayouts/slideLayout22.xml><?xml version="1.0" encoding="utf-8"?>
+<p:sldLayout xmlns:a="http://schemas.openxmlformats.org/drawingml/2006/main" xmlns:r="http://schemas.openxmlformats.org/officeDocument/2006/relationships" xmlns:p="http://schemas.openxmlformats.org/presentationml/2006/main" type="vertTitleAndTx" preserve="1">
+  <p:cSld name="Vertical Title and Text">
+    <p:spTree>
+      <p:nvGrpSpPr>
+        <p:cNvPr id="1" name=""/>
+        <p:cNvGrpSpPr/>
+        <p:nvPr/>
+      </p:nvGrpSpPr>
+      <p:grpSpPr>
+        <a:xfrm>
+          <a:off x="0" y="0"/>
+          <a:ext cx="0" cy="0"/>
+          <a:chOff x="0" y="0"/>
+          <a:chExt cx="0" cy="0"/>
+        </a:xfrm>
+      </p:grpSpPr>
+      <p:sp>
+        <p:nvSpPr>
+          <p:cNvPr id="2" name="Vertical Title 1">
+            <a:extLst>
+              <a:ext uri="{FF2B5EF4-FFF2-40B4-BE49-F238E27FC236}">
+                <a16:creationId xmlns:a16="http://schemas.microsoft.com/office/drawing/2014/main" id="{8290E601-CE35-4F86-AA12-49575D908C9A}"/>
+              </a:ext>
+            </a:extLst>
+          </p:cNvPr>
+          <p:cNvSpPr>
+            <a:spLocks noGrp="1"/>
+          </p:cNvSpPr>
+          <p:nvPr>
+            <p:ph type="title" orient="vert"/>
+          </p:nvPr>
+        </p:nvSpPr>
+        <p:spPr>
+          <a:xfrm>
+            <a:off x="8724900" y="365125"/>
+            <a:ext cx="2628900" cy="5811838"/>
+          </a:xfrm>
+        </p:spPr>
+        <p:txBody>
+          <a:bodyPr vert="eaVert"/>
+          <a:lstStyle/>
+          <a:p>
+            <a:r>
+              <a:rPr lang="en-US"/>
+              <a:t>Click to edit Master title style</a:t>
+            </a:r>
+          </a:p>
+        </p:txBody>
+      </p:sp>
+      <p:sp>
+        <p:nvSpPr>
+          <p:cNvPr id="3" name="Vertical Text Placeholder 2">
+            <a:extLst>
+              <a:ext uri="{FF2B5EF4-FFF2-40B4-BE49-F238E27FC236}">
+                <a16:creationId xmlns:a16="http://schemas.microsoft.com/office/drawing/2014/main" id="{1DE53BC2-D6ED-4E0E-860E-CF22223D6AA9}"/>
+              </a:ext>
+            </a:extLst>
+          </p:cNvPr>
+          <p:cNvSpPr>
+            <a:spLocks noGrp="1"/>
+          </p:cNvSpPr>
+          <p:nvPr>
+            <p:ph type="body" orient="vert" idx="1"/>
+          </p:nvPr>
+        </p:nvSpPr>
+        <p:spPr>
+          <a:xfrm>
+            <a:off x="838200" y="365125"/>
+            <a:ext cx="7734300" cy="5811838"/>
+          </a:xfrm>
+        </p:spPr>
+        <p:txBody>
+          <a:bodyPr vert="eaVert"/>
+          <a:lstStyle/>
+          <a:p>
+            <a:pPr lvl="0"/>
+            <a:r>
+              <a:rPr lang="en-US"/>
+              <a:t>Edit Master text styles</a:t>
+            </a:r>
+          </a:p>
+          <a:p>
+            <a:pPr lvl="1"/>
+            <a:r>
+              <a:rPr lang="en-US"/>
+              <a:t>Second level</a:t>
+            </a:r>
+          </a:p>
+          <a:p>
+            <a:pPr lvl="2"/>
+            <a:r>
+              <a:rPr lang="en-US"/>
+              <a:t>Third level</a:t>
+            </a:r>
+          </a:p>
+          <a:p>
+            <a:pPr lvl="3"/>
+            <a:r>
+              <a:rPr lang="en-US"/>
+              <a:t>Fourth level</a:t>
+            </a:r>
+          </a:p>
+          <a:p>
+            <a:pPr lvl="4"/>
+            <a:r>
+              <a:rPr lang="en-US"/>
+              <a:t>Fifth level</a:t>
+            </a:r>
+          </a:p>
+        </p:txBody>
+      </p:sp>
+      <p:sp>
+        <p:nvSpPr>
+          <p:cNvPr id="4" name="Date Placeholder 3">
+            <a:extLst>
+              <a:ext uri="{FF2B5EF4-FFF2-40B4-BE49-F238E27FC236}">
+                <a16:creationId xmlns:a16="http://schemas.microsoft.com/office/drawing/2014/main" id="{5C5469A5-D9C8-43CF-9D5B-B0878660B85A}"/>
+              </a:ext>
+            </a:extLst>
+          </p:cNvPr>
+          <p:cNvSpPr>
+            <a:spLocks noGrp="1"/>
+          </p:cNvSpPr>
+          <p:nvPr>
+            <p:ph type="dt" sz="half" idx="10"/>
+          </p:nvPr>
+        </p:nvSpPr>
+        <p:spPr/>
+        <p:txBody>
+          <a:bodyPr/>
+          <a:lstStyle/>
+          <a:p>
+            <a:fld id="{A3801F64-650A-4E5C-9452-07D25B3D3043}" type="datetimeFigureOut">
+              <a:rPr lang="en-US" smtClean="0"/>
+              <a:t>10/2/2019</a:t>
+            </a:fld>
+            <a:endParaRPr lang="en-US"/>
+          </a:p>
+        </p:txBody>
+      </p:sp>
+      <p:sp>
+        <p:nvSpPr>
+          <p:cNvPr id="5" name="Footer Placeholder 4">
+            <a:extLst>
+              <a:ext uri="{FF2B5EF4-FFF2-40B4-BE49-F238E27FC236}">
+                <a16:creationId xmlns:a16="http://schemas.microsoft.com/office/drawing/2014/main" id="{1C560D0D-4290-4986-AD51-DDAD9D3F7BF2}"/>
+              </a:ext>
+            </a:extLst>
+          </p:cNvPr>
+          <p:cNvSpPr>
+            <a:spLocks noGrp="1"/>
+          </p:cNvSpPr>
+          <p:nvPr>
+            <p:ph type="ftr" sz="quarter" idx="11"/>
+          </p:nvPr>
+        </p:nvSpPr>
+        <p:spPr/>
+        <p:txBody>
+          <a:bodyPr/>
+          <a:lstStyle/>
+          <a:p>
+            <a:endParaRPr lang="en-US"/>
+          </a:p>
+        </p:txBody>
+      </p:sp>
+      <p:sp>
+        <p:nvSpPr>
+          <p:cNvPr id="6" name="Slide Number Placeholder 5">
+            <a:extLst>
+              <a:ext uri="{FF2B5EF4-FFF2-40B4-BE49-F238E27FC236}">
+                <a16:creationId xmlns:a16="http://schemas.microsoft.com/office/drawing/2014/main" id="{50E886C4-F59C-4A78-AC94-1FE1433B1D9A}"/>
+              </a:ext>
+            </a:extLst>
+          </p:cNvPr>
+          <p:cNvSpPr>
+            <a:spLocks noGrp="1"/>
+          </p:cNvSpPr>
+          <p:nvPr>
+            <p:ph type="sldNum" sz="quarter" idx="12"/>
+          </p:nvPr>
+        </p:nvSpPr>
+        <p:spPr/>
+        <p:txBody>
+          <a:bodyPr/>
+          <a:lstStyle/>
+          <a:p>
+            <a:fld id="{687794A9-DBC2-4488-BED6-A689E0FA8576}" type="slidenum">
+              <a:rPr lang="en-US" smtClean="0"/>
+              <a:t>‹#›</a:t>
+            </a:fld>
+            <a:endParaRPr lang="en-US"/>
+          </a:p>
+        </p:txBody>
+      </p:sp>
+    </p:spTree>
+    <p:extLst>
+      <p:ext uri="{BB962C8B-B14F-4D97-AF65-F5344CB8AC3E}">
+        <p14:creationId xmlns:p14="http://schemas.microsoft.com/office/powerpoint/2010/main" val="3296896182"/>
+      </p:ext>
+    </p:extLst>
+  </p:cSld>
+  <p:clrMapOvr>
+    <a:masterClrMapping/>
+  </p:clrMapOvr>
+</p:sldLayout>
+</file>
+
+<file path=ppt/slideLayouts/slideLayout3.xml><?xml version="1.0" encoding="utf-8"?>
+<p:sldLayout xmlns:a="http://schemas.openxmlformats.org/drawingml/2006/main" xmlns:r="http://schemas.openxmlformats.org/officeDocument/2006/relationships" xmlns:p="http://schemas.openxmlformats.org/presentationml/2006/main" type="secHead" preserve="1">
+  <p:cSld name="Section Header">
+    <p:spTree>
+      <p:nvGrpSpPr>
+        <p:cNvPr id="1" name=""/>
+        <p:cNvGrpSpPr/>
+        <p:nvPr/>
+      </p:nvGrpSpPr>
+      <p:grpSpPr>
+        <a:xfrm>
+          <a:off x="0" y="0"/>
+          <a:ext cx="0" cy="0"/>
+          <a:chOff x="0" y="0"/>
+          <a:chExt cx="0" cy="0"/>
+        </a:xfrm>
+      </p:grpSpPr>
+      <p:sp>
+        <p:nvSpPr>
+          <p:cNvPr id="2" name="Title 1">
+            <a:extLst>
+              <a:ext uri="{FF2B5EF4-FFF2-40B4-BE49-F238E27FC236}">
+                <a16:creationId xmlns:a16="http://schemas.microsoft.com/office/drawing/2014/main" id="{FF7AFC90-31D7-472A-A348-EA7A07371418}"/>
+              </a:ext>
+            </a:extLst>
+          </p:cNvPr>
+          <p:cNvSpPr>
+            <a:spLocks noGrp="1"/>
+          </p:cNvSpPr>
+          <p:nvPr>
+            <p:ph type="title"/>
+          </p:nvPr>
+        </p:nvSpPr>
+        <p:spPr>
+          <a:xfrm>
+            <a:off x="831850" y="1709738"/>
+            <a:ext cx="10515600" cy="2852737"/>
+          </a:xfrm>
+        </p:spPr>
+        <p:txBody>
+          <a:bodyPr anchor="b"/>
+          <a:lstStyle>
+            <a:lvl1pPr>
+              <a:defRPr sz="6000"/>
+            </a:lvl1pPr>
+          </a:lstStyle>
+          <a:p>
+            <a:r>
+              <a:rPr lang="en-US"/>
+              <a:t>Click to edit Master title style</a:t>
+            </a:r>
+          </a:p>
+        </p:txBody>
+      </p:sp>
+      <p:sp>
+        <p:nvSpPr>
+          <p:cNvPr id="3" name="Text Placeholder 2">
+            <a:extLst>
+              <a:ext uri="{FF2B5EF4-FFF2-40B4-BE49-F238E27FC236}">
+                <a16:creationId xmlns:a16="http://schemas.microsoft.com/office/drawing/2014/main" id="{B7D83DF4-242B-478C-85D4-DAEBC44C0B25}"/>
+              </a:ext>
+            </a:extLst>
+          </p:cNvPr>
+          <p:cNvSpPr>
+            <a:spLocks noGrp="1"/>
+          </p:cNvSpPr>
+          <p:nvPr>
+            <p:ph type="body" idx="1"/>
+          </p:nvPr>
+        </p:nvSpPr>
+        <p:spPr>
+          <a:xfrm>
+            <a:off x="831850" y="4589463"/>
+            <a:ext cx="10515600" cy="1500187"/>
+          </a:xfrm>
+        </p:spPr>
+        <p:txBody>
+          <a:bodyPr/>
+          <a:lstStyle>
+            <a:lvl1pPr marL="0" indent="0">
+              <a:buNone/>
+              <a:defRPr sz="2400">
+                <a:solidFill>
+                  <a:schemeClr val="tx1">
+                    <a:tint val="75000"/>
+                  </a:schemeClr>
+                </a:solidFill>
+              </a:defRPr>
+            </a:lvl1pPr>
+            <a:lvl2pPr marL="457200" indent="0">
+              <a:buNone/>
+              <a:defRPr sz="2000">
+                <a:solidFill>
+                  <a:schemeClr val="tx1">
+                    <a:tint val="75000"/>
+                  </a:schemeClr>
+                </a:solidFill>
+              </a:defRPr>
+            </a:lvl2pPr>
+            <a:lvl3pPr marL="914400" indent="0">
+              <a:buNone/>
+              <a:defRPr sz="1800">
+                <a:solidFill>
+                  <a:schemeClr val="tx1">
+                    <a:tint val="75000"/>
+                  </a:schemeClr>
+                </a:solidFill>
+              </a:defRPr>
+            </a:lvl3pPr>
+            <a:lvl4pPr marL="1371600" indent="0">
+              <a:buNone/>
+              <a:defRPr sz="1600">
+                <a:solidFill>
+                  <a:schemeClr val="tx1">
+                    <a:tint val="75000"/>
+                  </a:schemeClr>
+                </a:solidFill>
+              </a:defRPr>
+            </a:lvl4pPr>
+            <a:lvl5pPr marL="1828800" indent="0">
+              <a:buNone/>
+              <a:defRPr sz="1600">
+                <a:solidFill>
+                  <a:schemeClr val="tx1">
+                    <a:tint val="75000"/>
+                  </a:schemeClr>
+                </a:solidFill>
+              </a:defRPr>
+            </a:lvl5pPr>
+            <a:lvl6pPr marL="2286000" indent="0">
+              <a:buNone/>
+              <a:defRPr sz="1600">
+                <a:solidFill>
+                  <a:schemeClr val="tx1">
+                    <a:tint val="75000"/>
+                  </a:schemeClr>
+                </a:solidFill>
+              </a:defRPr>
+            </a:lvl6pPr>
+            <a:lvl7pPr marL="2743200" indent="0">
+              <a:buNone/>
+              <a:defRPr sz="1600">
+                <a:solidFill>
+                  <a:schemeClr val="tx1">
+                    <a:tint val="75000"/>
+                  </a:schemeClr>
+                </a:solidFill>
+              </a:defRPr>
+            </a:lvl7pPr>
+            <a:lvl8pPr marL="3200400" indent="0">
+              <a:buNone/>
+              <a:defRPr sz="1600">
+                <a:solidFill>
+                  <a:schemeClr val="tx1">
+                    <a:tint val="75000"/>
+                  </a:schemeClr>
+                </a:solidFill>
+              </a:defRPr>
+            </a:lvl8pPr>
+            <a:lvl9pPr marL="3657600" indent="0">
+              <a:buNone/>
+              <a:defRPr sz="1600">
+                <a:solidFill>
+                  <a:schemeClr val="tx1">
+                    <a:tint val="75000"/>
+                  </a:schemeClr>
+                </a:solidFill>
+              </a:defRPr>
+            </a:lvl9pPr>
+          </a:lstStyle>
+          <a:p>
+            <a:pPr lvl="0"/>
+            <a:r>
+              <a:rPr lang="en-US"/>
+              <a:t>Click to edit Master text styles</a:t>
+            </a:r>
+          </a:p>
+        </p:txBody>
+      </p:sp>
+      <p:sp>
+        <p:nvSpPr>
+          <p:cNvPr id="4" name="Date Placeholder 3">
+            <a:extLst>
+              <a:ext uri="{FF2B5EF4-FFF2-40B4-BE49-F238E27FC236}">
+                <a16:creationId xmlns:a16="http://schemas.microsoft.com/office/drawing/2014/main" id="{826DF384-EC28-4590-963A-3C4890EE1494}"/>
+              </a:ext>
+            </a:extLst>
+          </p:cNvPr>
+          <p:cNvSpPr>
+            <a:spLocks noGrp="1"/>
+          </p:cNvSpPr>
+          <p:nvPr>
+            <p:ph type="dt" sz="half" idx="10"/>
+          </p:nvPr>
+        </p:nvSpPr>
+        <p:spPr/>
+        <p:txBody>
+          <a:bodyPr/>
+          <a:lstStyle/>
+          <a:p>
             <a:fld id="{A987B397-E019-424E-929C-93741A0EF2DA}" type="datetimeFigureOut">
               <a:rPr lang="en-US" smtClean="0"/>
-              <a:t>7/26/2019</a:t>
+              <a:t>10/2/2019</a:t>
+            </a:fld>
+            <a:endParaRPr lang="en-US"/>
+          </a:p>
+        </p:txBody>
+      </p:sp>
+      <p:sp>
+        <p:nvSpPr>
+          <p:cNvPr id="5" name="Footer Placeholder 4">
+            <a:extLst>
+              <a:ext uri="{FF2B5EF4-FFF2-40B4-BE49-F238E27FC236}">
+                <a16:creationId xmlns:a16="http://schemas.microsoft.com/office/drawing/2014/main" id="{8088C6EB-FDCC-4769-8D43-D94F1D3FD6EB}"/>
+              </a:ext>
+            </a:extLst>
+          </p:cNvPr>
+          <p:cNvSpPr>
+            <a:spLocks noGrp="1"/>
+          </p:cNvSpPr>
+          <p:nvPr>
+            <p:ph type="ftr" sz="quarter" idx="11"/>
+          </p:nvPr>
+        </p:nvSpPr>
+        <p:spPr/>
+        <p:txBody>
+          <a:bodyPr/>
+          <a:lstStyle/>
+          <a:p>
+            <a:endParaRPr lang="en-US"/>
+          </a:p>
+        </p:txBody>
+      </p:sp>
+      <p:sp>
+        <p:nvSpPr>
+          <p:cNvPr id="6" name="Slide Number Placeholder 5">
+            <a:extLst>
+              <a:ext uri="{FF2B5EF4-FFF2-40B4-BE49-F238E27FC236}">
+                <a16:creationId xmlns:a16="http://schemas.microsoft.com/office/drawing/2014/main" id="{AA8950ED-712A-4901-98C3-9AB5E0E3F91B}"/>
+              </a:ext>
+            </a:extLst>
+          </p:cNvPr>
+          <p:cNvSpPr>
+            <a:spLocks noGrp="1"/>
+          </p:cNvSpPr>
+          <p:nvPr>
+            <p:ph type="sldNum" sz="quarter" idx="12"/>
+          </p:nvPr>
+        </p:nvSpPr>
+        <p:spPr/>
+        <p:txBody>
+          <a:bodyPr/>
+          <a:lstStyle/>
+          <a:p>
+            <a:fld id="{44371008-8CA0-4192-A47F-F2BB0B05684C}" type="slidenum">
+              <a:rPr lang="en-US" smtClean="0"/>
+              <a:t>‹#›</a:t>
+            </a:fld>
+            <a:endParaRPr lang="en-US"/>
+          </a:p>
+        </p:txBody>
+      </p:sp>
+    </p:spTree>
+    <p:extLst>
+      <p:ext uri="{BB962C8B-B14F-4D97-AF65-F5344CB8AC3E}">
+        <p14:creationId xmlns:p14="http://schemas.microsoft.com/office/powerpoint/2010/main" val="3221238780"/>
+      </p:ext>
+    </p:extLst>
+  </p:cSld>
+  <p:clrMapOvr>
+    <a:masterClrMapping/>
+  </p:clrMapOvr>
+</p:sldLayout>
+</file>
+
+<file path=ppt/slideLayouts/slideLayout4.xml><?xml version="1.0" encoding="utf-8"?>
+<p:sldLayout xmlns:a="http://schemas.openxmlformats.org/drawingml/2006/main" xmlns:r="http://schemas.openxmlformats.org/officeDocument/2006/relationships" xmlns:p="http://schemas.openxmlformats.org/presentationml/2006/main" type="twoObj" preserve="1">
+  <p:cSld name="Two Content">
+    <p:spTree>
+      <p:nvGrpSpPr>
+        <p:cNvPr id="1" name=""/>
+        <p:cNvGrpSpPr/>
+        <p:nvPr/>
+      </p:nvGrpSpPr>
+      <p:grpSpPr>
+        <a:xfrm>
+          <a:off x="0" y="0"/>
+          <a:ext cx="0" cy="0"/>
+          <a:chOff x="0" y="0"/>
+          <a:chExt cx="0" cy="0"/>
+        </a:xfrm>
+      </p:grpSpPr>
+      <p:sp>
+        <p:nvSpPr>
+          <p:cNvPr id="2" name="Title 1">
+            <a:extLst>
+              <a:ext uri="{FF2B5EF4-FFF2-40B4-BE49-F238E27FC236}">
+                <a16:creationId xmlns:a16="http://schemas.microsoft.com/office/drawing/2014/main" id="{7EC83E06-7EF5-4D65-B9D2-7B0D79D6CA45}"/>
+              </a:ext>
+            </a:extLst>
+          </p:cNvPr>
+          <p:cNvSpPr>
+            <a:spLocks noGrp="1"/>
+          </p:cNvSpPr>
+          <p:nvPr>
+            <p:ph type="title"/>
+          </p:nvPr>
+        </p:nvSpPr>
+        <p:spPr/>
+        <p:txBody>
+          <a:bodyPr/>
+          <a:lstStyle/>
+          <a:p>
+            <a:r>
+              <a:rPr lang="en-US"/>
+              <a:t>Click to edit Master title style</a:t>
+            </a:r>
+          </a:p>
+        </p:txBody>
+      </p:sp>
+      <p:sp>
+        <p:nvSpPr>
+          <p:cNvPr id="3" name="Content Placeholder 2">
+            <a:extLst>
+              <a:ext uri="{FF2B5EF4-FFF2-40B4-BE49-F238E27FC236}">
+                <a16:creationId xmlns:a16="http://schemas.microsoft.com/office/drawing/2014/main" id="{356EED88-2612-4103-93FF-4A8C464165E5}"/>
+              </a:ext>
+            </a:extLst>
+          </p:cNvPr>
+          <p:cNvSpPr>
+            <a:spLocks noGrp="1"/>
+          </p:cNvSpPr>
+          <p:nvPr>
+            <p:ph sz="half" idx="1"/>
+          </p:nvPr>
+        </p:nvSpPr>
+        <p:spPr>
+          <a:xfrm>
+            <a:off x="838200" y="1825625"/>
+            <a:ext cx="5181600" cy="4351338"/>
+          </a:xfrm>
+        </p:spPr>
+        <p:txBody>
+          <a:bodyPr/>
+          <a:lstStyle/>
+          <a:p>
+            <a:pPr lvl="0"/>
+            <a:r>
+              <a:rPr lang="en-US"/>
+              <a:t>Click to edit Master text styles</a:t>
+            </a:r>
+          </a:p>
+          <a:p>
+            <a:pPr lvl="1"/>
+            <a:r>
+              <a:rPr lang="en-US"/>
+              <a:t>Second level</a:t>
+            </a:r>
+          </a:p>
+          <a:p>
+            <a:pPr lvl="2"/>
+            <a:r>
+              <a:rPr lang="en-US"/>
+              <a:t>Third level</a:t>
+            </a:r>
+          </a:p>
+          <a:p>
+            <a:pPr lvl="3"/>
+            <a:r>
+              <a:rPr lang="en-US"/>
+              <a:t>Fourth level</a:t>
+            </a:r>
+          </a:p>
+          <a:p>
+            <a:pPr lvl="4"/>
+            <a:r>
+              <a:rPr lang="en-US"/>
+              <a:t>Fifth level</a:t>
+            </a:r>
+          </a:p>
+        </p:txBody>
+      </p:sp>
+      <p:sp>
+        <p:nvSpPr>
+          <p:cNvPr id="4" name="Content Placeholder 3">
+            <a:extLst>
+              <a:ext uri="{FF2B5EF4-FFF2-40B4-BE49-F238E27FC236}">
+                <a16:creationId xmlns:a16="http://schemas.microsoft.com/office/drawing/2014/main" id="{8A8DC4B0-7592-4919-A700-B19FB396A21C}"/>
+              </a:ext>
+            </a:extLst>
+          </p:cNvPr>
+          <p:cNvSpPr>
+            <a:spLocks noGrp="1"/>
+          </p:cNvSpPr>
+          <p:nvPr>
+            <p:ph sz="half" idx="2"/>
+          </p:nvPr>
+        </p:nvSpPr>
+        <p:spPr>
+          <a:xfrm>
+            <a:off x="6172200" y="1825625"/>
+            <a:ext cx="5181600" cy="4351338"/>
+          </a:xfrm>
+        </p:spPr>
+        <p:txBody>
+          <a:bodyPr/>
+          <a:lstStyle/>
+          <a:p>
+            <a:pPr lvl="0"/>
+            <a:r>
+              <a:rPr lang="en-US"/>
+              <a:t>Click to edit Master text styles</a:t>
+            </a:r>
+          </a:p>
+          <a:p>
+            <a:pPr lvl="1"/>
+            <a:r>
+              <a:rPr lang="en-US"/>
+              <a:t>Second level</a:t>
+            </a:r>
+          </a:p>
+          <a:p>
+            <a:pPr lvl="2"/>
+            <a:r>
+              <a:rPr lang="en-US"/>
+              <a:t>Third level</a:t>
+            </a:r>
+          </a:p>
+          <a:p>
+            <a:pPr lvl="3"/>
+            <a:r>
+              <a:rPr lang="en-US"/>
+              <a:t>Fourth level</a:t>
+            </a:r>
+          </a:p>
+          <a:p>
+            <a:pPr lvl="4"/>
+            <a:r>
+              <a:rPr lang="en-US"/>
+              <a:t>Fifth level</a:t>
+            </a:r>
+          </a:p>
+        </p:txBody>
+      </p:sp>
+      <p:sp>
+        <p:nvSpPr>
+          <p:cNvPr id="5" name="Date Placeholder 4">
+            <a:extLst>
+              <a:ext uri="{FF2B5EF4-FFF2-40B4-BE49-F238E27FC236}">
+                <a16:creationId xmlns:a16="http://schemas.microsoft.com/office/drawing/2014/main" id="{4D9D7316-517B-45A6-B90B-37DEC4FC7162}"/>
+              </a:ext>
+            </a:extLst>
+          </p:cNvPr>
+          <p:cNvSpPr>
+            <a:spLocks noGrp="1"/>
+          </p:cNvSpPr>
+          <p:nvPr>
+            <p:ph type="dt" sz="half" idx="10"/>
+          </p:nvPr>
+        </p:nvSpPr>
+        <p:spPr/>
+        <p:txBody>
+          <a:bodyPr/>
+          <a:lstStyle/>
+          <a:p>
+            <a:fld id="{A987B397-E019-424E-929C-93741A0EF2DA}" type="datetimeFigureOut">
+              <a:rPr lang="en-US" smtClean="0"/>
+              <a:t>10/2/2019</a:t>
+            </a:fld>
+            <a:endParaRPr lang="en-US"/>
+          </a:p>
+        </p:txBody>
+      </p:sp>
+      <p:sp>
+        <p:nvSpPr>
+          <p:cNvPr id="6" name="Footer Placeholder 5">
+            <a:extLst>
+              <a:ext uri="{FF2B5EF4-FFF2-40B4-BE49-F238E27FC236}">
+                <a16:creationId xmlns:a16="http://schemas.microsoft.com/office/drawing/2014/main" id="{03994DA7-7841-483B-9F0E-519DD1DAC105}"/>
+              </a:ext>
+            </a:extLst>
+          </p:cNvPr>
+          <p:cNvSpPr>
+            <a:spLocks noGrp="1"/>
+          </p:cNvSpPr>
+          <p:nvPr>
+            <p:ph type="ftr" sz="quarter" idx="11"/>
+          </p:nvPr>
+        </p:nvSpPr>
+        <p:spPr/>
+        <p:txBody>
+          <a:bodyPr/>
+          <a:lstStyle/>
+          <a:p>
+            <a:endParaRPr lang="en-US"/>
+          </a:p>
+        </p:txBody>
+      </p:sp>
+      <p:sp>
+        <p:nvSpPr>
+          <p:cNvPr id="7" name="Slide Number Placeholder 6">
+            <a:extLst>
+              <a:ext uri="{FF2B5EF4-FFF2-40B4-BE49-F238E27FC236}">
+                <a16:creationId xmlns:a16="http://schemas.microsoft.com/office/drawing/2014/main" id="{671B2A6F-1B4B-4B27-B280-8A6C7706D821}"/>
+              </a:ext>
+            </a:extLst>
+          </p:cNvPr>
+          <p:cNvSpPr>
+            <a:spLocks noGrp="1"/>
+          </p:cNvSpPr>
+          <p:nvPr>
+            <p:ph type="sldNum" sz="quarter" idx="12"/>
+          </p:nvPr>
+        </p:nvSpPr>
+        <p:spPr/>
+        <p:txBody>
+          <a:bodyPr/>
+          <a:lstStyle/>
+          <a:p>
+            <a:fld id="{44371008-8CA0-4192-A47F-F2BB0B05684C}" type="slidenum">
+              <a:rPr lang="en-US" smtClean="0"/>
+              <a:t>‹#›</a:t>
+            </a:fld>
+            <a:endParaRPr lang="en-US"/>
+          </a:p>
+        </p:txBody>
+      </p:sp>
+    </p:spTree>
+    <p:extLst>
+      <p:ext uri="{BB962C8B-B14F-4D97-AF65-F5344CB8AC3E}">
+        <p14:creationId xmlns:p14="http://schemas.microsoft.com/office/powerpoint/2010/main" val="2094183897"/>
+      </p:ext>
+    </p:extLst>
+  </p:cSld>
+  <p:clrMapOvr>
+    <a:masterClrMapping/>
+  </p:clrMapOvr>
+</p:sldLayout>
+</file>
+
+<file path=ppt/slideLayouts/slideLayout5.xml><?xml version="1.0" encoding="utf-8"?>
+<p:sldLayout xmlns:a="http://schemas.openxmlformats.org/drawingml/2006/main" xmlns:r="http://schemas.openxmlformats.org/officeDocument/2006/relationships" xmlns:p="http://schemas.openxmlformats.org/presentationml/2006/main" type="twoTxTwoObj" preserve="1">
+  <p:cSld name="Comparison">
+    <p:spTree>
+      <p:nvGrpSpPr>
+        <p:cNvPr id="1" name=""/>
+        <p:cNvGrpSpPr/>
+        <p:nvPr/>
+      </p:nvGrpSpPr>
+      <p:grpSpPr>
+        <a:xfrm>
+          <a:off x="0" y="0"/>
+          <a:ext cx="0" cy="0"/>
+          <a:chOff x="0" y="0"/>
+          <a:chExt cx="0" cy="0"/>
+        </a:xfrm>
+      </p:grpSpPr>
+      <p:sp>
+        <p:nvSpPr>
+          <p:cNvPr id="2" name="Title 1">
+            <a:extLst>
+              <a:ext uri="{FF2B5EF4-FFF2-40B4-BE49-F238E27FC236}">
+                <a16:creationId xmlns:a16="http://schemas.microsoft.com/office/drawing/2014/main" id="{B5A0933A-6342-4508-B4DA-3D73D31AFD42}"/>
+              </a:ext>
+            </a:extLst>
+          </p:cNvPr>
+          <p:cNvSpPr>
+            <a:spLocks noGrp="1"/>
+          </p:cNvSpPr>
+          <p:nvPr>
+            <p:ph type="title"/>
+          </p:nvPr>
+        </p:nvSpPr>
+        <p:spPr>
+          <a:xfrm>
+            <a:off x="839788" y="365125"/>
+            <a:ext cx="10515600" cy="1325563"/>
+          </a:xfrm>
+        </p:spPr>
+        <p:txBody>
+          <a:bodyPr/>
+          <a:lstStyle/>
+          <a:p>
+            <a:r>
+              <a:rPr lang="en-US"/>
+              <a:t>Click to edit Master title style</a:t>
+            </a:r>
+          </a:p>
+        </p:txBody>
+      </p:sp>
+      <p:sp>
+        <p:nvSpPr>
+          <p:cNvPr id="3" name="Text Placeholder 2">
+            <a:extLst>
+              <a:ext uri="{FF2B5EF4-FFF2-40B4-BE49-F238E27FC236}">
+                <a16:creationId xmlns:a16="http://schemas.microsoft.com/office/drawing/2014/main" id="{E0799F37-C75D-4824-A748-C29D5964ABF4}"/>
+              </a:ext>
+            </a:extLst>
+          </p:cNvPr>
+          <p:cNvSpPr>
+            <a:spLocks noGrp="1"/>
+          </p:cNvSpPr>
+          <p:nvPr>
+            <p:ph type="body" idx="1"/>
+          </p:nvPr>
+        </p:nvSpPr>
+        <p:spPr>
+          <a:xfrm>
+            <a:off x="839788" y="1681163"/>
+            <a:ext cx="5157787" cy="823912"/>
+          </a:xfrm>
+        </p:spPr>
+        <p:txBody>
+          <a:bodyPr anchor="b"/>
+          <a:lstStyle>
+            <a:lvl1pPr marL="0" indent="0">
+              <a:buNone/>
+              <a:defRPr sz="2400" b="1"/>
+            </a:lvl1pPr>
+            <a:lvl2pPr marL="457200" indent="0">
+              <a:buNone/>
+              <a:defRPr sz="2000" b="1"/>
+            </a:lvl2pPr>
+            <a:lvl3pPr marL="914400" indent="0">
+              <a:buNone/>
+              <a:defRPr sz="1800" b="1"/>
+            </a:lvl3pPr>
+            <a:lvl4pPr marL="1371600" indent="0">
+              <a:buNone/>
+              <a:defRPr sz="1600" b="1"/>
+            </a:lvl4pPr>
+            <a:lvl5pPr marL="1828800" indent="0">
+              <a:buNone/>
+              <a:defRPr sz="1600" b="1"/>
+            </a:lvl5pPr>
+            <a:lvl6pPr marL="2286000" indent="0">
+              <a:buNone/>
+              <a:defRPr sz="1600" b="1"/>
+            </a:lvl6pPr>
+            <a:lvl7pPr marL="2743200" indent="0">
+              <a:buNone/>
+              <a:defRPr sz="1600" b="1"/>
+            </a:lvl7pPr>
+            <a:lvl8pPr marL="3200400" indent="0">
+              <a:buNone/>
+              <a:defRPr sz="1600" b="1"/>
+            </a:lvl8pPr>
+            <a:lvl9pPr marL="3657600" indent="0">
+              <a:buNone/>
+              <a:defRPr sz="1600" b="1"/>
+            </a:lvl9pPr>
+          </a:lstStyle>
+          <a:p>
+            <a:pPr lvl="0"/>
+            <a:r>
+              <a:rPr lang="en-US"/>
+              <a:t>Click to edit Master text styles</a:t>
+            </a:r>
+          </a:p>
+        </p:txBody>
+      </p:sp>
+      <p:sp>
+        <p:nvSpPr>
+          <p:cNvPr id="4" name="Content Placeholder 3">
+            <a:extLst>
+              <a:ext uri="{FF2B5EF4-FFF2-40B4-BE49-F238E27FC236}">
+                <a16:creationId xmlns:a16="http://schemas.microsoft.com/office/drawing/2014/main" id="{1179B7FD-B972-4BCE-BE60-D2F2B729BE31}"/>
+              </a:ext>
+            </a:extLst>
+          </p:cNvPr>
+          <p:cNvSpPr>
+            <a:spLocks noGrp="1"/>
+          </p:cNvSpPr>
+          <p:nvPr>
+            <p:ph sz="half" idx="2"/>
+          </p:nvPr>
+        </p:nvSpPr>
+        <p:spPr>
+          <a:xfrm>
+            <a:off x="839788" y="2505075"/>
+            <a:ext cx="5157787" cy="3684588"/>
+          </a:xfrm>
+        </p:spPr>
+        <p:txBody>
+          <a:bodyPr/>
+          <a:lstStyle/>
+          <a:p>
+            <a:pPr lvl="0"/>
+            <a:r>
+              <a:rPr lang="en-US"/>
+              <a:t>Click to edit Master text styles</a:t>
+            </a:r>
+          </a:p>
+          <a:p>
+            <a:pPr lvl="1"/>
+            <a:r>
+              <a:rPr lang="en-US"/>
+              <a:t>Second level</a:t>
+            </a:r>
+          </a:p>
+          <a:p>
+            <a:pPr lvl="2"/>
+            <a:r>
+              <a:rPr lang="en-US"/>
+              <a:t>Third level</a:t>
+            </a:r>
+          </a:p>
+          <a:p>
+            <a:pPr lvl="3"/>
+            <a:r>
+              <a:rPr lang="en-US"/>
+              <a:t>Fourth level</a:t>
+            </a:r>
+          </a:p>
+          <a:p>
+            <a:pPr lvl="4"/>
+            <a:r>
+              <a:rPr lang="en-US"/>
+              <a:t>Fifth level</a:t>
+            </a:r>
+          </a:p>
+        </p:txBody>
+      </p:sp>
+      <p:sp>
+        <p:nvSpPr>
+          <p:cNvPr id="5" name="Text Placeholder 4">
+            <a:extLst>
+              <a:ext uri="{FF2B5EF4-FFF2-40B4-BE49-F238E27FC236}">
+                <a16:creationId xmlns:a16="http://schemas.microsoft.com/office/drawing/2014/main" id="{D0B8CD46-BFB3-44DD-8F8B-5296A3A5D276}"/>
+              </a:ext>
+            </a:extLst>
+          </p:cNvPr>
+          <p:cNvSpPr>
+            <a:spLocks noGrp="1"/>
+          </p:cNvSpPr>
+          <p:nvPr>
+            <p:ph type="body" sz="quarter" idx="3"/>
+          </p:nvPr>
+        </p:nvSpPr>
+        <p:spPr>
+          <a:xfrm>
+            <a:off x="6172200" y="1681163"/>
+            <a:ext cx="5183188" cy="823912"/>
+          </a:xfrm>
+        </p:spPr>
+        <p:txBody>
+          <a:bodyPr anchor="b"/>
+          <a:lstStyle>
+            <a:lvl1pPr marL="0" indent="0">
+              <a:buNone/>
+              <a:defRPr sz="2400" b="1"/>
+            </a:lvl1pPr>
+            <a:lvl2pPr marL="457200" indent="0">
+              <a:buNone/>
+              <a:defRPr sz="2000" b="1"/>
+            </a:lvl2pPr>
+            <a:lvl3pPr marL="914400" indent="0">
+              <a:buNone/>
+              <a:defRPr sz="1800" b="1"/>
+            </a:lvl3pPr>
+            <a:lvl4pPr marL="1371600" indent="0">
+              <a:buNone/>
+              <a:defRPr sz="1600" b="1"/>
+            </a:lvl4pPr>
+            <a:lvl5pPr marL="1828800" indent="0">
+              <a:buNone/>
+              <a:defRPr sz="1600" b="1"/>
+            </a:lvl5pPr>
+            <a:lvl6pPr marL="2286000" indent="0">
+              <a:buNone/>
+              <a:defRPr sz="1600" b="1"/>
+            </a:lvl6pPr>
+            <a:lvl7pPr marL="2743200" indent="0">
+              <a:buNone/>
+              <a:defRPr sz="1600" b="1"/>
+            </a:lvl7pPr>
+            <a:lvl8pPr marL="3200400" indent="0">
+              <a:buNone/>
+              <a:defRPr sz="1600" b="1"/>
+            </a:lvl8pPr>
+            <a:lvl9pPr marL="3657600" indent="0">
+              <a:buNone/>
+              <a:defRPr sz="1600" b="1"/>
+            </a:lvl9pPr>
+          </a:lstStyle>
+          <a:p>
+            <a:pPr lvl="0"/>
+            <a:r>
+              <a:rPr lang="en-US"/>
+              <a:t>Click to edit Master text styles</a:t>
+            </a:r>
+          </a:p>
+        </p:txBody>
+      </p:sp>
+      <p:sp>
+        <p:nvSpPr>
+          <p:cNvPr id="6" name="Content Placeholder 5">
+            <a:extLst>
+              <a:ext uri="{FF2B5EF4-FFF2-40B4-BE49-F238E27FC236}">
+                <a16:creationId xmlns:a16="http://schemas.microsoft.com/office/drawing/2014/main" id="{EB3B03CF-6B13-4EB1-8A3D-094C0C80B6CD}"/>
+              </a:ext>
+            </a:extLst>
+          </p:cNvPr>
+          <p:cNvSpPr>
+            <a:spLocks noGrp="1"/>
+          </p:cNvSpPr>
+          <p:nvPr>
+            <p:ph sz="quarter" idx="4"/>
+          </p:nvPr>
+        </p:nvSpPr>
+        <p:spPr>
+          <a:xfrm>
+            <a:off x="6172200" y="2505075"/>
+            <a:ext cx="5183188" cy="3684588"/>
+          </a:xfrm>
+        </p:spPr>
+        <p:txBody>
+          <a:bodyPr/>
+          <a:lstStyle/>
+          <a:p>
+            <a:pPr lvl="0"/>
+            <a:r>
+              <a:rPr lang="en-US"/>
+              <a:t>Click to edit Master text styles</a:t>
+            </a:r>
+          </a:p>
+          <a:p>
+            <a:pPr lvl="1"/>
+            <a:r>
+              <a:rPr lang="en-US"/>
+              <a:t>Second level</a:t>
+            </a:r>
+          </a:p>
+          <a:p>
+            <a:pPr lvl="2"/>
+            <a:r>
+              <a:rPr lang="en-US"/>
+              <a:t>Third level</a:t>
+            </a:r>
+          </a:p>
+          <a:p>
+            <a:pPr lvl="3"/>
+            <a:r>
+              <a:rPr lang="en-US"/>
+              <a:t>Fourth level</a:t>
+            </a:r>
+          </a:p>
+          <a:p>
+            <a:pPr lvl="4"/>
+            <a:r>
+              <a:rPr lang="en-US"/>
+              <a:t>Fifth level</a:t>
+            </a:r>
+          </a:p>
+        </p:txBody>
+      </p:sp>
+      <p:sp>
+        <p:nvSpPr>
+          <p:cNvPr id="7" name="Date Placeholder 6">
+            <a:extLst>
+              <a:ext uri="{FF2B5EF4-FFF2-40B4-BE49-F238E27FC236}">
+                <a16:creationId xmlns:a16="http://schemas.microsoft.com/office/drawing/2014/main" id="{00392493-5096-46D7-8122-E4F65F51A3A4}"/>
+              </a:ext>
+            </a:extLst>
+          </p:cNvPr>
+          <p:cNvSpPr>
+            <a:spLocks noGrp="1"/>
+          </p:cNvSpPr>
+          <p:nvPr>
+            <p:ph type="dt" sz="half" idx="10"/>
+          </p:nvPr>
+        </p:nvSpPr>
+        <p:spPr/>
+        <p:txBody>
+          <a:bodyPr/>
+          <a:lstStyle/>
+          <a:p>
+            <a:fld id="{A987B397-E019-424E-929C-93741A0EF2DA}" type="datetimeFigureOut">
+              <a:rPr lang="en-US" smtClean="0"/>
+              <a:t>10/2/2019</a:t>
+            </a:fld>
+            <a:endParaRPr lang="en-US"/>
+          </a:p>
+        </p:txBody>
+      </p:sp>
+      <p:sp>
+        <p:nvSpPr>
+          <p:cNvPr id="8" name="Footer Placeholder 7">
+            <a:extLst>
+              <a:ext uri="{FF2B5EF4-FFF2-40B4-BE49-F238E27FC236}">
+                <a16:creationId xmlns:a16="http://schemas.microsoft.com/office/drawing/2014/main" id="{1AB26CD4-C80D-4C14-9670-7C08F8BD098F}"/>
+              </a:ext>
+            </a:extLst>
+          </p:cNvPr>
+          <p:cNvSpPr>
+            <a:spLocks noGrp="1"/>
+          </p:cNvSpPr>
+          <p:nvPr>
+            <p:ph type="ftr" sz="quarter" idx="11"/>
+          </p:nvPr>
+        </p:nvSpPr>
+        <p:spPr/>
+        <p:txBody>
+          <a:bodyPr/>
+          <a:lstStyle/>
+          <a:p>
+            <a:endParaRPr lang="en-US"/>
+          </a:p>
+        </p:txBody>
+      </p:sp>
+      <p:sp>
+        <p:nvSpPr>
+          <p:cNvPr id="9" name="Slide Number Placeholder 8">
+            <a:extLst>
+              <a:ext uri="{FF2B5EF4-FFF2-40B4-BE49-F238E27FC236}">
+                <a16:creationId xmlns:a16="http://schemas.microsoft.com/office/drawing/2014/main" id="{3BEE1609-3042-4A9A-911E-5F162BA25E66}"/>
+              </a:ext>
+            </a:extLst>
+          </p:cNvPr>
+          <p:cNvSpPr>
+            <a:spLocks noGrp="1"/>
+          </p:cNvSpPr>
+          <p:nvPr>
+            <p:ph type="sldNum" sz="quarter" idx="12"/>
+          </p:nvPr>
+        </p:nvSpPr>
+        <p:spPr/>
+        <p:txBody>
+          <a:bodyPr/>
+          <a:lstStyle/>
+          <a:p>
+            <a:fld id="{44371008-8CA0-4192-A47F-F2BB0B05684C}" type="slidenum">
+              <a:rPr lang="en-US" smtClean="0"/>
+              <a:t>‹#›</a:t>
+            </a:fld>
+            <a:endParaRPr lang="en-US"/>
+          </a:p>
+        </p:txBody>
+      </p:sp>
+    </p:spTree>
+    <p:extLst>
+      <p:ext uri="{BB962C8B-B14F-4D97-AF65-F5344CB8AC3E}">
+        <p14:creationId xmlns:p14="http://schemas.microsoft.com/office/powerpoint/2010/main" val="1588649099"/>
+      </p:ext>
+    </p:extLst>
+  </p:cSld>
+  <p:clrMapOvr>
+    <a:masterClrMapping/>
+  </p:clrMapOvr>
+</p:sldLayout>
+</file>
+
+<file path=ppt/slideLayouts/slideLayout6.xml><?xml version="1.0" encoding="utf-8"?>
+<p:sldLayout xmlns:a="http://schemas.openxmlformats.org/drawingml/2006/main" xmlns:r="http://schemas.openxmlformats.org/officeDocument/2006/relationships" xmlns:p="http://schemas.openxmlformats.org/presentationml/2006/main" type="titleOnly" preserve="1">
+  <p:cSld name="Title Only">
+    <p:spTree>
+      <p:nvGrpSpPr>
+        <p:cNvPr id="1" name=""/>
+        <p:cNvGrpSpPr/>
+        <p:nvPr/>
+      </p:nvGrpSpPr>
+      <p:grpSpPr>
+        <a:xfrm>
+          <a:off x="0" y="0"/>
+          <a:ext cx="0" cy="0"/>
+          <a:chOff x="0" y="0"/>
+          <a:chExt cx="0" cy="0"/>
+        </a:xfrm>
+      </p:grpSpPr>
+      <p:sp>
+        <p:nvSpPr>
+          <p:cNvPr id="2" name="Title 1">
+            <a:extLst>
+              <a:ext uri="{FF2B5EF4-FFF2-40B4-BE49-F238E27FC236}">
+                <a16:creationId xmlns:a16="http://schemas.microsoft.com/office/drawing/2014/main" id="{A286DFE6-91B0-4071-BAC0-30427EECF682}"/>
+              </a:ext>
+            </a:extLst>
+          </p:cNvPr>
+          <p:cNvSpPr>
+            <a:spLocks noGrp="1"/>
+          </p:cNvSpPr>
+          <p:nvPr>
+            <p:ph type="title"/>
+          </p:nvPr>
+        </p:nvSpPr>
+        <p:spPr/>
+        <p:txBody>
+          <a:bodyPr/>
+          <a:lstStyle/>
+          <a:p>
+            <a:r>
+              <a:rPr lang="en-US"/>
+              <a:t>Click to edit Master title style</a:t>
+            </a:r>
+          </a:p>
+        </p:txBody>
+      </p:sp>
+      <p:sp>
+        <p:nvSpPr>
+          <p:cNvPr id="3" name="Date Placeholder 2">
+            <a:extLst>
+              <a:ext uri="{FF2B5EF4-FFF2-40B4-BE49-F238E27FC236}">
+                <a16:creationId xmlns:a16="http://schemas.microsoft.com/office/drawing/2014/main" id="{3B90BC6A-2532-489A-B1A9-84AA2C4154C3}"/>
+              </a:ext>
+            </a:extLst>
+          </p:cNvPr>
+          <p:cNvSpPr>
+            <a:spLocks noGrp="1"/>
+          </p:cNvSpPr>
+          <p:nvPr>
+            <p:ph type="dt" sz="half" idx="10"/>
+          </p:nvPr>
+        </p:nvSpPr>
+        <p:spPr/>
+        <p:txBody>
+          <a:bodyPr/>
+          <a:lstStyle/>
+          <a:p>
+            <a:fld id="{A987B397-E019-424E-929C-93741A0EF2DA}" type="datetimeFigureOut">
+              <a:rPr lang="en-US" smtClean="0"/>
+              <a:t>10/2/2019</a:t>
+            </a:fld>
+            <a:endParaRPr lang="en-US"/>
+          </a:p>
+        </p:txBody>
+      </p:sp>
+      <p:sp>
+        <p:nvSpPr>
+          <p:cNvPr id="4" name="Footer Placeholder 3">
+            <a:extLst>
+              <a:ext uri="{FF2B5EF4-FFF2-40B4-BE49-F238E27FC236}">
+                <a16:creationId xmlns:a16="http://schemas.microsoft.com/office/drawing/2014/main" id="{4BF624CD-312B-4877-B1F5-1614BB3440D1}"/>
+              </a:ext>
+            </a:extLst>
+          </p:cNvPr>
+          <p:cNvSpPr>
+            <a:spLocks noGrp="1"/>
+          </p:cNvSpPr>
+          <p:nvPr>
+            <p:ph type="ftr" sz="quarter" idx="11"/>
+          </p:nvPr>
+        </p:nvSpPr>
+        <p:spPr/>
+        <p:txBody>
+          <a:bodyPr/>
+          <a:lstStyle/>
+          <a:p>
+            <a:endParaRPr lang="en-US"/>
+          </a:p>
+        </p:txBody>
+      </p:sp>
+      <p:sp>
+        <p:nvSpPr>
+          <p:cNvPr id="5" name="Slide Number Placeholder 4">
+            <a:extLst>
+              <a:ext uri="{FF2B5EF4-FFF2-40B4-BE49-F238E27FC236}">
+                <a16:creationId xmlns:a16="http://schemas.microsoft.com/office/drawing/2014/main" id="{3D8BD876-1D9F-4755-AA09-A22399DC496F}"/>
+              </a:ext>
+            </a:extLst>
+          </p:cNvPr>
+          <p:cNvSpPr>
+            <a:spLocks noGrp="1"/>
+          </p:cNvSpPr>
+          <p:nvPr>
+            <p:ph type="sldNum" sz="quarter" idx="12"/>
+          </p:nvPr>
+        </p:nvSpPr>
+        <p:spPr/>
+        <p:txBody>
+          <a:bodyPr/>
+          <a:lstStyle/>
+          <a:p>
+            <a:fld id="{44371008-8CA0-4192-A47F-F2BB0B05684C}" type="slidenum">
+              <a:rPr lang="en-US" smtClean="0"/>
+              <a:t>‹#›</a:t>
+            </a:fld>
+            <a:endParaRPr lang="en-US"/>
+          </a:p>
+        </p:txBody>
+      </p:sp>
+    </p:spTree>
+    <p:extLst>
+      <p:ext uri="{BB962C8B-B14F-4D97-AF65-F5344CB8AC3E}">
+        <p14:creationId xmlns:p14="http://schemas.microsoft.com/office/powerpoint/2010/main" val="2177758221"/>
+      </p:ext>
+    </p:extLst>
+  </p:cSld>
+  <p:clrMapOvr>
+    <a:masterClrMapping/>
+  </p:clrMapOvr>
+</p:sldLayout>
+</file>
+
+<file path=ppt/slideLayouts/slideLayout7.xml><?xml version="1.0" encoding="utf-8"?>
+<p:sldLayout xmlns:a="http://schemas.openxmlformats.org/drawingml/2006/main" xmlns:r="http://schemas.openxmlformats.org/officeDocument/2006/relationships" xmlns:p="http://schemas.openxmlformats.org/presentationml/2006/main" type="blank" preserve="1">
+  <p:cSld name="Blank">
+    <p:spTree>
+      <p:nvGrpSpPr>
+        <p:cNvPr id="1" name=""/>
+        <p:cNvGrpSpPr/>
+        <p:nvPr/>
+      </p:nvGrpSpPr>
+      <p:grpSpPr>
+        <a:xfrm>
+          <a:off x="0" y="0"/>
+          <a:ext cx="0" cy="0"/>
+          <a:chOff x="0" y="0"/>
+          <a:chExt cx="0" cy="0"/>
+        </a:xfrm>
+      </p:grpSpPr>
+      <p:sp>
+        <p:nvSpPr>
+          <p:cNvPr id="2" name="Date Placeholder 1">
+            <a:extLst>
+              <a:ext uri="{FF2B5EF4-FFF2-40B4-BE49-F238E27FC236}">
+                <a16:creationId xmlns:a16="http://schemas.microsoft.com/office/drawing/2014/main" id="{390CBBBF-A9C1-4EA2-A482-2EDA66A76744}"/>
+              </a:ext>
+            </a:extLst>
+          </p:cNvPr>
+          <p:cNvSpPr>
+            <a:spLocks noGrp="1"/>
+          </p:cNvSpPr>
+          <p:nvPr>
+            <p:ph type="dt" sz="half" idx="10"/>
+          </p:nvPr>
+        </p:nvSpPr>
+        <p:spPr/>
+        <p:txBody>
+          <a:bodyPr/>
+          <a:lstStyle/>
+          <a:p>
+            <a:fld id="{A987B397-E019-424E-929C-93741A0EF2DA}" type="datetimeFigureOut">
+              <a:rPr lang="en-US" smtClean="0"/>
+              <a:t>10/2/2019</a:t>
+            </a:fld>
+            <a:endParaRPr lang="en-US"/>
+          </a:p>
+        </p:txBody>
+      </p:sp>
+      <p:sp>
+        <p:nvSpPr>
+          <p:cNvPr id="3" name="Footer Placeholder 2">
+            <a:extLst>
+              <a:ext uri="{FF2B5EF4-FFF2-40B4-BE49-F238E27FC236}">
+                <a16:creationId xmlns:a16="http://schemas.microsoft.com/office/drawing/2014/main" id="{7E96DCA6-137B-4A88-A7F4-BCA87F37A165}"/>
+              </a:ext>
+            </a:extLst>
+          </p:cNvPr>
+          <p:cNvSpPr>
+            <a:spLocks noGrp="1"/>
+          </p:cNvSpPr>
+          <p:nvPr>
+            <p:ph type="ftr" sz="quarter" idx="11"/>
+          </p:nvPr>
+        </p:nvSpPr>
+        <p:spPr/>
+        <p:txBody>
+          <a:bodyPr/>
+          <a:lstStyle/>
+          <a:p>
+            <a:endParaRPr lang="en-US"/>
+          </a:p>
+        </p:txBody>
+      </p:sp>
+      <p:sp>
+        <p:nvSpPr>
+          <p:cNvPr id="4" name="Slide Number Placeholder 3">
+            <a:extLst>
+              <a:ext uri="{FF2B5EF4-FFF2-40B4-BE49-F238E27FC236}">
+                <a16:creationId xmlns:a16="http://schemas.microsoft.com/office/drawing/2014/main" id="{EE7CA730-606E-4A60-BA8D-431EB3ADE45F}"/>
+              </a:ext>
+            </a:extLst>
+          </p:cNvPr>
+          <p:cNvSpPr>
+            <a:spLocks noGrp="1"/>
+          </p:cNvSpPr>
+          <p:nvPr>
+            <p:ph type="sldNum" sz="quarter" idx="12"/>
+          </p:nvPr>
+        </p:nvSpPr>
+        <p:spPr/>
+        <p:txBody>
+          <a:bodyPr/>
+          <a:lstStyle/>
+          <a:p>
+            <a:fld id="{44371008-8CA0-4192-A47F-F2BB0B05684C}" type="slidenum">
+              <a:rPr lang="en-US" smtClean="0"/>
+              <a:t>‹#›</a:t>
+            </a:fld>
+            <a:endParaRPr lang="en-US"/>
+          </a:p>
+        </p:txBody>
+      </p:sp>
+    </p:spTree>
+    <p:extLst>
+      <p:ext uri="{BB962C8B-B14F-4D97-AF65-F5344CB8AC3E}">
+        <p14:creationId xmlns:p14="http://schemas.microsoft.com/office/powerpoint/2010/main" val="1272417245"/>
+      </p:ext>
+    </p:extLst>
+  </p:cSld>
+  <p:clrMapOvr>
+    <a:masterClrMapping/>
+  </p:clrMapOvr>
+</p:sldLayout>
+</file>
+
+<file path=ppt/slideLayouts/slideLayout8.xml><?xml version="1.0" encoding="utf-8"?>
+<p:sldLayout xmlns:a="http://schemas.openxmlformats.org/drawingml/2006/main" xmlns:r="http://schemas.openxmlformats.org/officeDocument/2006/relationships" xmlns:p="http://schemas.openxmlformats.org/presentationml/2006/main" type="objTx" preserve="1">
+  <p:cSld name="Content with Caption">
+    <p:spTree>
+      <p:nvGrpSpPr>
+        <p:cNvPr id="1" name=""/>
+        <p:cNvGrpSpPr/>
+        <p:nvPr/>
+      </p:nvGrpSpPr>
+      <p:grpSpPr>
+        <a:xfrm>
+          <a:off x="0" y="0"/>
+          <a:ext cx="0" cy="0"/>
+          <a:chOff x="0" y="0"/>
+          <a:chExt cx="0" cy="0"/>
+        </a:xfrm>
+      </p:grpSpPr>
+      <p:sp>
+        <p:nvSpPr>
+          <p:cNvPr id="2" name="Title 1">
+            <a:extLst>
+              <a:ext uri="{FF2B5EF4-FFF2-40B4-BE49-F238E27FC236}">
+                <a16:creationId xmlns:a16="http://schemas.microsoft.com/office/drawing/2014/main" id="{25776560-1FA3-4EE3-B9F8-A789F418DDB4}"/>
+              </a:ext>
+            </a:extLst>
+          </p:cNvPr>
+          <p:cNvSpPr>
+            <a:spLocks noGrp="1"/>
+          </p:cNvSpPr>
+          <p:nvPr>
+            <p:ph type="title"/>
+          </p:nvPr>
+        </p:nvSpPr>
+        <p:spPr>
+          <a:xfrm>
+            <a:off x="839788" y="457200"/>
+            <a:ext cx="3932237" cy="1600200"/>
+          </a:xfrm>
+        </p:spPr>
+        <p:txBody>
+          <a:bodyPr anchor="b"/>
+          <a:lstStyle>
+            <a:lvl1pPr>
+              <a:defRPr sz="3200"/>
+            </a:lvl1pPr>
+          </a:lstStyle>
+          <a:p>
+            <a:r>
+              <a:rPr lang="en-US"/>
+              <a:t>Click to edit Master title style</a:t>
+            </a:r>
+          </a:p>
+        </p:txBody>
+      </p:sp>
+      <p:sp>
+        <p:nvSpPr>
+          <p:cNvPr id="3" name="Content Placeholder 2">
+            <a:extLst>
+              <a:ext uri="{FF2B5EF4-FFF2-40B4-BE49-F238E27FC236}">
+                <a16:creationId xmlns:a16="http://schemas.microsoft.com/office/drawing/2014/main" id="{EB7B85CD-C817-47D6-BA98-01CDCBFA3F99}"/>
+              </a:ext>
+            </a:extLst>
+          </p:cNvPr>
+          <p:cNvSpPr>
+            <a:spLocks noGrp="1"/>
+          </p:cNvSpPr>
+          <p:nvPr>
+            <p:ph idx="1"/>
+          </p:nvPr>
+        </p:nvSpPr>
+        <p:spPr>
+          <a:xfrm>
+            <a:off x="5183188" y="987425"/>
+            <a:ext cx="6172200" cy="4873625"/>
+          </a:xfrm>
+        </p:spPr>
+        <p:txBody>
+          <a:bodyPr/>
+          <a:lstStyle>
+            <a:lvl1pPr>
+              <a:defRPr sz="3200"/>
+            </a:lvl1pPr>
+            <a:lvl2pPr>
+              <a:defRPr sz="2800"/>
+            </a:lvl2pPr>
+            <a:lvl3pPr>
+              <a:defRPr sz="2400"/>
+            </a:lvl3pPr>
+            <a:lvl4pPr>
+              <a:defRPr sz="2000"/>
+            </a:lvl4pPr>
+            <a:lvl5pPr>
+              <a:defRPr sz="2000"/>
+            </a:lvl5pPr>
+            <a:lvl6pPr>
+              <a:defRPr sz="2000"/>
+            </a:lvl6pPr>
+            <a:lvl7pPr>
+              <a:defRPr sz="2000"/>
+            </a:lvl7pPr>
+            <a:lvl8pPr>
+              <a:defRPr sz="2000"/>
+            </a:lvl8pPr>
+            <a:lvl9pPr>
+              <a:defRPr sz="2000"/>
+            </a:lvl9pPr>
+          </a:lstStyle>
+          <a:p>
+            <a:pPr lvl="0"/>
+            <a:r>
+              <a:rPr lang="en-US"/>
+              <a:t>Click to edit Master text styles</a:t>
+            </a:r>
+          </a:p>
+          <a:p>
+            <a:pPr lvl="1"/>
+            <a:r>
+              <a:rPr lang="en-US"/>
+              <a:t>Second level</a:t>
+            </a:r>
+          </a:p>
+          <a:p>
+            <a:pPr lvl="2"/>
+            <a:r>
+              <a:rPr lang="en-US"/>
+              <a:t>Third level</a:t>
+            </a:r>
+          </a:p>
+          <a:p>
+            <a:pPr lvl="3"/>
+            <a:r>
+              <a:rPr lang="en-US"/>
+              <a:t>Fourth level</a:t>
+            </a:r>
+          </a:p>
+          <a:p>
+            <a:pPr lvl="4"/>
+            <a:r>
+              <a:rPr lang="en-US"/>
+              <a:t>Fifth level</a:t>
+            </a:r>
+          </a:p>
+        </p:txBody>
+      </p:sp>
+      <p:sp>
+        <p:nvSpPr>
+          <p:cNvPr id="4" name="Text Placeholder 3">
+            <a:extLst>
+              <a:ext uri="{FF2B5EF4-FFF2-40B4-BE49-F238E27FC236}">
+                <a16:creationId xmlns:a16="http://schemas.microsoft.com/office/drawing/2014/main" id="{430E31C6-74F8-4C47-8F0D-D378DE762FAA}"/>
+              </a:ext>
+            </a:extLst>
+          </p:cNvPr>
+          <p:cNvSpPr>
+            <a:spLocks noGrp="1"/>
+          </p:cNvSpPr>
+          <p:nvPr>
+            <p:ph type="body" sz="half" idx="2"/>
+          </p:nvPr>
+        </p:nvSpPr>
+        <p:spPr>
+          <a:xfrm>
+            <a:off x="839788" y="2057400"/>
+            <a:ext cx="3932237" cy="3811588"/>
+          </a:xfrm>
+        </p:spPr>
+        <p:txBody>
+          <a:bodyPr/>
+          <a:lstStyle>
+            <a:lvl1pPr marL="0" indent="0">
+              <a:buNone/>
+              <a:defRPr sz="1600"/>
+            </a:lvl1pPr>
+            <a:lvl2pPr marL="457200" indent="0">
+              <a:buNone/>
+              <a:defRPr sz="1400"/>
+            </a:lvl2pPr>
+            <a:lvl3pPr marL="914400" indent="0">
+              <a:buNone/>
+              <a:defRPr sz="1200"/>
+            </a:lvl3pPr>
+            <a:lvl4pPr marL="1371600" indent="0">
+              <a:buNone/>
+              <a:defRPr sz="1000"/>
+            </a:lvl4pPr>
+            <a:lvl5pPr marL="1828800" indent="0">
+              <a:buNone/>
+              <a:defRPr sz="1000"/>
+            </a:lvl5pPr>
+            <a:lvl6pPr marL="2286000" indent="0">
+              <a:buNone/>
+              <a:defRPr sz="1000"/>
+            </a:lvl6pPr>
+            <a:lvl7pPr marL="2743200" indent="0">
+              <a:buNone/>
+              <a:defRPr sz="1000"/>
+            </a:lvl7pPr>
+            <a:lvl8pPr marL="3200400" indent="0">
+              <a:buNone/>
+              <a:defRPr sz="1000"/>
+            </a:lvl8pPr>
+            <a:lvl9pPr marL="3657600" indent="0">
+              <a:buNone/>
+              <a:defRPr sz="1000"/>
+            </a:lvl9pPr>
+          </a:lstStyle>
+          <a:p>
+            <a:pPr lvl="0"/>
+            <a:r>
+              <a:rPr lang="en-US"/>
+              <a:t>Click to edit Master text styles</a:t>
+            </a:r>
+          </a:p>
+        </p:txBody>
+      </p:sp>
+      <p:sp>
+        <p:nvSpPr>
+          <p:cNvPr id="5" name="Date Placeholder 4">
+            <a:extLst>
+              <a:ext uri="{FF2B5EF4-FFF2-40B4-BE49-F238E27FC236}">
+                <a16:creationId xmlns:a16="http://schemas.microsoft.com/office/drawing/2014/main" id="{452FCE6A-D7FC-45F7-8913-6CF1056FAAAA}"/>
+              </a:ext>
+            </a:extLst>
+          </p:cNvPr>
+          <p:cNvSpPr>
+            <a:spLocks noGrp="1"/>
+          </p:cNvSpPr>
+          <p:nvPr>
+            <p:ph type="dt" sz="half" idx="10"/>
+          </p:nvPr>
+        </p:nvSpPr>
+        <p:spPr/>
+        <p:txBody>
+          <a:bodyPr/>
+          <a:lstStyle/>
+          <a:p>
+            <a:fld id="{A987B397-E019-424E-929C-93741A0EF2DA}" type="datetimeFigureOut">
+              <a:rPr lang="en-US" smtClean="0"/>
+              <a:t>10/2/2019</a:t>
+            </a:fld>
+            <a:endParaRPr lang="en-US"/>
+          </a:p>
+        </p:txBody>
+      </p:sp>
+      <p:sp>
+        <p:nvSpPr>
+          <p:cNvPr id="6" name="Footer Placeholder 5">
+            <a:extLst>
+              <a:ext uri="{FF2B5EF4-FFF2-40B4-BE49-F238E27FC236}">
+                <a16:creationId xmlns:a16="http://schemas.microsoft.com/office/drawing/2014/main" id="{845B8A61-5390-4455-AA6E-0AF3E191EE25}"/>
+              </a:ext>
+            </a:extLst>
+          </p:cNvPr>
+          <p:cNvSpPr>
+            <a:spLocks noGrp="1"/>
+          </p:cNvSpPr>
+          <p:nvPr>
+            <p:ph type="ftr" sz="quarter" idx="11"/>
+          </p:nvPr>
+        </p:nvSpPr>
+        <p:spPr/>
+        <p:txBody>
+          <a:bodyPr/>
+          <a:lstStyle/>
+          <a:p>
+            <a:endParaRPr lang="en-US"/>
+          </a:p>
+        </p:txBody>
+      </p:sp>
+      <p:sp>
+        <p:nvSpPr>
+          <p:cNvPr id="7" name="Slide Number Placeholder 6">
+            <a:extLst>
+              <a:ext uri="{FF2B5EF4-FFF2-40B4-BE49-F238E27FC236}">
+                <a16:creationId xmlns:a16="http://schemas.microsoft.com/office/drawing/2014/main" id="{4D1AB0DA-6AFF-4A07-A1AB-C9CACECD0F9D}"/>
+              </a:ext>
+            </a:extLst>
+          </p:cNvPr>
+          <p:cNvSpPr>
+            <a:spLocks noGrp="1"/>
+          </p:cNvSpPr>
+          <p:nvPr>
+            <p:ph type="sldNum" sz="quarter" idx="12"/>
+          </p:nvPr>
+        </p:nvSpPr>
+        <p:spPr/>
+        <p:txBody>
+          <a:bodyPr/>
+          <a:lstStyle/>
+          <a:p>
+            <a:fld id="{44371008-8CA0-4192-A47F-F2BB0B05684C}" type="slidenum">
+              <a:rPr lang="en-US" smtClean="0"/>
+              <a:t>‹#›</a:t>
+            </a:fld>
+            <a:endParaRPr lang="en-US"/>
+          </a:p>
+        </p:txBody>
+      </p:sp>
+    </p:spTree>
+    <p:extLst>
+      <p:ext uri="{BB962C8B-B14F-4D97-AF65-F5344CB8AC3E}">
+        <p14:creationId xmlns:p14="http://schemas.microsoft.com/office/powerpoint/2010/main" val="3511068598"/>
+      </p:ext>
+    </p:extLst>
+  </p:cSld>
+  <p:clrMapOvr>
+    <a:masterClrMapping/>
+  </p:clrMapOvr>
+</p:sldLayout>
+</file>
+
+<file path=ppt/slideLayouts/slideLayout9.xml><?xml version="1.0" encoding="utf-8"?>
+<p:sldLayout xmlns:a="http://schemas.openxmlformats.org/drawingml/2006/main" xmlns:r="http://schemas.openxmlformats.org/officeDocument/2006/relationships" xmlns:p="http://schemas.openxmlformats.org/presentationml/2006/main" type="picTx" preserve="1">
+  <p:cSld name="Picture with Caption">
+    <p:spTree>
+      <p:nvGrpSpPr>
+        <p:cNvPr id="1" name=""/>
+        <p:cNvGrpSpPr/>
+        <p:nvPr/>
+      </p:nvGrpSpPr>
+      <p:grpSpPr>
+        <a:xfrm>
+          <a:off x="0" y="0"/>
+          <a:ext cx="0" cy="0"/>
+          <a:chOff x="0" y="0"/>
+          <a:chExt cx="0" cy="0"/>
+        </a:xfrm>
+      </p:grpSpPr>
+      <p:sp>
+        <p:nvSpPr>
+          <p:cNvPr id="2" name="Title 1">
+            <a:extLst>
+              <a:ext uri="{FF2B5EF4-FFF2-40B4-BE49-F238E27FC236}">
+                <a16:creationId xmlns:a16="http://schemas.microsoft.com/office/drawing/2014/main" id="{48C17C20-1ECB-4681-88C6-D2ADCC70BBC5}"/>
+              </a:ext>
+            </a:extLst>
+          </p:cNvPr>
+          <p:cNvSpPr>
+            <a:spLocks noGrp="1"/>
+          </p:cNvSpPr>
+          <p:nvPr>
+            <p:ph type="title"/>
+          </p:nvPr>
+        </p:nvSpPr>
+        <p:spPr>
+          <a:xfrm>
+            <a:off x="839788" y="457200"/>
+            <a:ext cx="3932237" cy="1600200"/>
+          </a:xfrm>
+        </p:spPr>
+        <p:txBody>
+          <a:bodyPr anchor="b"/>
+          <a:lstStyle>
+            <a:lvl1pPr>
+              <a:defRPr sz="3200"/>
+            </a:lvl1pPr>
+          </a:lstStyle>
+          <a:p>
+            <a:r>
+              <a:rPr lang="en-US"/>
+              <a:t>Click to edit Master title style</a:t>
+            </a:r>
+          </a:p>
+        </p:txBody>
+      </p:sp>
+      <p:sp>
+        <p:nvSpPr>
+          <p:cNvPr id="3" name="Picture Placeholder 2">
+            <a:extLst>
+              <a:ext uri="{FF2B5EF4-FFF2-40B4-BE49-F238E27FC236}">
+                <a16:creationId xmlns:a16="http://schemas.microsoft.com/office/drawing/2014/main" id="{8F0050CD-E08D-4E15-9205-7029CF588B84}"/>
+              </a:ext>
+            </a:extLst>
+          </p:cNvPr>
+          <p:cNvSpPr>
+            <a:spLocks noGrp="1"/>
+          </p:cNvSpPr>
+          <p:nvPr>
+            <p:ph type="pic" idx="1"/>
+          </p:nvPr>
+        </p:nvSpPr>
+        <p:spPr>
+          <a:xfrm>
+            <a:off x="5183188" y="987425"/>
+            <a:ext cx="6172200" cy="4873625"/>
+          </a:xfrm>
+        </p:spPr>
+        <p:txBody>
+          <a:bodyPr/>
+          <a:lstStyle>
+            <a:lvl1pPr marL="0" indent="0">
+              <a:buNone/>
+              <a:defRPr sz="3200"/>
+            </a:lvl1pPr>
+            <a:lvl2pPr marL="457200" indent="0">
+              <a:buNone/>
+              <a:defRPr sz="2800"/>
+            </a:lvl2pPr>
+            <a:lvl3pPr marL="914400" indent="0">
+              <a:buNone/>
+              <a:defRPr sz="2400"/>
+            </a:lvl3pPr>
+            <a:lvl4pPr marL="1371600" indent="0">
+              <a:buNone/>
+              <a:defRPr sz="2000"/>
+            </a:lvl4pPr>
+            <a:lvl5pPr marL="1828800" indent="0">
+              <a:buNone/>
+              <a:defRPr sz="2000"/>
+            </a:lvl5pPr>
+            <a:lvl6pPr marL="2286000" indent="0">
+              <a:buNone/>
+              <a:defRPr sz="2000"/>
+            </a:lvl6pPr>
+            <a:lvl7pPr marL="2743200" indent="0">
+              <a:buNone/>
+              <a:defRPr sz="2000"/>
+            </a:lvl7pPr>
+            <a:lvl8pPr marL="3200400" indent="0">
+              <a:buNone/>
+              <a:defRPr sz="2000"/>
+            </a:lvl8pPr>
+            <a:lvl9pPr marL="3657600" indent="0">
+              <a:buNone/>
+              <a:defRPr sz="2000"/>
+            </a:lvl9pPr>
+          </a:lstStyle>
+          <a:p>
+            <a:endParaRPr lang="en-US"/>
+          </a:p>
+        </p:txBody>
+      </p:sp>
+      <p:sp>
+        <p:nvSpPr>
+          <p:cNvPr id="4" name="Text Placeholder 3">
+            <a:extLst>
+              <a:ext uri="{FF2B5EF4-FFF2-40B4-BE49-F238E27FC236}">
+                <a16:creationId xmlns:a16="http://schemas.microsoft.com/office/drawing/2014/main" id="{8C75DB53-CE68-4C12-ADEB-2366D1C7739E}"/>
+              </a:ext>
+            </a:extLst>
+          </p:cNvPr>
+          <p:cNvSpPr>
+            <a:spLocks noGrp="1"/>
+          </p:cNvSpPr>
+          <p:nvPr>
+            <p:ph type="body" sz="half" idx="2"/>
+          </p:nvPr>
+        </p:nvSpPr>
+        <p:spPr>
+          <a:xfrm>
+            <a:off x="839788" y="2057400"/>
+            <a:ext cx="3932237" cy="3811588"/>
+          </a:xfrm>
+        </p:spPr>
+        <p:txBody>
+          <a:bodyPr/>
+          <a:lstStyle>
+            <a:lvl1pPr marL="0" indent="0">
+              <a:buNone/>
+              <a:defRPr sz="1600"/>
+            </a:lvl1pPr>
+            <a:lvl2pPr marL="457200" indent="0">
+              <a:buNone/>
+              <a:defRPr sz="1400"/>
+            </a:lvl2pPr>
+            <a:lvl3pPr marL="914400" indent="0">
+              <a:buNone/>
+              <a:defRPr sz="1200"/>
+            </a:lvl3pPr>
+            <a:lvl4pPr marL="1371600" indent="0">
+              <a:buNone/>
+              <a:defRPr sz="1000"/>
+            </a:lvl4pPr>
+            <a:lvl5pPr marL="1828800" indent="0">
+              <a:buNone/>
+              <a:defRPr sz="1000"/>
+            </a:lvl5pPr>
+            <a:lvl6pPr marL="2286000" indent="0">
+              <a:buNone/>
+              <a:defRPr sz="1000"/>
+            </a:lvl6pPr>
+            <a:lvl7pPr marL="2743200" indent="0">
+              <a:buNone/>
+              <a:defRPr sz="1000"/>
+            </a:lvl7pPr>
+            <a:lvl8pPr marL="3200400" indent="0">
+              <a:buNone/>
+              <a:defRPr sz="1000"/>
+            </a:lvl8pPr>
+            <a:lvl9pPr marL="3657600" indent="0">
+              <a:buNone/>
+              <a:defRPr sz="1000"/>
+            </a:lvl9pPr>
+          </a:lstStyle>
+          <a:p>
+            <a:pPr lvl="0"/>
+            <a:r>
+              <a:rPr lang="en-US"/>
+              <a:t>Click to edit Master text styles</a:t>
+            </a:r>
+          </a:p>
+        </p:txBody>
+      </p:sp>
+      <p:sp>
+        <p:nvSpPr>
+          <p:cNvPr id="5" name="Date Placeholder 4">
+            <a:extLst>
+              <a:ext uri="{FF2B5EF4-FFF2-40B4-BE49-F238E27FC236}">
+                <a16:creationId xmlns:a16="http://schemas.microsoft.com/office/drawing/2014/main" id="{E8D0CA85-DE8E-4EC8-8B47-A1E012BA8DB1}"/>
+              </a:ext>
+            </a:extLst>
+          </p:cNvPr>
+          <p:cNvSpPr>
+            <a:spLocks noGrp="1"/>
+          </p:cNvSpPr>
+          <p:nvPr>
+            <p:ph type="dt" sz="half" idx="10"/>
+          </p:nvPr>
+        </p:nvSpPr>
+        <p:spPr/>
+        <p:txBody>
+          <a:bodyPr/>
+          <a:lstStyle/>
+          <a:p>
+            <a:fld id="{A987B397-E019-424E-929C-93741A0EF2DA}" type="datetimeFigureOut">
+              <a:rPr lang="en-US" smtClean="0"/>
+              <a:t>10/2/2019</a:t>
             </a:fld>
             <a:endParaRPr lang="en-US"/>
           </a:p>
@@ -2904,7 +5540,7 @@
           <a:p>
             <a:fld id="{A987B397-E019-424E-929C-93741A0EF2DA}" type="datetimeFigureOut">
               <a:rPr lang="en-US" smtClean="0"/>
-              <a:t>7/26/2019</a:t>
+              <a:t>10/2/2019</a:t>
             </a:fld>
             <a:endParaRPr lang="en-US"/>
           </a:p>
@@ -3304,6 +5940,574 @@
 </p:sldMaster>
 </file>
 
+<file path=ppt/slideMasters/slideMaster2.xml><?xml version="1.0" encoding="utf-8"?>
+<p:sldMaster xmlns:a="http://schemas.openxmlformats.org/drawingml/2006/main" xmlns:r="http://schemas.openxmlformats.org/officeDocument/2006/relationships" xmlns:p="http://schemas.openxmlformats.org/presentationml/2006/main">
+  <p:cSld>
+    <p:bg>
+      <p:bgRef idx="1001">
+        <a:schemeClr val="bg1"/>
+      </p:bgRef>
+    </p:bg>
+    <p:spTree>
+      <p:nvGrpSpPr>
+        <p:cNvPr id="1" name=""/>
+        <p:cNvGrpSpPr/>
+        <p:nvPr/>
+      </p:nvGrpSpPr>
+      <p:grpSpPr>
+        <a:xfrm>
+          <a:off x="0" y="0"/>
+          <a:ext cx="0" cy="0"/>
+          <a:chOff x="0" y="0"/>
+          <a:chExt cx="0" cy="0"/>
+        </a:xfrm>
+      </p:grpSpPr>
+      <p:sp>
+        <p:nvSpPr>
+          <p:cNvPr id="2" name="Title Placeholder 1">
+            <a:extLst>
+              <a:ext uri="{FF2B5EF4-FFF2-40B4-BE49-F238E27FC236}">
+                <a16:creationId xmlns:a16="http://schemas.microsoft.com/office/drawing/2014/main" id="{0D00076D-637E-45FF-BEBD-C5F993FAD40E}"/>
+              </a:ext>
+            </a:extLst>
+          </p:cNvPr>
+          <p:cNvSpPr>
+            <a:spLocks noGrp="1"/>
+          </p:cNvSpPr>
+          <p:nvPr>
+            <p:ph type="title"/>
+          </p:nvPr>
+        </p:nvSpPr>
+        <p:spPr>
+          <a:xfrm>
+            <a:off x="838200" y="365125"/>
+            <a:ext cx="10515600" cy="1325563"/>
+          </a:xfrm>
+          <a:prstGeom prst="rect">
+            <a:avLst/>
+          </a:prstGeom>
+        </p:spPr>
+        <p:txBody>
+          <a:bodyPr vert="horz" lIns="91440" tIns="45720" rIns="91440" bIns="45720" rtlCol="0" anchor="ctr">
+            <a:normAutofit/>
+          </a:bodyPr>
+          <a:lstStyle/>
+          <a:p>
+            <a:r>
+              <a:rPr lang="en-US"/>
+              <a:t>Click to edit Master title style</a:t>
+            </a:r>
+          </a:p>
+        </p:txBody>
+      </p:sp>
+      <p:sp>
+        <p:nvSpPr>
+          <p:cNvPr id="3" name="Text Placeholder 2">
+            <a:extLst>
+              <a:ext uri="{FF2B5EF4-FFF2-40B4-BE49-F238E27FC236}">
+                <a16:creationId xmlns:a16="http://schemas.microsoft.com/office/drawing/2014/main" id="{37E1042D-FCEE-4135-9187-80AB46C32456}"/>
+              </a:ext>
+            </a:extLst>
+          </p:cNvPr>
+          <p:cNvSpPr>
+            <a:spLocks noGrp="1"/>
+          </p:cNvSpPr>
+          <p:nvPr>
+            <p:ph type="body" idx="1"/>
+          </p:nvPr>
+        </p:nvSpPr>
+        <p:spPr>
+          <a:xfrm>
+            <a:off x="838200" y="1825625"/>
+            <a:ext cx="10515600" cy="4351338"/>
+          </a:xfrm>
+          <a:prstGeom prst="rect">
+            <a:avLst/>
+          </a:prstGeom>
+        </p:spPr>
+        <p:txBody>
+          <a:bodyPr vert="horz" lIns="91440" tIns="45720" rIns="91440" bIns="45720" rtlCol="0">
+            <a:normAutofit/>
+          </a:bodyPr>
+          <a:lstStyle/>
+          <a:p>
+            <a:pPr lvl="0"/>
+            <a:r>
+              <a:rPr lang="en-US"/>
+              <a:t>Edit Master text styles</a:t>
+            </a:r>
+          </a:p>
+          <a:p>
+            <a:pPr lvl="1"/>
+            <a:r>
+              <a:rPr lang="en-US"/>
+              <a:t>Second level</a:t>
+            </a:r>
+          </a:p>
+          <a:p>
+            <a:pPr lvl="2"/>
+            <a:r>
+              <a:rPr lang="en-US"/>
+              <a:t>Third level</a:t>
+            </a:r>
+          </a:p>
+          <a:p>
+            <a:pPr lvl="3"/>
+            <a:r>
+              <a:rPr lang="en-US"/>
+              <a:t>Fourth level</a:t>
+            </a:r>
+          </a:p>
+          <a:p>
+            <a:pPr lvl="4"/>
+            <a:r>
+              <a:rPr lang="en-US"/>
+              <a:t>Fifth level</a:t>
+            </a:r>
+          </a:p>
+        </p:txBody>
+      </p:sp>
+      <p:sp>
+        <p:nvSpPr>
+          <p:cNvPr id="4" name="Date Placeholder 3">
+            <a:extLst>
+              <a:ext uri="{FF2B5EF4-FFF2-40B4-BE49-F238E27FC236}">
+                <a16:creationId xmlns:a16="http://schemas.microsoft.com/office/drawing/2014/main" id="{8D00DBF7-EFFA-4A00-BCA2-9D2FD5534A0E}"/>
+              </a:ext>
+            </a:extLst>
+          </p:cNvPr>
+          <p:cNvSpPr>
+            <a:spLocks noGrp="1"/>
+          </p:cNvSpPr>
+          <p:nvPr>
+            <p:ph type="dt" sz="half" idx="2"/>
+          </p:nvPr>
+        </p:nvSpPr>
+        <p:spPr>
+          <a:xfrm>
+            <a:off x="838200" y="6356350"/>
+            <a:ext cx="2743200" cy="365125"/>
+          </a:xfrm>
+          <a:prstGeom prst="rect">
+            <a:avLst/>
+          </a:prstGeom>
+        </p:spPr>
+        <p:txBody>
+          <a:bodyPr vert="horz" lIns="91440" tIns="45720" rIns="91440" bIns="45720" rtlCol="0" anchor="ctr"/>
+          <a:lstStyle>
+            <a:lvl1pPr algn="l">
+              <a:defRPr sz="1200">
+                <a:solidFill>
+                  <a:schemeClr val="tx1">
+                    <a:tint val="75000"/>
+                  </a:schemeClr>
+                </a:solidFill>
+              </a:defRPr>
+            </a:lvl1pPr>
+          </a:lstStyle>
+          <a:p>
+            <a:fld id="{A3801F64-650A-4E5C-9452-07D25B3D3043}" type="datetimeFigureOut">
+              <a:rPr lang="en-US" smtClean="0"/>
+              <a:t>10/2/2019</a:t>
+            </a:fld>
+            <a:endParaRPr lang="en-US"/>
+          </a:p>
+        </p:txBody>
+      </p:sp>
+      <p:sp>
+        <p:nvSpPr>
+          <p:cNvPr id="5" name="Footer Placeholder 4">
+            <a:extLst>
+              <a:ext uri="{FF2B5EF4-FFF2-40B4-BE49-F238E27FC236}">
+                <a16:creationId xmlns:a16="http://schemas.microsoft.com/office/drawing/2014/main" id="{C84EF55B-6EA1-43C0-AAC7-C827DDE48AFD}"/>
+              </a:ext>
+            </a:extLst>
+          </p:cNvPr>
+          <p:cNvSpPr>
+            <a:spLocks noGrp="1"/>
+          </p:cNvSpPr>
+          <p:nvPr>
+            <p:ph type="ftr" sz="quarter" idx="3"/>
+          </p:nvPr>
+        </p:nvSpPr>
+        <p:spPr>
+          <a:xfrm>
+            <a:off x="4038600" y="6356350"/>
+            <a:ext cx="4114800" cy="365125"/>
+          </a:xfrm>
+          <a:prstGeom prst="rect">
+            <a:avLst/>
+          </a:prstGeom>
+        </p:spPr>
+        <p:txBody>
+          <a:bodyPr vert="horz" lIns="91440" tIns="45720" rIns="91440" bIns="45720" rtlCol="0" anchor="ctr"/>
+          <a:lstStyle>
+            <a:lvl1pPr algn="ctr">
+              <a:defRPr sz="1200">
+                <a:solidFill>
+                  <a:schemeClr val="tx1">
+                    <a:tint val="75000"/>
+                  </a:schemeClr>
+                </a:solidFill>
+              </a:defRPr>
+            </a:lvl1pPr>
+          </a:lstStyle>
+          <a:p>
+            <a:endParaRPr lang="en-US"/>
+          </a:p>
+        </p:txBody>
+      </p:sp>
+      <p:sp>
+        <p:nvSpPr>
+          <p:cNvPr id="6" name="Slide Number Placeholder 5">
+            <a:extLst>
+              <a:ext uri="{FF2B5EF4-FFF2-40B4-BE49-F238E27FC236}">
+                <a16:creationId xmlns:a16="http://schemas.microsoft.com/office/drawing/2014/main" id="{23D76F87-ABEF-4156-B104-4D1510A23AEE}"/>
+              </a:ext>
+            </a:extLst>
+          </p:cNvPr>
+          <p:cNvSpPr>
+            <a:spLocks noGrp="1"/>
+          </p:cNvSpPr>
+          <p:nvPr>
+            <p:ph type="sldNum" sz="quarter" idx="4"/>
+          </p:nvPr>
+        </p:nvSpPr>
+        <p:spPr>
+          <a:xfrm>
+            <a:off x="8610600" y="6356350"/>
+            <a:ext cx="2743200" cy="365125"/>
+          </a:xfrm>
+          <a:prstGeom prst="rect">
+            <a:avLst/>
+          </a:prstGeom>
+        </p:spPr>
+        <p:txBody>
+          <a:bodyPr vert="horz" lIns="91440" tIns="45720" rIns="91440" bIns="45720" rtlCol="0" anchor="ctr"/>
+          <a:lstStyle>
+            <a:lvl1pPr algn="r">
+              <a:defRPr sz="1200">
+                <a:solidFill>
+                  <a:schemeClr val="tx1">
+                    <a:tint val="75000"/>
+                  </a:schemeClr>
+                </a:solidFill>
+              </a:defRPr>
+            </a:lvl1pPr>
+          </a:lstStyle>
+          <a:p>
+            <a:fld id="{687794A9-DBC2-4488-BED6-A689E0FA8576}" type="slidenum">
+              <a:rPr lang="en-US" smtClean="0"/>
+              <a:t>‹#›</a:t>
+            </a:fld>
+            <a:endParaRPr lang="en-US"/>
+          </a:p>
+        </p:txBody>
+      </p:sp>
+    </p:spTree>
+    <p:extLst>
+      <p:ext uri="{BB962C8B-B14F-4D97-AF65-F5344CB8AC3E}">
+        <p14:creationId xmlns:p14="http://schemas.microsoft.com/office/powerpoint/2010/main" val="2438129030"/>
+      </p:ext>
+    </p:extLst>
+  </p:cSld>
+  <p:clrMap bg1="lt1" tx1="dk1" bg2="lt2" tx2="dk2" accent1="accent1" accent2="accent2" accent3="accent3" accent4="accent4" accent5="accent5" accent6="accent6" hlink="hlink" folHlink="folHlink"/>
+  <p:sldLayoutIdLst>
+    <p:sldLayoutId id="2147483661" r:id="rId1"/>
+    <p:sldLayoutId id="2147483662" r:id="rId2"/>
+    <p:sldLayoutId id="2147483663" r:id="rId3"/>
+    <p:sldLayoutId id="2147483664" r:id="rId4"/>
+    <p:sldLayoutId id="2147483665" r:id="rId5"/>
+    <p:sldLayoutId id="2147483666" r:id="rId6"/>
+    <p:sldLayoutId id="2147483667" r:id="rId7"/>
+    <p:sldLayoutId id="2147483668" r:id="rId8"/>
+    <p:sldLayoutId id="2147483669" r:id="rId9"/>
+    <p:sldLayoutId id="2147483670" r:id="rId10"/>
+    <p:sldLayoutId id="2147483671" r:id="rId11"/>
+  </p:sldLayoutIdLst>
+  <p:txStyles>
+    <p:titleStyle>
+      <a:lvl1pPr algn="l" defTabSz="914400" rtl="0" eaLnBrk="1" latinLnBrk="0" hangingPunct="1">
+        <a:lnSpc>
+          <a:spcPct val="90000"/>
+        </a:lnSpc>
+        <a:spcBef>
+          <a:spcPct val="0"/>
+        </a:spcBef>
+        <a:buNone/>
+        <a:defRPr sz="4400" kern="1200">
+          <a:solidFill>
+            <a:schemeClr val="tx1"/>
+          </a:solidFill>
+          <a:latin typeface="+mj-lt"/>
+          <a:ea typeface="+mj-ea"/>
+          <a:cs typeface="+mj-cs"/>
+        </a:defRPr>
+      </a:lvl1pPr>
+    </p:titleStyle>
+    <p:bodyStyle>
+      <a:lvl1pPr marL="228600" indent="-228600" algn="l" defTabSz="914400" rtl="0" eaLnBrk="1" latinLnBrk="0" hangingPunct="1">
+        <a:lnSpc>
+          <a:spcPct val="90000"/>
+        </a:lnSpc>
+        <a:spcBef>
+          <a:spcPts val="1000"/>
+        </a:spcBef>
+        <a:buFont typeface="Arial" panose="020B0604020202020204" pitchFamily="34" charset="0"/>
+        <a:buChar char="•"/>
+        <a:defRPr sz="2800" kern="1200">
+          <a:solidFill>
+            <a:schemeClr val="tx1"/>
+          </a:solidFill>
+          <a:latin typeface="+mn-lt"/>
+          <a:ea typeface="+mn-ea"/>
+          <a:cs typeface="+mn-cs"/>
+        </a:defRPr>
+      </a:lvl1pPr>
+      <a:lvl2pPr marL="685800" indent="-228600" algn="l" defTabSz="914400" rtl="0" eaLnBrk="1" latinLnBrk="0" hangingPunct="1">
+        <a:lnSpc>
+          <a:spcPct val="90000"/>
+        </a:lnSpc>
+        <a:spcBef>
+          <a:spcPts val="500"/>
+        </a:spcBef>
+        <a:buFont typeface="Arial" panose="020B0604020202020204" pitchFamily="34" charset="0"/>
+        <a:buChar char="•"/>
+        <a:defRPr sz="2400" kern="1200">
+          <a:solidFill>
+            <a:schemeClr val="tx1"/>
+          </a:solidFill>
+          <a:latin typeface="+mn-lt"/>
+          <a:ea typeface="+mn-ea"/>
+          <a:cs typeface="+mn-cs"/>
+        </a:defRPr>
+      </a:lvl2pPr>
+      <a:lvl3pPr marL="1143000" indent="-228600" algn="l" defTabSz="914400" rtl="0" eaLnBrk="1" latinLnBrk="0" hangingPunct="1">
+        <a:lnSpc>
+          <a:spcPct val="90000"/>
+        </a:lnSpc>
+        <a:spcBef>
+          <a:spcPts val="500"/>
+        </a:spcBef>
+        <a:buFont typeface="Arial" panose="020B0604020202020204" pitchFamily="34" charset="0"/>
+        <a:buChar char="•"/>
+        <a:defRPr sz="2000" kern="1200">
+          <a:solidFill>
+            <a:schemeClr val="tx1"/>
+          </a:solidFill>
+          <a:latin typeface="+mn-lt"/>
+          <a:ea typeface="+mn-ea"/>
+          <a:cs typeface="+mn-cs"/>
+        </a:defRPr>
+      </a:lvl3pPr>
+      <a:lvl4pPr marL="1600200" indent="-228600" algn="l" defTabSz="914400" rtl="0" eaLnBrk="1" latinLnBrk="0" hangingPunct="1">
+        <a:lnSpc>
+          <a:spcPct val="90000"/>
+        </a:lnSpc>
+        <a:spcBef>
+          <a:spcPts val="500"/>
+        </a:spcBef>
+        <a:buFont typeface="Arial" panose="020B0604020202020204" pitchFamily="34" charset="0"/>
+        <a:buChar char="•"/>
+        <a:defRPr sz="1800" kern="1200">
+          <a:solidFill>
+            <a:schemeClr val="tx1"/>
+          </a:solidFill>
+          <a:latin typeface="+mn-lt"/>
+          <a:ea typeface="+mn-ea"/>
+          <a:cs typeface="+mn-cs"/>
+        </a:defRPr>
+      </a:lvl4pPr>
+      <a:lvl5pPr marL="2057400" indent="-228600" algn="l" defTabSz="914400" rtl="0" eaLnBrk="1" latinLnBrk="0" hangingPunct="1">
+        <a:lnSpc>
+          <a:spcPct val="90000"/>
+        </a:lnSpc>
+        <a:spcBef>
+          <a:spcPts val="500"/>
+        </a:spcBef>
+        <a:buFont typeface="Arial" panose="020B0604020202020204" pitchFamily="34" charset="0"/>
+        <a:buChar char="•"/>
+        <a:defRPr sz="1800" kern="1200">
+          <a:solidFill>
+            <a:schemeClr val="tx1"/>
+          </a:solidFill>
+          <a:latin typeface="+mn-lt"/>
+          <a:ea typeface="+mn-ea"/>
+          <a:cs typeface="+mn-cs"/>
+        </a:defRPr>
+      </a:lvl5pPr>
+      <a:lvl6pPr marL="2514600" indent="-228600" algn="l" defTabSz="914400" rtl="0" eaLnBrk="1" latinLnBrk="0" hangingPunct="1">
+        <a:lnSpc>
+          <a:spcPct val="90000"/>
+        </a:lnSpc>
+        <a:spcBef>
+          <a:spcPts val="500"/>
+        </a:spcBef>
+        <a:buFont typeface="Arial" panose="020B0604020202020204" pitchFamily="34" charset="0"/>
+        <a:buChar char="•"/>
+        <a:defRPr sz="1800" kern="1200">
+          <a:solidFill>
+            <a:schemeClr val="tx1"/>
+          </a:solidFill>
+          <a:latin typeface="+mn-lt"/>
+          <a:ea typeface="+mn-ea"/>
+          <a:cs typeface="+mn-cs"/>
+        </a:defRPr>
+      </a:lvl6pPr>
+      <a:lvl7pPr marL="2971800" indent="-228600" algn="l" defTabSz="914400" rtl="0" eaLnBrk="1" latinLnBrk="0" hangingPunct="1">
+        <a:lnSpc>
+          <a:spcPct val="90000"/>
+        </a:lnSpc>
+        <a:spcBef>
+          <a:spcPts val="500"/>
+        </a:spcBef>
+        <a:buFont typeface="Arial" panose="020B0604020202020204" pitchFamily="34" charset="0"/>
+        <a:buChar char="•"/>
+        <a:defRPr sz="1800" kern="1200">
+          <a:solidFill>
+            <a:schemeClr val="tx1"/>
+          </a:solidFill>
+          <a:latin typeface="+mn-lt"/>
+          <a:ea typeface="+mn-ea"/>
+          <a:cs typeface="+mn-cs"/>
+        </a:defRPr>
+      </a:lvl7pPr>
+      <a:lvl8pPr marL="3429000" indent="-228600" algn="l" defTabSz="914400" rtl="0" eaLnBrk="1" latinLnBrk="0" hangingPunct="1">
+        <a:lnSpc>
+          <a:spcPct val="90000"/>
+        </a:lnSpc>
+        <a:spcBef>
+          <a:spcPts val="500"/>
+        </a:spcBef>
+        <a:buFont typeface="Arial" panose="020B0604020202020204" pitchFamily="34" charset="0"/>
+        <a:buChar char="•"/>
+        <a:defRPr sz="1800" kern="1200">
+          <a:solidFill>
+            <a:schemeClr val="tx1"/>
+          </a:solidFill>
+          <a:latin typeface="+mn-lt"/>
+          <a:ea typeface="+mn-ea"/>
+          <a:cs typeface="+mn-cs"/>
+        </a:defRPr>
+      </a:lvl8pPr>
+      <a:lvl9pPr marL="3886200" indent="-228600" algn="l" defTabSz="914400" rtl="0" eaLnBrk="1" latinLnBrk="0" hangingPunct="1">
+        <a:lnSpc>
+          <a:spcPct val="90000"/>
+        </a:lnSpc>
+        <a:spcBef>
+          <a:spcPts val="500"/>
+        </a:spcBef>
+        <a:buFont typeface="Arial" panose="020B0604020202020204" pitchFamily="34" charset="0"/>
+        <a:buChar char="•"/>
+        <a:defRPr sz="1800" kern="1200">
+          <a:solidFill>
+            <a:schemeClr val="tx1"/>
+          </a:solidFill>
+          <a:latin typeface="+mn-lt"/>
+          <a:ea typeface="+mn-ea"/>
+          <a:cs typeface="+mn-cs"/>
+        </a:defRPr>
+      </a:lvl9pPr>
+    </p:bodyStyle>
+    <p:otherStyle>
+      <a:defPPr>
+        <a:defRPr lang="en-US"/>
+      </a:defPPr>
+      <a:lvl1pPr marL="0" algn="l" defTabSz="914400" rtl="0" eaLnBrk="1" latinLnBrk="0" hangingPunct="1">
+        <a:defRPr sz="1800" kern="1200">
+          <a:solidFill>
+            <a:schemeClr val="tx1"/>
+          </a:solidFill>
+          <a:latin typeface="+mn-lt"/>
+          <a:ea typeface="+mn-ea"/>
+          <a:cs typeface="+mn-cs"/>
+        </a:defRPr>
+      </a:lvl1pPr>
+      <a:lvl2pPr marL="457200" algn="l" defTabSz="914400" rtl="0" eaLnBrk="1" latinLnBrk="0" hangingPunct="1">
+        <a:defRPr sz="1800" kern="1200">
+          <a:solidFill>
+            <a:schemeClr val="tx1"/>
+          </a:solidFill>
+          <a:latin typeface="+mn-lt"/>
+          <a:ea typeface="+mn-ea"/>
+          <a:cs typeface="+mn-cs"/>
+        </a:defRPr>
+      </a:lvl2pPr>
+      <a:lvl3pPr marL="914400" algn="l" defTabSz="914400" rtl="0" eaLnBrk="1" latinLnBrk="0" hangingPunct="1">
+        <a:defRPr sz="1800" kern="1200">
+          <a:solidFill>
+            <a:schemeClr val="tx1"/>
+          </a:solidFill>
+          <a:latin typeface="+mn-lt"/>
+          <a:ea typeface="+mn-ea"/>
+          <a:cs typeface="+mn-cs"/>
+        </a:defRPr>
+      </a:lvl3pPr>
+      <a:lvl4pPr marL="1371600" algn="l" defTabSz="914400" rtl="0" eaLnBrk="1" latinLnBrk="0" hangingPunct="1">
+        <a:defRPr sz="1800" kern="1200">
+          <a:solidFill>
+            <a:schemeClr val="tx1"/>
+          </a:solidFill>
+          <a:latin typeface="+mn-lt"/>
+          <a:ea typeface="+mn-ea"/>
+          <a:cs typeface="+mn-cs"/>
+        </a:defRPr>
+      </a:lvl4pPr>
+      <a:lvl5pPr marL="1828800" algn="l" defTabSz="914400" rtl="0" eaLnBrk="1" latinLnBrk="0" hangingPunct="1">
+        <a:defRPr sz="1800" kern="1200">
+          <a:solidFill>
+            <a:schemeClr val="tx1"/>
+          </a:solidFill>
+          <a:latin typeface="+mn-lt"/>
+          <a:ea typeface="+mn-ea"/>
+          <a:cs typeface="+mn-cs"/>
+        </a:defRPr>
+      </a:lvl5pPr>
+      <a:lvl6pPr marL="2286000" algn="l" defTabSz="914400" rtl="0" eaLnBrk="1" latinLnBrk="0" hangingPunct="1">
+        <a:defRPr sz="1800" kern="1200">
+          <a:solidFill>
+            <a:schemeClr val="tx1"/>
+          </a:solidFill>
+          <a:latin typeface="+mn-lt"/>
+          <a:ea typeface="+mn-ea"/>
+          <a:cs typeface="+mn-cs"/>
+        </a:defRPr>
+      </a:lvl6pPr>
+      <a:lvl7pPr marL="2743200" algn="l" defTabSz="914400" rtl="0" eaLnBrk="1" latinLnBrk="0" hangingPunct="1">
+        <a:defRPr sz="1800" kern="1200">
+          <a:solidFill>
+            <a:schemeClr val="tx1"/>
+          </a:solidFill>
+          <a:latin typeface="+mn-lt"/>
+          <a:ea typeface="+mn-ea"/>
+          <a:cs typeface="+mn-cs"/>
+        </a:defRPr>
+      </a:lvl7pPr>
+      <a:lvl8pPr marL="3200400" algn="l" defTabSz="914400" rtl="0" eaLnBrk="1" latinLnBrk="0" hangingPunct="1">
+        <a:defRPr sz="1800" kern="1200">
+          <a:solidFill>
+            <a:schemeClr val="tx1"/>
+          </a:solidFill>
+          <a:latin typeface="+mn-lt"/>
+          <a:ea typeface="+mn-ea"/>
+          <a:cs typeface="+mn-cs"/>
+        </a:defRPr>
+      </a:lvl8pPr>
+      <a:lvl9pPr marL="3657600" algn="l" defTabSz="914400" rtl="0" eaLnBrk="1" latinLnBrk="0" hangingPunct="1">
+        <a:defRPr sz="1800" kern="1200">
+          <a:solidFill>
+            <a:schemeClr val="tx1"/>
+          </a:solidFill>
+          <a:latin typeface="+mn-lt"/>
+          <a:ea typeface="+mn-ea"/>
+          <a:cs typeface="+mn-cs"/>
+        </a:defRPr>
+      </a:lvl9pPr>
+    </p:otherStyle>
+  </p:txStyles>
+</p:sldMaster>
+</file>
+
 <file path=ppt/slides/slide1.xml><?xml version="1.0" encoding="utf-8"?>
 <p:sld xmlns:a="http://schemas.openxmlformats.org/drawingml/2006/main" xmlns:r="http://schemas.openxmlformats.org/officeDocument/2006/relationships" xmlns:p="http://schemas.openxmlformats.org/presentationml/2006/main">
   <p:cSld>
@@ -5545,6 +8749,4247 @@
     <p:extLst>
       <p:ext uri="{BB962C8B-B14F-4D97-AF65-F5344CB8AC3E}">
         <p14:creationId xmlns:p14="http://schemas.microsoft.com/office/powerpoint/2010/main" val="1726772399"/>
+      </p:ext>
+    </p:extLst>
+  </p:cSld>
+  <p:clrMapOvr>
+    <a:masterClrMapping/>
+  </p:clrMapOvr>
+</p:sld>
+</file>
+
+<file path=ppt/slides/slide2.xml><?xml version="1.0" encoding="utf-8"?>
+<p:sld xmlns:a="http://schemas.openxmlformats.org/drawingml/2006/main" xmlns:r="http://schemas.openxmlformats.org/officeDocument/2006/relationships" xmlns:p="http://schemas.openxmlformats.org/presentationml/2006/main">
+  <p:cSld>
+    <p:spTree>
+      <p:nvGrpSpPr>
+        <p:cNvPr id="1" name=""/>
+        <p:cNvGrpSpPr/>
+        <p:nvPr/>
+      </p:nvGrpSpPr>
+      <p:grpSpPr>
+        <a:xfrm>
+          <a:off x="0" y="0"/>
+          <a:ext cx="0" cy="0"/>
+          <a:chOff x="0" y="0"/>
+          <a:chExt cx="0" cy="0"/>
+        </a:xfrm>
+      </p:grpSpPr>
+      <p:cxnSp>
+        <p:nvCxnSpPr>
+          <p:cNvPr id="135" name="Straight Connector 134">
+            <a:extLst>
+              <a:ext uri="{FF2B5EF4-FFF2-40B4-BE49-F238E27FC236}">
+                <a16:creationId xmlns:a16="http://schemas.microsoft.com/office/drawing/2014/main" id="{1708D729-65E0-4EA1-BE6F-B56A7F87B60B}"/>
+              </a:ext>
+            </a:extLst>
+          </p:cNvPr>
+          <p:cNvCxnSpPr>
+            <a:cxnSpLocks/>
+          </p:cNvCxnSpPr>
+          <p:nvPr/>
+        </p:nvCxnSpPr>
+        <p:spPr>
+          <a:xfrm>
+            <a:off x="1827321" y="1257955"/>
+            <a:ext cx="6411" cy="4829967"/>
+          </a:xfrm>
+          <a:prstGeom prst="line">
+            <a:avLst/>
+          </a:prstGeom>
+          <a:ln>
+            <a:solidFill>
+              <a:srgbClr val="002060"/>
+            </a:solidFill>
+            <a:prstDash val="lgDash"/>
+            <a:headEnd type="none"/>
+            <a:tailEnd type="none"/>
+          </a:ln>
+        </p:spPr>
+        <p:style>
+          <a:lnRef idx="1">
+            <a:schemeClr val="accent1"/>
+          </a:lnRef>
+          <a:fillRef idx="0">
+            <a:schemeClr val="accent1"/>
+          </a:fillRef>
+          <a:effectRef idx="0">
+            <a:schemeClr val="accent1"/>
+          </a:effectRef>
+          <a:fontRef idx="minor">
+            <a:schemeClr val="tx1"/>
+          </a:fontRef>
+        </p:style>
+      </p:cxnSp>
+      <p:cxnSp>
+        <p:nvCxnSpPr>
+          <p:cNvPr id="159" name="Straight Arrow Connector 158">
+            <a:extLst>
+              <a:ext uri="{FF2B5EF4-FFF2-40B4-BE49-F238E27FC236}">
+                <a16:creationId xmlns:a16="http://schemas.microsoft.com/office/drawing/2014/main" id="{91361D34-CB8B-47C6-B149-02838826B546}"/>
+              </a:ext>
+            </a:extLst>
+          </p:cNvPr>
+          <p:cNvCxnSpPr>
+            <a:cxnSpLocks/>
+            <a:endCxn id="241" idx="1"/>
+          </p:cNvCxnSpPr>
+          <p:nvPr/>
+        </p:nvCxnSpPr>
+        <p:spPr>
+          <a:xfrm>
+            <a:off x="1833732" y="1625785"/>
+            <a:ext cx="962430" cy="1"/>
+          </a:xfrm>
+          <a:prstGeom prst="straightConnector1">
+            <a:avLst/>
+          </a:prstGeom>
+          <a:ln>
+            <a:solidFill>
+              <a:srgbClr val="002060"/>
+            </a:solidFill>
+            <a:prstDash val="lgDash"/>
+            <a:headEnd type="none"/>
+            <a:tailEnd type="triangle"/>
+          </a:ln>
+        </p:spPr>
+        <p:style>
+          <a:lnRef idx="1">
+            <a:schemeClr val="accent1"/>
+          </a:lnRef>
+          <a:fillRef idx="0">
+            <a:schemeClr val="accent1"/>
+          </a:fillRef>
+          <a:effectRef idx="0">
+            <a:schemeClr val="accent1"/>
+          </a:effectRef>
+          <a:fontRef idx="minor">
+            <a:schemeClr val="tx1"/>
+          </a:fontRef>
+        </p:style>
+      </p:cxnSp>
+      <p:grpSp>
+        <p:nvGrpSpPr>
+          <p:cNvPr id="6" name="Group 5">
+            <a:extLst>
+              <a:ext uri="{FF2B5EF4-FFF2-40B4-BE49-F238E27FC236}">
+                <a16:creationId xmlns:a16="http://schemas.microsoft.com/office/drawing/2014/main" id="{3C976EAC-1A4B-442C-9D35-28CEC9B8ACB5}"/>
+              </a:ext>
+            </a:extLst>
+          </p:cNvPr>
+          <p:cNvGrpSpPr/>
+          <p:nvPr/>
+        </p:nvGrpSpPr>
+        <p:grpSpPr>
+          <a:xfrm>
+            <a:off x="2783970" y="4435605"/>
+            <a:ext cx="1779270" cy="1667322"/>
+            <a:chOff x="5186576" y="148877"/>
+            <a:chExt cx="1779270" cy="1667322"/>
+          </a:xfrm>
+        </p:grpSpPr>
+        <p:sp>
+          <p:nvSpPr>
+            <p:cNvPr id="152" name="Rectangle: Rounded Corners 151">
+              <a:extLst>
+                <a:ext uri="{FF2B5EF4-FFF2-40B4-BE49-F238E27FC236}">
+                  <a16:creationId xmlns:a16="http://schemas.microsoft.com/office/drawing/2014/main" id="{B16144D4-D219-425E-AEDD-EA3FD7E7C4C6}"/>
+                </a:ext>
+              </a:extLst>
+            </p:cNvPr>
+            <p:cNvSpPr/>
+            <p:nvPr/>
+          </p:nvSpPr>
+          <p:spPr bwMode="auto">
+            <a:xfrm>
+              <a:off x="5301570" y="664055"/>
+              <a:ext cx="1498506" cy="1152144"/>
+            </a:xfrm>
+            <a:prstGeom prst="roundRect">
+              <a:avLst/>
+            </a:prstGeom>
+            <a:noFill/>
+            <a:ln>
+              <a:solidFill>
+                <a:srgbClr val="002060"/>
+              </a:solidFill>
+              <a:prstDash val="sysDash"/>
+              <a:headEnd type="none" w="med" len="med"/>
+              <a:tailEnd type="none" w="med" len="med"/>
+            </a:ln>
+            <a:effectLst/>
+          </p:spPr>
+          <p:style>
+            <a:lnRef idx="1">
+              <a:schemeClr val="accent2"/>
+            </a:lnRef>
+            <a:fillRef idx="3">
+              <a:schemeClr val="accent2"/>
+            </a:fillRef>
+            <a:effectRef idx="2">
+              <a:schemeClr val="accent2"/>
+            </a:effectRef>
+            <a:fontRef idx="minor">
+              <a:schemeClr val="lt1"/>
+            </a:fontRef>
+          </p:style>
+          <p:txBody>
+            <a:bodyPr rot="0" spcFirstLastPara="0" vertOverflow="overflow" horzOverflow="overflow" vert="horz" wrap="square" lIns="182880" tIns="146304" rIns="182880" bIns="146304" numCol="1" spcCol="0" rtlCol="0" fromWordArt="0" anchor="t" anchorCtr="0" forceAA="0" compatLnSpc="1">
+              <a:prstTxWarp prst="textNoShape">
+                <a:avLst/>
+              </a:prstTxWarp>
+              <a:noAutofit/>
+            </a:bodyPr>
+            <a:lstStyle/>
+            <a:p>
+              <a:pPr marL="0" marR="0" lvl="0" indent="0" algn="ctr" defTabSz="932472" rtl="0" eaLnBrk="1" fontAlgn="base" latinLnBrk="0" hangingPunct="1">
+                <a:lnSpc>
+                  <a:spcPct val="90000"/>
+                </a:lnSpc>
+                <a:spcBef>
+                  <a:spcPct val="0"/>
+                </a:spcBef>
+                <a:spcAft>
+                  <a:spcPct val="0"/>
+                </a:spcAft>
+                <a:buClrTx/>
+                <a:buSzTx/>
+                <a:buFontTx/>
+                <a:buNone/>
+                <a:tabLst/>
+                <a:defRPr/>
+              </a:pPr>
+              <a:endParaRPr kumimoji="0" lang="en-US" sz="2400" b="0" i="0" u="none" strike="noStrike" kern="1200" cap="none" spc="0" normalizeH="0" baseline="0" noProof="0" dirty="0" err="1">
+                <a:ln>
+                  <a:noFill/>
+                </a:ln>
+                <a:gradFill>
+                  <a:gsLst>
+                    <a:gs pos="0">
+                      <a:srgbClr val="FFFFFF"/>
+                    </a:gs>
+                    <a:gs pos="100000">
+                      <a:srgbClr val="FFFFFF"/>
+                    </a:gs>
+                  </a:gsLst>
+                  <a:lin ang="5400000" scaled="0"/>
+                </a:gradFill>
+                <a:effectLst/>
+                <a:uLnTx/>
+                <a:uFillTx/>
+                <a:latin typeface="Calibri" panose="020F0502020204030204"/>
+                <a:ea typeface="Segoe UI" pitchFamily="34" charset="0"/>
+                <a:cs typeface="Segoe UI" pitchFamily="34" charset="0"/>
+              </a:endParaRPr>
+            </a:p>
+          </p:txBody>
+        </p:sp>
+        <p:sp>
+          <p:nvSpPr>
+            <p:cNvPr id="156" name="TextBox 155">
+              <a:extLst>
+                <a:ext uri="{FF2B5EF4-FFF2-40B4-BE49-F238E27FC236}">
+                  <a16:creationId xmlns:a16="http://schemas.microsoft.com/office/drawing/2014/main" id="{3E70A44B-24AA-4D23-8F39-9655131647C0}"/>
+                </a:ext>
+              </a:extLst>
+            </p:cNvPr>
+            <p:cNvSpPr txBox="1"/>
+            <p:nvPr/>
+          </p:nvSpPr>
+          <p:spPr>
+            <a:xfrm>
+              <a:off x="5186576" y="148877"/>
+              <a:ext cx="1779270" cy="627864"/>
+            </a:xfrm>
+            <a:prstGeom prst="rect">
+              <a:avLst/>
+            </a:prstGeom>
+            <a:noFill/>
+          </p:spPr>
+          <p:txBody>
+            <a:bodyPr wrap="none" lIns="182880" tIns="146304" rIns="182880" bIns="146304" rtlCol="0">
+              <a:spAutoFit/>
+            </a:bodyPr>
+            <a:lstStyle/>
+            <a:p>
+              <a:pPr marL="0" marR="0" lvl="0" indent="0" algn="ctr" defTabSz="914400" rtl="0" eaLnBrk="1" fontAlgn="auto" latinLnBrk="0" hangingPunct="1">
+                <a:lnSpc>
+                  <a:spcPct val="90000"/>
+                </a:lnSpc>
+                <a:spcBef>
+                  <a:spcPts val="0"/>
+                </a:spcBef>
+                <a:spcAft>
+                  <a:spcPts val="600"/>
+                </a:spcAft>
+                <a:buClrTx/>
+                <a:buSzTx/>
+                <a:buFontTx/>
+                <a:buNone/>
+                <a:tabLst/>
+                <a:defRPr/>
+              </a:pPr>
+              <a:r>
+                <a:rPr kumimoji="0" lang="en-US" sz="1200" b="0" i="0" u="none" strike="noStrike" kern="1200" cap="none" spc="0" normalizeH="0" baseline="0" noProof="0" dirty="0">
+                  <a:ln>
+                    <a:noFill/>
+                  </a:ln>
+                  <a:gradFill>
+                    <a:gsLst>
+                      <a:gs pos="2917">
+                        <a:prstClr val="black"/>
+                      </a:gs>
+                      <a:gs pos="30000">
+                        <a:prstClr val="black"/>
+                      </a:gs>
+                    </a:gsLst>
+                    <a:lin ang="5400000" scaled="0"/>
+                  </a:gradFill>
+                  <a:effectLst/>
+                  <a:uLnTx/>
+                  <a:uFillTx/>
+                  <a:latin typeface="Calibri" panose="020F0502020204030204"/>
+                  <a:ea typeface="+mn-ea"/>
+                  <a:cs typeface="+mn-cs"/>
+                </a:rPr>
+                <a:t>ADVANCED ANALYTICS</a:t>
+              </a:r>
+              <a:br>
+                <a:rPr kumimoji="0" lang="en-US" sz="1200" b="0" i="0" u="none" strike="noStrike" kern="1200" cap="none" spc="0" normalizeH="0" baseline="0" noProof="0" dirty="0">
+                  <a:ln>
+                    <a:noFill/>
+                  </a:ln>
+                  <a:gradFill>
+                    <a:gsLst>
+                      <a:gs pos="2917">
+                        <a:prstClr val="black"/>
+                      </a:gs>
+                      <a:gs pos="30000">
+                        <a:prstClr val="black"/>
+                      </a:gs>
+                    </a:gsLst>
+                    <a:lin ang="5400000" scaled="0"/>
+                  </a:gradFill>
+                  <a:effectLst/>
+                  <a:uLnTx/>
+                  <a:uFillTx/>
+                  <a:latin typeface="Calibri" panose="020F0502020204030204"/>
+                  <a:ea typeface="+mn-ea"/>
+                  <a:cs typeface="+mn-cs"/>
+                </a:rPr>
+              </a:br>
+              <a:r>
+                <a:rPr kumimoji="0" lang="en-US" sz="1200" b="0" i="0" u="none" strike="noStrike" kern="1200" cap="none" spc="0" normalizeH="0" baseline="0" noProof="0" dirty="0">
+                  <a:ln>
+                    <a:noFill/>
+                  </a:ln>
+                  <a:gradFill>
+                    <a:gsLst>
+                      <a:gs pos="2917">
+                        <a:prstClr val="black"/>
+                      </a:gs>
+                      <a:gs pos="30000">
+                        <a:prstClr val="black"/>
+                      </a:gs>
+                    </a:gsLst>
+                    <a:lin ang="5400000" scaled="0"/>
+                  </a:gradFill>
+                  <a:effectLst/>
+                  <a:uLnTx/>
+                  <a:uFillTx/>
+                  <a:latin typeface="Calibri" panose="020F0502020204030204"/>
+                  <a:ea typeface="+mn-ea"/>
+                  <a:cs typeface="+mn-cs"/>
+                </a:rPr>
+                <a:t>&amp; MODEL TRAINING</a:t>
+              </a:r>
+            </a:p>
+          </p:txBody>
+        </p:sp>
+        <p:grpSp>
+          <p:nvGrpSpPr>
+            <p:cNvPr id="234" name="Group 233">
+              <a:extLst>
+                <a:ext uri="{FF2B5EF4-FFF2-40B4-BE49-F238E27FC236}">
+                  <a16:creationId xmlns:a16="http://schemas.microsoft.com/office/drawing/2014/main" id="{614CF196-33DE-4338-B959-611287E95C50}"/>
+                </a:ext>
+              </a:extLst>
+            </p:cNvPr>
+            <p:cNvGrpSpPr/>
+            <p:nvPr/>
+          </p:nvGrpSpPr>
+          <p:grpSpPr>
+            <a:xfrm>
+              <a:off x="5430682" y="776741"/>
+              <a:ext cx="1244733" cy="950197"/>
+              <a:chOff x="4944104" y="776741"/>
+              <a:chExt cx="1244733" cy="950197"/>
+            </a:xfrm>
+          </p:grpSpPr>
+          <p:pic>
+            <p:nvPicPr>
+              <p:cNvPr id="149" name="Picture 269">
+                <a:extLst>
+                  <a:ext uri="{FF2B5EF4-FFF2-40B4-BE49-F238E27FC236}">
+                    <a16:creationId xmlns:a16="http://schemas.microsoft.com/office/drawing/2014/main" id="{C4C45DB1-4EE4-48DF-BCE7-661E764E8D12}"/>
+                  </a:ext>
+                </a:extLst>
+              </p:cNvPr>
+              <p:cNvPicPr>
+                <a:picLocks noChangeAspect="1"/>
+              </p:cNvPicPr>
+              <p:nvPr/>
+            </p:nvPicPr>
+            <p:blipFill>
+              <a:blip r:embed="rId2">
+                <a:extLst>
+                  <a:ext uri="{96DAC541-7B7A-43D3-8B79-37D633B846F1}">
+                    <asvg:svgBlip xmlns:asvg="http://schemas.microsoft.com/office/drawing/2016/SVG/main" r:embed="rId3"/>
+                  </a:ext>
+                </a:extLst>
+              </a:blip>
+              <a:stretch>
+                <a:fillRect/>
+              </a:stretch>
+            </p:blipFill>
+            <p:spPr>
+              <a:xfrm>
+                <a:off x="5242647" y="776741"/>
+                <a:ext cx="647646" cy="647646"/>
+              </a:xfrm>
+              <a:prstGeom prst="rect">
+                <a:avLst/>
+              </a:prstGeom>
+            </p:spPr>
+          </p:pic>
+          <p:sp>
+            <p:nvSpPr>
+              <p:cNvPr id="169" name="TextBox 168">
+                <a:extLst>
+                  <a:ext uri="{FF2B5EF4-FFF2-40B4-BE49-F238E27FC236}">
+                    <a16:creationId xmlns:a16="http://schemas.microsoft.com/office/drawing/2014/main" id="{B6CC5DD3-7CEE-48BA-8204-E74E0925112D}"/>
+                  </a:ext>
+                </a:extLst>
+              </p:cNvPr>
+              <p:cNvSpPr txBox="1"/>
+              <p:nvPr/>
+            </p:nvSpPr>
+            <p:spPr>
+              <a:xfrm>
+                <a:off x="4944104" y="1312795"/>
+                <a:ext cx="1244733" cy="414143"/>
+              </a:xfrm>
+              <a:prstGeom prst="rect">
+                <a:avLst/>
+              </a:prstGeom>
+              <a:noFill/>
+            </p:spPr>
+            <p:txBody>
+              <a:bodyPr wrap="square" lIns="91440" tIns="143347" rIns="91440" bIns="143347" rtlCol="0">
+                <a:spAutoFit/>
+              </a:bodyPr>
+              <a:lstStyle>
+                <a:defPPr>
+                  <a:defRPr lang="en-US"/>
+                </a:defPPr>
+                <a:lvl1pPr defTabSz="913781">
+                  <a:lnSpc>
+                    <a:spcPct val="90000"/>
+                  </a:lnSpc>
+                  <a:spcBef>
+                    <a:spcPct val="0"/>
+                  </a:spcBef>
+                  <a:spcAft>
+                    <a:spcPts val="588"/>
+                  </a:spcAft>
+                  <a:defRPr sz="1125" kern="0" spc="-29">
+                    <a:gradFill>
+                      <a:gsLst>
+                        <a:gs pos="1250">
+                          <a:schemeClr val="tx1"/>
+                        </a:gs>
+                        <a:gs pos="100000">
+                          <a:schemeClr val="tx1"/>
+                        </a:gs>
+                      </a:gsLst>
+                      <a:lin ang="5400000" scaled="0"/>
+                    </a:gradFill>
+                    <a:latin typeface="Segoe UI Semilight" panose="020B0402040204020203" pitchFamily="34" charset="0"/>
+                    <a:ea typeface="MS PGothic" panose="020B0600070205080204" pitchFamily="34" charset="-128"/>
+                    <a:cs typeface="Segoe UI Semilight" panose="020B0402040204020203" pitchFamily="34" charset="0"/>
+                  </a:defRPr>
+                </a:lvl1pPr>
+                <a:lvl2pPr>
+                  <a:defRPr>
+                    <a:solidFill>
+                      <a:schemeClr val="tx1"/>
+                    </a:solidFill>
+                  </a:defRPr>
+                </a:lvl2pPr>
+                <a:lvl3pPr>
+                  <a:defRPr>
+                    <a:solidFill>
+                      <a:schemeClr val="tx1"/>
+                    </a:solidFill>
+                  </a:defRPr>
+                </a:lvl3pPr>
+                <a:lvl4pPr>
+                  <a:defRPr>
+                    <a:solidFill>
+                      <a:schemeClr val="tx1"/>
+                    </a:solidFill>
+                  </a:defRPr>
+                </a:lvl4pPr>
+                <a:lvl5pPr>
+                  <a:defRPr>
+                    <a:solidFill>
+                      <a:schemeClr val="tx1"/>
+                    </a:solidFill>
+                  </a:defRPr>
+                </a:lvl5pPr>
+                <a:lvl6pPr>
+                  <a:defRPr>
+                    <a:solidFill>
+                      <a:schemeClr val="tx1"/>
+                    </a:solidFill>
+                  </a:defRPr>
+                </a:lvl6pPr>
+                <a:lvl7pPr>
+                  <a:defRPr>
+                    <a:solidFill>
+                      <a:schemeClr val="tx1"/>
+                    </a:solidFill>
+                  </a:defRPr>
+                </a:lvl7pPr>
+                <a:lvl8pPr>
+                  <a:defRPr>
+                    <a:solidFill>
+                      <a:schemeClr val="tx1"/>
+                    </a:solidFill>
+                  </a:defRPr>
+                </a:lvl8pPr>
+                <a:lvl9pPr>
+                  <a:defRPr>
+                    <a:solidFill>
+                      <a:schemeClr val="tx1"/>
+                    </a:solidFill>
+                  </a:defRPr>
+                </a:lvl9pPr>
+              </a:lstStyle>
+              <a:p>
+                <a:pPr marL="0" marR="0" lvl="0" indent="0" algn="ctr" defTabSz="913781" rtl="0" eaLnBrk="1" fontAlgn="auto" latinLnBrk="0" hangingPunct="1">
+                  <a:lnSpc>
+                    <a:spcPct val="90000"/>
+                  </a:lnSpc>
+                  <a:spcBef>
+                    <a:spcPct val="0"/>
+                  </a:spcBef>
+                  <a:spcAft>
+                    <a:spcPts val="588"/>
+                  </a:spcAft>
+                  <a:buClrTx/>
+                  <a:buSzTx/>
+                  <a:buFontTx/>
+                  <a:buNone/>
+                  <a:tabLst/>
+                  <a:defRPr/>
+                </a:pPr>
+                <a:r>
+                  <a:rPr kumimoji="0" lang="en-US" sz="900" b="0" i="0" u="none" strike="noStrike" kern="0" cap="none" spc="-29" normalizeH="0" baseline="0" noProof="0" dirty="0">
+                    <a:ln>
+                      <a:noFill/>
+                    </a:ln>
+                    <a:solidFill>
+                      <a:prstClr val="black"/>
+                    </a:solidFill>
+                    <a:effectLst/>
+                    <a:uLnTx/>
+                    <a:uFillTx/>
+                    <a:latin typeface="Segoe UI Semibold" panose="020B0702040204020203" pitchFamily="34" charset="0"/>
+                    <a:ea typeface="MS PGothic" panose="020B0600070205080204" pitchFamily="34" charset="-128"/>
+                    <a:cs typeface="Segoe UI Semibold" panose="020B0702040204020203" pitchFamily="34" charset="0"/>
+                  </a:rPr>
+                  <a:t>AZURE DATABRICKS</a:t>
+                </a:r>
+              </a:p>
+            </p:txBody>
+          </p:sp>
+        </p:grpSp>
+      </p:grpSp>
+      <p:sp>
+        <p:nvSpPr>
+          <p:cNvPr id="241" name="Rectangle: Rounded Corners 240">
+            <a:extLst>
+              <a:ext uri="{FF2B5EF4-FFF2-40B4-BE49-F238E27FC236}">
+                <a16:creationId xmlns:a16="http://schemas.microsoft.com/office/drawing/2014/main" id="{10432453-E255-496A-9747-7C5DB164B20F}"/>
+              </a:ext>
+            </a:extLst>
+          </p:cNvPr>
+          <p:cNvSpPr/>
+          <p:nvPr/>
+        </p:nvSpPr>
+        <p:spPr bwMode="auto">
+          <a:xfrm>
+            <a:off x="2796162" y="1051914"/>
+            <a:ext cx="1767600" cy="1147743"/>
+          </a:xfrm>
+          <a:prstGeom prst="roundRect">
+            <a:avLst/>
+          </a:prstGeom>
+          <a:solidFill>
+            <a:schemeClr val="accent1">
+              <a:lumMod val="20000"/>
+              <a:lumOff val="80000"/>
+            </a:schemeClr>
+          </a:solidFill>
+          <a:ln>
+            <a:solidFill>
+              <a:srgbClr val="002060"/>
+            </a:solidFill>
+            <a:prstDash val="sysDash"/>
+            <a:headEnd type="none" w="med" len="med"/>
+            <a:tailEnd type="none" w="med" len="med"/>
+          </a:ln>
+          <a:effectLst/>
+        </p:spPr>
+        <p:style>
+          <a:lnRef idx="1">
+            <a:schemeClr val="accent2"/>
+          </a:lnRef>
+          <a:fillRef idx="3">
+            <a:schemeClr val="accent2"/>
+          </a:fillRef>
+          <a:effectRef idx="2">
+            <a:schemeClr val="accent2"/>
+          </a:effectRef>
+          <a:fontRef idx="minor">
+            <a:schemeClr val="lt1"/>
+          </a:fontRef>
+        </p:style>
+        <p:txBody>
+          <a:bodyPr rot="0" spcFirstLastPara="0" vertOverflow="overflow" horzOverflow="overflow" vert="horz" wrap="square" lIns="182880" tIns="146304" rIns="182880" bIns="146304" numCol="1" spcCol="0" rtlCol="0" fromWordArt="0" anchor="t" anchorCtr="0" forceAA="0" compatLnSpc="1">
+            <a:prstTxWarp prst="textNoShape">
+              <a:avLst/>
+            </a:prstTxWarp>
+            <a:noAutofit/>
+          </a:bodyPr>
+          <a:lstStyle/>
+          <a:p>
+            <a:pPr marL="0" marR="0" lvl="0" indent="0" algn="ctr" defTabSz="932472" rtl="0" eaLnBrk="1" fontAlgn="base" latinLnBrk="0" hangingPunct="1">
+              <a:lnSpc>
+                <a:spcPct val="90000"/>
+              </a:lnSpc>
+              <a:spcBef>
+                <a:spcPct val="0"/>
+              </a:spcBef>
+              <a:spcAft>
+                <a:spcPct val="0"/>
+              </a:spcAft>
+              <a:buClrTx/>
+              <a:buSzTx/>
+              <a:buFontTx/>
+              <a:buNone/>
+              <a:tabLst/>
+              <a:defRPr/>
+            </a:pPr>
+            <a:endParaRPr kumimoji="0" lang="en-US" sz="2400" b="0" i="0" u="none" strike="noStrike" kern="1200" cap="none" spc="0" normalizeH="0" baseline="0" noProof="0" dirty="0" err="1">
+              <a:ln>
+                <a:noFill/>
+              </a:ln>
+              <a:gradFill>
+                <a:gsLst>
+                  <a:gs pos="0">
+                    <a:srgbClr val="FFFFFF"/>
+                  </a:gs>
+                  <a:gs pos="100000">
+                    <a:srgbClr val="FFFFFF"/>
+                  </a:gs>
+                </a:gsLst>
+                <a:lin ang="5400000" scaled="0"/>
+              </a:gradFill>
+              <a:effectLst/>
+              <a:uLnTx/>
+              <a:uFillTx/>
+              <a:latin typeface="Calibri" panose="020F0502020204030204"/>
+              <a:ea typeface="Segoe UI" pitchFamily="34" charset="0"/>
+              <a:cs typeface="Segoe UI" pitchFamily="34" charset="0"/>
+            </a:endParaRPr>
+          </a:p>
+        </p:txBody>
+      </p:sp>
+      <p:sp>
+        <p:nvSpPr>
+          <p:cNvPr id="242" name="TextBox 241">
+            <a:extLst>
+              <a:ext uri="{FF2B5EF4-FFF2-40B4-BE49-F238E27FC236}">
+                <a16:creationId xmlns:a16="http://schemas.microsoft.com/office/drawing/2014/main" id="{F8560B82-EC91-4678-90B8-79A73A38EB74}"/>
+              </a:ext>
+            </a:extLst>
+          </p:cNvPr>
+          <p:cNvSpPr txBox="1"/>
+          <p:nvPr/>
+        </p:nvSpPr>
+        <p:spPr>
+          <a:xfrm>
+            <a:off x="2329621" y="529166"/>
+            <a:ext cx="2700681" cy="627864"/>
+          </a:xfrm>
+          <a:prstGeom prst="rect">
+            <a:avLst/>
+          </a:prstGeom>
+          <a:noFill/>
+        </p:spPr>
+        <p:txBody>
+          <a:bodyPr wrap="square" lIns="182880" tIns="146304" rIns="182880" bIns="146304" rtlCol="0">
+            <a:spAutoFit/>
+          </a:bodyPr>
+          <a:lstStyle/>
+          <a:p>
+            <a:pPr marL="0" marR="0" lvl="0" indent="0" algn="ctr" defTabSz="914400" rtl="0" eaLnBrk="1" fontAlgn="auto" latinLnBrk="0" hangingPunct="1">
+              <a:lnSpc>
+                <a:spcPct val="90000"/>
+              </a:lnSpc>
+              <a:spcBef>
+                <a:spcPts val="0"/>
+              </a:spcBef>
+              <a:spcAft>
+                <a:spcPts val="600"/>
+              </a:spcAft>
+              <a:buClrTx/>
+              <a:buSzTx/>
+              <a:buFontTx/>
+              <a:buNone/>
+              <a:tabLst/>
+              <a:defRPr/>
+            </a:pPr>
+            <a:r>
+              <a:rPr kumimoji="0" lang="en-US" sz="1200" b="0" i="0" u="none" strike="noStrike" kern="1200" cap="none" spc="0" normalizeH="0" baseline="0" noProof="0" dirty="0">
+                <a:ln>
+                  <a:noFill/>
+                </a:ln>
+                <a:gradFill>
+                  <a:gsLst>
+                    <a:gs pos="2917">
+                      <a:prstClr val="black"/>
+                    </a:gs>
+                    <a:gs pos="30000">
+                      <a:prstClr val="black"/>
+                    </a:gs>
+                  </a:gsLst>
+                  <a:lin ang="5400000" scaled="0"/>
+                </a:gradFill>
+                <a:effectLst/>
+                <a:uLnTx/>
+                <a:uFillTx/>
+                <a:latin typeface="Calibri" panose="020F0502020204030204"/>
+                <a:ea typeface="+mn-ea"/>
+                <a:cs typeface="+mn-cs"/>
+              </a:rPr>
+              <a:t>DATA INGEST / DEVICE MANAGEMENT / REPORTING</a:t>
+            </a:r>
+          </a:p>
+        </p:txBody>
+      </p:sp>
+      <p:sp>
+        <p:nvSpPr>
+          <p:cNvPr id="258" name="TextBox 257">
+            <a:extLst>
+              <a:ext uri="{FF2B5EF4-FFF2-40B4-BE49-F238E27FC236}">
+                <a16:creationId xmlns:a16="http://schemas.microsoft.com/office/drawing/2014/main" id="{EB23C1C9-09A7-4EA4-A8A2-2AF4936D6782}"/>
+              </a:ext>
+            </a:extLst>
+          </p:cNvPr>
+          <p:cNvSpPr txBox="1"/>
+          <p:nvPr/>
+        </p:nvSpPr>
+        <p:spPr>
+          <a:xfrm>
+            <a:off x="3813962" y="2325728"/>
+            <a:ext cx="1355549" cy="253916"/>
+          </a:xfrm>
+          <a:prstGeom prst="rect">
+            <a:avLst/>
+          </a:prstGeom>
+          <a:solidFill>
+            <a:schemeClr val="accent4">
+              <a:lumMod val="20000"/>
+              <a:lumOff val="80000"/>
+            </a:schemeClr>
+          </a:solidFill>
+          <a:ln>
+            <a:solidFill>
+              <a:schemeClr val="accent4">
+                <a:lumMod val="75000"/>
+              </a:schemeClr>
+            </a:solidFill>
+            <a:prstDash val="sysDash"/>
+          </a:ln>
+        </p:spPr>
+        <p:txBody>
+          <a:bodyPr wrap="square" rtlCol="0">
+            <a:spAutoFit/>
+          </a:bodyPr>
+          <a:lstStyle/>
+          <a:p>
+            <a:pPr marL="0" marR="0" lvl="0" indent="0" algn="ctr" defTabSz="914400" rtl="0" eaLnBrk="1" fontAlgn="auto" latinLnBrk="0" hangingPunct="1">
+              <a:lnSpc>
+                <a:spcPct val="100000"/>
+              </a:lnSpc>
+              <a:spcBef>
+                <a:spcPts val="0"/>
+              </a:spcBef>
+              <a:spcAft>
+                <a:spcPts val="0"/>
+              </a:spcAft>
+              <a:buClrTx/>
+              <a:buSzTx/>
+              <a:buFontTx/>
+              <a:buNone/>
+              <a:tabLst/>
+              <a:defRPr/>
+            </a:pPr>
+            <a:r>
+              <a:rPr kumimoji="0" lang="en-US" sz="1050" u="none" strike="noStrike" kern="1200" cap="none" spc="0" normalizeH="0" baseline="0" noProof="0" dirty="0">
+                <a:ln>
+                  <a:noFill/>
+                </a:ln>
+                <a:solidFill>
+                  <a:prstClr val="black"/>
+                </a:solidFill>
+                <a:effectLst/>
+                <a:uLnTx/>
+                <a:uFillTx/>
+                <a:latin typeface="Calibri" panose="020F0502020204030204"/>
+                <a:ea typeface="+mn-ea"/>
+                <a:cs typeface="+mn-cs"/>
+              </a:rPr>
+              <a:t>Continuous Export</a:t>
+            </a:r>
+          </a:p>
+        </p:txBody>
+      </p:sp>
+      <p:cxnSp>
+        <p:nvCxnSpPr>
+          <p:cNvPr id="280" name="Connector: Elbow 279">
+            <a:extLst>
+              <a:ext uri="{FF2B5EF4-FFF2-40B4-BE49-F238E27FC236}">
+                <a16:creationId xmlns:a16="http://schemas.microsoft.com/office/drawing/2014/main" id="{A98C9725-9059-41C4-8A49-6AFB8ED86D38}"/>
+              </a:ext>
+            </a:extLst>
+          </p:cNvPr>
+          <p:cNvCxnSpPr>
+            <a:cxnSpLocks/>
+            <a:stCxn id="120" idx="3"/>
+            <a:endCxn id="342" idx="0"/>
+          </p:cNvCxnSpPr>
+          <p:nvPr/>
+        </p:nvCxnSpPr>
+        <p:spPr>
+          <a:xfrm>
+            <a:off x="7092232" y="1635499"/>
+            <a:ext cx="522885" cy="2089578"/>
+          </a:xfrm>
+          <a:prstGeom prst="bentConnector2">
+            <a:avLst/>
+          </a:prstGeom>
+          <a:ln>
+            <a:solidFill>
+              <a:srgbClr val="002060"/>
+            </a:solidFill>
+            <a:prstDash val="lgDash"/>
+            <a:headEnd type="none" w="med" len="med"/>
+            <a:tailEnd type="triangle" w="med" len="med"/>
+          </a:ln>
+        </p:spPr>
+        <p:style>
+          <a:lnRef idx="1">
+            <a:schemeClr val="accent1"/>
+          </a:lnRef>
+          <a:fillRef idx="0">
+            <a:schemeClr val="accent1"/>
+          </a:fillRef>
+          <a:effectRef idx="0">
+            <a:schemeClr val="accent1"/>
+          </a:effectRef>
+          <a:fontRef idx="minor">
+            <a:schemeClr val="tx1"/>
+          </a:fontRef>
+        </p:style>
+      </p:cxnSp>
+      <p:grpSp>
+        <p:nvGrpSpPr>
+          <p:cNvPr id="305" name="Group 304">
+            <a:extLst>
+              <a:ext uri="{FF2B5EF4-FFF2-40B4-BE49-F238E27FC236}">
+                <a16:creationId xmlns:a16="http://schemas.microsoft.com/office/drawing/2014/main" id="{4ECB0BB7-3ED2-4DA6-8CF2-B8CDCD012870}"/>
+              </a:ext>
+            </a:extLst>
+          </p:cNvPr>
+          <p:cNvGrpSpPr/>
+          <p:nvPr/>
+        </p:nvGrpSpPr>
+        <p:grpSpPr>
+          <a:xfrm>
+            <a:off x="8092077" y="700466"/>
+            <a:ext cx="1658718" cy="1503682"/>
+            <a:chOff x="9266031" y="2232446"/>
+            <a:chExt cx="1658718" cy="1503682"/>
+          </a:xfrm>
+        </p:grpSpPr>
+        <p:grpSp>
+          <p:nvGrpSpPr>
+            <p:cNvPr id="293" name="Group 292">
+              <a:extLst>
+                <a:ext uri="{FF2B5EF4-FFF2-40B4-BE49-F238E27FC236}">
+                  <a16:creationId xmlns:a16="http://schemas.microsoft.com/office/drawing/2014/main" id="{A83976E7-30F6-416E-9276-015537B24557}"/>
+                </a:ext>
+              </a:extLst>
+            </p:cNvPr>
+            <p:cNvGrpSpPr/>
+            <p:nvPr/>
+          </p:nvGrpSpPr>
+          <p:grpSpPr>
+            <a:xfrm>
+              <a:off x="9656007" y="2639379"/>
+              <a:ext cx="893193" cy="1043198"/>
+              <a:chOff x="3437502" y="889336"/>
+              <a:chExt cx="893193" cy="1043198"/>
+            </a:xfrm>
+          </p:grpSpPr>
+          <p:sp>
+            <p:nvSpPr>
+              <p:cNvPr id="291" name="TextBox 290">
+                <a:extLst>
+                  <a:ext uri="{FF2B5EF4-FFF2-40B4-BE49-F238E27FC236}">
+                    <a16:creationId xmlns:a16="http://schemas.microsoft.com/office/drawing/2014/main" id="{D456C58E-ED8C-4794-B24A-1F380BB0E2E3}"/>
+                  </a:ext>
+                </a:extLst>
+              </p:cNvPr>
+              <p:cNvSpPr txBox="1"/>
+              <p:nvPr/>
+            </p:nvSpPr>
+            <p:spPr>
+              <a:xfrm>
+                <a:off x="3437502" y="1424703"/>
+                <a:ext cx="893193" cy="507831"/>
+              </a:xfrm>
+              <a:prstGeom prst="rect">
+                <a:avLst/>
+              </a:prstGeom>
+            </p:spPr>
+            <p:txBody>
+              <a:bodyPr wrap="none">
+                <a:spAutoFit/>
+              </a:bodyPr>
+              <a:lstStyle>
+                <a:defPPr>
+                  <a:defRPr lang="en-US"/>
+                </a:defPPr>
+                <a:lvl1pPr defTabSz="950973">
+                  <a:defRPr sz="900" kern="0">
+                    <a:latin typeface="Segoe UI Semibold" panose="020B0702040204020203" pitchFamily="34" charset="0"/>
+                    <a:ea typeface="MS PGothic" panose="020B0600070205080204" pitchFamily="34" charset="-128"/>
+                    <a:cs typeface="Segoe UI Semibold" panose="020B0702040204020203" pitchFamily="34" charset="0"/>
+                  </a:defRPr>
+                </a:lvl1pPr>
+              </a:lstStyle>
+              <a:p>
+                <a:pPr marL="0" marR="0" lvl="0" indent="0" algn="ctr" defTabSz="950973" rtl="0" eaLnBrk="1" fontAlgn="auto" latinLnBrk="0" hangingPunct="1">
+                  <a:lnSpc>
+                    <a:spcPct val="100000"/>
+                  </a:lnSpc>
+                  <a:spcBef>
+                    <a:spcPts val="0"/>
+                  </a:spcBef>
+                  <a:spcAft>
+                    <a:spcPts val="0"/>
+                  </a:spcAft>
+                  <a:buClrTx/>
+                  <a:buSzTx/>
+                  <a:buFontTx/>
+                  <a:buNone/>
+                  <a:tabLst/>
+                  <a:defRPr/>
+                </a:pPr>
+                <a:r>
+                  <a:rPr kumimoji="0" lang="en-US" sz="900" b="0" i="0" u="none" strike="noStrike" kern="0" cap="none" spc="0" normalizeH="0" baseline="0" noProof="0" dirty="0">
+                    <a:ln>
+                      <a:noFill/>
+                    </a:ln>
+                    <a:solidFill>
+                      <a:prstClr val="black"/>
+                    </a:solidFill>
+                    <a:effectLst/>
+                    <a:uLnTx/>
+                    <a:uFillTx/>
+                    <a:latin typeface="Segoe UI Semibold" panose="020B0702040204020203" pitchFamily="34" charset="0"/>
+                    <a:ea typeface="MS PGothic" panose="020B0600070205080204" pitchFamily="34" charset="-128"/>
+                    <a:cs typeface="Segoe UI Semibold" panose="020B0702040204020203" pitchFamily="34" charset="0"/>
+                  </a:rPr>
+                  <a:t>AKS</a:t>
+                </a:r>
+              </a:p>
+              <a:p>
+                <a:pPr marL="0" marR="0" lvl="0" indent="0" algn="ctr" defTabSz="950973" rtl="0" eaLnBrk="1" fontAlgn="auto" latinLnBrk="0" hangingPunct="1">
+                  <a:lnSpc>
+                    <a:spcPct val="100000"/>
+                  </a:lnSpc>
+                  <a:spcBef>
+                    <a:spcPts val="0"/>
+                  </a:spcBef>
+                  <a:spcAft>
+                    <a:spcPts val="0"/>
+                  </a:spcAft>
+                  <a:buClrTx/>
+                  <a:buSzTx/>
+                  <a:buFontTx/>
+                  <a:buNone/>
+                  <a:tabLst/>
+                  <a:defRPr/>
+                </a:pPr>
+                <a:r>
+                  <a:rPr kumimoji="0" lang="en-US" sz="900" b="0" i="0" u="none" strike="noStrike" kern="0" cap="none" spc="0" normalizeH="0" baseline="0" noProof="0" dirty="0">
+                    <a:ln>
+                      <a:noFill/>
+                    </a:ln>
+                    <a:solidFill>
+                      <a:prstClr val="black"/>
+                    </a:solidFill>
+                    <a:effectLst/>
+                    <a:uLnTx/>
+                    <a:uFillTx/>
+                    <a:latin typeface="Segoe UI Semibold" panose="020B0702040204020203" pitchFamily="34" charset="0"/>
+                    <a:ea typeface="MS PGothic" panose="020B0600070205080204" pitchFamily="34" charset="-128"/>
+                    <a:cs typeface="Segoe UI Semibold" panose="020B0702040204020203" pitchFamily="34" charset="0"/>
+                  </a:rPr>
+                  <a:t>(Scoring Web</a:t>
+                </a:r>
+                <a:br>
+                  <a:rPr kumimoji="0" lang="en-US" sz="900" b="0" i="0" u="none" strike="noStrike" kern="0" cap="none" spc="0" normalizeH="0" baseline="0" noProof="0" dirty="0">
+                    <a:ln>
+                      <a:noFill/>
+                    </a:ln>
+                    <a:solidFill>
+                      <a:prstClr val="black"/>
+                    </a:solidFill>
+                    <a:effectLst/>
+                    <a:uLnTx/>
+                    <a:uFillTx/>
+                    <a:latin typeface="Segoe UI Semibold" panose="020B0702040204020203" pitchFamily="34" charset="0"/>
+                    <a:ea typeface="MS PGothic" panose="020B0600070205080204" pitchFamily="34" charset="-128"/>
+                    <a:cs typeface="Segoe UI Semibold" panose="020B0702040204020203" pitchFamily="34" charset="0"/>
+                  </a:rPr>
+                </a:br>
+                <a:r>
+                  <a:rPr kumimoji="0" lang="en-US" sz="900" b="0" i="0" u="none" strike="noStrike" kern="0" cap="none" spc="0" normalizeH="0" baseline="0" noProof="0" dirty="0">
+                    <a:ln>
+                      <a:noFill/>
+                    </a:ln>
+                    <a:solidFill>
+                      <a:prstClr val="black"/>
+                    </a:solidFill>
+                    <a:effectLst/>
+                    <a:uLnTx/>
+                    <a:uFillTx/>
+                    <a:latin typeface="Segoe UI Semibold" panose="020B0702040204020203" pitchFamily="34" charset="0"/>
+                    <a:ea typeface="MS PGothic" panose="020B0600070205080204" pitchFamily="34" charset="-128"/>
+                    <a:cs typeface="Segoe UI Semibold" panose="020B0702040204020203" pitchFamily="34" charset="0"/>
+                  </a:rPr>
+                  <a:t>Service)</a:t>
+                </a:r>
+              </a:p>
+            </p:txBody>
+          </p:sp>
+          <p:pic>
+            <p:nvPicPr>
+              <p:cNvPr id="292" name="Picture 287">
+                <a:extLst>
+                  <a:ext uri="{FF2B5EF4-FFF2-40B4-BE49-F238E27FC236}">
+                    <a16:creationId xmlns:a16="http://schemas.microsoft.com/office/drawing/2014/main" id="{5D77DEB3-C693-4589-8008-6A4EDC5560F2}"/>
+                  </a:ext>
+                </a:extLst>
+              </p:cNvPr>
+              <p:cNvPicPr>
+                <a:picLocks noChangeAspect="1"/>
+              </p:cNvPicPr>
+              <p:nvPr/>
+            </p:nvPicPr>
+            <p:blipFill>
+              <a:blip r:embed="rId4">
+                <a:extLst>
+                  <a:ext uri="{28A0092B-C50C-407E-A947-70E740481C1C}">
+                    <a14:useLocalDpi xmlns:a14="http://schemas.microsoft.com/office/drawing/2010/main" val="0"/>
+                  </a:ext>
+                </a:extLst>
+              </a:blip>
+              <a:stretch>
+                <a:fillRect/>
+              </a:stretch>
+            </p:blipFill>
+            <p:spPr>
+              <a:xfrm>
+                <a:off x="3639141" y="889336"/>
+                <a:ext cx="475488" cy="475488"/>
+              </a:xfrm>
+              <a:prstGeom prst="rect">
+                <a:avLst/>
+              </a:prstGeom>
+            </p:spPr>
+          </p:pic>
+        </p:grpSp>
+        <p:sp>
+          <p:nvSpPr>
+            <p:cNvPr id="294" name="Rectangle: Rounded Corners 293">
+              <a:extLst>
+                <a:ext uri="{FF2B5EF4-FFF2-40B4-BE49-F238E27FC236}">
+                  <a16:creationId xmlns:a16="http://schemas.microsoft.com/office/drawing/2014/main" id="{36C2F25D-DAED-4867-940D-1C5B1DDF783D}"/>
+                </a:ext>
+              </a:extLst>
+            </p:cNvPr>
+            <p:cNvSpPr/>
+            <p:nvPr/>
+          </p:nvSpPr>
+          <p:spPr bwMode="auto">
+            <a:xfrm>
+              <a:off x="9586159" y="2569427"/>
+              <a:ext cx="997851" cy="1166701"/>
+            </a:xfrm>
+            <a:prstGeom prst="roundRect">
+              <a:avLst/>
+            </a:prstGeom>
+            <a:noFill/>
+            <a:ln>
+              <a:solidFill>
+                <a:srgbClr val="002060"/>
+              </a:solidFill>
+              <a:prstDash val="sysDash"/>
+              <a:headEnd type="none" w="med" len="med"/>
+              <a:tailEnd type="none" w="med" len="med"/>
+            </a:ln>
+            <a:effectLst/>
+          </p:spPr>
+          <p:style>
+            <a:lnRef idx="1">
+              <a:schemeClr val="accent2"/>
+            </a:lnRef>
+            <a:fillRef idx="3">
+              <a:schemeClr val="accent2"/>
+            </a:fillRef>
+            <a:effectRef idx="2">
+              <a:schemeClr val="accent2"/>
+            </a:effectRef>
+            <a:fontRef idx="minor">
+              <a:schemeClr val="lt1"/>
+            </a:fontRef>
+          </p:style>
+          <p:txBody>
+            <a:bodyPr rot="0" spcFirstLastPara="0" vertOverflow="overflow" horzOverflow="overflow" vert="horz" wrap="square" lIns="182880" tIns="146304" rIns="182880" bIns="146304" numCol="1" spcCol="0" rtlCol="0" fromWordArt="0" anchor="t" anchorCtr="0" forceAA="0" compatLnSpc="1">
+              <a:prstTxWarp prst="textNoShape">
+                <a:avLst/>
+              </a:prstTxWarp>
+              <a:noAutofit/>
+            </a:bodyPr>
+            <a:lstStyle/>
+            <a:p>
+              <a:pPr marL="0" marR="0" lvl="0" indent="0" algn="ctr" defTabSz="932472" rtl="0" eaLnBrk="1" fontAlgn="base" latinLnBrk="0" hangingPunct="1">
+                <a:lnSpc>
+                  <a:spcPct val="90000"/>
+                </a:lnSpc>
+                <a:spcBef>
+                  <a:spcPct val="0"/>
+                </a:spcBef>
+                <a:spcAft>
+                  <a:spcPct val="0"/>
+                </a:spcAft>
+                <a:buClrTx/>
+                <a:buSzTx/>
+                <a:buFontTx/>
+                <a:buNone/>
+                <a:tabLst/>
+                <a:defRPr/>
+              </a:pPr>
+              <a:endParaRPr kumimoji="0" lang="en-US" sz="2400" b="0" i="0" u="none" strike="noStrike" kern="1200" cap="none" spc="0" normalizeH="0" baseline="0" noProof="0" dirty="0" err="1">
+                <a:ln>
+                  <a:noFill/>
+                </a:ln>
+                <a:gradFill>
+                  <a:gsLst>
+                    <a:gs pos="0">
+                      <a:srgbClr val="FFFFFF"/>
+                    </a:gs>
+                    <a:gs pos="100000">
+                      <a:srgbClr val="FFFFFF"/>
+                    </a:gs>
+                  </a:gsLst>
+                  <a:lin ang="5400000" scaled="0"/>
+                </a:gradFill>
+                <a:effectLst/>
+                <a:uLnTx/>
+                <a:uFillTx/>
+                <a:latin typeface="Calibri" panose="020F0502020204030204"/>
+                <a:ea typeface="Segoe UI" pitchFamily="34" charset="0"/>
+                <a:cs typeface="Segoe UI" pitchFamily="34" charset="0"/>
+              </a:endParaRPr>
+            </a:p>
+          </p:txBody>
+        </p:sp>
+        <p:sp>
+          <p:nvSpPr>
+            <p:cNvPr id="295" name="TextBox 294">
+              <a:extLst>
+                <a:ext uri="{FF2B5EF4-FFF2-40B4-BE49-F238E27FC236}">
+                  <a16:creationId xmlns:a16="http://schemas.microsoft.com/office/drawing/2014/main" id="{7F153A01-A470-4F77-8127-7C0A667B6464}"/>
+                </a:ext>
+              </a:extLst>
+            </p:cNvPr>
+            <p:cNvSpPr txBox="1"/>
+            <p:nvPr/>
+          </p:nvSpPr>
+          <p:spPr>
+            <a:xfrm>
+              <a:off x="9266031" y="2232446"/>
+              <a:ext cx="1658718" cy="461665"/>
+            </a:xfrm>
+            <a:prstGeom prst="rect">
+              <a:avLst/>
+            </a:prstGeom>
+            <a:noFill/>
+          </p:spPr>
+          <p:txBody>
+            <a:bodyPr wrap="square" lIns="182880" tIns="146304" rIns="182880" bIns="146304" rtlCol="0">
+              <a:spAutoFit/>
+            </a:bodyPr>
+            <a:lstStyle/>
+            <a:p>
+              <a:pPr marL="0" marR="0" lvl="0" indent="0" algn="ctr" defTabSz="914400" rtl="0" eaLnBrk="1" fontAlgn="auto" latinLnBrk="0" hangingPunct="1">
+                <a:lnSpc>
+                  <a:spcPct val="90000"/>
+                </a:lnSpc>
+                <a:spcBef>
+                  <a:spcPts val="0"/>
+                </a:spcBef>
+                <a:spcAft>
+                  <a:spcPts val="600"/>
+                </a:spcAft>
+                <a:buClrTx/>
+                <a:buSzTx/>
+                <a:buFontTx/>
+                <a:buNone/>
+                <a:tabLst/>
+                <a:defRPr/>
+              </a:pPr>
+              <a:r>
+                <a:rPr kumimoji="0" lang="en-US" sz="1200" b="0" i="0" u="none" strike="noStrike" kern="1200" cap="none" spc="0" normalizeH="0" baseline="0" noProof="0" dirty="0">
+                  <a:ln>
+                    <a:noFill/>
+                  </a:ln>
+                  <a:gradFill>
+                    <a:gsLst>
+                      <a:gs pos="2917">
+                        <a:prstClr val="black"/>
+                      </a:gs>
+                      <a:gs pos="30000">
+                        <a:prstClr val="black"/>
+                      </a:gs>
+                    </a:gsLst>
+                    <a:lin ang="5400000" scaled="0"/>
+                  </a:gradFill>
+                  <a:effectLst/>
+                  <a:uLnTx/>
+                  <a:uFillTx/>
+                  <a:latin typeface="Calibri" panose="020F0502020204030204"/>
+                  <a:ea typeface="+mn-ea"/>
+                  <a:cs typeface="+mn-cs"/>
+                </a:rPr>
+                <a:t>REAL-TIME SCORING</a:t>
+              </a:r>
+            </a:p>
+          </p:txBody>
+        </p:sp>
+      </p:grpSp>
+      <p:sp>
+        <p:nvSpPr>
+          <p:cNvPr id="310" name="TextBox 309">
+            <a:extLst>
+              <a:ext uri="{FF2B5EF4-FFF2-40B4-BE49-F238E27FC236}">
+                <a16:creationId xmlns:a16="http://schemas.microsoft.com/office/drawing/2014/main" id="{43FB70EF-D750-440B-BEC0-7096A47EE0A9}"/>
+              </a:ext>
+            </a:extLst>
+          </p:cNvPr>
+          <p:cNvSpPr txBox="1"/>
+          <p:nvPr/>
+        </p:nvSpPr>
+        <p:spPr>
+          <a:xfrm>
+            <a:off x="8152862" y="2676039"/>
+            <a:ext cx="1286036" cy="253916"/>
+          </a:xfrm>
+          <a:prstGeom prst="rect">
+            <a:avLst/>
+          </a:prstGeom>
+          <a:noFill/>
+        </p:spPr>
+        <p:txBody>
+          <a:bodyPr wrap="square" rtlCol="0">
+            <a:spAutoFit/>
+          </a:bodyPr>
+          <a:lstStyle/>
+          <a:p>
+            <a:pPr marL="0" marR="0" lvl="0" indent="0" algn="r" defTabSz="914400" rtl="0" eaLnBrk="1" fontAlgn="auto" latinLnBrk="0" hangingPunct="1">
+              <a:lnSpc>
+                <a:spcPct val="100000"/>
+              </a:lnSpc>
+              <a:spcBef>
+                <a:spcPts val="0"/>
+              </a:spcBef>
+              <a:spcAft>
+                <a:spcPts val="0"/>
+              </a:spcAft>
+              <a:buClrTx/>
+              <a:buSzTx/>
+              <a:buFontTx/>
+              <a:buNone/>
+              <a:tabLst/>
+              <a:defRPr/>
+            </a:pPr>
+            <a:r>
+              <a:rPr kumimoji="0" lang="en-US" sz="1050" b="0" i="0" u="none" strike="noStrike" kern="1200" cap="none" spc="0" normalizeH="0" baseline="0" noProof="0" dirty="0">
+                <a:ln>
+                  <a:noFill/>
+                </a:ln>
+                <a:solidFill>
+                  <a:prstClr val="black"/>
+                </a:solidFill>
+                <a:effectLst/>
+                <a:uLnTx/>
+                <a:uFillTx/>
+                <a:latin typeface="Calibri" panose="020F0502020204030204"/>
+                <a:ea typeface="+mn-ea"/>
+                <a:cs typeface="+mn-cs"/>
+              </a:rPr>
+              <a:t>DEPLOY  MODEL</a:t>
+            </a:r>
+          </a:p>
+        </p:txBody>
+      </p:sp>
+      <p:sp>
+        <p:nvSpPr>
+          <p:cNvPr id="2" name="TextBox 1">
+            <a:extLst>
+              <a:ext uri="{FF2B5EF4-FFF2-40B4-BE49-F238E27FC236}">
+                <a16:creationId xmlns:a16="http://schemas.microsoft.com/office/drawing/2014/main" id="{DE20410E-2712-4034-AFAB-C9AC513E7286}"/>
+              </a:ext>
+            </a:extLst>
+          </p:cNvPr>
+          <p:cNvSpPr txBox="1"/>
+          <p:nvPr/>
+        </p:nvSpPr>
+        <p:spPr>
+          <a:xfrm>
+            <a:off x="82550" y="-292100"/>
+            <a:ext cx="2286075" cy="369332"/>
+          </a:xfrm>
+          <a:prstGeom prst="rect">
+            <a:avLst/>
+          </a:prstGeom>
+          <a:noFill/>
+        </p:spPr>
+        <p:txBody>
+          <a:bodyPr wrap="none" rtlCol="0">
+            <a:spAutoFit/>
+          </a:bodyPr>
+          <a:lstStyle/>
+          <a:p>
+            <a:pPr marL="0" marR="0" lvl="0" indent="0" algn="l" defTabSz="914400" rtl="0" eaLnBrk="1" fontAlgn="auto" latinLnBrk="0" hangingPunct="1">
+              <a:lnSpc>
+                <a:spcPct val="100000"/>
+              </a:lnSpc>
+              <a:spcBef>
+                <a:spcPts val="0"/>
+              </a:spcBef>
+              <a:spcAft>
+                <a:spcPts val="0"/>
+              </a:spcAft>
+              <a:buClrTx/>
+              <a:buSzTx/>
+              <a:buFontTx/>
+              <a:buNone/>
+              <a:tabLst/>
+              <a:defRPr/>
+            </a:pPr>
+            <a:r>
+              <a:rPr kumimoji="0" lang="en-US" sz="1800" b="0" i="0" u="none" strike="noStrike" kern="1200" cap="none" spc="0" normalizeH="0" baseline="0" noProof="0" dirty="0">
+                <a:ln>
+                  <a:noFill/>
+                </a:ln>
+                <a:solidFill>
+                  <a:prstClr val="black"/>
+                </a:solidFill>
+                <a:effectLst/>
+                <a:uLnTx/>
+                <a:uFillTx/>
+                <a:latin typeface="Calibri" panose="020F0502020204030204"/>
+                <a:ea typeface="+mn-ea"/>
+                <a:cs typeface="+mn-cs"/>
+              </a:rPr>
+              <a:t>PREFERRED SOLUTION</a:t>
+            </a:r>
+          </a:p>
+        </p:txBody>
+      </p:sp>
+      <p:grpSp>
+        <p:nvGrpSpPr>
+          <p:cNvPr id="48" name="Group 47">
+            <a:extLst>
+              <a:ext uri="{FF2B5EF4-FFF2-40B4-BE49-F238E27FC236}">
+                <a16:creationId xmlns:a16="http://schemas.microsoft.com/office/drawing/2014/main" id="{4D91D2DF-1B50-4352-A494-D660A6419B35}"/>
+              </a:ext>
+            </a:extLst>
+          </p:cNvPr>
+          <p:cNvGrpSpPr/>
+          <p:nvPr/>
+        </p:nvGrpSpPr>
+        <p:grpSpPr>
+          <a:xfrm>
+            <a:off x="5859041" y="543178"/>
+            <a:ext cx="1325499" cy="1666192"/>
+            <a:chOff x="2144181" y="2038468"/>
+            <a:chExt cx="1325499" cy="1666192"/>
+          </a:xfrm>
+        </p:grpSpPr>
+        <p:pic>
+          <p:nvPicPr>
+            <p:cNvPr id="233" name="Graphic 232">
+              <a:extLst>
+                <a:ext uri="{FF2B5EF4-FFF2-40B4-BE49-F238E27FC236}">
+                  <a16:creationId xmlns:a16="http://schemas.microsoft.com/office/drawing/2014/main" id="{3E72C4C5-5F93-4F55-B6C1-26C64779C1CE}"/>
+                </a:ext>
+              </a:extLst>
+            </p:cNvPr>
+            <p:cNvPicPr>
+              <a:picLocks noChangeAspect="1"/>
+            </p:cNvPicPr>
+            <p:nvPr/>
+          </p:nvPicPr>
+          <p:blipFill>
+            <a:blip r:embed="rId5">
+              <a:extLst>
+                <a:ext uri="{28A0092B-C50C-407E-A947-70E740481C1C}">
+                  <a14:useLocalDpi xmlns:a14="http://schemas.microsoft.com/office/drawing/2010/main" val="0"/>
+                </a:ext>
+                <a:ext uri="{96DAC541-7B7A-43D3-8B79-37D633B846F1}">
+                  <asvg:svgBlip xmlns:asvg="http://schemas.microsoft.com/office/drawing/2016/SVG/main" r:embed="rId6"/>
+                </a:ext>
+              </a:extLst>
+            </a:blip>
+            <a:stretch>
+              <a:fillRect/>
+            </a:stretch>
+          </p:blipFill>
+          <p:spPr>
+            <a:xfrm>
+              <a:off x="2502131" y="2758437"/>
+              <a:ext cx="609600" cy="609600"/>
+            </a:xfrm>
+            <a:prstGeom prst="rect">
+              <a:avLst/>
+            </a:prstGeom>
+          </p:spPr>
+        </p:pic>
+        <p:sp>
+          <p:nvSpPr>
+            <p:cNvPr id="120" name="Rectangle: Rounded Corners 119">
+              <a:extLst>
+                <a:ext uri="{FF2B5EF4-FFF2-40B4-BE49-F238E27FC236}">
+                  <a16:creationId xmlns:a16="http://schemas.microsoft.com/office/drawing/2014/main" id="{D45BBFAC-AB5E-41AB-B6E3-641235CB2918}"/>
+                </a:ext>
+              </a:extLst>
+            </p:cNvPr>
+            <p:cNvSpPr/>
+            <p:nvPr/>
+          </p:nvSpPr>
+          <p:spPr bwMode="auto">
+            <a:xfrm>
+              <a:off x="2227538" y="2556917"/>
+              <a:ext cx="1149834" cy="1147743"/>
+            </a:xfrm>
+            <a:prstGeom prst="roundRect">
+              <a:avLst/>
+            </a:prstGeom>
+            <a:noFill/>
+            <a:ln>
+              <a:solidFill>
+                <a:srgbClr val="002060"/>
+              </a:solidFill>
+              <a:prstDash val="sysDash"/>
+              <a:headEnd type="none" w="med" len="med"/>
+              <a:tailEnd type="none" w="med" len="med"/>
+            </a:ln>
+            <a:effectLst/>
+          </p:spPr>
+          <p:style>
+            <a:lnRef idx="1">
+              <a:schemeClr val="accent2"/>
+            </a:lnRef>
+            <a:fillRef idx="3">
+              <a:schemeClr val="accent2"/>
+            </a:fillRef>
+            <a:effectRef idx="2">
+              <a:schemeClr val="accent2"/>
+            </a:effectRef>
+            <a:fontRef idx="minor">
+              <a:schemeClr val="lt1"/>
+            </a:fontRef>
+          </p:style>
+          <p:txBody>
+            <a:bodyPr rot="0" spcFirstLastPara="0" vertOverflow="overflow" horzOverflow="overflow" vert="horz" wrap="square" lIns="182880" tIns="146304" rIns="182880" bIns="146304" numCol="1" spcCol="0" rtlCol="0" fromWordArt="0" anchor="t" anchorCtr="0" forceAA="0" compatLnSpc="1">
+              <a:prstTxWarp prst="textNoShape">
+                <a:avLst/>
+              </a:prstTxWarp>
+              <a:noAutofit/>
+            </a:bodyPr>
+            <a:lstStyle/>
+            <a:p>
+              <a:pPr marL="0" marR="0" lvl="0" indent="0" algn="ctr" defTabSz="932472" rtl="0" eaLnBrk="1" fontAlgn="base" latinLnBrk="0" hangingPunct="1">
+                <a:lnSpc>
+                  <a:spcPct val="90000"/>
+                </a:lnSpc>
+                <a:spcBef>
+                  <a:spcPct val="0"/>
+                </a:spcBef>
+                <a:spcAft>
+                  <a:spcPct val="0"/>
+                </a:spcAft>
+                <a:buClrTx/>
+                <a:buSzTx/>
+                <a:buFontTx/>
+                <a:buNone/>
+                <a:tabLst/>
+                <a:defRPr/>
+              </a:pPr>
+              <a:endParaRPr kumimoji="0" lang="en-US" sz="2400" b="0" i="0" u="none" strike="noStrike" kern="1200" cap="none" spc="0" normalizeH="0" baseline="0" noProof="0" dirty="0" err="1">
+                <a:ln>
+                  <a:noFill/>
+                </a:ln>
+                <a:gradFill>
+                  <a:gsLst>
+                    <a:gs pos="0">
+                      <a:srgbClr val="FFFFFF"/>
+                    </a:gs>
+                    <a:gs pos="100000">
+                      <a:srgbClr val="FFFFFF"/>
+                    </a:gs>
+                  </a:gsLst>
+                  <a:lin ang="5400000" scaled="0"/>
+                </a:gradFill>
+                <a:effectLst/>
+                <a:uLnTx/>
+                <a:uFillTx/>
+                <a:latin typeface="Calibri" panose="020F0502020204030204"/>
+                <a:ea typeface="Segoe UI" pitchFamily="34" charset="0"/>
+                <a:cs typeface="Segoe UI" pitchFamily="34" charset="0"/>
+              </a:endParaRPr>
+            </a:p>
+          </p:txBody>
+        </p:sp>
+        <p:sp>
+          <p:nvSpPr>
+            <p:cNvPr id="121" name="TextBox 120">
+              <a:extLst>
+                <a:ext uri="{FF2B5EF4-FFF2-40B4-BE49-F238E27FC236}">
+                  <a16:creationId xmlns:a16="http://schemas.microsoft.com/office/drawing/2014/main" id="{50CA6522-2E36-48AD-8B65-8F76456CA518}"/>
+                </a:ext>
+              </a:extLst>
+            </p:cNvPr>
+            <p:cNvSpPr txBox="1"/>
+            <p:nvPr/>
+          </p:nvSpPr>
+          <p:spPr>
+            <a:xfrm>
+              <a:off x="2144181" y="2038468"/>
+              <a:ext cx="1325499" cy="627864"/>
+            </a:xfrm>
+            <a:prstGeom prst="rect">
+              <a:avLst/>
+            </a:prstGeom>
+            <a:noFill/>
+          </p:spPr>
+          <p:txBody>
+            <a:bodyPr wrap="square" lIns="182880" tIns="146304" rIns="182880" bIns="146304" rtlCol="0">
+              <a:spAutoFit/>
+            </a:bodyPr>
+            <a:lstStyle/>
+            <a:p>
+              <a:pPr marL="0" marR="0" lvl="0" indent="0" algn="ctr" defTabSz="914400" rtl="0" eaLnBrk="1" fontAlgn="auto" latinLnBrk="0" hangingPunct="1">
+                <a:lnSpc>
+                  <a:spcPct val="90000"/>
+                </a:lnSpc>
+                <a:spcBef>
+                  <a:spcPts val="0"/>
+                </a:spcBef>
+                <a:spcAft>
+                  <a:spcPts val="600"/>
+                </a:spcAft>
+                <a:buClrTx/>
+                <a:buSzTx/>
+                <a:buFontTx/>
+                <a:buNone/>
+                <a:tabLst/>
+                <a:defRPr/>
+              </a:pPr>
+              <a:r>
+                <a:rPr kumimoji="0" lang="en-US" sz="1200" b="0" i="0" u="none" strike="noStrike" kern="1200" cap="none" spc="0" normalizeH="0" baseline="0" noProof="0" dirty="0">
+                  <a:ln>
+                    <a:noFill/>
+                  </a:ln>
+                  <a:gradFill>
+                    <a:gsLst>
+                      <a:gs pos="2917">
+                        <a:prstClr val="black"/>
+                      </a:gs>
+                      <a:gs pos="30000">
+                        <a:prstClr val="black"/>
+                      </a:gs>
+                    </a:gsLst>
+                    <a:lin ang="5400000" scaled="0"/>
+                  </a:gradFill>
+                  <a:effectLst/>
+                  <a:uLnTx/>
+                  <a:uFillTx/>
+                  <a:latin typeface="Calibri" panose="020F0502020204030204"/>
+                  <a:ea typeface="+mn-ea"/>
+                  <a:cs typeface="+mn-cs"/>
+                </a:rPr>
+                <a:t>EVENT PROCESSING</a:t>
+              </a:r>
+            </a:p>
+          </p:txBody>
+        </p:sp>
+        <p:sp>
+          <p:nvSpPr>
+            <p:cNvPr id="122" name="TextBox 121">
+              <a:extLst>
+                <a:ext uri="{FF2B5EF4-FFF2-40B4-BE49-F238E27FC236}">
+                  <a16:creationId xmlns:a16="http://schemas.microsoft.com/office/drawing/2014/main" id="{9EEDE6E0-B111-4D0C-A609-83668D2B1D66}"/>
+                </a:ext>
+              </a:extLst>
+            </p:cNvPr>
+            <p:cNvSpPr txBox="1"/>
+            <p:nvPr/>
+          </p:nvSpPr>
+          <p:spPr>
+            <a:xfrm>
+              <a:off x="2204923" y="3327514"/>
+              <a:ext cx="1183779" cy="230832"/>
+            </a:xfrm>
+            <a:prstGeom prst="rect">
+              <a:avLst/>
+            </a:prstGeom>
+          </p:spPr>
+          <p:txBody>
+            <a:bodyPr wrap="square">
+              <a:spAutoFit/>
+            </a:bodyPr>
+            <a:lstStyle>
+              <a:defPPr>
+                <a:defRPr lang="en-US"/>
+              </a:defPPr>
+              <a:lvl1pPr defTabSz="950973">
+                <a:defRPr sz="900" kern="0">
+                  <a:latin typeface="Segoe UI Semibold" panose="020B0702040204020203" pitchFamily="34" charset="0"/>
+                  <a:ea typeface="MS PGothic" panose="020B0600070205080204" pitchFamily="34" charset="-128"/>
+                  <a:cs typeface="Segoe UI Semibold" panose="020B0702040204020203" pitchFamily="34" charset="0"/>
+                </a:defRPr>
+              </a:lvl1pPr>
+            </a:lstStyle>
+            <a:p>
+              <a:pPr marL="0" marR="0" lvl="0" indent="0" algn="ctr" defTabSz="950973" rtl="0" eaLnBrk="1" fontAlgn="auto" latinLnBrk="0" hangingPunct="1">
+                <a:lnSpc>
+                  <a:spcPct val="100000"/>
+                </a:lnSpc>
+                <a:spcBef>
+                  <a:spcPts val="0"/>
+                </a:spcBef>
+                <a:spcAft>
+                  <a:spcPts val="0"/>
+                </a:spcAft>
+                <a:buClrTx/>
+                <a:buSzTx/>
+                <a:buFontTx/>
+                <a:buNone/>
+                <a:tabLst/>
+                <a:defRPr/>
+              </a:pPr>
+              <a:r>
+                <a:rPr kumimoji="0" lang="en-US" sz="900" b="0" i="0" u="none" strike="noStrike" kern="0" cap="none" spc="0" normalizeH="0" baseline="0" noProof="0" dirty="0">
+                  <a:ln>
+                    <a:noFill/>
+                  </a:ln>
+                  <a:solidFill>
+                    <a:prstClr val="black"/>
+                  </a:solidFill>
+                  <a:effectLst/>
+                  <a:uLnTx/>
+                  <a:uFillTx/>
+                  <a:latin typeface="Segoe UI Semibold" panose="020B0702040204020203" pitchFamily="34" charset="0"/>
+                  <a:ea typeface="MS PGothic" panose="020B0600070205080204" pitchFamily="34" charset="-128"/>
+                  <a:cs typeface="Segoe UI Semibold" panose="020B0702040204020203" pitchFamily="34" charset="0"/>
+                </a:rPr>
+                <a:t>AZURE FUNCTION</a:t>
+              </a:r>
+            </a:p>
+          </p:txBody>
+        </p:sp>
+      </p:grpSp>
+      <p:cxnSp>
+        <p:nvCxnSpPr>
+          <p:cNvPr id="123" name="Straight Arrow Connector 122">
+            <a:extLst>
+              <a:ext uri="{FF2B5EF4-FFF2-40B4-BE49-F238E27FC236}">
+                <a16:creationId xmlns:a16="http://schemas.microsoft.com/office/drawing/2014/main" id="{C03B77FD-EFC3-406F-B6F0-33AAAE9AABF2}"/>
+              </a:ext>
+            </a:extLst>
+          </p:cNvPr>
+          <p:cNvCxnSpPr>
+            <a:cxnSpLocks/>
+            <a:stCxn id="241" idx="2"/>
+            <a:endCxn id="222" idx="0"/>
+          </p:cNvCxnSpPr>
+          <p:nvPr/>
+        </p:nvCxnSpPr>
+        <p:spPr>
+          <a:xfrm flipH="1">
+            <a:off x="3679368" y="2199657"/>
+            <a:ext cx="594" cy="296006"/>
+          </a:xfrm>
+          <a:prstGeom prst="straightConnector1">
+            <a:avLst/>
+          </a:prstGeom>
+          <a:ln>
+            <a:solidFill>
+              <a:srgbClr val="002060"/>
+            </a:solidFill>
+            <a:prstDash val="lgDash"/>
+            <a:headEnd type="none"/>
+            <a:tailEnd type="triangle"/>
+          </a:ln>
+        </p:spPr>
+        <p:style>
+          <a:lnRef idx="1">
+            <a:schemeClr val="accent1"/>
+          </a:lnRef>
+          <a:fillRef idx="0">
+            <a:schemeClr val="accent1"/>
+          </a:fillRef>
+          <a:effectRef idx="0">
+            <a:schemeClr val="accent1"/>
+          </a:effectRef>
+          <a:fontRef idx="minor">
+            <a:schemeClr val="tx1"/>
+          </a:fontRef>
+        </p:style>
+      </p:cxnSp>
+      <p:cxnSp>
+        <p:nvCxnSpPr>
+          <p:cNvPr id="170" name="Straight Arrow Connector 169">
+            <a:extLst>
+              <a:ext uri="{FF2B5EF4-FFF2-40B4-BE49-F238E27FC236}">
+                <a16:creationId xmlns:a16="http://schemas.microsoft.com/office/drawing/2014/main" id="{6DEEA545-1B9A-4E9B-AF9E-1EC49763C951}"/>
+              </a:ext>
+            </a:extLst>
+          </p:cNvPr>
+          <p:cNvCxnSpPr>
+            <a:cxnSpLocks/>
+            <a:stCxn id="120" idx="3"/>
+            <a:endCxn id="294" idx="1"/>
+          </p:cNvCxnSpPr>
+          <p:nvPr/>
+        </p:nvCxnSpPr>
+        <p:spPr>
+          <a:xfrm flipV="1">
+            <a:off x="7092232" y="1620798"/>
+            <a:ext cx="1319973" cy="14701"/>
+          </a:xfrm>
+          <a:prstGeom prst="straightConnector1">
+            <a:avLst/>
+          </a:prstGeom>
+          <a:ln>
+            <a:solidFill>
+              <a:srgbClr val="002060"/>
+            </a:solidFill>
+            <a:prstDash val="lgDash"/>
+            <a:headEnd type="none"/>
+            <a:tailEnd type="triangle"/>
+          </a:ln>
+        </p:spPr>
+        <p:style>
+          <a:lnRef idx="1">
+            <a:schemeClr val="accent1"/>
+          </a:lnRef>
+          <a:fillRef idx="0">
+            <a:schemeClr val="accent1"/>
+          </a:fillRef>
+          <a:effectRef idx="0">
+            <a:schemeClr val="accent1"/>
+          </a:effectRef>
+          <a:fontRef idx="minor">
+            <a:schemeClr val="tx1"/>
+          </a:fontRef>
+        </p:style>
+      </p:cxnSp>
+      <p:cxnSp>
+        <p:nvCxnSpPr>
+          <p:cNvPr id="176" name="Connector: Elbow 175">
+            <a:extLst>
+              <a:ext uri="{FF2B5EF4-FFF2-40B4-BE49-F238E27FC236}">
+                <a16:creationId xmlns:a16="http://schemas.microsoft.com/office/drawing/2014/main" id="{BB83508D-F296-404A-9CDF-EABF3B977D01}"/>
+              </a:ext>
+            </a:extLst>
+          </p:cNvPr>
+          <p:cNvCxnSpPr>
+            <a:cxnSpLocks/>
+            <a:stCxn id="152" idx="3"/>
+            <a:endCxn id="294" idx="2"/>
+          </p:cNvCxnSpPr>
+          <p:nvPr/>
+        </p:nvCxnSpPr>
+        <p:spPr>
+          <a:xfrm flipV="1">
+            <a:off x="4397470" y="2204148"/>
+            <a:ext cx="4513661" cy="3322707"/>
+          </a:xfrm>
+          <a:prstGeom prst="bentConnector2">
+            <a:avLst/>
+          </a:prstGeom>
+          <a:ln>
+            <a:solidFill>
+              <a:srgbClr val="002060"/>
+            </a:solidFill>
+            <a:prstDash val="lgDash"/>
+            <a:headEnd type="none" w="med" len="med"/>
+            <a:tailEnd type="triangle" w="med" len="med"/>
+          </a:ln>
+        </p:spPr>
+        <p:style>
+          <a:lnRef idx="1">
+            <a:schemeClr val="accent1"/>
+          </a:lnRef>
+          <a:fillRef idx="0">
+            <a:schemeClr val="accent1"/>
+          </a:fillRef>
+          <a:effectRef idx="0">
+            <a:schemeClr val="accent1"/>
+          </a:effectRef>
+          <a:fontRef idx="minor">
+            <a:schemeClr val="tx1"/>
+          </a:fontRef>
+        </p:style>
+      </p:cxnSp>
+      <p:grpSp>
+        <p:nvGrpSpPr>
+          <p:cNvPr id="252" name="Group 251">
+            <a:extLst>
+              <a:ext uri="{FF2B5EF4-FFF2-40B4-BE49-F238E27FC236}">
+                <a16:creationId xmlns:a16="http://schemas.microsoft.com/office/drawing/2014/main" id="{14FA2EE5-47D1-4E5E-8797-39E5D7BA1DBC}"/>
+              </a:ext>
+            </a:extLst>
+          </p:cNvPr>
+          <p:cNvGrpSpPr/>
+          <p:nvPr/>
+        </p:nvGrpSpPr>
+        <p:grpSpPr>
+          <a:xfrm>
+            <a:off x="3016618" y="2495663"/>
+            <a:ext cx="1325499" cy="1666192"/>
+            <a:chOff x="3016618" y="2495663"/>
+            <a:chExt cx="1325499" cy="1666192"/>
+          </a:xfrm>
+        </p:grpSpPr>
+        <p:pic>
+          <p:nvPicPr>
+            <p:cNvPr id="39" name="Graphic 38">
+              <a:extLst>
+                <a:ext uri="{FF2B5EF4-FFF2-40B4-BE49-F238E27FC236}">
+                  <a16:creationId xmlns:a16="http://schemas.microsoft.com/office/drawing/2014/main" id="{DCE89E56-E974-4377-9060-3F081EEDF167}"/>
+                </a:ext>
+              </a:extLst>
+            </p:cNvPr>
+            <p:cNvPicPr>
+              <a:picLocks noChangeAspect="1"/>
+            </p:cNvPicPr>
+            <p:nvPr/>
+          </p:nvPicPr>
+          <p:blipFill>
+            <a:blip r:embed="rId7">
+              <a:extLst>
+                <a:ext uri="{28A0092B-C50C-407E-A947-70E740481C1C}">
+                  <a14:useLocalDpi xmlns:a14="http://schemas.microsoft.com/office/drawing/2010/main" val="0"/>
+                </a:ext>
+                <a:ext uri="{96DAC541-7B7A-43D3-8B79-37D633B846F1}">
+                  <asvg:svgBlip xmlns:asvg="http://schemas.microsoft.com/office/drawing/2016/SVG/main" r:embed="rId8"/>
+                </a:ext>
+              </a:extLst>
+            </a:blip>
+            <a:stretch>
+              <a:fillRect/>
+            </a:stretch>
+          </p:blipFill>
+          <p:spPr>
+            <a:xfrm>
+              <a:off x="3447232" y="3215993"/>
+              <a:ext cx="476250" cy="476250"/>
+            </a:xfrm>
+            <a:prstGeom prst="rect">
+              <a:avLst/>
+            </a:prstGeom>
+          </p:spPr>
+        </p:pic>
+        <p:grpSp>
+          <p:nvGrpSpPr>
+            <p:cNvPr id="219" name="Group 218">
+              <a:extLst>
+                <a:ext uri="{FF2B5EF4-FFF2-40B4-BE49-F238E27FC236}">
+                  <a16:creationId xmlns:a16="http://schemas.microsoft.com/office/drawing/2014/main" id="{09AEEC64-BD8E-48A7-A516-2CD310C0E816}"/>
+                </a:ext>
+              </a:extLst>
+            </p:cNvPr>
+            <p:cNvGrpSpPr/>
+            <p:nvPr/>
+          </p:nvGrpSpPr>
+          <p:grpSpPr>
+            <a:xfrm>
+              <a:off x="3016618" y="2495663"/>
+              <a:ext cx="1325499" cy="1666192"/>
+              <a:chOff x="2144181" y="2038468"/>
+              <a:chExt cx="1325499" cy="1666192"/>
+            </a:xfrm>
+          </p:grpSpPr>
+          <p:sp>
+            <p:nvSpPr>
+              <p:cNvPr id="221" name="Rectangle: Rounded Corners 220">
+                <a:extLst>
+                  <a:ext uri="{FF2B5EF4-FFF2-40B4-BE49-F238E27FC236}">
+                    <a16:creationId xmlns:a16="http://schemas.microsoft.com/office/drawing/2014/main" id="{03A203E1-4AEC-48ED-B9C7-7ECE611AD76B}"/>
+                  </a:ext>
+                </a:extLst>
+              </p:cNvPr>
+              <p:cNvSpPr/>
+              <p:nvPr/>
+            </p:nvSpPr>
+            <p:spPr bwMode="auto">
+              <a:xfrm>
+                <a:off x="2227538" y="2556917"/>
+                <a:ext cx="1149834" cy="1147743"/>
+              </a:xfrm>
+              <a:prstGeom prst="roundRect">
+                <a:avLst/>
+              </a:prstGeom>
+              <a:noFill/>
+              <a:ln>
+                <a:solidFill>
+                  <a:srgbClr val="002060"/>
+                </a:solidFill>
+                <a:prstDash val="sysDash"/>
+                <a:headEnd type="none" w="med" len="med"/>
+                <a:tailEnd type="none" w="med" len="med"/>
+              </a:ln>
+              <a:effectLst/>
+            </p:spPr>
+            <p:style>
+              <a:lnRef idx="1">
+                <a:schemeClr val="accent2"/>
+              </a:lnRef>
+              <a:fillRef idx="3">
+                <a:schemeClr val="accent2"/>
+              </a:fillRef>
+              <a:effectRef idx="2">
+                <a:schemeClr val="accent2"/>
+              </a:effectRef>
+              <a:fontRef idx="minor">
+                <a:schemeClr val="lt1"/>
+              </a:fontRef>
+            </p:style>
+            <p:txBody>
+              <a:bodyPr rot="0" spcFirstLastPara="0" vertOverflow="overflow" horzOverflow="overflow" vert="horz" wrap="square" lIns="182880" tIns="146304" rIns="182880" bIns="146304" numCol="1" spcCol="0" rtlCol="0" fromWordArt="0" anchor="t" anchorCtr="0" forceAA="0" compatLnSpc="1">
+                <a:prstTxWarp prst="textNoShape">
+                  <a:avLst/>
+                </a:prstTxWarp>
+                <a:noAutofit/>
+              </a:bodyPr>
+              <a:lstStyle/>
+              <a:p>
+                <a:pPr marL="0" marR="0" lvl="0" indent="0" algn="ctr" defTabSz="932472" rtl="0" eaLnBrk="1" fontAlgn="base" latinLnBrk="0" hangingPunct="1">
+                  <a:lnSpc>
+                    <a:spcPct val="90000"/>
+                  </a:lnSpc>
+                  <a:spcBef>
+                    <a:spcPct val="0"/>
+                  </a:spcBef>
+                  <a:spcAft>
+                    <a:spcPct val="0"/>
+                  </a:spcAft>
+                  <a:buClrTx/>
+                  <a:buSzTx/>
+                  <a:buFontTx/>
+                  <a:buNone/>
+                  <a:tabLst/>
+                  <a:defRPr/>
+                </a:pPr>
+                <a:endParaRPr kumimoji="0" lang="en-US" sz="2400" b="0" i="0" u="none" strike="noStrike" kern="1200" cap="none" spc="0" normalizeH="0" baseline="0" noProof="0" dirty="0" err="1">
+                  <a:ln>
+                    <a:noFill/>
+                  </a:ln>
+                  <a:gradFill>
+                    <a:gsLst>
+                      <a:gs pos="0">
+                        <a:srgbClr val="FFFFFF"/>
+                      </a:gs>
+                      <a:gs pos="100000">
+                        <a:srgbClr val="FFFFFF"/>
+                      </a:gs>
+                    </a:gsLst>
+                    <a:lin ang="5400000" scaled="0"/>
+                  </a:gradFill>
+                  <a:effectLst/>
+                  <a:uLnTx/>
+                  <a:uFillTx/>
+                  <a:latin typeface="Calibri" panose="020F0502020204030204"/>
+                  <a:ea typeface="Segoe UI" pitchFamily="34" charset="0"/>
+                  <a:cs typeface="Segoe UI" pitchFamily="34" charset="0"/>
+                </a:endParaRPr>
+              </a:p>
+            </p:txBody>
+          </p:sp>
+          <p:sp>
+            <p:nvSpPr>
+              <p:cNvPr id="222" name="TextBox 221">
+                <a:extLst>
+                  <a:ext uri="{FF2B5EF4-FFF2-40B4-BE49-F238E27FC236}">
+                    <a16:creationId xmlns:a16="http://schemas.microsoft.com/office/drawing/2014/main" id="{97A6D301-3AEF-449B-A382-8E616CFF7C00}"/>
+                  </a:ext>
+                </a:extLst>
+              </p:cNvPr>
+              <p:cNvSpPr txBox="1"/>
+              <p:nvPr/>
+            </p:nvSpPr>
+            <p:spPr>
+              <a:xfrm>
+                <a:off x="2144181" y="2038468"/>
+                <a:ext cx="1325499" cy="627864"/>
+              </a:xfrm>
+              <a:prstGeom prst="rect">
+                <a:avLst/>
+              </a:prstGeom>
+              <a:noFill/>
+            </p:spPr>
+            <p:txBody>
+              <a:bodyPr wrap="square" lIns="182880" tIns="146304" rIns="182880" bIns="146304" rtlCol="0">
+                <a:spAutoFit/>
+              </a:bodyPr>
+              <a:lstStyle/>
+              <a:p>
+                <a:pPr marL="0" marR="0" lvl="0" indent="0" algn="ctr" defTabSz="914400" rtl="0" eaLnBrk="1" fontAlgn="auto" latinLnBrk="0" hangingPunct="1">
+                  <a:lnSpc>
+                    <a:spcPct val="90000"/>
+                  </a:lnSpc>
+                  <a:spcBef>
+                    <a:spcPts val="0"/>
+                  </a:spcBef>
+                  <a:spcAft>
+                    <a:spcPts val="600"/>
+                  </a:spcAft>
+                  <a:buClrTx/>
+                  <a:buSzTx/>
+                  <a:buFontTx/>
+                  <a:buNone/>
+                  <a:tabLst/>
+                  <a:defRPr/>
+                </a:pPr>
+                <a:r>
+                  <a:rPr kumimoji="0" lang="en-US" sz="1200" b="0" i="0" u="none" strike="noStrike" kern="1200" cap="none" spc="0" normalizeH="0" baseline="0" noProof="0" dirty="0">
+                    <a:ln>
+                      <a:noFill/>
+                    </a:ln>
+                    <a:gradFill>
+                      <a:gsLst>
+                        <a:gs pos="2917">
+                          <a:prstClr val="black"/>
+                        </a:gs>
+                        <a:gs pos="30000">
+                          <a:prstClr val="black"/>
+                        </a:gs>
+                      </a:gsLst>
+                      <a:lin ang="5400000" scaled="0"/>
+                    </a:gradFill>
+                    <a:effectLst/>
+                    <a:uLnTx/>
+                    <a:uFillTx/>
+                    <a:latin typeface="Calibri" panose="020F0502020204030204"/>
+                    <a:ea typeface="+mn-ea"/>
+                    <a:cs typeface="+mn-cs"/>
+                  </a:rPr>
+                  <a:t>COLD</a:t>
+                </a:r>
+                <a:br>
+                  <a:rPr kumimoji="0" lang="en-US" sz="1200" b="0" i="0" u="none" strike="noStrike" kern="1200" cap="none" spc="0" normalizeH="0" baseline="0" noProof="0" dirty="0">
+                    <a:ln>
+                      <a:noFill/>
+                    </a:ln>
+                    <a:gradFill>
+                      <a:gsLst>
+                        <a:gs pos="2917">
+                          <a:prstClr val="black"/>
+                        </a:gs>
+                        <a:gs pos="30000">
+                          <a:prstClr val="black"/>
+                        </a:gs>
+                      </a:gsLst>
+                      <a:lin ang="5400000" scaled="0"/>
+                    </a:gradFill>
+                    <a:effectLst/>
+                    <a:uLnTx/>
+                    <a:uFillTx/>
+                    <a:latin typeface="Calibri" panose="020F0502020204030204"/>
+                    <a:ea typeface="+mn-ea"/>
+                    <a:cs typeface="+mn-cs"/>
+                  </a:rPr>
+                </a:br>
+                <a:r>
+                  <a:rPr kumimoji="0" lang="en-US" sz="1200" b="0" i="0" u="none" strike="noStrike" kern="1200" cap="none" spc="0" normalizeH="0" baseline="0" noProof="0" dirty="0">
+                    <a:ln>
+                      <a:noFill/>
+                    </a:ln>
+                    <a:gradFill>
+                      <a:gsLst>
+                        <a:gs pos="2917">
+                          <a:prstClr val="black"/>
+                        </a:gs>
+                        <a:gs pos="30000">
+                          <a:prstClr val="black"/>
+                        </a:gs>
+                      </a:gsLst>
+                      <a:lin ang="5400000" scaled="0"/>
+                    </a:gradFill>
+                    <a:effectLst/>
+                    <a:uLnTx/>
+                    <a:uFillTx/>
+                    <a:latin typeface="Calibri" panose="020F0502020204030204"/>
+                    <a:ea typeface="+mn-ea"/>
+                    <a:cs typeface="+mn-cs"/>
+                  </a:rPr>
+                  <a:t>STORAGE</a:t>
+                </a:r>
+              </a:p>
+            </p:txBody>
+          </p:sp>
+          <p:sp>
+            <p:nvSpPr>
+              <p:cNvPr id="223" name="TextBox 222">
+                <a:extLst>
+                  <a:ext uri="{FF2B5EF4-FFF2-40B4-BE49-F238E27FC236}">
+                    <a16:creationId xmlns:a16="http://schemas.microsoft.com/office/drawing/2014/main" id="{EC9432CE-204F-496E-A2AC-9A50BDD15567}"/>
+                  </a:ext>
+                </a:extLst>
+              </p:cNvPr>
+              <p:cNvSpPr txBox="1"/>
+              <p:nvPr/>
+            </p:nvSpPr>
+            <p:spPr>
+              <a:xfrm>
+                <a:off x="2204923" y="3327514"/>
+                <a:ext cx="1183779" cy="230832"/>
+              </a:xfrm>
+              <a:prstGeom prst="rect">
+                <a:avLst/>
+              </a:prstGeom>
+            </p:spPr>
+            <p:txBody>
+              <a:bodyPr wrap="square">
+                <a:spAutoFit/>
+              </a:bodyPr>
+              <a:lstStyle>
+                <a:defPPr>
+                  <a:defRPr lang="en-US"/>
+                </a:defPPr>
+                <a:lvl1pPr defTabSz="950973">
+                  <a:defRPr sz="900" kern="0">
+                    <a:latin typeface="Segoe UI Semibold" panose="020B0702040204020203" pitchFamily="34" charset="0"/>
+                    <a:ea typeface="MS PGothic" panose="020B0600070205080204" pitchFamily="34" charset="-128"/>
+                    <a:cs typeface="Segoe UI Semibold" panose="020B0702040204020203" pitchFamily="34" charset="0"/>
+                  </a:defRPr>
+                </a:lvl1pPr>
+              </a:lstStyle>
+              <a:p>
+                <a:pPr marL="0" marR="0" lvl="0" indent="0" algn="ctr" defTabSz="950973" rtl="0" eaLnBrk="1" fontAlgn="auto" latinLnBrk="0" hangingPunct="1">
+                  <a:lnSpc>
+                    <a:spcPct val="100000"/>
+                  </a:lnSpc>
+                  <a:spcBef>
+                    <a:spcPts val="0"/>
+                  </a:spcBef>
+                  <a:spcAft>
+                    <a:spcPts val="0"/>
+                  </a:spcAft>
+                  <a:buClrTx/>
+                  <a:buSzTx/>
+                  <a:buFontTx/>
+                  <a:buNone/>
+                  <a:tabLst/>
+                  <a:defRPr/>
+                </a:pPr>
+                <a:r>
+                  <a:rPr kumimoji="0" lang="en-US" sz="900" b="0" i="0" u="none" strike="noStrike" kern="0" cap="none" spc="0" normalizeH="0" baseline="0" noProof="0" dirty="0">
+                    <a:ln>
+                      <a:noFill/>
+                    </a:ln>
+                    <a:solidFill>
+                      <a:prstClr val="black"/>
+                    </a:solidFill>
+                    <a:effectLst/>
+                    <a:uLnTx/>
+                    <a:uFillTx/>
+                    <a:latin typeface="Segoe UI Semibold" panose="020B0702040204020203" pitchFamily="34" charset="0"/>
+                    <a:ea typeface="MS PGothic" panose="020B0600070205080204" pitchFamily="34" charset="-128"/>
+                    <a:cs typeface="Segoe UI Semibold" panose="020B0702040204020203" pitchFamily="34" charset="0"/>
+                  </a:rPr>
+                  <a:t>AZURE STORAGE</a:t>
+                </a:r>
+              </a:p>
+            </p:txBody>
+          </p:sp>
+        </p:grpSp>
+      </p:grpSp>
+      <p:cxnSp>
+        <p:nvCxnSpPr>
+          <p:cNvPr id="321" name="Straight Arrow Connector 320">
+            <a:extLst>
+              <a:ext uri="{FF2B5EF4-FFF2-40B4-BE49-F238E27FC236}">
+                <a16:creationId xmlns:a16="http://schemas.microsoft.com/office/drawing/2014/main" id="{3608B571-5980-4917-952A-00A9175D22E8}"/>
+              </a:ext>
+            </a:extLst>
+          </p:cNvPr>
+          <p:cNvCxnSpPr>
+            <a:cxnSpLocks/>
+            <a:stCxn id="221" idx="2"/>
+            <a:endCxn id="156" idx="0"/>
+          </p:cNvCxnSpPr>
+          <p:nvPr/>
+        </p:nvCxnSpPr>
+        <p:spPr>
+          <a:xfrm flipH="1">
+            <a:off x="3673605" y="4161855"/>
+            <a:ext cx="1287" cy="273750"/>
+          </a:xfrm>
+          <a:prstGeom prst="straightConnector1">
+            <a:avLst/>
+          </a:prstGeom>
+          <a:ln>
+            <a:solidFill>
+              <a:srgbClr val="002060"/>
+            </a:solidFill>
+            <a:prstDash val="lgDash"/>
+            <a:headEnd type="none"/>
+            <a:tailEnd type="triangle"/>
+          </a:ln>
+        </p:spPr>
+        <p:style>
+          <a:lnRef idx="1">
+            <a:schemeClr val="accent1"/>
+          </a:lnRef>
+          <a:fillRef idx="0">
+            <a:schemeClr val="accent1"/>
+          </a:fillRef>
+          <a:effectRef idx="0">
+            <a:schemeClr val="accent1"/>
+          </a:effectRef>
+          <a:fontRef idx="minor">
+            <a:schemeClr val="tx1"/>
+          </a:fontRef>
+        </p:style>
+      </p:cxnSp>
+      <p:grpSp>
+        <p:nvGrpSpPr>
+          <p:cNvPr id="101" name="Group 100">
+            <a:extLst>
+              <a:ext uri="{FF2B5EF4-FFF2-40B4-BE49-F238E27FC236}">
+                <a16:creationId xmlns:a16="http://schemas.microsoft.com/office/drawing/2014/main" id="{A4E4EDF7-A8FF-48E1-919B-1F09781485A8}"/>
+              </a:ext>
+            </a:extLst>
+          </p:cNvPr>
+          <p:cNvGrpSpPr/>
+          <p:nvPr/>
+        </p:nvGrpSpPr>
+        <p:grpSpPr>
+          <a:xfrm>
+            <a:off x="4457368" y="2647030"/>
+            <a:ext cx="1658718" cy="1519857"/>
+            <a:chOff x="7267668" y="3536169"/>
+            <a:chExt cx="1658718" cy="1519857"/>
+          </a:xfrm>
+        </p:grpSpPr>
+        <p:pic>
+          <p:nvPicPr>
+            <p:cNvPr id="92" name="Graphic 91">
+              <a:extLst>
+                <a:ext uri="{FF2B5EF4-FFF2-40B4-BE49-F238E27FC236}">
+                  <a16:creationId xmlns:a16="http://schemas.microsoft.com/office/drawing/2014/main" id="{75E7A632-2B39-4A92-B0A9-80938122B633}"/>
+                </a:ext>
+              </a:extLst>
+            </p:cNvPr>
+            <p:cNvPicPr>
+              <a:picLocks noChangeAspect="1"/>
+            </p:cNvPicPr>
+            <p:nvPr/>
+          </p:nvPicPr>
+          <p:blipFill>
+            <a:blip r:embed="rId9">
+              <a:extLst>
+                <a:ext uri="{28A0092B-C50C-407E-A947-70E740481C1C}">
+                  <a14:useLocalDpi xmlns:a14="http://schemas.microsoft.com/office/drawing/2010/main" val="0"/>
+                </a:ext>
+                <a:ext uri="{96DAC541-7B7A-43D3-8B79-37D633B846F1}">
+                  <asvg:svgBlip xmlns:asvg="http://schemas.microsoft.com/office/drawing/2016/SVG/main" r:embed="rId10"/>
+                </a:ext>
+              </a:extLst>
+            </a:blip>
+            <a:stretch>
+              <a:fillRect/>
+            </a:stretch>
+          </p:blipFill>
+          <p:spPr>
+            <a:xfrm>
+              <a:off x="7878970" y="4105915"/>
+              <a:ext cx="436338" cy="436338"/>
+            </a:xfrm>
+            <a:prstGeom prst="rect">
+              <a:avLst/>
+            </a:prstGeom>
+          </p:spPr>
+        </p:pic>
+        <p:grpSp>
+          <p:nvGrpSpPr>
+            <p:cNvPr id="329" name="Group 328">
+              <a:extLst>
+                <a:ext uri="{FF2B5EF4-FFF2-40B4-BE49-F238E27FC236}">
+                  <a16:creationId xmlns:a16="http://schemas.microsoft.com/office/drawing/2014/main" id="{FC843444-590A-408F-9F82-6EB972AFA258}"/>
+                </a:ext>
+              </a:extLst>
+            </p:cNvPr>
+            <p:cNvGrpSpPr/>
+            <p:nvPr/>
+          </p:nvGrpSpPr>
+          <p:grpSpPr>
+            <a:xfrm>
+              <a:off x="7267668" y="3536169"/>
+              <a:ext cx="1658718" cy="1519857"/>
+              <a:chOff x="9261277" y="2216271"/>
+              <a:chExt cx="1658718" cy="1519857"/>
+            </a:xfrm>
+          </p:grpSpPr>
+          <p:sp>
+            <p:nvSpPr>
+              <p:cNvPr id="333" name="TextBox 332">
+                <a:extLst>
+                  <a:ext uri="{FF2B5EF4-FFF2-40B4-BE49-F238E27FC236}">
+                    <a16:creationId xmlns:a16="http://schemas.microsoft.com/office/drawing/2014/main" id="{52BCC574-7BBA-4630-B976-F06C26F34A25}"/>
+                  </a:ext>
+                </a:extLst>
+              </p:cNvPr>
+              <p:cNvSpPr txBox="1"/>
+              <p:nvPr/>
+            </p:nvSpPr>
+            <p:spPr>
+              <a:xfrm>
+                <a:off x="9668912" y="3327804"/>
+                <a:ext cx="859530" cy="230832"/>
+              </a:xfrm>
+              <a:prstGeom prst="rect">
+                <a:avLst/>
+              </a:prstGeom>
+            </p:spPr>
+            <p:txBody>
+              <a:bodyPr wrap="none">
+                <a:spAutoFit/>
+              </a:bodyPr>
+              <a:lstStyle>
+                <a:defPPr>
+                  <a:defRPr lang="en-US"/>
+                </a:defPPr>
+                <a:lvl1pPr defTabSz="950973">
+                  <a:defRPr sz="900" kern="0">
+                    <a:latin typeface="Segoe UI Semibold" panose="020B0702040204020203" pitchFamily="34" charset="0"/>
+                    <a:ea typeface="MS PGothic" panose="020B0600070205080204" pitchFamily="34" charset="-128"/>
+                    <a:cs typeface="Segoe UI Semibold" panose="020B0702040204020203" pitchFamily="34" charset="0"/>
+                  </a:defRPr>
+                </a:lvl1pPr>
+              </a:lstStyle>
+              <a:p>
+                <a:pPr marL="0" marR="0" lvl="0" indent="0" algn="ctr" defTabSz="950973" rtl="0" eaLnBrk="1" fontAlgn="auto" latinLnBrk="0" hangingPunct="1">
+                  <a:lnSpc>
+                    <a:spcPct val="100000"/>
+                  </a:lnSpc>
+                  <a:spcBef>
+                    <a:spcPts val="0"/>
+                  </a:spcBef>
+                  <a:spcAft>
+                    <a:spcPts val="0"/>
+                  </a:spcAft>
+                  <a:buClrTx/>
+                  <a:buSzTx/>
+                  <a:buFontTx/>
+                  <a:buNone/>
+                  <a:tabLst/>
+                  <a:defRPr/>
+                </a:pPr>
+                <a:r>
+                  <a:rPr kumimoji="0" lang="en-US" sz="900" b="0" i="0" u="none" strike="noStrike" kern="0" cap="none" spc="0" normalizeH="0" baseline="0" noProof="0" dirty="0">
+                    <a:ln>
+                      <a:noFill/>
+                    </a:ln>
+                    <a:solidFill>
+                      <a:prstClr val="black"/>
+                    </a:solidFill>
+                    <a:effectLst/>
+                    <a:uLnTx/>
+                    <a:uFillTx/>
+                    <a:latin typeface="Segoe UI Semibold" panose="020B0702040204020203" pitchFamily="34" charset="0"/>
+                    <a:ea typeface="MS PGothic" panose="020B0600070205080204" pitchFamily="34" charset="-128"/>
+                    <a:cs typeface="Segoe UI Semibold" panose="020B0702040204020203" pitchFamily="34" charset="0"/>
+                  </a:rPr>
+                  <a:t>EVENT HUBS</a:t>
+                </a:r>
+              </a:p>
+            </p:txBody>
+          </p:sp>
+          <p:sp>
+            <p:nvSpPr>
+              <p:cNvPr id="331" name="Rectangle: Rounded Corners 330">
+                <a:extLst>
+                  <a:ext uri="{FF2B5EF4-FFF2-40B4-BE49-F238E27FC236}">
+                    <a16:creationId xmlns:a16="http://schemas.microsoft.com/office/drawing/2014/main" id="{4AB0D26E-2D09-40FB-80C9-4FE064A58114}"/>
+                  </a:ext>
+                </a:extLst>
+              </p:cNvPr>
+              <p:cNvSpPr/>
+              <p:nvPr/>
+            </p:nvSpPr>
+            <p:spPr bwMode="auto">
+              <a:xfrm>
+                <a:off x="9586159" y="2569427"/>
+                <a:ext cx="997851" cy="1166701"/>
+              </a:xfrm>
+              <a:prstGeom prst="roundRect">
+                <a:avLst/>
+              </a:prstGeom>
+              <a:noFill/>
+              <a:ln>
+                <a:solidFill>
+                  <a:srgbClr val="002060"/>
+                </a:solidFill>
+                <a:prstDash val="sysDash"/>
+                <a:headEnd type="none" w="med" len="med"/>
+                <a:tailEnd type="none" w="med" len="med"/>
+              </a:ln>
+              <a:effectLst/>
+            </p:spPr>
+            <p:style>
+              <a:lnRef idx="1">
+                <a:schemeClr val="accent2"/>
+              </a:lnRef>
+              <a:fillRef idx="3">
+                <a:schemeClr val="accent2"/>
+              </a:fillRef>
+              <a:effectRef idx="2">
+                <a:schemeClr val="accent2"/>
+              </a:effectRef>
+              <a:fontRef idx="minor">
+                <a:schemeClr val="lt1"/>
+              </a:fontRef>
+            </p:style>
+            <p:txBody>
+              <a:bodyPr rot="0" spcFirstLastPara="0" vertOverflow="overflow" horzOverflow="overflow" vert="horz" wrap="square" lIns="182880" tIns="146304" rIns="182880" bIns="146304" numCol="1" spcCol="0" rtlCol="0" fromWordArt="0" anchor="t" anchorCtr="0" forceAA="0" compatLnSpc="1">
+                <a:prstTxWarp prst="textNoShape">
+                  <a:avLst/>
+                </a:prstTxWarp>
+                <a:noAutofit/>
+              </a:bodyPr>
+              <a:lstStyle/>
+              <a:p>
+                <a:pPr marL="0" marR="0" lvl="0" indent="0" algn="ctr" defTabSz="932472" rtl="0" eaLnBrk="1" fontAlgn="base" latinLnBrk="0" hangingPunct="1">
+                  <a:lnSpc>
+                    <a:spcPct val="90000"/>
+                  </a:lnSpc>
+                  <a:spcBef>
+                    <a:spcPct val="0"/>
+                  </a:spcBef>
+                  <a:spcAft>
+                    <a:spcPct val="0"/>
+                  </a:spcAft>
+                  <a:buClrTx/>
+                  <a:buSzTx/>
+                  <a:buFontTx/>
+                  <a:buNone/>
+                  <a:tabLst/>
+                  <a:defRPr/>
+                </a:pPr>
+                <a:endParaRPr kumimoji="0" lang="en-US" sz="2400" b="0" i="0" u="none" strike="noStrike" kern="1200" cap="none" spc="0" normalizeH="0" baseline="0" noProof="0" dirty="0" err="1">
+                  <a:ln>
+                    <a:noFill/>
+                  </a:ln>
+                  <a:gradFill>
+                    <a:gsLst>
+                      <a:gs pos="0">
+                        <a:srgbClr val="FFFFFF"/>
+                      </a:gs>
+                      <a:gs pos="100000">
+                        <a:srgbClr val="FFFFFF"/>
+                      </a:gs>
+                    </a:gsLst>
+                    <a:lin ang="5400000" scaled="0"/>
+                  </a:gradFill>
+                  <a:effectLst/>
+                  <a:uLnTx/>
+                  <a:uFillTx/>
+                  <a:latin typeface="Calibri" panose="020F0502020204030204"/>
+                  <a:ea typeface="Segoe UI" pitchFamily="34" charset="0"/>
+                  <a:cs typeface="Segoe UI" pitchFamily="34" charset="0"/>
+                </a:endParaRPr>
+              </a:p>
+            </p:txBody>
+          </p:sp>
+          <p:sp>
+            <p:nvSpPr>
+              <p:cNvPr id="332" name="TextBox 331">
+                <a:extLst>
+                  <a:ext uri="{FF2B5EF4-FFF2-40B4-BE49-F238E27FC236}">
+                    <a16:creationId xmlns:a16="http://schemas.microsoft.com/office/drawing/2014/main" id="{9592584D-37AF-4654-BCB9-C8D2DA2ECBCA}"/>
+                  </a:ext>
+                </a:extLst>
+              </p:cNvPr>
+              <p:cNvSpPr txBox="1"/>
+              <p:nvPr/>
+            </p:nvSpPr>
+            <p:spPr>
+              <a:xfrm>
+                <a:off x="9261277" y="2216271"/>
+                <a:ext cx="1658718" cy="461665"/>
+              </a:xfrm>
+              <a:prstGeom prst="rect">
+                <a:avLst/>
+              </a:prstGeom>
+              <a:noFill/>
+            </p:spPr>
+            <p:txBody>
+              <a:bodyPr wrap="square" lIns="182880" tIns="146304" rIns="182880" bIns="146304" rtlCol="0">
+                <a:spAutoFit/>
+              </a:bodyPr>
+              <a:lstStyle/>
+              <a:p>
+                <a:pPr marL="0" marR="0" lvl="0" indent="0" algn="ctr" defTabSz="914400" rtl="0" eaLnBrk="1" fontAlgn="auto" latinLnBrk="0" hangingPunct="1">
+                  <a:lnSpc>
+                    <a:spcPct val="90000"/>
+                  </a:lnSpc>
+                  <a:spcBef>
+                    <a:spcPts val="0"/>
+                  </a:spcBef>
+                  <a:spcAft>
+                    <a:spcPts val="600"/>
+                  </a:spcAft>
+                  <a:buClrTx/>
+                  <a:buSzTx/>
+                  <a:buFontTx/>
+                  <a:buNone/>
+                  <a:tabLst/>
+                  <a:defRPr/>
+                </a:pPr>
+                <a:r>
+                  <a:rPr kumimoji="0" lang="en-US" sz="1200" b="0" i="0" u="none" strike="noStrike" kern="1200" cap="none" spc="0" normalizeH="0" baseline="0" noProof="0" dirty="0">
+                    <a:ln>
+                      <a:noFill/>
+                    </a:ln>
+                    <a:gradFill>
+                      <a:gsLst>
+                        <a:gs pos="2917">
+                          <a:prstClr val="black"/>
+                        </a:gs>
+                        <a:gs pos="30000">
+                          <a:prstClr val="black"/>
+                        </a:gs>
+                      </a:gsLst>
+                      <a:lin ang="5400000" scaled="0"/>
+                    </a:gradFill>
+                    <a:effectLst/>
+                    <a:uLnTx/>
+                    <a:uFillTx/>
+                    <a:latin typeface="Calibri" panose="020F0502020204030204"/>
+                    <a:ea typeface="+mn-ea"/>
+                    <a:cs typeface="+mn-cs"/>
+                  </a:rPr>
+                  <a:t>EVENT INGEST</a:t>
+                </a:r>
+              </a:p>
+            </p:txBody>
+          </p:sp>
+        </p:grpSp>
+      </p:grpSp>
+      <p:cxnSp>
+        <p:nvCxnSpPr>
+          <p:cNvPr id="336" name="Straight Arrow Connector 334">
+            <a:extLst>
+              <a:ext uri="{FF2B5EF4-FFF2-40B4-BE49-F238E27FC236}">
+                <a16:creationId xmlns:a16="http://schemas.microsoft.com/office/drawing/2014/main" id="{A05E00B1-ADCA-4377-995C-D26398716136}"/>
+              </a:ext>
+            </a:extLst>
+          </p:cNvPr>
+          <p:cNvCxnSpPr>
+            <a:cxnSpLocks/>
+            <a:stCxn id="331" idx="3"/>
+            <a:endCxn id="120" idx="2"/>
+          </p:cNvCxnSpPr>
+          <p:nvPr/>
+        </p:nvCxnSpPr>
+        <p:spPr>
+          <a:xfrm flipV="1">
+            <a:off x="5780101" y="2209370"/>
+            <a:ext cx="737214" cy="1374167"/>
+          </a:xfrm>
+          <a:prstGeom prst="bentConnector2">
+            <a:avLst/>
+          </a:prstGeom>
+          <a:ln>
+            <a:solidFill>
+              <a:srgbClr val="002060"/>
+            </a:solidFill>
+            <a:prstDash val="lgDash"/>
+            <a:headEnd type="none"/>
+            <a:tailEnd type="triangle"/>
+          </a:ln>
+        </p:spPr>
+        <p:style>
+          <a:lnRef idx="1">
+            <a:schemeClr val="accent1"/>
+          </a:lnRef>
+          <a:fillRef idx="0">
+            <a:schemeClr val="accent1"/>
+          </a:fillRef>
+          <a:effectRef idx="0">
+            <a:schemeClr val="accent1"/>
+          </a:effectRef>
+          <a:fontRef idx="minor">
+            <a:schemeClr val="tx1"/>
+          </a:fontRef>
+        </p:style>
+      </p:cxnSp>
+      <p:grpSp>
+        <p:nvGrpSpPr>
+          <p:cNvPr id="339" name="Group 338">
+            <a:extLst>
+              <a:ext uri="{FF2B5EF4-FFF2-40B4-BE49-F238E27FC236}">
+                <a16:creationId xmlns:a16="http://schemas.microsoft.com/office/drawing/2014/main" id="{9328A03A-A4D0-4C68-B22E-D3C12E8BDB00}"/>
+              </a:ext>
+            </a:extLst>
+          </p:cNvPr>
+          <p:cNvGrpSpPr/>
+          <p:nvPr/>
+        </p:nvGrpSpPr>
+        <p:grpSpPr>
+          <a:xfrm>
+            <a:off x="6615272" y="3725077"/>
+            <a:ext cx="1999690" cy="1510703"/>
+            <a:chOff x="3769536" y="3961423"/>
+            <a:chExt cx="1999690" cy="1510703"/>
+          </a:xfrm>
+        </p:grpSpPr>
+        <p:sp>
+          <p:nvSpPr>
+            <p:cNvPr id="341" name="Rectangle: Rounded Corners 340">
+              <a:extLst>
+                <a:ext uri="{FF2B5EF4-FFF2-40B4-BE49-F238E27FC236}">
+                  <a16:creationId xmlns:a16="http://schemas.microsoft.com/office/drawing/2014/main" id="{DEE44E2D-66B3-454B-84DE-78803B675243}"/>
+                </a:ext>
+              </a:extLst>
+            </p:cNvPr>
+            <p:cNvSpPr/>
+            <p:nvPr/>
+          </p:nvSpPr>
+          <p:spPr bwMode="auto">
+            <a:xfrm>
+              <a:off x="4201620" y="4319982"/>
+              <a:ext cx="1198152" cy="1152144"/>
+            </a:xfrm>
+            <a:prstGeom prst="roundRect">
+              <a:avLst/>
+            </a:prstGeom>
+            <a:noFill/>
+            <a:ln>
+              <a:solidFill>
+                <a:srgbClr val="002060"/>
+              </a:solidFill>
+              <a:prstDash val="sysDash"/>
+              <a:headEnd type="none" w="med" len="med"/>
+              <a:tailEnd type="none" w="med" len="med"/>
+            </a:ln>
+            <a:effectLst/>
+          </p:spPr>
+          <p:style>
+            <a:lnRef idx="1">
+              <a:schemeClr val="accent2"/>
+            </a:lnRef>
+            <a:fillRef idx="3">
+              <a:schemeClr val="accent2"/>
+            </a:fillRef>
+            <a:effectRef idx="2">
+              <a:schemeClr val="accent2"/>
+            </a:effectRef>
+            <a:fontRef idx="minor">
+              <a:schemeClr val="lt1"/>
+            </a:fontRef>
+          </p:style>
+          <p:txBody>
+            <a:bodyPr rot="0" spcFirstLastPara="0" vertOverflow="overflow" horzOverflow="overflow" vert="horz" wrap="square" lIns="182880" tIns="146304" rIns="182880" bIns="146304" numCol="1" spcCol="0" rtlCol="0" fromWordArt="0" anchor="t" anchorCtr="0" forceAA="0" compatLnSpc="1">
+              <a:prstTxWarp prst="textNoShape">
+                <a:avLst/>
+              </a:prstTxWarp>
+              <a:noAutofit/>
+            </a:bodyPr>
+            <a:lstStyle/>
+            <a:p>
+              <a:pPr marL="0" marR="0" lvl="0" indent="0" algn="ctr" defTabSz="932472" rtl="0" eaLnBrk="1" fontAlgn="base" latinLnBrk="0" hangingPunct="1">
+                <a:lnSpc>
+                  <a:spcPct val="90000"/>
+                </a:lnSpc>
+                <a:spcBef>
+                  <a:spcPct val="0"/>
+                </a:spcBef>
+                <a:spcAft>
+                  <a:spcPct val="0"/>
+                </a:spcAft>
+                <a:buClrTx/>
+                <a:buSzTx/>
+                <a:buFontTx/>
+                <a:buNone/>
+                <a:tabLst/>
+                <a:defRPr/>
+              </a:pPr>
+              <a:endParaRPr kumimoji="0" lang="en-US" sz="2400" b="0" i="0" u="none" strike="noStrike" kern="1200" cap="none" spc="0" normalizeH="0" baseline="0" noProof="0" dirty="0" err="1">
+                <a:ln>
+                  <a:noFill/>
+                </a:ln>
+                <a:gradFill>
+                  <a:gsLst>
+                    <a:gs pos="0">
+                      <a:srgbClr val="FFFFFF"/>
+                    </a:gs>
+                    <a:gs pos="100000">
+                      <a:srgbClr val="FFFFFF"/>
+                    </a:gs>
+                  </a:gsLst>
+                  <a:lin ang="5400000" scaled="0"/>
+                </a:gradFill>
+                <a:effectLst/>
+                <a:uLnTx/>
+                <a:uFillTx/>
+                <a:latin typeface="Calibri" panose="020F0502020204030204"/>
+                <a:ea typeface="Segoe UI" pitchFamily="34" charset="0"/>
+                <a:cs typeface="Segoe UI" pitchFamily="34" charset="0"/>
+              </a:endParaRPr>
+            </a:p>
+          </p:txBody>
+        </p:sp>
+        <p:sp>
+          <p:nvSpPr>
+            <p:cNvPr id="342" name="TextBox 341">
+              <a:extLst>
+                <a:ext uri="{FF2B5EF4-FFF2-40B4-BE49-F238E27FC236}">
+                  <a16:creationId xmlns:a16="http://schemas.microsoft.com/office/drawing/2014/main" id="{13A33960-9A58-4A2D-A125-8B87D06754E3}"/>
+                </a:ext>
+              </a:extLst>
+            </p:cNvPr>
+            <p:cNvSpPr txBox="1"/>
+            <p:nvPr/>
+          </p:nvSpPr>
+          <p:spPr>
+            <a:xfrm>
+              <a:off x="3769536" y="3961423"/>
+              <a:ext cx="1999690" cy="461665"/>
+            </a:xfrm>
+            <a:prstGeom prst="rect">
+              <a:avLst/>
+            </a:prstGeom>
+            <a:noFill/>
+          </p:spPr>
+          <p:txBody>
+            <a:bodyPr wrap="square" lIns="182880" tIns="146304" rIns="182880" bIns="146304" rtlCol="0">
+              <a:spAutoFit/>
+            </a:bodyPr>
+            <a:lstStyle/>
+            <a:p>
+              <a:pPr marL="0" marR="0" lvl="0" indent="0" algn="ctr" defTabSz="914400" rtl="0" eaLnBrk="1" fontAlgn="auto" latinLnBrk="0" hangingPunct="1">
+                <a:lnSpc>
+                  <a:spcPct val="90000"/>
+                </a:lnSpc>
+                <a:spcBef>
+                  <a:spcPts val="0"/>
+                </a:spcBef>
+                <a:spcAft>
+                  <a:spcPts val="600"/>
+                </a:spcAft>
+                <a:buClrTx/>
+                <a:buSzTx/>
+                <a:buFontTx/>
+                <a:buNone/>
+                <a:tabLst/>
+                <a:defRPr/>
+              </a:pPr>
+              <a:r>
+                <a:rPr kumimoji="0" lang="en-US" sz="1200" b="0" i="0" u="none" strike="noStrike" kern="1200" cap="none" spc="0" normalizeH="0" baseline="0" noProof="0" dirty="0">
+                  <a:ln>
+                    <a:noFill/>
+                  </a:ln>
+                  <a:gradFill>
+                    <a:gsLst>
+                      <a:gs pos="2917">
+                        <a:prstClr val="black"/>
+                      </a:gs>
+                      <a:gs pos="30000">
+                        <a:prstClr val="black"/>
+                      </a:gs>
+                    </a:gsLst>
+                    <a:lin ang="5400000" scaled="0"/>
+                  </a:gradFill>
+                  <a:effectLst/>
+                  <a:uLnTx/>
+                  <a:uFillTx/>
+                  <a:latin typeface="Calibri" panose="020F0502020204030204"/>
+                  <a:ea typeface="+mn-ea"/>
+                  <a:cs typeface="+mn-cs"/>
+                </a:rPr>
+                <a:t>PUMP STATUS ALERTS</a:t>
+              </a:r>
+              <a:endParaRPr kumimoji="0" lang="en-US" sz="900" b="0" i="0" u="none" strike="noStrike" kern="1200" cap="none" spc="0" normalizeH="0" baseline="0" noProof="0" dirty="0">
+                <a:ln>
+                  <a:noFill/>
+                </a:ln>
+                <a:gradFill>
+                  <a:gsLst>
+                    <a:gs pos="2917">
+                      <a:prstClr val="black"/>
+                    </a:gs>
+                    <a:gs pos="30000">
+                      <a:prstClr val="black"/>
+                    </a:gs>
+                  </a:gsLst>
+                  <a:lin ang="5400000" scaled="0"/>
+                </a:gradFill>
+                <a:effectLst/>
+                <a:uLnTx/>
+                <a:uFillTx/>
+                <a:latin typeface="Calibri" panose="020F0502020204030204"/>
+                <a:ea typeface="+mn-ea"/>
+                <a:cs typeface="+mn-cs"/>
+              </a:endParaRPr>
+            </a:p>
+          </p:txBody>
+        </p:sp>
+        <p:sp>
+          <p:nvSpPr>
+            <p:cNvPr id="343" name="TextBox 342">
+              <a:extLst>
+                <a:ext uri="{FF2B5EF4-FFF2-40B4-BE49-F238E27FC236}">
+                  <a16:creationId xmlns:a16="http://schemas.microsoft.com/office/drawing/2014/main" id="{8A77AB8D-A9F4-41B9-B2A5-2ED3ABE6FE4D}"/>
+                </a:ext>
+              </a:extLst>
+            </p:cNvPr>
+            <p:cNvSpPr txBox="1"/>
+            <p:nvPr/>
+          </p:nvSpPr>
+          <p:spPr>
+            <a:xfrm>
+              <a:off x="4277395" y="4979570"/>
+              <a:ext cx="1034143" cy="369332"/>
+            </a:xfrm>
+            <a:prstGeom prst="rect">
+              <a:avLst/>
+            </a:prstGeom>
+          </p:spPr>
+          <p:txBody>
+            <a:bodyPr wrap="square">
+              <a:spAutoFit/>
+            </a:bodyPr>
+            <a:lstStyle>
+              <a:defPPr>
+                <a:defRPr lang="en-US"/>
+              </a:defPPr>
+              <a:lvl1pPr defTabSz="950973">
+                <a:defRPr sz="900" kern="0">
+                  <a:latin typeface="Segoe UI Semibold" panose="020B0702040204020203" pitchFamily="34" charset="0"/>
+                  <a:ea typeface="MS PGothic" panose="020B0600070205080204" pitchFamily="34" charset="-128"/>
+                  <a:cs typeface="Segoe UI Semibold" panose="020B0702040204020203" pitchFamily="34" charset="0"/>
+                </a:defRPr>
+              </a:lvl1pPr>
+            </a:lstStyle>
+            <a:p>
+              <a:pPr marL="0" marR="0" lvl="0" indent="0" algn="ctr" defTabSz="950973" rtl="0" eaLnBrk="1" fontAlgn="auto" latinLnBrk="0" hangingPunct="1">
+                <a:lnSpc>
+                  <a:spcPct val="100000"/>
+                </a:lnSpc>
+                <a:spcBef>
+                  <a:spcPts val="0"/>
+                </a:spcBef>
+                <a:spcAft>
+                  <a:spcPts val="0"/>
+                </a:spcAft>
+                <a:buClrTx/>
+                <a:buSzTx/>
+                <a:buFontTx/>
+                <a:buNone/>
+                <a:tabLst/>
+                <a:defRPr/>
+              </a:pPr>
+              <a:r>
+                <a:rPr kumimoji="0" lang="en-US" sz="900" b="0" i="0" u="none" strike="noStrike" kern="0" cap="none" spc="0" normalizeH="0" baseline="0" noProof="0" dirty="0">
+                  <a:ln>
+                    <a:noFill/>
+                  </a:ln>
+                  <a:solidFill>
+                    <a:prstClr val="black"/>
+                  </a:solidFill>
+                  <a:effectLst/>
+                  <a:uLnTx/>
+                  <a:uFillTx/>
+                  <a:latin typeface="Segoe UI Semibold" panose="020B0702040204020203" pitchFamily="34" charset="0"/>
+                  <a:ea typeface="MS PGothic" panose="020B0600070205080204" pitchFamily="34" charset="-128"/>
+                  <a:cs typeface="Segoe UI Semibold" panose="020B0702040204020203" pitchFamily="34" charset="0"/>
+                </a:rPr>
+                <a:t>MICROSOFT FLOW</a:t>
+              </a:r>
+            </a:p>
+          </p:txBody>
+        </p:sp>
+      </p:grpSp>
+      <p:grpSp>
+        <p:nvGrpSpPr>
+          <p:cNvPr id="11" name="Group 10">
+            <a:extLst>
+              <a:ext uri="{FF2B5EF4-FFF2-40B4-BE49-F238E27FC236}">
+                <a16:creationId xmlns:a16="http://schemas.microsoft.com/office/drawing/2014/main" id="{52B750B7-2061-4565-8C86-F02BA3A78F48}"/>
+              </a:ext>
+            </a:extLst>
+          </p:cNvPr>
+          <p:cNvGrpSpPr/>
+          <p:nvPr/>
+        </p:nvGrpSpPr>
+        <p:grpSpPr>
+          <a:xfrm>
+            <a:off x="133846" y="1257955"/>
+            <a:ext cx="1504650" cy="2001895"/>
+            <a:chOff x="186146" y="350505"/>
+            <a:chExt cx="1504650" cy="2001895"/>
+          </a:xfrm>
+        </p:grpSpPr>
+        <p:grpSp>
+          <p:nvGrpSpPr>
+            <p:cNvPr id="10" name="Group 9">
+              <a:extLst>
+                <a:ext uri="{FF2B5EF4-FFF2-40B4-BE49-F238E27FC236}">
+                  <a16:creationId xmlns:a16="http://schemas.microsoft.com/office/drawing/2014/main" id="{E4A39E8E-A7D5-40A8-985A-F7F40DEF3E12}"/>
+                </a:ext>
+              </a:extLst>
+            </p:cNvPr>
+            <p:cNvGrpSpPr/>
+            <p:nvPr/>
+          </p:nvGrpSpPr>
+          <p:grpSpPr>
+            <a:xfrm>
+              <a:off x="186146" y="713561"/>
+              <a:ext cx="1504650" cy="1638839"/>
+              <a:chOff x="332004" y="2445543"/>
+              <a:chExt cx="1504650" cy="1638839"/>
+            </a:xfrm>
+          </p:grpSpPr>
+          <p:grpSp>
+            <p:nvGrpSpPr>
+              <p:cNvPr id="118" name="Group 117">
+                <a:extLst>
+                  <a:ext uri="{FF2B5EF4-FFF2-40B4-BE49-F238E27FC236}">
+                    <a16:creationId xmlns:a16="http://schemas.microsoft.com/office/drawing/2014/main" id="{C1EC5806-D77C-47E5-8C26-30738421FAA7}"/>
+                  </a:ext>
+                </a:extLst>
+              </p:cNvPr>
+              <p:cNvGrpSpPr/>
+              <p:nvPr/>
+            </p:nvGrpSpPr>
+            <p:grpSpPr>
+              <a:xfrm>
+                <a:off x="561253" y="2445543"/>
+                <a:ext cx="873873" cy="1237589"/>
+                <a:chOff x="1037561" y="1709081"/>
+                <a:chExt cx="873873" cy="1237589"/>
+              </a:xfrm>
+            </p:grpSpPr>
+            <p:sp>
+              <p:nvSpPr>
+                <p:cNvPr id="119" name="signal_3" title="Icon of a communication tower with signal lines">
+                  <a:extLst>
+                    <a:ext uri="{FF2B5EF4-FFF2-40B4-BE49-F238E27FC236}">
+                      <a16:creationId xmlns:a16="http://schemas.microsoft.com/office/drawing/2014/main" id="{A9E9942A-D14D-4343-8872-D30067C51E6F}"/>
+                    </a:ext>
+                  </a:extLst>
+                </p:cNvPr>
+                <p:cNvSpPr>
+                  <a:spLocks noChangeAspect="1" noEditPoints="1"/>
+                </p:cNvSpPr>
+                <p:nvPr/>
+              </p:nvSpPr>
+              <p:spPr bwMode="auto">
+                <a:xfrm>
+                  <a:off x="1212960" y="1709081"/>
+                  <a:ext cx="350797" cy="481149"/>
+                </a:xfrm>
+                <a:custGeom>
+                  <a:avLst/>
+                  <a:gdLst>
+                    <a:gd name="T0" fmla="*/ 96 w 253"/>
+                    <a:gd name="T1" fmla="*/ 87 h 347"/>
+                    <a:gd name="T2" fmla="*/ 126 w 253"/>
+                    <a:gd name="T3" fmla="*/ 57 h 347"/>
+                    <a:gd name="T4" fmla="*/ 156 w 253"/>
+                    <a:gd name="T5" fmla="*/ 87 h 347"/>
+                    <a:gd name="T6" fmla="*/ 126 w 253"/>
+                    <a:gd name="T7" fmla="*/ 117 h 347"/>
+                    <a:gd name="T8" fmla="*/ 96 w 253"/>
+                    <a:gd name="T9" fmla="*/ 87 h 347"/>
+                    <a:gd name="T10" fmla="*/ 38 w 253"/>
+                    <a:gd name="T11" fmla="*/ 347 h 347"/>
+                    <a:gd name="T12" fmla="*/ 116 w 253"/>
+                    <a:gd name="T13" fmla="*/ 115 h 347"/>
+                    <a:gd name="T14" fmla="*/ 213 w 253"/>
+                    <a:gd name="T15" fmla="*/ 347 h 347"/>
+                    <a:gd name="T16" fmla="*/ 135 w 253"/>
+                    <a:gd name="T17" fmla="*/ 116 h 347"/>
+                    <a:gd name="T18" fmla="*/ 85 w 253"/>
+                    <a:gd name="T19" fmla="*/ 209 h 347"/>
+                    <a:gd name="T20" fmla="*/ 167 w 253"/>
+                    <a:gd name="T21" fmla="*/ 209 h 347"/>
+                    <a:gd name="T22" fmla="*/ 59 w 253"/>
+                    <a:gd name="T23" fmla="*/ 283 h 347"/>
+                    <a:gd name="T24" fmla="*/ 192 w 253"/>
+                    <a:gd name="T25" fmla="*/ 283 h 347"/>
+                    <a:gd name="T26" fmla="*/ 35 w 253"/>
+                    <a:gd name="T27" fmla="*/ 0 h 347"/>
+                    <a:gd name="T28" fmla="*/ 0 w 253"/>
+                    <a:gd name="T29" fmla="*/ 86 h 347"/>
+                    <a:gd name="T30" fmla="*/ 36 w 253"/>
+                    <a:gd name="T31" fmla="*/ 173 h 347"/>
+                    <a:gd name="T32" fmla="*/ 72 w 253"/>
+                    <a:gd name="T33" fmla="*/ 38 h 347"/>
+                    <a:gd name="T34" fmla="*/ 52 w 253"/>
+                    <a:gd name="T35" fmla="*/ 87 h 347"/>
+                    <a:gd name="T36" fmla="*/ 72 w 253"/>
+                    <a:gd name="T37" fmla="*/ 135 h 347"/>
+                    <a:gd name="T38" fmla="*/ 216 w 253"/>
+                    <a:gd name="T39" fmla="*/ 173 h 347"/>
+                    <a:gd name="T40" fmla="*/ 253 w 253"/>
+                    <a:gd name="T41" fmla="*/ 86 h 347"/>
+                    <a:gd name="T42" fmla="*/ 217 w 253"/>
+                    <a:gd name="T43" fmla="*/ 0 h 347"/>
+                    <a:gd name="T44" fmla="*/ 180 w 253"/>
+                    <a:gd name="T45" fmla="*/ 135 h 347"/>
+                    <a:gd name="T46" fmla="*/ 200 w 253"/>
+                    <a:gd name="T47" fmla="*/ 87 h 347"/>
+                    <a:gd name="T48" fmla="*/ 180 w 253"/>
+                    <a:gd name="T49" fmla="*/ 38 h 347"/>
+                  </a:gdLst>
+                  <a:ahLst/>
+                  <a:cxnLst>
+                    <a:cxn ang="0">
+                      <a:pos x="T0" y="T1"/>
+                    </a:cxn>
+                    <a:cxn ang="0">
+                      <a:pos x="T2" y="T3"/>
+                    </a:cxn>
+                    <a:cxn ang="0">
+                      <a:pos x="T4" y="T5"/>
+                    </a:cxn>
+                    <a:cxn ang="0">
+                      <a:pos x="T6" y="T7"/>
+                    </a:cxn>
+                    <a:cxn ang="0">
+                      <a:pos x="T8" y="T9"/>
+                    </a:cxn>
+                    <a:cxn ang="0">
+                      <a:pos x="T10" y="T11"/>
+                    </a:cxn>
+                    <a:cxn ang="0">
+                      <a:pos x="T12" y="T13"/>
+                    </a:cxn>
+                    <a:cxn ang="0">
+                      <a:pos x="T14" y="T15"/>
+                    </a:cxn>
+                    <a:cxn ang="0">
+                      <a:pos x="T16" y="T17"/>
+                    </a:cxn>
+                    <a:cxn ang="0">
+                      <a:pos x="T18" y="T19"/>
+                    </a:cxn>
+                    <a:cxn ang="0">
+                      <a:pos x="T20" y="T21"/>
+                    </a:cxn>
+                    <a:cxn ang="0">
+                      <a:pos x="T22" y="T23"/>
+                    </a:cxn>
+                    <a:cxn ang="0">
+                      <a:pos x="T24" y="T25"/>
+                    </a:cxn>
+                    <a:cxn ang="0">
+                      <a:pos x="T26" y="T27"/>
+                    </a:cxn>
+                    <a:cxn ang="0">
+                      <a:pos x="T28" y="T29"/>
+                    </a:cxn>
+                    <a:cxn ang="0">
+                      <a:pos x="T30" y="T31"/>
+                    </a:cxn>
+                    <a:cxn ang="0">
+                      <a:pos x="T32" y="T33"/>
+                    </a:cxn>
+                    <a:cxn ang="0">
+                      <a:pos x="T34" y="T35"/>
+                    </a:cxn>
+                    <a:cxn ang="0">
+                      <a:pos x="T36" y="T37"/>
+                    </a:cxn>
+                    <a:cxn ang="0">
+                      <a:pos x="T38" y="T39"/>
+                    </a:cxn>
+                    <a:cxn ang="0">
+                      <a:pos x="T40" y="T41"/>
+                    </a:cxn>
+                    <a:cxn ang="0">
+                      <a:pos x="T42" y="T43"/>
+                    </a:cxn>
+                    <a:cxn ang="0">
+                      <a:pos x="T44" y="T45"/>
+                    </a:cxn>
+                    <a:cxn ang="0">
+                      <a:pos x="T46" y="T47"/>
+                    </a:cxn>
+                    <a:cxn ang="0">
+                      <a:pos x="T48" y="T49"/>
+                    </a:cxn>
+                  </a:cxnLst>
+                  <a:rect l="0" t="0" r="r" b="b"/>
+                  <a:pathLst>
+                    <a:path w="253" h="347">
+                      <a:moveTo>
+                        <a:pt x="96" y="87"/>
+                      </a:moveTo>
+                      <a:cubicBezTo>
+                        <a:pt x="96" y="70"/>
+                        <a:pt x="109" y="57"/>
+                        <a:pt x="126" y="57"/>
+                      </a:cubicBezTo>
+                      <a:cubicBezTo>
+                        <a:pt x="143" y="57"/>
+                        <a:pt x="156" y="70"/>
+                        <a:pt x="156" y="87"/>
+                      </a:cubicBezTo>
+                      <a:cubicBezTo>
+                        <a:pt x="156" y="104"/>
+                        <a:pt x="143" y="117"/>
+                        <a:pt x="126" y="117"/>
+                      </a:cubicBezTo>
+                      <a:cubicBezTo>
+                        <a:pt x="109" y="117"/>
+                        <a:pt x="96" y="104"/>
+                        <a:pt x="96" y="87"/>
+                      </a:cubicBezTo>
+                      <a:close/>
+                      <a:moveTo>
+                        <a:pt x="38" y="347"/>
+                      </a:moveTo>
+                      <a:cubicBezTo>
+                        <a:pt x="116" y="115"/>
+                        <a:pt x="116" y="115"/>
+                        <a:pt x="116" y="115"/>
+                      </a:cubicBezTo>
+                      <a:moveTo>
+                        <a:pt x="213" y="347"/>
+                      </a:moveTo>
+                      <a:cubicBezTo>
+                        <a:pt x="135" y="116"/>
+                        <a:pt x="135" y="116"/>
+                        <a:pt x="135" y="116"/>
+                      </a:cubicBezTo>
+                      <a:moveTo>
+                        <a:pt x="85" y="209"/>
+                      </a:moveTo>
+                      <a:cubicBezTo>
+                        <a:pt x="167" y="209"/>
+                        <a:pt x="167" y="209"/>
+                        <a:pt x="167" y="209"/>
+                      </a:cubicBezTo>
+                      <a:moveTo>
+                        <a:pt x="59" y="283"/>
+                      </a:moveTo>
+                      <a:cubicBezTo>
+                        <a:pt x="192" y="283"/>
+                        <a:pt x="192" y="283"/>
+                        <a:pt x="192" y="283"/>
+                      </a:cubicBezTo>
+                      <a:moveTo>
+                        <a:pt x="35" y="0"/>
+                      </a:moveTo>
+                      <a:cubicBezTo>
+                        <a:pt x="13" y="22"/>
+                        <a:pt x="0" y="52"/>
+                        <a:pt x="0" y="86"/>
+                      </a:cubicBezTo>
+                      <a:cubicBezTo>
+                        <a:pt x="0" y="120"/>
+                        <a:pt x="13" y="151"/>
+                        <a:pt x="36" y="173"/>
+                      </a:cubicBezTo>
+                      <a:moveTo>
+                        <a:pt x="72" y="38"/>
+                      </a:moveTo>
+                      <a:cubicBezTo>
+                        <a:pt x="60" y="50"/>
+                        <a:pt x="52" y="68"/>
+                        <a:pt x="52" y="87"/>
+                      </a:cubicBezTo>
+                      <a:cubicBezTo>
+                        <a:pt x="52" y="105"/>
+                        <a:pt x="60" y="122"/>
+                        <a:pt x="72" y="135"/>
+                      </a:cubicBezTo>
+                      <a:moveTo>
+                        <a:pt x="216" y="173"/>
+                      </a:moveTo>
+                      <a:cubicBezTo>
+                        <a:pt x="239" y="151"/>
+                        <a:pt x="253" y="120"/>
+                        <a:pt x="253" y="86"/>
+                      </a:cubicBezTo>
+                      <a:cubicBezTo>
+                        <a:pt x="253" y="52"/>
+                        <a:pt x="239" y="22"/>
+                        <a:pt x="217" y="0"/>
+                      </a:cubicBezTo>
+                      <a:moveTo>
+                        <a:pt x="180" y="135"/>
+                      </a:moveTo>
+                      <a:cubicBezTo>
+                        <a:pt x="192" y="122"/>
+                        <a:pt x="200" y="105"/>
+                        <a:pt x="200" y="87"/>
+                      </a:cubicBezTo>
+                      <a:cubicBezTo>
+                        <a:pt x="200" y="68"/>
+                        <a:pt x="192" y="50"/>
+                        <a:pt x="180" y="38"/>
+                      </a:cubicBezTo>
+                    </a:path>
+                  </a:pathLst>
+                </a:custGeom>
+                <a:noFill/>
+                <a:ln w="15875" cap="sq">
+                  <a:solidFill>
+                    <a:srgbClr val="0070C0"/>
+                  </a:solidFill>
+                  <a:prstDash val="solid"/>
+                  <a:miter lim="800000"/>
+                  <a:headEnd/>
+                  <a:tailEnd/>
+                </a:ln>
+                <a:extLst>
+                  <a:ext uri="{909E8E84-426E-40DD-AFC4-6F175D3DCCD1}">
+                    <a14:hiddenFill xmlns:a14="http://schemas.microsoft.com/office/drawing/2010/main">
+                      <a:solidFill>
+                        <a:srgbClr val="FFFFFF"/>
+                      </a:solidFill>
+                    </a14:hiddenFill>
+                  </a:ext>
+                </a:extLst>
+              </p:spPr>
+              <p:txBody>
+                <a:bodyPr vert="horz" wrap="square" lIns="89642" tIns="44821" rIns="89642" bIns="44821" numCol="1" anchor="t" anchorCtr="0" compatLnSpc="1">
+                  <a:prstTxWarp prst="textNoShape">
+                    <a:avLst/>
+                  </a:prstTxWarp>
+                </a:bodyPr>
+                <a:lstStyle/>
+                <a:p>
+                  <a:pPr>
+                    <a:defRPr/>
+                  </a:pPr>
+                  <a:endParaRPr lang="en-US">
+                    <a:solidFill>
+                      <a:srgbClr val="434343"/>
+                    </a:solidFill>
+                    <a:latin typeface="Segoe UI"/>
+                  </a:endParaRPr>
+                </a:p>
+              </p:txBody>
+            </p:sp>
+            <p:sp>
+              <p:nvSpPr>
+                <p:cNvPr id="124" name="signal_3" title="Icon of a communication tower with signal lines">
+                  <a:extLst>
+                    <a:ext uri="{FF2B5EF4-FFF2-40B4-BE49-F238E27FC236}">
+                      <a16:creationId xmlns:a16="http://schemas.microsoft.com/office/drawing/2014/main" id="{9632D26A-E832-4B93-A3D7-E8FB3A6634FB}"/>
+                    </a:ext>
+                  </a:extLst>
+                </p:cNvPr>
+                <p:cNvSpPr>
+                  <a:spLocks noChangeAspect="1" noEditPoints="1"/>
+                </p:cNvSpPr>
+                <p:nvPr/>
+              </p:nvSpPr>
+              <p:spPr bwMode="auto">
+                <a:xfrm>
+                  <a:off x="1560637" y="2087301"/>
+                  <a:ext cx="350797" cy="481149"/>
+                </a:xfrm>
+                <a:custGeom>
+                  <a:avLst/>
+                  <a:gdLst>
+                    <a:gd name="T0" fmla="*/ 96 w 253"/>
+                    <a:gd name="T1" fmla="*/ 87 h 347"/>
+                    <a:gd name="T2" fmla="*/ 126 w 253"/>
+                    <a:gd name="T3" fmla="*/ 57 h 347"/>
+                    <a:gd name="T4" fmla="*/ 156 w 253"/>
+                    <a:gd name="T5" fmla="*/ 87 h 347"/>
+                    <a:gd name="T6" fmla="*/ 126 w 253"/>
+                    <a:gd name="T7" fmla="*/ 117 h 347"/>
+                    <a:gd name="T8" fmla="*/ 96 w 253"/>
+                    <a:gd name="T9" fmla="*/ 87 h 347"/>
+                    <a:gd name="T10" fmla="*/ 38 w 253"/>
+                    <a:gd name="T11" fmla="*/ 347 h 347"/>
+                    <a:gd name="T12" fmla="*/ 116 w 253"/>
+                    <a:gd name="T13" fmla="*/ 115 h 347"/>
+                    <a:gd name="T14" fmla="*/ 213 w 253"/>
+                    <a:gd name="T15" fmla="*/ 347 h 347"/>
+                    <a:gd name="T16" fmla="*/ 135 w 253"/>
+                    <a:gd name="T17" fmla="*/ 116 h 347"/>
+                    <a:gd name="T18" fmla="*/ 85 w 253"/>
+                    <a:gd name="T19" fmla="*/ 209 h 347"/>
+                    <a:gd name="T20" fmla="*/ 167 w 253"/>
+                    <a:gd name="T21" fmla="*/ 209 h 347"/>
+                    <a:gd name="T22" fmla="*/ 59 w 253"/>
+                    <a:gd name="T23" fmla="*/ 283 h 347"/>
+                    <a:gd name="T24" fmla="*/ 192 w 253"/>
+                    <a:gd name="T25" fmla="*/ 283 h 347"/>
+                    <a:gd name="T26" fmla="*/ 35 w 253"/>
+                    <a:gd name="T27" fmla="*/ 0 h 347"/>
+                    <a:gd name="T28" fmla="*/ 0 w 253"/>
+                    <a:gd name="T29" fmla="*/ 86 h 347"/>
+                    <a:gd name="T30" fmla="*/ 36 w 253"/>
+                    <a:gd name="T31" fmla="*/ 173 h 347"/>
+                    <a:gd name="T32" fmla="*/ 72 w 253"/>
+                    <a:gd name="T33" fmla="*/ 38 h 347"/>
+                    <a:gd name="T34" fmla="*/ 52 w 253"/>
+                    <a:gd name="T35" fmla="*/ 87 h 347"/>
+                    <a:gd name="T36" fmla="*/ 72 w 253"/>
+                    <a:gd name="T37" fmla="*/ 135 h 347"/>
+                    <a:gd name="T38" fmla="*/ 216 w 253"/>
+                    <a:gd name="T39" fmla="*/ 173 h 347"/>
+                    <a:gd name="T40" fmla="*/ 253 w 253"/>
+                    <a:gd name="T41" fmla="*/ 86 h 347"/>
+                    <a:gd name="T42" fmla="*/ 217 w 253"/>
+                    <a:gd name="T43" fmla="*/ 0 h 347"/>
+                    <a:gd name="T44" fmla="*/ 180 w 253"/>
+                    <a:gd name="T45" fmla="*/ 135 h 347"/>
+                    <a:gd name="T46" fmla="*/ 200 w 253"/>
+                    <a:gd name="T47" fmla="*/ 87 h 347"/>
+                    <a:gd name="T48" fmla="*/ 180 w 253"/>
+                    <a:gd name="T49" fmla="*/ 38 h 347"/>
+                  </a:gdLst>
+                  <a:ahLst/>
+                  <a:cxnLst>
+                    <a:cxn ang="0">
+                      <a:pos x="T0" y="T1"/>
+                    </a:cxn>
+                    <a:cxn ang="0">
+                      <a:pos x="T2" y="T3"/>
+                    </a:cxn>
+                    <a:cxn ang="0">
+                      <a:pos x="T4" y="T5"/>
+                    </a:cxn>
+                    <a:cxn ang="0">
+                      <a:pos x="T6" y="T7"/>
+                    </a:cxn>
+                    <a:cxn ang="0">
+                      <a:pos x="T8" y="T9"/>
+                    </a:cxn>
+                    <a:cxn ang="0">
+                      <a:pos x="T10" y="T11"/>
+                    </a:cxn>
+                    <a:cxn ang="0">
+                      <a:pos x="T12" y="T13"/>
+                    </a:cxn>
+                    <a:cxn ang="0">
+                      <a:pos x="T14" y="T15"/>
+                    </a:cxn>
+                    <a:cxn ang="0">
+                      <a:pos x="T16" y="T17"/>
+                    </a:cxn>
+                    <a:cxn ang="0">
+                      <a:pos x="T18" y="T19"/>
+                    </a:cxn>
+                    <a:cxn ang="0">
+                      <a:pos x="T20" y="T21"/>
+                    </a:cxn>
+                    <a:cxn ang="0">
+                      <a:pos x="T22" y="T23"/>
+                    </a:cxn>
+                    <a:cxn ang="0">
+                      <a:pos x="T24" y="T25"/>
+                    </a:cxn>
+                    <a:cxn ang="0">
+                      <a:pos x="T26" y="T27"/>
+                    </a:cxn>
+                    <a:cxn ang="0">
+                      <a:pos x="T28" y="T29"/>
+                    </a:cxn>
+                    <a:cxn ang="0">
+                      <a:pos x="T30" y="T31"/>
+                    </a:cxn>
+                    <a:cxn ang="0">
+                      <a:pos x="T32" y="T33"/>
+                    </a:cxn>
+                    <a:cxn ang="0">
+                      <a:pos x="T34" y="T35"/>
+                    </a:cxn>
+                    <a:cxn ang="0">
+                      <a:pos x="T36" y="T37"/>
+                    </a:cxn>
+                    <a:cxn ang="0">
+                      <a:pos x="T38" y="T39"/>
+                    </a:cxn>
+                    <a:cxn ang="0">
+                      <a:pos x="T40" y="T41"/>
+                    </a:cxn>
+                    <a:cxn ang="0">
+                      <a:pos x="T42" y="T43"/>
+                    </a:cxn>
+                    <a:cxn ang="0">
+                      <a:pos x="T44" y="T45"/>
+                    </a:cxn>
+                    <a:cxn ang="0">
+                      <a:pos x="T46" y="T47"/>
+                    </a:cxn>
+                    <a:cxn ang="0">
+                      <a:pos x="T48" y="T49"/>
+                    </a:cxn>
+                  </a:cxnLst>
+                  <a:rect l="0" t="0" r="r" b="b"/>
+                  <a:pathLst>
+                    <a:path w="253" h="347">
+                      <a:moveTo>
+                        <a:pt x="96" y="87"/>
+                      </a:moveTo>
+                      <a:cubicBezTo>
+                        <a:pt x="96" y="70"/>
+                        <a:pt x="109" y="57"/>
+                        <a:pt x="126" y="57"/>
+                      </a:cubicBezTo>
+                      <a:cubicBezTo>
+                        <a:pt x="143" y="57"/>
+                        <a:pt x="156" y="70"/>
+                        <a:pt x="156" y="87"/>
+                      </a:cubicBezTo>
+                      <a:cubicBezTo>
+                        <a:pt x="156" y="104"/>
+                        <a:pt x="143" y="117"/>
+                        <a:pt x="126" y="117"/>
+                      </a:cubicBezTo>
+                      <a:cubicBezTo>
+                        <a:pt x="109" y="117"/>
+                        <a:pt x="96" y="104"/>
+                        <a:pt x="96" y="87"/>
+                      </a:cubicBezTo>
+                      <a:close/>
+                      <a:moveTo>
+                        <a:pt x="38" y="347"/>
+                      </a:moveTo>
+                      <a:cubicBezTo>
+                        <a:pt x="116" y="115"/>
+                        <a:pt x="116" y="115"/>
+                        <a:pt x="116" y="115"/>
+                      </a:cubicBezTo>
+                      <a:moveTo>
+                        <a:pt x="213" y="347"/>
+                      </a:moveTo>
+                      <a:cubicBezTo>
+                        <a:pt x="135" y="116"/>
+                        <a:pt x="135" y="116"/>
+                        <a:pt x="135" y="116"/>
+                      </a:cubicBezTo>
+                      <a:moveTo>
+                        <a:pt x="85" y="209"/>
+                      </a:moveTo>
+                      <a:cubicBezTo>
+                        <a:pt x="167" y="209"/>
+                        <a:pt x="167" y="209"/>
+                        <a:pt x="167" y="209"/>
+                      </a:cubicBezTo>
+                      <a:moveTo>
+                        <a:pt x="59" y="283"/>
+                      </a:moveTo>
+                      <a:cubicBezTo>
+                        <a:pt x="192" y="283"/>
+                        <a:pt x="192" y="283"/>
+                        <a:pt x="192" y="283"/>
+                      </a:cubicBezTo>
+                      <a:moveTo>
+                        <a:pt x="35" y="0"/>
+                      </a:moveTo>
+                      <a:cubicBezTo>
+                        <a:pt x="13" y="22"/>
+                        <a:pt x="0" y="52"/>
+                        <a:pt x="0" y="86"/>
+                      </a:cubicBezTo>
+                      <a:cubicBezTo>
+                        <a:pt x="0" y="120"/>
+                        <a:pt x="13" y="151"/>
+                        <a:pt x="36" y="173"/>
+                      </a:cubicBezTo>
+                      <a:moveTo>
+                        <a:pt x="72" y="38"/>
+                      </a:moveTo>
+                      <a:cubicBezTo>
+                        <a:pt x="60" y="50"/>
+                        <a:pt x="52" y="68"/>
+                        <a:pt x="52" y="87"/>
+                      </a:cubicBezTo>
+                      <a:cubicBezTo>
+                        <a:pt x="52" y="105"/>
+                        <a:pt x="60" y="122"/>
+                        <a:pt x="72" y="135"/>
+                      </a:cubicBezTo>
+                      <a:moveTo>
+                        <a:pt x="216" y="173"/>
+                      </a:moveTo>
+                      <a:cubicBezTo>
+                        <a:pt x="239" y="151"/>
+                        <a:pt x="253" y="120"/>
+                        <a:pt x="253" y="86"/>
+                      </a:cubicBezTo>
+                      <a:cubicBezTo>
+                        <a:pt x="253" y="52"/>
+                        <a:pt x="239" y="22"/>
+                        <a:pt x="217" y="0"/>
+                      </a:cubicBezTo>
+                      <a:moveTo>
+                        <a:pt x="180" y="135"/>
+                      </a:moveTo>
+                      <a:cubicBezTo>
+                        <a:pt x="192" y="122"/>
+                        <a:pt x="200" y="105"/>
+                        <a:pt x="200" y="87"/>
+                      </a:cubicBezTo>
+                      <a:cubicBezTo>
+                        <a:pt x="200" y="68"/>
+                        <a:pt x="192" y="50"/>
+                        <a:pt x="180" y="38"/>
+                      </a:cubicBezTo>
+                    </a:path>
+                  </a:pathLst>
+                </a:custGeom>
+                <a:noFill/>
+                <a:ln w="15875" cap="sq">
+                  <a:solidFill>
+                    <a:srgbClr val="0070C0"/>
+                  </a:solidFill>
+                  <a:prstDash val="solid"/>
+                  <a:miter lim="800000"/>
+                  <a:headEnd/>
+                  <a:tailEnd/>
+                </a:ln>
+                <a:extLst>
+                  <a:ext uri="{909E8E84-426E-40DD-AFC4-6F175D3DCCD1}">
+                    <a14:hiddenFill xmlns:a14="http://schemas.microsoft.com/office/drawing/2010/main">
+                      <a:solidFill>
+                        <a:srgbClr val="FFFFFF"/>
+                      </a:solidFill>
+                    </a14:hiddenFill>
+                  </a:ext>
+                </a:extLst>
+              </p:spPr>
+              <p:txBody>
+                <a:bodyPr vert="horz" wrap="square" lIns="89642" tIns="44821" rIns="89642" bIns="44821" numCol="1" anchor="t" anchorCtr="0" compatLnSpc="1">
+                  <a:prstTxWarp prst="textNoShape">
+                    <a:avLst/>
+                  </a:prstTxWarp>
+                </a:bodyPr>
+                <a:lstStyle/>
+                <a:p>
+                  <a:pPr>
+                    <a:defRPr/>
+                  </a:pPr>
+                  <a:endParaRPr lang="en-US">
+                    <a:solidFill>
+                      <a:srgbClr val="434343"/>
+                    </a:solidFill>
+                    <a:latin typeface="Segoe UI"/>
+                  </a:endParaRPr>
+                </a:p>
+              </p:txBody>
+            </p:sp>
+            <p:sp>
+              <p:nvSpPr>
+                <p:cNvPr id="125" name="signal_3" title="Icon of a communication tower with signal lines">
+                  <a:extLst>
+                    <a:ext uri="{FF2B5EF4-FFF2-40B4-BE49-F238E27FC236}">
+                      <a16:creationId xmlns:a16="http://schemas.microsoft.com/office/drawing/2014/main" id="{7B66F751-1254-4B5B-B024-BCE81B0EF956}"/>
+                    </a:ext>
+                  </a:extLst>
+                </p:cNvPr>
+                <p:cNvSpPr>
+                  <a:spLocks noChangeAspect="1" noEditPoints="1"/>
+                </p:cNvSpPr>
+                <p:nvPr/>
+              </p:nvSpPr>
+              <p:spPr bwMode="auto">
+                <a:xfrm>
+                  <a:off x="1037561" y="2465521"/>
+                  <a:ext cx="350797" cy="481149"/>
+                </a:xfrm>
+                <a:custGeom>
+                  <a:avLst/>
+                  <a:gdLst>
+                    <a:gd name="T0" fmla="*/ 96 w 253"/>
+                    <a:gd name="T1" fmla="*/ 87 h 347"/>
+                    <a:gd name="T2" fmla="*/ 126 w 253"/>
+                    <a:gd name="T3" fmla="*/ 57 h 347"/>
+                    <a:gd name="T4" fmla="*/ 156 w 253"/>
+                    <a:gd name="T5" fmla="*/ 87 h 347"/>
+                    <a:gd name="T6" fmla="*/ 126 w 253"/>
+                    <a:gd name="T7" fmla="*/ 117 h 347"/>
+                    <a:gd name="T8" fmla="*/ 96 w 253"/>
+                    <a:gd name="T9" fmla="*/ 87 h 347"/>
+                    <a:gd name="T10" fmla="*/ 38 w 253"/>
+                    <a:gd name="T11" fmla="*/ 347 h 347"/>
+                    <a:gd name="T12" fmla="*/ 116 w 253"/>
+                    <a:gd name="T13" fmla="*/ 115 h 347"/>
+                    <a:gd name="T14" fmla="*/ 213 w 253"/>
+                    <a:gd name="T15" fmla="*/ 347 h 347"/>
+                    <a:gd name="T16" fmla="*/ 135 w 253"/>
+                    <a:gd name="T17" fmla="*/ 116 h 347"/>
+                    <a:gd name="T18" fmla="*/ 85 w 253"/>
+                    <a:gd name="T19" fmla="*/ 209 h 347"/>
+                    <a:gd name="T20" fmla="*/ 167 w 253"/>
+                    <a:gd name="T21" fmla="*/ 209 h 347"/>
+                    <a:gd name="T22" fmla="*/ 59 w 253"/>
+                    <a:gd name="T23" fmla="*/ 283 h 347"/>
+                    <a:gd name="T24" fmla="*/ 192 w 253"/>
+                    <a:gd name="T25" fmla="*/ 283 h 347"/>
+                    <a:gd name="T26" fmla="*/ 35 w 253"/>
+                    <a:gd name="T27" fmla="*/ 0 h 347"/>
+                    <a:gd name="T28" fmla="*/ 0 w 253"/>
+                    <a:gd name="T29" fmla="*/ 86 h 347"/>
+                    <a:gd name="T30" fmla="*/ 36 w 253"/>
+                    <a:gd name="T31" fmla="*/ 173 h 347"/>
+                    <a:gd name="T32" fmla="*/ 72 w 253"/>
+                    <a:gd name="T33" fmla="*/ 38 h 347"/>
+                    <a:gd name="T34" fmla="*/ 52 w 253"/>
+                    <a:gd name="T35" fmla="*/ 87 h 347"/>
+                    <a:gd name="T36" fmla="*/ 72 w 253"/>
+                    <a:gd name="T37" fmla="*/ 135 h 347"/>
+                    <a:gd name="T38" fmla="*/ 216 w 253"/>
+                    <a:gd name="T39" fmla="*/ 173 h 347"/>
+                    <a:gd name="T40" fmla="*/ 253 w 253"/>
+                    <a:gd name="T41" fmla="*/ 86 h 347"/>
+                    <a:gd name="T42" fmla="*/ 217 w 253"/>
+                    <a:gd name="T43" fmla="*/ 0 h 347"/>
+                    <a:gd name="T44" fmla="*/ 180 w 253"/>
+                    <a:gd name="T45" fmla="*/ 135 h 347"/>
+                    <a:gd name="T46" fmla="*/ 200 w 253"/>
+                    <a:gd name="T47" fmla="*/ 87 h 347"/>
+                    <a:gd name="T48" fmla="*/ 180 w 253"/>
+                    <a:gd name="T49" fmla="*/ 38 h 347"/>
+                  </a:gdLst>
+                  <a:ahLst/>
+                  <a:cxnLst>
+                    <a:cxn ang="0">
+                      <a:pos x="T0" y="T1"/>
+                    </a:cxn>
+                    <a:cxn ang="0">
+                      <a:pos x="T2" y="T3"/>
+                    </a:cxn>
+                    <a:cxn ang="0">
+                      <a:pos x="T4" y="T5"/>
+                    </a:cxn>
+                    <a:cxn ang="0">
+                      <a:pos x="T6" y="T7"/>
+                    </a:cxn>
+                    <a:cxn ang="0">
+                      <a:pos x="T8" y="T9"/>
+                    </a:cxn>
+                    <a:cxn ang="0">
+                      <a:pos x="T10" y="T11"/>
+                    </a:cxn>
+                    <a:cxn ang="0">
+                      <a:pos x="T12" y="T13"/>
+                    </a:cxn>
+                    <a:cxn ang="0">
+                      <a:pos x="T14" y="T15"/>
+                    </a:cxn>
+                    <a:cxn ang="0">
+                      <a:pos x="T16" y="T17"/>
+                    </a:cxn>
+                    <a:cxn ang="0">
+                      <a:pos x="T18" y="T19"/>
+                    </a:cxn>
+                    <a:cxn ang="0">
+                      <a:pos x="T20" y="T21"/>
+                    </a:cxn>
+                    <a:cxn ang="0">
+                      <a:pos x="T22" y="T23"/>
+                    </a:cxn>
+                    <a:cxn ang="0">
+                      <a:pos x="T24" y="T25"/>
+                    </a:cxn>
+                    <a:cxn ang="0">
+                      <a:pos x="T26" y="T27"/>
+                    </a:cxn>
+                    <a:cxn ang="0">
+                      <a:pos x="T28" y="T29"/>
+                    </a:cxn>
+                    <a:cxn ang="0">
+                      <a:pos x="T30" y="T31"/>
+                    </a:cxn>
+                    <a:cxn ang="0">
+                      <a:pos x="T32" y="T33"/>
+                    </a:cxn>
+                    <a:cxn ang="0">
+                      <a:pos x="T34" y="T35"/>
+                    </a:cxn>
+                    <a:cxn ang="0">
+                      <a:pos x="T36" y="T37"/>
+                    </a:cxn>
+                    <a:cxn ang="0">
+                      <a:pos x="T38" y="T39"/>
+                    </a:cxn>
+                    <a:cxn ang="0">
+                      <a:pos x="T40" y="T41"/>
+                    </a:cxn>
+                    <a:cxn ang="0">
+                      <a:pos x="T42" y="T43"/>
+                    </a:cxn>
+                    <a:cxn ang="0">
+                      <a:pos x="T44" y="T45"/>
+                    </a:cxn>
+                    <a:cxn ang="0">
+                      <a:pos x="T46" y="T47"/>
+                    </a:cxn>
+                    <a:cxn ang="0">
+                      <a:pos x="T48" y="T49"/>
+                    </a:cxn>
+                  </a:cxnLst>
+                  <a:rect l="0" t="0" r="r" b="b"/>
+                  <a:pathLst>
+                    <a:path w="253" h="347">
+                      <a:moveTo>
+                        <a:pt x="96" y="87"/>
+                      </a:moveTo>
+                      <a:cubicBezTo>
+                        <a:pt x="96" y="70"/>
+                        <a:pt x="109" y="57"/>
+                        <a:pt x="126" y="57"/>
+                      </a:cubicBezTo>
+                      <a:cubicBezTo>
+                        <a:pt x="143" y="57"/>
+                        <a:pt x="156" y="70"/>
+                        <a:pt x="156" y="87"/>
+                      </a:cubicBezTo>
+                      <a:cubicBezTo>
+                        <a:pt x="156" y="104"/>
+                        <a:pt x="143" y="117"/>
+                        <a:pt x="126" y="117"/>
+                      </a:cubicBezTo>
+                      <a:cubicBezTo>
+                        <a:pt x="109" y="117"/>
+                        <a:pt x="96" y="104"/>
+                        <a:pt x="96" y="87"/>
+                      </a:cubicBezTo>
+                      <a:close/>
+                      <a:moveTo>
+                        <a:pt x="38" y="347"/>
+                      </a:moveTo>
+                      <a:cubicBezTo>
+                        <a:pt x="116" y="115"/>
+                        <a:pt x="116" y="115"/>
+                        <a:pt x="116" y="115"/>
+                      </a:cubicBezTo>
+                      <a:moveTo>
+                        <a:pt x="213" y="347"/>
+                      </a:moveTo>
+                      <a:cubicBezTo>
+                        <a:pt x="135" y="116"/>
+                        <a:pt x="135" y="116"/>
+                        <a:pt x="135" y="116"/>
+                      </a:cubicBezTo>
+                      <a:moveTo>
+                        <a:pt x="85" y="209"/>
+                      </a:moveTo>
+                      <a:cubicBezTo>
+                        <a:pt x="167" y="209"/>
+                        <a:pt x="167" y="209"/>
+                        <a:pt x="167" y="209"/>
+                      </a:cubicBezTo>
+                      <a:moveTo>
+                        <a:pt x="59" y="283"/>
+                      </a:moveTo>
+                      <a:cubicBezTo>
+                        <a:pt x="192" y="283"/>
+                        <a:pt x="192" y="283"/>
+                        <a:pt x="192" y="283"/>
+                      </a:cubicBezTo>
+                      <a:moveTo>
+                        <a:pt x="35" y="0"/>
+                      </a:moveTo>
+                      <a:cubicBezTo>
+                        <a:pt x="13" y="22"/>
+                        <a:pt x="0" y="52"/>
+                        <a:pt x="0" y="86"/>
+                      </a:cubicBezTo>
+                      <a:cubicBezTo>
+                        <a:pt x="0" y="120"/>
+                        <a:pt x="13" y="151"/>
+                        <a:pt x="36" y="173"/>
+                      </a:cubicBezTo>
+                      <a:moveTo>
+                        <a:pt x="72" y="38"/>
+                      </a:moveTo>
+                      <a:cubicBezTo>
+                        <a:pt x="60" y="50"/>
+                        <a:pt x="52" y="68"/>
+                        <a:pt x="52" y="87"/>
+                      </a:cubicBezTo>
+                      <a:cubicBezTo>
+                        <a:pt x="52" y="105"/>
+                        <a:pt x="60" y="122"/>
+                        <a:pt x="72" y="135"/>
+                      </a:cubicBezTo>
+                      <a:moveTo>
+                        <a:pt x="216" y="173"/>
+                      </a:moveTo>
+                      <a:cubicBezTo>
+                        <a:pt x="239" y="151"/>
+                        <a:pt x="253" y="120"/>
+                        <a:pt x="253" y="86"/>
+                      </a:cubicBezTo>
+                      <a:cubicBezTo>
+                        <a:pt x="253" y="52"/>
+                        <a:pt x="239" y="22"/>
+                        <a:pt x="217" y="0"/>
+                      </a:cubicBezTo>
+                      <a:moveTo>
+                        <a:pt x="180" y="135"/>
+                      </a:moveTo>
+                      <a:cubicBezTo>
+                        <a:pt x="192" y="122"/>
+                        <a:pt x="200" y="105"/>
+                        <a:pt x="200" y="87"/>
+                      </a:cubicBezTo>
+                      <a:cubicBezTo>
+                        <a:pt x="200" y="68"/>
+                        <a:pt x="192" y="50"/>
+                        <a:pt x="180" y="38"/>
+                      </a:cubicBezTo>
+                    </a:path>
+                  </a:pathLst>
+                </a:custGeom>
+                <a:noFill/>
+                <a:ln w="15875" cap="sq">
+                  <a:solidFill>
+                    <a:srgbClr val="0070C0"/>
+                  </a:solidFill>
+                  <a:prstDash val="solid"/>
+                  <a:miter lim="800000"/>
+                  <a:headEnd/>
+                  <a:tailEnd/>
+                </a:ln>
+                <a:extLst>
+                  <a:ext uri="{909E8E84-426E-40DD-AFC4-6F175D3DCCD1}">
+                    <a14:hiddenFill xmlns:a14="http://schemas.microsoft.com/office/drawing/2010/main">
+                      <a:solidFill>
+                        <a:srgbClr val="FFFFFF"/>
+                      </a:solidFill>
+                    </a14:hiddenFill>
+                  </a:ext>
+                </a:extLst>
+              </p:spPr>
+              <p:txBody>
+                <a:bodyPr vert="horz" wrap="square" lIns="89642" tIns="44821" rIns="89642" bIns="44821" numCol="1" anchor="t" anchorCtr="0" compatLnSpc="1">
+                  <a:prstTxWarp prst="textNoShape">
+                    <a:avLst/>
+                  </a:prstTxWarp>
+                </a:bodyPr>
+                <a:lstStyle/>
+                <a:p>
+                  <a:pPr>
+                    <a:defRPr/>
+                  </a:pPr>
+                  <a:endParaRPr lang="en-US">
+                    <a:solidFill>
+                      <a:srgbClr val="434343"/>
+                    </a:solidFill>
+                    <a:latin typeface="Segoe UI"/>
+                  </a:endParaRPr>
+                </a:p>
+              </p:txBody>
+            </p:sp>
+          </p:grpSp>
+          <p:sp>
+            <p:nvSpPr>
+              <p:cNvPr id="127" name="TextBox 126">
+                <a:extLst>
+                  <a:ext uri="{FF2B5EF4-FFF2-40B4-BE49-F238E27FC236}">
+                    <a16:creationId xmlns:a16="http://schemas.microsoft.com/office/drawing/2014/main" id="{853A0030-37B4-46BA-8FBA-22DE6E4EFBFA}"/>
+                  </a:ext>
+                </a:extLst>
+              </p:cNvPr>
+              <p:cNvSpPr txBox="1"/>
+              <p:nvPr/>
+            </p:nvSpPr>
+            <p:spPr>
+              <a:xfrm>
+                <a:off x="332004" y="3850792"/>
+                <a:ext cx="1504650" cy="233590"/>
+              </a:xfrm>
+              <a:prstGeom prst="rect">
+                <a:avLst/>
+              </a:prstGeom>
+            </p:spPr>
+            <p:txBody>
+              <a:bodyPr wrap="square">
+                <a:spAutoFit/>
+              </a:bodyPr>
+              <a:lstStyle>
+                <a:defPPr>
+                  <a:defRPr lang="en-US"/>
+                </a:defPPr>
+                <a:lvl1pPr algn="ctr" defTabSz="932597">
+                  <a:defRPr sz="900" kern="0">
+                    <a:solidFill>
+                      <a:schemeClr val="bg1">
+                        <a:lumMod val="50000"/>
+                      </a:schemeClr>
+                    </a:solidFill>
+                    <a:latin typeface="Segoe UI Semibold" panose="020B0702040204020203" pitchFamily="34" charset="0"/>
+                    <a:ea typeface="MS PGothic" panose="020B0600070205080204" pitchFamily="34" charset="-128"/>
+                    <a:cs typeface="Segoe UI Semibold" panose="020B0702040204020203" pitchFamily="34" charset="0"/>
+                  </a:defRPr>
+                </a:lvl1pPr>
+              </a:lstStyle>
+              <a:p>
+                <a:pPr marL="0" marR="0" lvl="0" indent="0" algn="ctr" defTabSz="932597" rtl="0" eaLnBrk="1" fontAlgn="auto" latinLnBrk="0" hangingPunct="1">
+                  <a:lnSpc>
+                    <a:spcPct val="100000"/>
+                  </a:lnSpc>
+                  <a:spcBef>
+                    <a:spcPts val="0"/>
+                  </a:spcBef>
+                  <a:spcAft>
+                    <a:spcPts val="0"/>
+                  </a:spcAft>
+                  <a:buClrTx/>
+                  <a:buSzTx/>
+                  <a:buFontTx/>
+                  <a:buNone/>
+                  <a:tabLst/>
+                  <a:defRPr/>
+                </a:pPr>
+                <a:r>
+                  <a:rPr kumimoji="0" lang="en-US" sz="918" b="0" i="0" u="none" strike="noStrike" kern="0" cap="none" spc="0" normalizeH="0" baseline="0" noProof="0" dirty="0">
+                    <a:ln>
+                      <a:noFill/>
+                    </a:ln>
+                    <a:solidFill>
+                      <a:prstClr val="black"/>
+                    </a:solidFill>
+                    <a:effectLst/>
+                    <a:uLnTx/>
+                    <a:uFillTx/>
+                    <a:latin typeface="Segoe UI Semibold" panose="020B0702040204020203" pitchFamily="34" charset="0"/>
+                    <a:ea typeface="MS PGothic" panose="020B0600070205080204" pitchFamily="34" charset="-128"/>
+                    <a:cs typeface="Segoe UI Semibold" panose="020B0702040204020203" pitchFamily="34" charset="0"/>
+                  </a:rPr>
+                  <a:t>IoT Field Devices</a:t>
+                </a:r>
+              </a:p>
+            </p:txBody>
+          </p:sp>
+        </p:grpSp>
+        <p:pic>
+          <p:nvPicPr>
+            <p:cNvPr id="128" name="Graphic 127">
+              <a:extLst>
+                <a:ext uri="{FF2B5EF4-FFF2-40B4-BE49-F238E27FC236}">
+                  <a16:creationId xmlns:a16="http://schemas.microsoft.com/office/drawing/2014/main" id="{E34D3652-76D2-4EAC-A60D-48FD1DEA9E3E}"/>
+                </a:ext>
+              </a:extLst>
+            </p:cNvPr>
+            <p:cNvPicPr>
+              <a:picLocks noChangeAspect="1"/>
+            </p:cNvPicPr>
+            <p:nvPr/>
+          </p:nvPicPr>
+          <p:blipFill>
+            <a:blip r:embed="rId11">
+              <a:extLst>
+                <a:ext uri="{28A0092B-C50C-407E-A947-70E740481C1C}">
+                  <a14:useLocalDpi xmlns:a14="http://schemas.microsoft.com/office/drawing/2010/main" val="0"/>
+                </a:ext>
+                <a:ext uri="{96DAC541-7B7A-43D3-8B79-37D633B846F1}">
+                  <asvg:svgBlip xmlns:asvg="http://schemas.microsoft.com/office/drawing/2016/SVG/main" r:embed="rId12"/>
+                </a:ext>
+              </a:extLst>
+            </a:blip>
+            <a:stretch>
+              <a:fillRect/>
+            </a:stretch>
+          </p:blipFill>
+          <p:spPr>
+            <a:xfrm>
+              <a:off x="979715" y="350505"/>
+              <a:ext cx="466725" cy="466725"/>
+            </a:xfrm>
+            <a:prstGeom prst="rect">
+              <a:avLst/>
+            </a:prstGeom>
+          </p:spPr>
+        </p:pic>
+      </p:grpSp>
+      <p:grpSp>
+        <p:nvGrpSpPr>
+          <p:cNvPr id="226" name="Group 225">
+            <a:extLst>
+              <a:ext uri="{FF2B5EF4-FFF2-40B4-BE49-F238E27FC236}">
+                <a16:creationId xmlns:a16="http://schemas.microsoft.com/office/drawing/2014/main" id="{19EB80AD-C1A1-4ED6-A17B-E669902C8192}"/>
+              </a:ext>
+            </a:extLst>
+          </p:cNvPr>
+          <p:cNvGrpSpPr/>
+          <p:nvPr/>
+        </p:nvGrpSpPr>
+        <p:grpSpPr>
+          <a:xfrm>
+            <a:off x="3164898" y="1228690"/>
+            <a:ext cx="1021918" cy="776551"/>
+            <a:chOff x="2285854" y="796378"/>
+            <a:chExt cx="1021918" cy="776551"/>
+          </a:xfrm>
+        </p:grpSpPr>
+        <p:sp>
+          <p:nvSpPr>
+            <p:cNvPr id="244" name="TextBox 243">
+              <a:extLst>
+                <a:ext uri="{FF2B5EF4-FFF2-40B4-BE49-F238E27FC236}">
+                  <a16:creationId xmlns:a16="http://schemas.microsoft.com/office/drawing/2014/main" id="{A820191C-4213-477C-8F72-03D9AB7CA82F}"/>
+                </a:ext>
+              </a:extLst>
+            </p:cNvPr>
+            <p:cNvSpPr txBox="1"/>
+            <p:nvPr/>
+          </p:nvSpPr>
+          <p:spPr>
+            <a:xfrm>
+              <a:off x="2285854" y="1342097"/>
+              <a:ext cx="1021918" cy="230832"/>
+            </a:xfrm>
+            <a:prstGeom prst="rect">
+              <a:avLst/>
+            </a:prstGeom>
+          </p:spPr>
+          <p:txBody>
+            <a:bodyPr wrap="square">
+              <a:spAutoFit/>
+            </a:bodyPr>
+            <a:lstStyle>
+              <a:defPPr>
+                <a:defRPr lang="en-US"/>
+              </a:defPPr>
+              <a:lvl1pPr defTabSz="950973">
+                <a:defRPr sz="900" kern="0">
+                  <a:latin typeface="Segoe UI Semibold" panose="020B0702040204020203" pitchFamily="34" charset="0"/>
+                  <a:ea typeface="MS PGothic" panose="020B0600070205080204" pitchFamily="34" charset="-128"/>
+                  <a:cs typeface="Segoe UI Semibold" panose="020B0702040204020203" pitchFamily="34" charset="0"/>
+                </a:defRPr>
+              </a:lvl1pPr>
+            </a:lstStyle>
+            <a:p>
+              <a:pPr marL="0" marR="0" lvl="0" indent="0" algn="ctr" defTabSz="950973" rtl="0" eaLnBrk="1" fontAlgn="auto" latinLnBrk="0" hangingPunct="1">
+                <a:lnSpc>
+                  <a:spcPct val="100000"/>
+                </a:lnSpc>
+                <a:spcBef>
+                  <a:spcPts val="0"/>
+                </a:spcBef>
+                <a:spcAft>
+                  <a:spcPts val="0"/>
+                </a:spcAft>
+                <a:buClrTx/>
+                <a:buSzTx/>
+                <a:buFontTx/>
+                <a:buNone/>
+                <a:tabLst/>
+                <a:defRPr/>
+              </a:pPr>
+              <a:r>
+                <a:rPr kumimoji="0" lang="en-US" sz="900" b="0" i="0" u="none" strike="noStrike" kern="0" cap="none" spc="0" normalizeH="0" baseline="0" noProof="0" dirty="0">
+                  <a:ln>
+                    <a:noFill/>
+                  </a:ln>
+                  <a:solidFill>
+                    <a:prstClr val="black"/>
+                  </a:solidFill>
+                  <a:effectLst/>
+                  <a:uLnTx/>
+                  <a:uFillTx/>
+                  <a:latin typeface="Segoe UI Semibold" panose="020B0702040204020203" pitchFamily="34" charset="0"/>
+                  <a:ea typeface="MS PGothic" panose="020B0600070205080204" pitchFamily="34" charset="-128"/>
+                  <a:cs typeface="Segoe UI Semibold" panose="020B0702040204020203" pitchFamily="34" charset="0"/>
+                </a:rPr>
+                <a:t>IOT CENTRAL</a:t>
+              </a:r>
+            </a:p>
+          </p:txBody>
+        </p:sp>
+        <p:pic>
+          <p:nvPicPr>
+            <p:cNvPr id="15" name="Graphic 14">
+              <a:extLst>
+                <a:ext uri="{FF2B5EF4-FFF2-40B4-BE49-F238E27FC236}">
+                  <a16:creationId xmlns:a16="http://schemas.microsoft.com/office/drawing/2014/main" id="{46A31C31-FAC1-4679-BEC0-125301C08C0B}"/>
+                </a:ext>
+              </a:extLst>
+            </p:cNvPr>
+            <p:cNvPicPr>
+              <a:picLocks noChangeAspect="1"/>
+            </p:cNvPicPr>
+            <p:nvPr/>
+          </p:nvPicPr>
+          <p:blipFill>
+            <a:blip r:embed="rId13">
+              <a:extLst>
+                <a:ext uri="{28A0092B-C50C-407E-A947-70E740481C1C}">
+                  <a14:useLocalDpi xmlns:a14="http://schemas.microsoft.com/office/drawing/2010/main" val="0"/>
+                </a:ext>
+                <a:ext uri="{96DAC541-7B7A-43D3-8B79-37D633B846F1}">
+                  <asvg:svgBlip xmlns:asvg="http://schemas.microsoft.com/office/drawing/2016/SVG/main" r:embed="rId14"/>
+                </a:ext>
+              </a:extLst>
+            </a:blip>
+            <a:stretch>
+              <a:fillRect/>
+            </a:stretch>
+          </p:blipFill>
+          <p:spPr>
+            <a:xfrm>
+              <a:off x="2533438" y="796378"/>
+              <a:ext cx="476250" cy="476250"/>
+            </a:xfrm>
+            <a:prstGeom prst="rect">
+              <a:avLst/>
+            </a:prstGeom>
+          </p:spPr>
+        </p:pic>
+      </p:grpSp>
+      <p:cxnSp>
+        <p:nvCxnSpPr>
+          <p:cNvPr id="137" name="Straight Arrow Connector 136">
+            <a:extLst>
+              <a:ext uri="{FF2B5EF4-FFF2-40B4-BE49-F238E27FC236}">
+                <a16:creationId xmlns:a16="http://schemas.microsoft.com/office/drawing/2014/main" id="{FD0747E7-813D-40D1-8B52-E8A1BA12AF52}"/>
+              </a:ext>
+            </a:extLst>
+          </p:cNvPr>
+          <p:cNvCxnSpPr>
+            <a:cxnSpLocks/>
+            <a:stCxn id="241" idx="3"/>
+            <a:endCxn id="332" idx="0"/>
+          </p:cNvCxnSpPr>
+          <p:nvPr/>
+        </p:nvCxnSpPr>
+        <p:spPr>
+          <a:xfrm>
+            <a:off x="4563762" y="1625786"/>
+            <a:ext cx="722965" cy="1021244"/>
+          </a:xfrm>
+          <a:prstGeom prst="bentConnector2">
+            <a:avLst/>
+          </a:prstGeom>
+          <a:ln>
+            <a:solidFill>
+              <a:srgbClr val="002060"/>
+            </a:solidFill>
+            <a:prstDash val="lgDash"/>
+            <a:headEnd type="none"/>
+            <a:tailEnd type="triangle"/>
+          </a:ln>
+        </p:spPr>
+        <p:style>
+          <a:lnRef idx="1">
+            <a:schemeClr val="accent1"/>
+          </a:lnRef>
+          <a:fillRef idx="0">
+            <a:schemeClr val="accent1"/>
+          </a:fillRef>
+          <a:effectRef idx="0">
+            <a:schemeClr val="accent1"/>
+          </a:effectRef>
+          <a:fontRef idx="minor">
+            <a:schemeClr val="tx1"/>
+          </a:fontRef>
+        </p:style>
+      </p:cxnSp>
+      <p:pic>
+        <p:nvPicPr>
+          <p:cNvPr id="247" name="Graphic 246">
+            <a:extLst>
+              <a:ext uri="{FF2B5EF4-FFF2-40B4-BE49-F238E27FC236}">
+                <a16:creationId xmlns:a16="http://schemas.microsoft.com/office/drawing/2014/main" id="{2563073B-3152-4145-9BCD-D39E98759557}"/>
+              </a:ext>
+            </a:extLst>
+          </p:cNvPr>
+          <p:cNvPicPr>
+            <a:picLocks noChangeAspect="1"/>
+          </p:cNvPicPr>
+          <p:nvPr/>
+        </p:nvPicPr>
+        <p:blipFill>
+          <a:blip r:embed="rId15">
+            <a:extLst>
+              <a:ext uri="{28A0092B-C50C-407E-A947-70E740481C1C}">
+                <a14:useLocalDpi xmlns:a14="http://schemas.microsoft.com/office/drawing/2010/main" val="0"/>
+              </a:ext>
+              <a:ext uri="{96DAC541-7B7A-43D3-8B79-37D633B846F1}">
+                <asvg:svgBlip xmlns:asvg="http://schemas.microsoft.com/office/drawing/2016/SVG/main" r:embed="rId16"/>
+              </a:ext>
+            </a:extLst>
+          </a:blip>
+          <a:stretch>
+            <a:fillRect/>
+          </a:stretch>
+        </p:blipFill>
+        <p:spPr>
+          <a:xfrm>
+            <a:off x="7405609" y="4337266"/>
+            <a:ext cx="467169" cy="348634"/>
+          </a:xfrm>
+          <a:prstGeom prst="rect">
+            <a:avLst/>
+          </a:prstGeom>
+        </p:spPr>
+      </p:pic>
+    </p:spTree>
+    <p:extLst>
+      <p:ext uri="{BB962C8B-B14F-4D97-AF65-F5344CB8AC3E}">
+        <p14:creationId xmlns:p14="http://schemas.microsoft.com/office/powerpoint/2010/main" val="3688217317"/>
       </p:ext>
     </p:extLst>
   </p:cSld>
@@ -5847,4 +13292,299 @@
     </a:ext>
   </a:extLst>
 </a:theme>
+</file>
+
+<file path=ppt/theme/theme2.xml><?xml version="1.0" encoding="utf-8"?>
+<a:theme xmlns:a="http://schemas.openxmlformats.org/drawingml/2006/main" name="1_Office Theme">
+  <a:themeElements>
+    <a:clrScheme name="Office">
+      <a:dk1>
+        <a:sysClr val="windowText" lastClr="000000"/>
+      </a:dk1>
+      <a:lt1>
+        <a:sysClr val="window" lastClr="FFFFFF"/>
+      </a:lt1>
+      <a:dk2>
+        <a:srgbClr val="44546A"/>
+      </a:dk2>
+      <a:lt2>
+        <a:srgbClr val="E7E6E6"/>
+      </a:lt2>
+      <a:accent1>
+        <a:srgbClr val="4472C4"/>
+      </a:accent1>
+      <a:accent2>
+        <a:srgbClr val="ED7D31"/>
+      </a:accent2>
+      <a:accent3>
+        <a:srgbClr val="A5A5A5"/>
+      </a:accent3>
+      <a:accent4>
+        <a:srgbClr val="FFC000"/>
+      </a:accent4>
+      <a:accent5>
+        <a:srgbClr val="5B9BD5"/>
+      </a:accent5>
+      <a:accent6>
+        <a:srgbClr val="70AD47"/>
+      </a:accent6>
+      <a:hlink>
+        <a:srgbClr val="0563C1"/>
+      </a:hlink>
+      <a:folHlink>
+        <a:srgbClr val="954F72"/>
+      </a:folHlink>
+    </a:clrScheme>
+    <a:fontScheme name="Office">
+      <a:majorFont>
+        <a:latin typeface="Calibri Light" panose="020F0302020204030204"/>
+        <a:ea typeface=""/>
+        <a:cs typeface=""/>
+        <a:font script="Jpan" typeface="游ゴシック Light"/>
+        <a:font script="Hang" typeface="맑은 고딕"/>
+        <a:font script="Hans" typeface="等线 Light"/>
+        <a:font script="Hant" typeface="新細明體"/>
+        <a:font script="Arab" typeface="Times New Roman"/>
+        <a:font script="Hebr" typeface="Times New Roman"/>
+        <a:font script="Thai" typeface="Angsana New"/>
+        <a:font script="Ethi" typeface="Nyala"/>
+        <a:font script="Beng" typeface="Vrinda"/>
+        <a:font script="Gujr" typeface="Shruti"/>
+        <a:font script="Khmr" typeface="MoolBoran"/>
+        <a:font script="Knda" typeface="Tunga"/>
+        <a:font script="Guru" typeface="Raavi"/>
+        <a:font script="Cans" typeface="Euphemia"/>
+        <a:font script="Cher" typeface="Plantagenet Cherokee"/>
+        <a:font script="Yiii" typeface="Microsoft Yi Baiti"/>
+        <a:font script="Tibt" typeface="Microsoft Himalaya"/>
+        <a:font script="Thaa" typeface="MV Boli"/>
+        <a:font script="Deva" typeface="Mangal"/>
+        <a:font script="Telu" typeface="Gautami"/>
+        <a:font script="Taml" typeface="Latha"/>
+        <a:font script="Syrc" typeface="Estrangelo Edessa"/>
+        <a:font script="Orya" typeface="Kalinga"/>
+        <a:font script="Mlym" typeface="Kartika"/>
+        <a:font script="Laoo" typeface="DokChampa"/>
+        <a:font script="Sinh" typeface="Iskoola Pota"/>
+        <a:font script="Mong" typeface="Mongolian Baiti"/>
+        <a:font script="Viet" typeface="Times New Roman"/>
+        <a:font script="Uigh" typeface="Microsoft Uighur"/>
+        <a:font script="Geor" typeface="Sylfaen"/>
+        <a:font script="Armn" typeface="Arial"/>
+        <a:font script="Bugi" typeface="Leelawadee UI"/>
+        <a:font script="Bopo" typeface="Microsoft JhengHei"/>
+        <a:font script="Java" typeface="Javanese Text"/>
+        <a:font script="Lisu" typeface="Segoe UI"/>
+        <a:font script="Mymr" typeface="Myanmar Text"/>
+        <a:font script="Nkoo" typeface="Ebrima"/>
+        <a:font script="Olck" typeface="Nirmala UI"/>
+        <a:font script="Osma" typeface="Ebrima"/>
+        <a:font script="Phag" typeface="Phagspa"/>
+        <a:font script="Syrn" typeface="Estrangelo Edessa"/>
+        <a:font script="Syrj" typeface="Estrangelo Edessa"/>
+        <a:font script="Syre" typeface="Estrangelo Edessa"/>
+        <a:font script="Sora" typeface="Nirmala UI"/>
+        <a:font script="Tale" typeface="Microsoft Tai Le"/>
+        <a:font script="Talu" typeface="Microsoft New Tai Lue"/>
+        <a:font script="Tfng" typeface="Ebrima"/>
+      </a:majorFont>
+      <a:minorFont>
+        <a:latin typeface="Calibri" panose="020F0502020204030204"/>
+        <a:ea typeface=""/>
+        <a:cs typeface=""/>
+        <a:font script="Jpan" typeface="游ゴシック"/>
+        <a:font script="Hang" typeface="맑은 고딕"/>
+        <a:font script="Hans" typeface="等线"/>
+        <a:font script="Hant" typeface="新細明體"/>
+        <a:font script="Arab" typeface="Arial"/>
+        <a:font script="Hebr" typeface="Arial"/>
+        <a:font script="Thai" typeface="Cordia New"/>
+        <a:font script="Ethi" typeface="Nyala"/>
+        <a:font script="Beng" typeface="Vrinda"/>
+        <a:font script="Gujr" typeface="Shruti"/>
+        <a:font script="Khmr" typeface="DaunPenh"/>
+        <a:font script="Knda" typeface="Tunga"/>
+        <a:font script="Guru" typeface="Raavi"/>
+        <a:font script="Cans" typeface="Euphemia"/>
+        <a:font script="Cher" typeface="Plantagenet Cherokee"/>
+        <a:font script="Yiii" typeface="Microsoft Yi Baiti"/>
+        <a:font script="Tibt" typeface="Microsoft Himalaya"/>
+        <a:font script="Thaa" typeface="MV Boli"/>
+        <a:font script="Deva" typeface="Mangal"/>
+        <a:font script="Telu" typeface="Gautami"/>
+        <a:font script="Taml" typeface="Latha"/>
+        <a:font script="Syrc" typeface="Estrangelo Edessa"/>
+        <a:font script="Orya" typeface="Kalinga"/>
+        <a:font script="Mlym" typeface="Kartika"/>
+        <a:font script="Laoo" typeface="DokChampa"/>
+        <a:font script="Sinh" typeface="Iskoola Pota"/>
+        <a:font script="Mong" typeface="Mongolian Baiti"/>
+        <a:font script="Viet" typeface="Arial"/>
+        <a:font script="Uigh" typeface="Microsoft Uighur"/>
+        <a:font script="Geor" typeface="Sylfaen"/>
+        <a:font script="Armn" typeface="Arial"/>
+        <a:font script="Bugi" typeface="Leelawadee UI"/>
+        <a:font script="Bopo" typeface="Microsoft JhengHei"/>
+        <a:font script="Java" typeface="Javanese Text"/>
+        <a:font script="Lisu" typeface="Segoe UI"/>
+        <a:font script="Mymr" typeface="Myanmar Text"/>
+        <a:font script="Nkoo" typeface="Ebrima"/>
+        <a:font script="Olck" typeface="Nirmala UI"/>
+        <a:font script="Osma" typeface="Ebrima"/>
+        <a:font script="Phag" typeface="Phagspa"/>
+        <a:font script="Syrn" typeface="Estrangelo Edessa"/>
+        <a:font script="Syrj" typeface="Estrangelo Edessa"/>
+        <a:font script="Syre" typeface="Estrangelo Edessa"/>
+        <a:font script="Sora" typeface="Nirmala UI"/>
+        <a:font script="Tale" typeface="Microsoft Tai Le"/>
+        <a:font script="Talu" typeface="Microsoft New Tai Lue"/>
+        <a:font script="Tfng" typeface="Ebrima"/>
+      </a:minorFont>
+    </a:fontScheme>
+    <a:fmtScheme name="Office">
+      <a:fillStyleLst>
+        <a:solidFill>
+          <a:schemeClr val="phClr"/>
+        </a:solidFill>
+        <a:gradFill rotWithShape="1">
+          <a:gsLst>
+            <a:gs pos="0">
+              <a:schemeClr val="phClr">
+                <a:lumMod val="110000"/>
+                <a:satMod val="105000"/>
+                <a:tint val="67000"/>
+              </a:schemeClr>
+            </a:gs>
+            <a:gs pos="50000">
+              <a:schemeClr val="phClr">
+                <a:lumMod val="105000"/>
+                <a:satMod val="103000"/>
+                <a:tint val="73000"/>
+              </a:schemeClr>
+            </a:gs>
+            <a:gs pos="100000">
+              <a:schemeClr val="phClr">
+                <a:lumMod val="105000"/>
+                <a:satMod val="109000"/>
+                <a:tint val="81000"/>
+              </a:schemeClr>
+            </a:gs>
+          </a:gsLst>
+          <a:lin ang="5400000" scaled="0"/>
+        </a:gradFill>
+        <a:gradFill rotWithShape="1">
+          <a:gsLst>
+            <a:gs pos="0">
+              <a:schemeClr val="phClr">
+                <a:satMod val="103000"/>
+                <a:lumMod val="102000"/>
+                <a:tint val="94000"/>
+              </a:schemeClr>
+            </a:gs>
+            <a:gs pos="50000">
+              <a:schemeClr val="phClr">
+                <a:satMod val="110000"/>
+                <a:lumMod val="100000"/>
+                <a:shade val="100000"/>
+              </a:schemeClr>
+            </a:gs>
+            <a:gs pos="100000">
+              <a:schemeClr val="phClr">
+                <a:lumMod val="99000"/>
+                <a:satMod val="120000"/>
+                <a:shade val="78000"/>
+              </a:schemeClr>
+            </a:gs>
+          </a:gsLst>
+          <a:lin ang="5400000" scaled="0"/>
+        </a:gradFill>
+      </a:fillStyleLst>
+      <a:lnStyleLst>
+        <a:ln w="6350" cap="flat" cmpd="sng" algn="ctr">
+          <a:solidFill>
+            <a:schemeClr val="phClr"/>
+          </a:solidFill>
+          <a:prstDash val="solid"/>
+          <a:miter lim="800000"/>
+        </a:ln>
+        <a:ln w="12700" cap="flat" cmpd="sng" algn="ctr">
+          <a:solidFill>
+            <a:schemeClr val="phClr"/>
+          </a:solidFill>
+          <a:prstDash val="solid"/>
+          <a:miter lim="800000"/>
+        </a:ln>
+        <a:ln w="19050" cap="flat" cmpd="sng" algn="ctr">
+          <a:solidFill>
+            <a:schemeClr val="phClr"/>
+          </a:solidFill>
+          <a:prstDash val="solid"/>
+          <a:miter lim="800000"/>
+        </a:ln>
+      </a:lnStyleLst>
+      <a:effectStyleLst>
+        <a:effectStyle>
+          <a:effectLst/>
+        </a:effectStyle>
+        <a:effectStyle>
+          <a:effectLst/>
+        </a:effectStyle>
+        <a:effectStyle>
+          <a:effectLst>
+            <a:outerShdw blurRad="57150" dist="19050" dir="5400000" algn="ctr" rotWithShape="0">
+              <a:srgbClr val="000000">
+                <a:alpha val="63000"/>
+              </a:srgbClr>
+            </a:outerShdw>
+          </a:effectLst>
+        </a:effectStyle>
+      </a:effectStyleLst>
+      <a:bgFillStyleLst>
+        <a:solidFill>
+          <a:schemeClr val="phClr"/>
+        </a:solidFill>
+        <a:solidFill>
+          <a:schemeClr val="phClr">
+            <a:tint val="95000"/>
+            <a:satMod val="170000"/>
+          </a:schemeClr>
+        </a:solidFill>
+        <a:gradFill rotWithShape="1">
+          <a:gsLst>
+            <a:gs pos="0">
+              <a:schemeClr val="phClr">
+                <a:tint val="93000"/>
+                <a:satMod val="150000"/>
+                <a:shade val="98000"/>
+                <a:lumMod val="102000"/>
+              </a:schemeClr>
+            </a:gs>
+            <a:gs pos="50000">
+              <a:schemeClr val="phClr">
+                <a:tint val="98000"/>
+                <a:satMod val="130000"/>
+                <a:shade val="90000"/>
+                <a:lumMod val="103000"/>
+              </a:schemeClr>
+            </a:gs>
+            <a:gs pos="100000">
+              <a:schemeClr val="phClr">
+                <a:shade val="63000"/>
+                <a:satMod val="120000"/>
+              </a:schemeClr>
+            </a:gs>
+          </a:gsLst>
+          <a:lin ang="5400000" scaled="0"/>
+        </a:gradFill>
+      </a:bgFillStyleLst>
+    </a:fmtScheme>
+  </a:themeElements>
+  <a:objectDefaults/>
+  <a:extraClrSchemeLst/>
+  <a:extLst>
+    <a:ext uri="{05A4C25C-085E-4340-85A3-A5531E510DB2}">
+      <thm15:themeFamily xmlns:thm15="http://schemas.microsoft.com/office/thememl/2012/main" name="Office Theme" id="{62F939B6-93AF-4DB8-9C6B-D6C7DFDC589F}" vid="{4A3C46E8-61CC-4603-A589-7422A47A8E4A}"/>
+    </a:ext>
+  </a:extLst>
+</a:theme>
 </file>
--- a/Whiteboard design session/media/Predictive Maintenance MCW Diagrams.pptx
+++ b/Whiteboard design session/media/Predictive Maintenance MCW Diagrams.pptx
@@ -4,10 +4,15 @@
   <p:sldMasterIdLst>
     <p:sldMasterId id="2147483648" r:id="rId1"/>
     <p:sldMasterId id="2147483660" r:id="rId2"/>
+    <p:sldMasterId id="2147483672" r:id="rId3"/>
   </p:sldMasterIdLst>
+  <p:notesMasterIdLst>
+    <p:notesMasterId r:id="rId7"/>
+  </p:notesMasterIdLst>
   <p:sldIdLst>
-    <p:sldId id="256" r:id="rId3"/>
-    <p:sldId id="258" r:id="rId4"/>
+    <p:sldId id="256" r:id="rId4"/>
+    <p:sldId id="258" r:id="rId5"/>
+    <p:sldId id="260" r:id="rId6"/>
   </p:sldIdLst>
   <p:sldSz cx="12192000" cy="6858000"/>
   <p:notesSz cx="6858000" cy="9144000"/>
@@ -114,6 +119,507 @@
 </p:presentation>
 </file>
 
+<file path=ppt/notesMasters/notesMaster1.xml><?xml version="1.0" encoding="utf-8"?>
+<p:notesMaster xmlns:a="http://schemas.openxmlformats.org/drawingml/2006/main" xmlns:r="http://schemas.openxmlformats.org/officeDocument/2006/relationships" xmlns:p="http://schemas.openxmlformats.org/presentationml/2006/main">
+  <p:cSld>
+    <p:bg>
+      <p:bgRef idx="1001">
+        <a:schemeClr val="bg1"/>
+      </p:bgRef>
+    </p:bg>
+    <p:spTree>
+      <p:nvGrpSpPr>
+        <p:cNvPr id="1" name=""/>
+        <p:cNvGrpSpPr/>
+        <p:nvPr/>
+      </p:nvGrpSpPr>
+      <p:grpSpPr>
+        <a:xfrm>
+          <a:off x="0" y="0"/>
+          <a:ext cx="0" cy="0"/>
+          <a:chOff x="0" y="0"/>
+          <a:chExt cx="0" cy="0"/>
+        </a:xfrm>
+      </p:grpSpPr>
+      <p:sp>
+        <p:nvSpPr>
+          <p:cNvPr id="2" name="Header Placeholder 1"/>
+          <p:cNvSpPr>
+            <a:spLocks noGrp="1"/>
+          </p:cNvSpPr>
+          <p:nvPr>
+            <p:ph type="hdr" sz="quarter"/>
+          </p:nvPr>
+        </p:nvSpPr>
+        <p:spPr>
+          <a:xfrm>
+            <a:off x="0" y="0"/>
+            <a:ext cx="2971800" cy="458788"/>
+          </a:xfrm>
+          <a:prstGeom prst="rect">
+            <a:avLst/>
+          </a:prstGeom>
+        </p:spPr>
+        <p:txBody>
+          <a:bodyPr vert="horz" lIns="91440" tIns="45720" rIns="91440" bIns="45720" rtlCol="0"/>
+          <a:lstStyle>
+            <a:lvl1pPr algn="l">
+              <a:defRPr sz="1200"/>
+            </a:lvl1pPr>
+          </a:lstStyle>
+          <a:p>
+            <a:endParaRPr lang="en-US"/>
+          </a:p>
+        </p:txBody>
+      </p:sp>
+      <p:sp>
+        <p:nvSpPr>
+          <p:cNvPr id="3" name="Date Placeholder 2"/>
+          <p:cNvSpPr>
+            <a:spLocks noGrp="1"/>
+          </p:cNvSpPr>
+          <p:nvPr>
+            <p:ph type="dt" idx="1"/>
+          </p:nvPr>
+        </p:nvSpPr>
+        <p:spPr>
+          <a:xfrm>
+            <a:off x="3884613" y="0"/>
+            <a:ext cx="2971800" cy="458788"/>
+          </a:xfrm>
+          <a:prstGeom prst="rect">
+            <a:avLst/>
+          </a:prstGeom>
+        </p:spPr>
+        <p:txBody>
+          <a:bodyPr vert="horz" lIns="91440" tIns="45720" rIns="91440" bIns="45720" rtlCol="0"/>
+          <a:lstStyle>
+            <a:lvl1pPr algn="r">
+              <a:defRPr sz="1200"/>
+            </a:lvl1pPr>
+          </a:lstStyle>
+          <a:p>
+            <a:fld id="{1A7A72E7-38BC-4ACE-83CD-F4AFCE015A87}" type="datetimeFigureOut">
+              <a:rPr lang="en-US" smtClean="0"/>
+              <a:t>10/3/2019</a:t>
+            </a:fld>
+            <a:endParaRPr lang="en-US"/>
+          </a:p>
+        </p:txBody>
+      </p:sp>
+      <p:sp>
+        <p:nvSpPr>
+          <p:cNvPr id="4" name="Slide Image Placeholder 3"/>
+          <p:cNvSpPr>
+            <a:spLocks noGrp="1" noRot="1" noChangeAspect="1"/>
+          </p:cNvSpPr>
+          <p:nvPr>
+            <p:ph type="sldImg" idx="2"/>
+          </p:nvPr>
+        </p:nvSpPr>
+        <p:spPr>
+          <a:xfrm>
+            <a:off x="685800" y="1143000"/>
+            <a:ext cx="5486400" cy="3086100"/>
+          </a:xfrm>
+          <a:prstGeom prst="rect">
+            <a:avLst/>
+          </a:prstGeom>
+          <a:noFill/>
+          <a:ln w="12700">
+            <a:solidFill>
+              <a:prstClr val="black"/>
+            </a:solidFill>
+          </a:ln>
+        </p:spPr>
+        <p:txBody>
+          <a:bodyPr vert="horz" lIns="91440" tIns="45720" rIns="91440" bIns="45720" rtlCol="0" anchor="ctr"/>
+          <a:lstStyle/>
+          <a:p>
+            <a:endParaRPr lang="en-US"/>
+          </a:p>
+        </p:txBody>
+      </p:sp>
+      <p:sp>
+        <p:nvSpPr>
+          <p:cNvPr id="5" name="Notes Placeholder 4"/>
+          <p:cNvSpPr>
+            <a:spLocks noGrp="1"/>
+          </p:cNvSpPr>
+          <p:nvPr>
+            <p:ph type="body" sz="quarter" idx="3"/>
+          </p:nvPr>
+        </p:nvSpPr>
+        <p:spPr>
+          <a:xfrm>
+            <a:off x="685800" y="4400550"/>
+            <a:ext cx="5486400" cy="3600450"/>
+          </a:xfrm>
+          <a:prstGeom prst="rect">
+            <a:avLst/>
+          </a:prstGeom>
+        </p:spPr>
+        <p:txBody>
+          <a:bodyPr vert="horz" lIns="91440" tIns="45720" rIns="91440" bIns="45720" rtlCol="0"/>
+          <a:lstStyle/>
+          <a:p>
+            <a:pPr lvl="0"/>
+            <a:r>
+              <a:rPr lang="en-US"/>
+              <a:t>Click to edit Master text styles</a:t>
+            </a:r>
+          </a:p>
+          <a:p>
+            <a:pPr lvl="1"/>
+            <a:r>
+              <a:rPr lang="en-US"/>
+              <a:t>Second level</a:t>
+            </a:r>
+          </a:p>
+          <a:p>
+            <a:pPr lvl="2"/>
+            <a:r>
+              <a:rPr lang="en-US"/>
+              <a:t>Third level</a:t>
+            </a:r>
+          </a:p>
+          <a:p>
+            <a:pPr lvl="3"/>
+            <a:r>
+              <a:rPr lang="en-US"/>
+              <a:t>Fourth level</a:t>
+            </a:r>
+          </a:p>
+          <a:p>
+            <a:pPr lvl="4"/>
+            <a:r>
+              <a:rPr lang="en-US"/>
+              <a:t>Fifth level</a:t>
+            </a:r>
+          </a:p>
+        </p:txBody>
+      </p:sp>
+      <p:sp>
+        <p:nvSpPr>
+          <p:cNvPr id="6" name="Footer Placeholder 5"/>
+          <p:cNvSpPr>
+            <a:spLocks noGrp="1"/>
+          </p:cNvSpPr>
+          <p:nvPr>
+            <p:ph type="ftr" sz="quarter" idx="4"/>
+          </p:nvPr>
+        </p:nvSpPr>
+        <p:spPr>
+          <a:xfrm>
+            <a:off x="0" y="8685213"/>
+            <a:ext cx="2971800" cy="458787"/>
+          </a:xfrm>
+          <a:prstGeom prst="rect">
+            <a:avLst/>
+          </a:prstGeom>
+        </p:spPr>
+        <p:txBody>
+          <a:bodyPr vert="horz" lIns="91440" tIns="45720" rIns="91440" bIns="45720" rtlCol="0" anchor="b"/>
+          <a:lstStyle>
+            <a:lvl1pPr algn="l">
+              <a:defRPr sz="1200"/>
+            </a:lvl1pPr>
+          </a:lstStyle>
+          <a:p>
+            <a:endParaRPr lang="en-US"/>
+          </a:p>
+        </p:txBody>
+      </p:sp>
+      <p:sp>
+        <p:nvSpPr>
+          <p:cNvPr id="7" name="Slide Number Placeholder 6"/>
+          <p:cNvSpPr>
+            <a:spLocks noGrp="1"/>
+          </p:cNvSpPr>
+          <p:nvPr>
+            <p:ph type="sldNum" sz="quarter" idx="5"/>
+          </p:nvPr>
+        </p:nvSpPr>
+        <p:spPr>
+          <a:xfrm>
+            <a:off x="3884613" y="8685213"/>
+            <a:ext cx="2971800" cy="458787"/>
+          </a:xfrm>
+          <a:prstGeom prst="rect">
+            <a:avLst/>
+          </a:prstGeom>
+        </p:spPr>
+        <p:txBody>
+          <a:bodyPr vert="horz" lIns="91440" tIns="45720" rIns="91440" bIns="45720" rtlCol="0" anchor="b"/>
+          <a:lstStyle>
+            <a:lvl1pPr algn="r">
+              <a:defRPr sz="1200"/>
+            </a:lvl1pPr>
+          </a:lstStyle>
+          <a:p>
+            <a:fld id="{EE51AF5F-DC88-4608-8249-A911D35D74E2}" type="slidenum">
+              <a:rPr lang="en-US" smtClean="0"/>
+              <a:t>‹#›</a:t>
+            </a:fld>
+            <a:endParaRPr lang="en-US"/>
+          </a:p>
+        </p:txBody>
+      </p:sp>
+    </p:spTree>
+    <p:extLst>
+      <p:ext uri="{BB962C8B-B14F-4D97-AF65-F5344CB8AC3E}">
+        <p14:creationId xmlns:p14="http://schemas.microsoft.com/office/powerpoint/2010/main" val="880788085"/>
+      </p:ext>
+    </p:extLst>
+  </p:cSld>
+  <p:clrMap bg1="lt1" tx1="dk1" bg2="lt2" tx2="dk2" accent1="accent1" accent2="accent2" accent3="accent3" accent4="accent4" accent5="accent5" accent6="accent6" hlink="hlink" folHlink="folHlink"/>
+  <p:notesStyle>
+    <a:lvl1pPr marL="0" algn="l" defTabSz="914400" rtl="0" eaLnBrk="1" latinLnBrk="0" hangingPunct="1">
+      <a:defRPr sz="1200" kern="1200">
+        <a:solidFill>
+          <a:schemeClr val="tx1"/>
+        </a:solidFill>
+        <a:latin typeface="+mn-lt"/>
+        <a:ea typeface="+mn-ea"/>
+        <a:cs typeface="+mn-cs"/>
+      </a:defRPr>
+    </a:lvl1pPr>
+    <a:lvl2pPr marL="457200" algn="l" defTabSz="914400" rtl="0" eaLnBrk="1" latinLnBrk="0" hangingPunct="1">
+      <a:defRPr sz="1200" kern="1200">
+        <a:solidFill>
+          <a:schemeClr val="tx1"/>
+        </a:solidFill>
+        <a:latin typeface="+mn-lt"/>
+        <a:ea typeface="+mn-ea"/>
+        <a:cs typeface="+mn-cs"/>
+      </a:defRPr>
+    </a:lvl2pPr>
+    <a:lvl3pPr marL="914400" algn="l" defTabSz="914400" rtl="0" eaLnBrk="1" latinLnBrk="0" hangingPunct="1">
+      <a:defRPr sz="1200" kern="1200">
+        <a:solidFill>
+          <a:schemeClr val="tx1"/>
+        </a:solidFill>
+        <a:latin typeface="+mn-lt"/>
+        <a:ea typeface="+mn-ea"/>
+        <a:cs typeface="+mn-cs"/>
+      </a:defRPr>
+    </a:lvl3pPr>
+    <a:lvl4pPr marL="1371600" algn="l" defTabSz="914400" rtl="0" eaLnBrk="1" latinLnBrk="0" hangingPunct="1">
+      <a:defRPr sz="1200" kern="1200">
+        <a:solidFill>
+          <a:schemeClr val="tx1"/>
+        </a:solidFill>
+        <a:latin typeface="+mn-lt"/>
+        <a:ea typeface="+mn-ea"/>
+        <a:cs typeface="+mn-cs"/>
+      </a:defRPr>
+    </a:lvl4pPr>
+    <a:lvl5pPr marL="1828800" algn="l" defTabSz="914400" rtl="0" eaLnBrk="1" latinLnBrk="0" hangingPunct="1">
+      <a:defRPr sz="1200" kern="1200">
+        <a:solidFill>
+          <a:schemeClr val="tx1"/>
+        </a:solidFill>
+        <a:latin typeface="+mn-lt"/>
+        <a:ea typeface="+mn-ea"/>
+        <a:cs typeface="+mn-cs"/>
+      </a:defRPr>
+    </a:lvl5pPr>
+    <a:lvl6pPr marL="2286000" algn="l" defTabSz="914400" rtl="0" eaLnBrk="1" latinLnBrk="0" hangingPunct="1">
+      <a:defRPr sz="1200" kern="1200">
+        <a:solidFill>
+          <a:schemeClr val="tx1"/>
+        </a:solidFill>
+        <a:latin typeface="+mn-lt"/>
+        <a:ea typeface="+mn-ea"/>
+        <a:cs typeface="+mn-cs"/>
+      </a:defRPr>
+    </a:lvl6pPr>
+    <a:lvl7pPr marL="2743200" algn="l" defTabSz="914400" rtl="0" eaLnBrk="1" latinLnBrk="0" hangingPunct="1">
+      <a:defRPr sz="1200" kern="1200">
+        <a:solidFill>
+          <a:schemeClr val="tx1"/>
+        </a:solidFill>
+        <a:latin typeface="+mn-lt"/>
+        <a:ea typeface="+mn-ea"/>
+        <a:cs typeface="+mn-cs"/>
+      </a:defRPr>
+    </a:lvl7pPr>
+    <a:lvl8pPr marL="3200400" algn="l" defTabSz="914400" rtl="0" eaLnBrk="1" latinLnBrk="0" hangingPunct="1">
+      <a:defRPr sz="1200" kern="1200">
+        <a:solidFill>
+          <a:schemeClr val="tx1"/>
+        </a:solidFill>
+        <a:latin typeface="+mn-lt"/>
+        <a:ea typeface="+mn-ea"/>
+        <a:cs typeface="+mn-cs"/>
+      </a:defRPr>
+    </a:lvl8pPr>
+    <a:lvl9pPr marL="3657600" algn="l" defTabSz="914400" rtl="0" eaLnBrk="1" latinLnBrk="0" hangingPunct="1">
+      <a:defRPr sz="1200" kern="1200">
+        <a:solidFill>
+          <a:schemeClr val="tx1"/>
+        </a:solidFill>
+        <a:latin typeface="+mn-lt"/>
+        <a:ea typeface="+mn-ea"/>
+        <a:cs typeface="+mn-cs"/>
+      </a:defRPr>
+    </a:lvl9pPr>
+  </p:notesStyle>
+</p:notesMaster>
+</file>
+
+<file path=ppt/notesSlides/notesSlide1.xml><?xml version="1.0" encoding="utf-8"?>
+<p:notes xmlns:a="http://schemas.openxmlformats.org/drawingml/2006/main" xmlns:r="http://schemas.openxmlformats.org/officeDocument/2006/relationships" xmlns:p="http://schemas.openxmlformats.org/presentationml/2006/main">
+  <p:cSld>
+    <p:spTree>
+      <p:nvGrpSpPr>
+        <p:cNvPr id="1" name=""/>
+        <p:cNvGrpSpPr/>
+        <p:nvPr/>
+      </p:nvGrpSpPr>
+      <p:grpSpPr>
+        <a:xfrm>
+          <a:off x="0" y="0"/>
+          <a:ext cx="0" cy="0"/>
+          <a:chOff x="0" y="0"/>
+          <a:chExt cx="0" cy="0"/>
+        </a:xfrm>
+      </p:grpSpPr>
+      <p:sp>
+        <p:nvSpPr>
+          <p:cNvPr id="2" name="Slide Image Placeholder 1"/>
+          <p:cNvSpPr>
+            <a:spLocks noGrp="1" noRot="1" noChangeAspect="1"/>
+          </p:cNvSpPr>
+          <p:nvPr>
+            <p:ph type="sldImg"/>
+          </p:nvPr>
+        </p:nvSpPr>
+        <p:spPr/>
+      </p:sp>
+      <p:sp>
+        <p:nvSpPr>
+          <p:cNvPr id="3" name="Notes Placeholder 2"/>
+          <p:cNvSpPr>
+            <a:spLocks noGrp="1"/>
+          </p:cNvSpPr>
+          <p:nvPr>
+            <p:ph type="body" idx="1"/>
+          </p:nvPr>
+        </p:nvSpPr>
+        <p:spPr/>
+        <p:txBody>
+          <a:bodyPr/>
+          <a:lstStyle/>
+          <a:p>
+            <a:r>
+              <a:rPr lang="en-US" dirty="0"/>
+              <a:t>SQL Server 2019 Integrated AI and Machine</a:t>
+            </a:r>
+            <a:r>
+              <a:rPr lang="en-US" baseline="0" dirty="0"/>
+              <a:t> Learning</a:t>
+            </a:r>
+            <a:endParaRPr lang="en-US" dirty="0"/>
+          </a:p>
+        </p:txBody>
+      </p:sp>
+      <p:sp>
+        <p:nvSpPr>
+          <p:cNvPr id="4" name="Slide Number Placeholder 3"/>
+          <p:cNvSpPr>
+            <a:spLocks noGrp="1"/>
+          </p:cNvSpPr>
+          <p:nvPr>
+            <p:ph type="sldNum" sz="quarter" idx="10"/>
+          </p:nvPr>
+        </p:nvSpPr>
+        <p:spPr/>
+        <p:txBody>
+          <a:bodyPr/>
+          <a:lstStyle/>
+          <a:p>
+            <a:pPr marL="0" marR="0" lvl="0" indent="0" algn="r" defTabSz="914400" rtl="0" eaLnBrk="1" fontAlgn="auto" latinLnBrk="0" hangingPunct="1">
+              <a:lnSpc>
+                <a:spcPct val="100000"/>
+              </a:lnSpc>
+              <a:spcBef>
+                <a:spcPts val="0"/>
+              </a:spcBef>
+              <a:spcAft>
+                <a:spcPts val="0"/>
+              </a:spcAft>
+              <a:buClrTx/>
+              <a:buSzTx/>
+              <a:buFontTx/>
+              <a:buNone/>
+              <a:tabLst/>
+              <a:defRPr/>
+            </a:pPr>
+            <a:fld id="{CC0E389C-D2BE-6A4B-8B4B-9E18E21C64A4}" type="slidenum">
+              <a:rPr kumimoji="0" lang="en-US" sz="1200" b="0" i="0" u="none" strike="noStrike" kern="1200" cap="none" spc="0" normalizeH="0" baseline="0" noProof="0" smtClean="0">
+                <a:ln>
+                  <a:noFill/>
+                </a:ln>
+                <a:solidFill>
+                  <a:prstClr val="black"/>
+                </a:solidFill>
+                <a:effectLst/>
+                <a:uLnTx/>
+                <a:uFillTx/>
+                <a:latin typeface="Calibri" panose="020F0502020204030204"/>
+                <a:ea typeface="+mn-ea"/>
+                <a:cs typeface="+mn-cs"/>
+              </a:rPr>
+              <a:pPr marL="0" marR="0" lvl="0" indent="0" algn="r" defTabSz="914400" rtl="0" eaLnBrk="1" fontAlgn="auto" latinLnBrk="0" hangingPunct="1">
+                <a:lnSpc>
+                  <a:spcPct val="100000"/>
+                </a:lnSpc>
+                <a:spcBef>
+                  <a:spcPts val="0"/>
+                </a:spcBef>
+                <a:spcAft>
+                  <a:spcPts val="0"/>
+                </a:spcAft>
+                <a:buClrTx/>
+                <a:buSzTx/>
+                <a:buFontTx/>
+                <a:buNone/>
+                <a:tabLst/>
+                <a:defRPr/>
+              </a:pPr>
+              <a:t>3</a:t>
+            </a:fld>
+            <a:endParaRPr kumimoji="0" lang="en-US" sz="1200" b="0" i="0" u="none" strike="noStrike" kern="1200" cap="none" spc="0" normalizeH="0" baseline="0" noProof="0">
+              <a:ln>
+                <a:noFill/>
+              </a:ln>
+              <a:solidFill>
+                <a:prstClr val="black"/>
+              </a:solidFill>
+              <a:effectLst/>
+              <a:uLnTx/>
+              <a:uFillTx/>
+              <a:latin typeface="Calibri" panose="020F0502020204030204"/>
+              <a:ea typeface="+mn-ea"/>
+              <a:cs typeface="+mn-cs"/>
+            </a:endParaRPr>
+          </a:p>
+        </p:txBody>
+      </p:sp>
+    </p:spTree>
+    <p:extLst>
+      <p:ext uri="{BB962C8B-B14F-4D97-AF65-F5344CB8AC3E}">
+        <p14:creationId xmlns:p14="http://schemas.microsoft.com/office/powerpoint/2010/main" val="4113132480"/>
+      </p:ext>
+    </p:extLst>
+  </p:cSld>
+  <p:clrMapOvr>
+    <a:masterClrMapping/>
+  </p:clrMapOvr>
+</p:notes>
+</file>
+
 <file path=ppt/slideLayouts/slideLayout1.xml><?xml version="1.0" encoding="utf-8"?>
 <p:sldLayout xmlns:a="http://schemas.openxmlformats.org/drawingml/2006/main" xmlns:r="http://schemas.openxmlformats.org/officeDocument/2006/relationships" xmlns:p="http://schemas.openxmlformats.org/presentationml/2006/main" type="title" preserve="1">
   <p:cSld name="Title Slide">
@@ -3567,7 +4073,365 @@
 </p:sldLayout>
 </file>
 
-<file path=ppt/slideLayouts/slideLayout3.xml><?xml version="1.0" encoding="utf-8"?>
+<file path=ppt/slideLayouts/slideLayout23.xml><?xml version="1.0" encoding="utf-8"?>
+<p:sldLayout xmlns:a="http://schemas.openxmlformats.org/drawingml/2006/main" xmlns:r="http://schemas.openxmlformats.org/officeDocument/2006/relationships" xmlns:p="http://schemas.openxmlformats.org/presentationml/2006/main" type="title" preserve="1">
+  <p:cSld name="Title Slide">
+    <p:spTree>
+      <p:nvGrpSpPr>
+        <p:cNvPr id="1" name=""/>
+        <p:cNvGrpSpPr/>
+        <p:nvPr/>
+      </p:nvGrpSpPr>
+      <p:grpSpPr>
+        <a:xfrm>
+          <a:off x="0" y="0"/>
+          <a:ext cx="0" cy="0"/>
+          <a:chOff x="0" y="0"/>
+          <a:chExt cx="0" cy="0"/>
+        </a:xfrm>
+      </p:grpSpPr>
+      <p:sp>
+        <p:nvSpPr>
+          <p:cNvPr id="2" name="Title 1"/>
+          <p:cNvSpPr>
+            <a:spLocks noGrp="1"/>
+          </p:cNvSpPr>
+          <p:nvPr>
+            <p:ph type="ctrTitle"/>
+          </p:nvPr>
+        </p:nvSpPr>
+        <p:spPr>
+          <a:xfrm>
+            <a:off x="1524000" y="1122363"/>
+            <a:ext cx="9144000" cy="2387600"/>
+          </a:xfrm>
+        </p:spPr>
+        <p:txBody>
+          <a:bodyPr anchor="b"/>
+          <a:lstStyle>
+            <a:lvl1pPr algn="ctr">
+              <a:defRPr sz="6000"/>
+            </a:lvl1pPr>
+          </a:lstStyle>
+          <a:p>
+            <a:r>
+              <a:rPr lang="en-US"/>
+              <a:t>Click to edit Master title style</a:t>
+            </a:r>
+          </a:p>
+        </p:txBody>
+      </p:sp>
+      <p:sp>
+        <p:nvSpPr>
+          <p:cNvPr id="3" name="Subtitle 2"/>
+          <p:cNvSpPr>
+            <a:spLocks noGrp="1"/>
+          </p:cNvSpPr>
+          <p:nvPr>
+            <p:ph type="subTitle" idx="1"/>
+          </p:nvPr>
+        </p:nvSpPr>
+        <p:spPr>
+          <a:xfrm>
+            <a:off x="1524000" y="3602038"/>
+            <a:ext cx="9144000" cy="1655762"/>
+          </a:xfrm>
+        </p:spPr>
+        <p:txBody>
+          <a:bodyPr/>
+          <a:lstStyle>
+            <a:lvl1pPr marL="0" indent="0" algn="ctr">
+              <a:buNone/>
+              <a:defRPr sz="2400"/>
+            </a:lvl1pPr>
+            <a:lvl2pPr marL="457200" indent="0" algn="ctr">
+              <a:buNone/>
+              <a:defRPr sz="2000"/>
+            </a:lvl2pPr>
+            <a:lvl3pPr marL="914400" indent="0" algn="ctr">
+              <a:buNone/>
+              <a:defRPr sz="1800"/>
+            </a:lvl3pPr>
+            <a:lvl4pPr marL="1371600" indent="0" algn="ctr">
+              <a:buNone/>
+              <a:defRPr sz="1600"/>
+            </a:lvl4pPr>
+            <a:lvl5pPr marL="1828800" indent="0" algn="ctr">
+              <a:buNone/>
+              <a:defRPr sz="1600"/>
+            </a:lvl5pPr>
+            <a:lvl6pPr marL="2286000" indent="0" algn="ctr">
+              <a:buNone/>
+              <a:defRPr sz="1600"/>
+            </a:lvl6pPr>
+            <a:lvl7pPr marL="2743200" indent="0" algn="ctr">
+              <a:buNone/>
+              <a:defRPr sz="1600"/>
+            </a:lvl7pPr>
+            <a:lvl8pPr marL="3200400" indent="0" algn="ctr">
+              <a:buNone/>
+              <a:defRPr sz="1600"/>
+            </a:lvl8pPr>
+            <a:lvl9pPr marL="3657600" indent="0" algn="ctr">
+              <a:buNone/>
+              <a:defRPr sz="1600"/>
+            </a:lvl9pPr>
+          </a:lstStyle>
+          <a:p>
+            <a:r>
+              <a:rPr lang="en-US"/>
+              <a:t>Click to edit Master subtitle style</a:t>
+            </a:r>
+          </a:p>
+        </p:txBody>
+      </p:sp>
+      <p:sp>
+        <p:nvSpPr>
+          <p:cNvPr id="4" name="Date Placeholder 3"/>
+          <p:cNvSpPr>
+            <a:spLocks noGrp="1"/>
+          </p:cNvSpPr>
+          <p:nvPr>
+            <p:ph type="dt" sz="half" idx="10"/>
+          </p:nvPr>
+        </p:nvSpPr>
+        <p:spPr/>
+        <p:txBody>
+          <a:bodyPr/>
+          <a:lstStyle/>
+          <a:p>
+            <a:fld id="{232015E6-04D3-AA46-8EB6-5FC99D770932}" type="datetimeFigureOut">
+              <a:rPr lang="en-US" smtClean="0"/>
+              <a:t>10/3/2019</a:t>
+            </a:fld>
+            <a:endParaRPr lang="en-US"/>
+          </a:p>
+        </p:txBody>
+      </p:sp>
+      <p:sp>
+        <p:nvSpPr>
+          <p:cNvPr id="5" name="Footer Placeholder 4"/>
+          <p:cNvSpPr>
+            <a:spLocks noGrp="1"/>
+          </p:cNvSpPr>
+          <p:nvPr>
+            <p:ph type="ftr" sz="quarter" idx="11"/>
+          </p:nvPr>
+        </p:nvSpPr>
+        <p:spPr/>
+        <p:txBody>
+          <a:bodyPr/>
+          <a:lstStyle/>
+          <a:p>
+            <a:endParaRPr lang="en-US"/>
+          </a:p>
+        </p:txBody>
+      </p:sp>
+      <p:sp>
+        <p:nvSpPr>
+          <p:cNvPr id="6" name="Slide Number Placeholder 5"/>
+          <p:cNvSpPr>
+            <a:spLocks noGrp="1"/>
+          </p:cNvSpPr>
+          <p:nvPr>
+            <p:ph type="sldNum" sz="quarter" idx="12"/>
+          </p:nvPr>
+        </p:nvSpPr>
+        <p:spPr/>
+        <p:txBody>
+          <a:bodyPr/>
+          <a:lstStyle/>
+          <a:p>
+            <a:fld id="{1452997D-4953-9D40-BE8A-B0429FF0A279}" type="slidenum">
+              <a:rPr lang="en-US" smtClean="0"/>
+              <a:t>‹#›</a:t>
+            </a:fld>
+            <a:endParaRPr lang="en-US"/>
+          </a:p>
+        </p:txBody>
+      </p:sp>
+    </p:spTree>
+    <p:extLst>
+      <p:ext uri="{BB962C8B-B14F-4D97-AF65-F5344CB8AC3E}">
+        <p14:creationId xmlns:p14="http://schemas.microsoft.com/office/powerpoint/2010/main" val="875497221"/>
+      </p:ext>
+    </p:extLst>
+  </p:cSld>
+  <p:clrMapOvr>
+    <a:masterClrMapping/>
+  </p:clrMapOvr>
+</p:sldLayout>
+</file>
+
+<file path=ppt/slideLayouts/slideLayout24.xml><?xml version="1.0" encoding="utf-8"?>
+<p:sldLayout xmlns:a="http://schemas.openxmlformats.org/drawingml/2006/main" xmlns:r="http://schemas.openxmlformats.org/officeDocument/2006/relationships" xmlns:p="http://schemas.openxmlformats.org/presentationml/2006/main" type="obj" preserve="1">
+  <p:cSld name="Title and Content">
+    <p:spTree>
+      <p:nvGrpSpPr>
+        <p:cNvPr id="1" name=""/>
+        <p:cNvGrpSpPr/>
+        <p:nvPr/>
+      </p:nvGrpSpPr>
+      <p:grpSpPr>
+        <a:xfrm>
+          <a:off x="0" y="0"/>
+          <a:ext cx="0" cy="0"/>
+          <a:chOff x="0" y="0"/>
+          <a:chExt cx="0" cy="0"/>
+        </a:xfrm>
+      </p:grpSpPr>
+      <p:sp>
+        <p:nvSpPr>
+          <p:cNvPr id="2" name="Title 1"/>
+          <p:cNvSpPr>
+            <a:spLocks noGrp="1"/>
+          </p:cNvSpPr>
+          <p:nvPr>
+            <p:ph type="title"/>
+          </p:nvPr>
+        </p:nvSpPr>
+        <p:spPr/>
+        <p:txBody>
+          <a:bodyPr/>
+          <a:lstStyle/>
+          <a:p>
+            <a:r>
+              <a:rPr lang="en-US"/>
+              <a:t>Click to edit Master title style</a:t>
+            </a:r>
+          </a:p>
+        </p:txBody>
+      </p:sp>
+      <p:sp>
+        <p:nvSpPr>
+          <p:cNvPr id="3" name="Content Placeholder 2"/>
+          <p:cNvSpPr>
+            <a:spLocks noGrp="1"/>
+          </p:cNvSpPr>
+          <p:nvPr>
+            <p:ph idx="1"/>
+          </p:nvPr>
+        </p:nvSpPr>
+        <p:spPr/>
+        <p:txBody>
+          <a:bodyPr/>
+          <a:lstStyle/>
+          <a:p>
+            <a:pPr lvl="0"/>
+            <a:r>
+              <a:rPr lang="en-US"/>
+              <a:t>Click to edit Master text styles</a:t>
+            </a:r>
+          </a:p>
+          <a:p>
+            <a:pPr lvl="1"/>
+            <a:r>
+              <a:rPr lang="en-US"/>
+              <a:t>Second level</a:t>
+            </a:r>
+          </a:p>
+          <a:p>
+            <a:pPr lvl="2"/>
+            <a:r>
+              <a:rPr lang="en-US"/>
+              <a:t>Third level</a:t>
+            </a:r>
+          </a:p>
+          <a:p>
+            <a:pPr lvl="3"/>
+            <a:r>
+              <a:rPr lang="en-US"/>
+              <a:t>Fourth level</a:t>
+            </a:r>
+          </a:p>
+          <a:p>
+            <a:pPr lvl="4"/>
+            <a:r>
+              <a:rPr lang="en-US"/>
+              <a:t>Fifth level</a:t>
+            </a:r>
+          </a:p>
+        </p:txBody>
+      </p:sp>
+      <p:sp>
+        <p:nvSpPr>
+          <p:cNvPr id="4" name="Date Placeholder 3"/>
+          <p:cNvSpPr>
+            <a:spLocks noGrp="1"/>
+          </p:cNvSpPr>
+          <p:nvPr>
+            <p:ph type="dt" sz="half" idx="10"/>
+          </p:nvPr>
+        </p:nvSpPr>
+        <p:spPr/>
+        <p:txBody>
+          <a:bodyPr/>
+          <a:lstStyle/>
+          <a:p>
+            <a:fld id="{232015E6-04D3-AA46-8EB6-5FC99D770932}" type="datetimeFigureOut">
+              <a:rPr lang="en-US" smtClean="0"/>
+              <a:t>10/3/2019</a:t>
+            </a:fld>
+            <a:endParaRPr lang="en-US"/>
+          </a:p>
+        </p:txBody>
+      </p:sp>
+      <p:sp>
+        <p:nvSpPr>
+          <p:cNvPr id="5" name="Footer Placeholder 4"/>
+          <p:cNvSpPr>
+            <a:spLocks noGrp="1"/>
+          </p:cNvSpPr>
+          <p:nvPr>
+            <p:ph type="ftr" sz="quarter" idx="11"/>
+          </p:nvPr>
+        </p:nvSpPr>
+        <p:spPr/>
+        <p:txBody>
+          <a:bodyPr/>
+          <a:lstStyle/>
+          <a:p>
+            <a:endParaRPr lang="en-US"/>
+          </a:p>
+        </p:txBody>
+      </p:sp>
+      <p:sp>
+        <p:nvSpPr>
+          <p:cNvPr id="6" name="Slide Number Placeholder 5"/>
+          <p:cNvSpPr>
+            <a:spLocks noGrp="1"/>
+          </p:cNvSpPr>
+          <p:nvPr>
+            <p:ph type="sldNum" sz="quarter" idx="12"/>
+          </p:nvPr>
+        </p:nvSpPr>
+        <p:spPr/>
+        <p:txBody>
+          <a:bodyPr/>
+          <a:lstStyle/>
+          <a:p>
+            <a:fld id="{1452997D-4953-9D40-BE8A-B0429FF0A279}" type="slidenum">
+              <a:rPr lang="en-US" smtClean="0"/>
+              <a:t>‹#›</a:t>
+            </a:fld>
+            <a:endParaRPr lang="en-US"/>
+          </a:p>
+        </p:txBody>
+      </p:sp>
+    </p:spTree>
+    <p:extLst>
+      <p:ext uri="{BB962C8B-B14F-4D97-AF65-F5344CB8AC3E}">
+        <p14:creationId xmlns:p14="http://schemas.microsoft.com/office/powerpoint/2010/main" val="1716915829"/>
+      </p:ext>
+    </p:extLst>
+  </p:cSld>
+  <p:clrMapOvr>
+    <a:masterClrMapping/>
+  </p:clrMapOvr>
+</p:sldLayout>
+</file>
+
+<file path=ppt/slideLayouts/slideLayout25.xml><?xml version="1.0" encoding="utf-8"?>
 <p:sldLayout xmlns:a="http://schemas.openxmlformats.org/drawingml/2006/main" xmlns:r="http://schemas.openxmlformats.org/officeDocument/2006/relationships" xmlns:p="http://schemas.openxmlformats.org/presentationml/2006/main" type="secHead" preserve="1">
   <p:cSld name="Section Header">
     <p:spTree>
@@ -3586,13 +4450,7 @@
       </p:grpSpPr>
       <p:sp>
         <p:nvSpPr>
-          <p:cNvPr id="2" name="Title 1">
-            <a:extLst>
-              <a:ext uri="{FF2B5EF4-FFF2-40B4-BE49-F238E27FC236}">
-                <a16:creationId xmlns:a16="http://schemas.microsoft.com/office/drawing/2014/main" id="{FF7AFC90-31D7-472A-A348-EA7A07371418}"/>
-              </a:ext>
-            </a:extLst>
-          </p:cNvPr>
+          <p:cNvPr id="2" name="Title 1"/>
           <p:cNvSpPr>
             <a:spLocks noGrp="1"/>
           </p:cNvSpPr>
@@ -3623,13 +4481,7 @@
       </p:sp>
       <p:sp>
         <p:nvSpPr>
-          <p:cNvPr id="3" name="Text Placeholder 2">
-            <a:extLst>
-              <a:ext uri="{FF2B5EF4-FFF2-40B4-BE49-F238E27FC236}">
-                <a16:creationId xmlns:a16="http://schemas.microsoft.com/office/drawing/2014/main" id="{B7D83DF4-242B-478C-85D4-DAEBC44C0B25}"/>
-              </a:ext>
-            </a:extLst>
-          </p:cNvPr>
+          <p:cNvPr id="3" name="Text Placeholder 2"/>
           <p:cNvSpPr>
             <a:spLocks noGrp="1"/>
           </p:cNvSpPr>
@@ -3748,6 +4600,1068 @@
       </p:sp>
       <p:sp>
         <p:nvSpPr>
+          <p:cNvPr id="4" name="Date Placeholder 3"/>
+          <p:cNvSpPr>
+            <a:spLocks noGrp="1"/>
+          </p:cNvSpPr>
+          <p:nvPr>
+            <p:ph type="dt" sz="half" idx="10"/>
+          </p:nvPr>
+        </p:nvSpPr>
+        <p:spPr/>
+        <p:txBody>
+          <a:bodyPr/>
+          <a:lstStyle/>
+          <a:p>
+            <a:fld id="{232015E6-04D3-AA46-8EB6-5FC99D770932}" type="datetimeFigureOut">
+              <a:rPr lang="en-US" smtClean="0"/>
+              <a:t>10/3/2019</a:t>
+            </a:fld>
+            <a:endParaRPr lang="en-US"/>
+          </a:p>
+        </p:txBody>
+      </p:sp>
+      <p:sp>
+        <p:nvSpPr>
+          <p:cNvPr id="5" name="Footer Placeholder 4"/>
+          <p:cNvSpPr>
+            <a:spLocks noGrp="1"/>
+          </p:cNvSpPr>
+          <p:nvPr>
+            <p:ph type="ftr" sz="quarter" idx="11"/>
+          </p:nvPr>
+        </p:nvSpPr>
+        <p:spPr/>
+        <p:txBody>
+          <a:bodyPr/>
+          <a:lstStyle/>
+          <a:p>
+            <a:endParaRPr lang="en-US"/>
+          </a:p>
+        </p:txBody>
+      </p:sp>
+      <p:sp>
+        <p:nvSpPr>
+          <p:cNvPr id="6" name="Slide Number Placeholder 5"/>
+          <p:cNvSpPr>
+            <a:spLocks noGrp="1"/>
+          </p:cNvSpPr>
+          <p:nvPr>
+            <p:ph type="sldNum" sz="quarter" idx="12"/>
+          </p:nvPr>
+        </p:nvSpPr>
+        <p:spPr/>
+        <p:txBody>
+          <a:bodyPr/>
+          <a:lstStyle/>
+          <a:p>
+            <a:fld id="{1452997D-4953-9D40-BE8A-B0429FF0A279}" type="slidenum">
+              <a:rPr lang="en-US" smtClean="0"/>
+              <a:t>‹#›</a:t>
+            </a:fld>
+            <a:endParaRPr lang="en-US"/>
+          </a:p>
+        </p:txBody>
+      </p:sp>
+    </p:spTree>
+    <p:extLst>
+      <p:ext uri="{BB962C8B-B14F-4D97-AF65-F5344CB8AC3E}">
+        <p14:creationId xmlns:p14="http://schemas.microsoft.com/office/powerpoint/2010/main" val="3425440372"/>
+      </p:ext>
+    </p:extLst>
+  </p:cSld>
+  <p:clrMapOvr>
+    <a:masterClrMapping/>
+  </p:clrMapOvr>
+</p:sldLayout>
+</file>
+
+<file path=ppt/slideLayouts/slideLayout26.xml><?xml version="1.0" encoding="utf-8"?>
+<p:sldLayout xmlns:a="http://schemas.openxmlformats.org/drawingml/2006/main" xmlns:r="http://schemas.openxmlformats.org/officeDocument/2006/relationships" xmlns:p="http://schemas.openxmlformats.org/presentationml/2006/main" type="twoObj" preserve="1">
+  <p:cSld name="Two Content">
+    <p:spTree>
+      <p:nvGrpSpPr>
+        <p:cNvPr id="1" name=""/>
+        <p:cNvGrpSpPr/>
+        <p:nvPr/>
+      </p:nvGrpSpPr>
+      <p:grpSpPr>
+        <a:xfrm>
+          <a:off x="0" y="0"/>
+          <a:ext cx="0" cy="0"/>
+          <a:chOff x="0" y="0"/>
+          <a:chExt cx="0" cy="0"/>
+        </a:xfrm>
+      </p:grpSpPr>
+      <p:sp>
+        <p:nvSpPr>
+          <p:cNvPr id="2" name="Title 1"/>
+          <p:cNvSpPr>
+            <a:spLocks noGrp="1"/>
+          </p:cNvSpPr>
+          <p:nvPr>
+            <p:ph type="title"/>
+          </p:nvPr>
+        </p:nvSpPr>
+        <p:spPr/>
+        <p:txBody>
+          <a:bodyPr/>
+          <a:lstStyle/>
+          <a:p>
+            <a:r>
+              <a:rPr lang="en-US"/>
+              <a:t>Click to edit Master title style</a:t>
+            </a:r>
+          </a:p>
+        </p:txBody>
+      </p:sp>
+      <p:sp>
+        <p:nvSpPr>
+          <p:cNvPr id="3" name="Content Placeholder 2"/>
+          <p:cNvSpPr>
+            <a:spLocks noGrp="1"/>
+          </p:cNvSpPr>
+          <p:nvPr>
+            <p:ph sz="half" idx="1"/>
+          </p:nvPr>
+        </p:nvSpPr>
+        <p:spPr>
+          <a:xfrm>
+            <a:off x="838200" y="1825625"/>
+            <a:ext cx="5181600" cy="4351338"/>
+          </a:xfrm>
+        </p:spPr>
+        <p:txBody>
+          <a:bodyPr/>
+          <a:lstStyle/>
+          <a:p>
+            <a:pPr lvl="0"/>
+            <a:r>
+              <a:rPr lang="en-US"/>
+              <a:t>Click to edit Master text styles</a:t>
+            </a:r>
+          </a:p>
+          <a:p>
+            <a:pPr lvl="1"/>
+            <a:r>
+              <a:rPr lang="en-US"/>
+              <a:t>Second level</a:t>
+            </a:r>
+          </a:p>
+          <a:p>
+            <a:pPr lvl="2"/>
+            <a:r>
+              <a:rPr lang="en-US"/>
+              <a:t>Third level</a:t>
+            </a:r>
+          </a:p>
+          <a:p>
+            <a:pPr lvl="3"/>
+            <a:r>
+              <a:rPr lang="en-US"/>
+              <a:t>Fourth level</a:t>
+            </a:r>
+          </a:p>
+          <a:p>
+            <a:pPr lvl="4"/>
+            <a:r>
+              <a:rPr lang="en-US"/>
+              <a:t>Fifth level</a:t>
+            </a:r>
+          </a:p>
+        </p:txBody>
+      </p:sp>
+      <p:sp>
+        <p:nvSpPr>
+          <p:cNvPr id="4" name="Content Placeholder 3"/>
+          <p:cNvSpPr>
+            <a:spLocks noGrp="1"/>
+          </p:cNvSpPr>
+          <p:nvPr>
+            <p:ph sz="half" idx="2"/>
+          </p:nvPr>
+        </p:nvSpPr>
+        <p:spPr>
+          <a:xfrm>
+            <a:off x="6172200" y="1825625"/>
+            <a:ext cx="5181600" cy="4351338"/>
+          </a:xfrm>
+        </p:spPr>
+        <p:txBody>
+          <a:bodyPr/>
+          <a:lstStyle/>
+          <a:p>
+            <a:pPr lvl="0"/>
+            <a:r>
+              <a:rPr lang="en-US"/>
+              <a:t>Click to edit Master text styles</a:t>
+            </a:r>
+          </a:p>
+          <a:p>
+            <a:pPr lvl="1"/>
+            <a:r>
+              <a:rPr lang="en-US"/>
+              <a:t>Second level</a:t>
+            </a:r>
+          </a:p>
+          <a:p>
+            <a:pPr lvl="2"/>
+            <a:r>
+              <a:rPr lang="en-US"/>
+              <a:t>Third level</a:t>
+            </a:r>
+          </a:p>
+          <a:p>
+            <a:pPr lvl="3"/>
+            <a:r>
+              <a:rPr lang="en-US"/>
+              <a:t>Fourth level</a:t>
+            </a:r>
+          </a:p>
+          <a:p>
+            <a:pPr lvl="4"/>
+            <a:r>
+              <a:rPr lang="en-US"/>
+              <a:t>Fifth level</a:t>
+            </a:r>
+          </a:p>
+        </p:txBody>
+      </p:sp>
+      <p:sp>
+        <p:nvSpPr>
+          <p:cNvPr id="5" name="Date Placeholder 4"/>
+          <p:cNvSpPr>
+            <a:spLocks noGrp="1"/>
+          </p:cNvSpPr>
+          <p:nvPr>
+            <p:ph type="dt" sz="half" idx="10"/>
+          </p:nvPr>
+        </p:nvSpPr>
+        <p:spPr/>
+        <p:txBody>
+          <a:bodyPr/>
+          <a:lstStyle/>
+          <a:p>
+            <a:fld id="{232015E6-04D3-AA46-8EB6-5FC99D770932}" type="datetimeFigureOut">
+              <a:rPr lang="en-US" smtClean="0"/>
+              <a:t>10/3/2019</a:t>
+            </a:fld>
+            <a:endParaRPr lang="en-US"/>
+          </a:p>
+        </p:txBody>
+      </p:sp>
+      <p:sp>
+        <p:nvSpPr>
+          <p:cNvPr id="6" name="Footer Placeholder 5"/>
+          <p:cNvSpPr>
+            <a:spLocks noGrp="1"/>
+          </p:cNvSpPr>
+          <p:nvPr>
+            <p:ph type="ftr" sz="quarter" idx="11"/>
+          </p:nvPr>
+        </p:nvSpPr>
+        <p:spPr/>
+        <p:txBody>
+          <a:bodyPr/>
+          <a:lstStyle/>
+          <a:p>
+            <a:endParaRPr lang="en-US"/>
+          </a:p>
+        </p:txBody>
+      </p:sp>
+      <p:sp>
+        <p:nvSpPr>
+          <p:cNvPr id="7" name="Slide Number Placeholder 6"/>
+          <p:cNvSpPr>
+            <a:spLocks noGrp="1"/>
+          </p:cNvSpPr>
+          <p:nvPr>
+            <p:ph type="sldNum" sz="quarter" idx="12"/>
+          </p:nvPr>
+        </p:nvSpPr>
+        <p:spPr/>
+        <p:txBody>
+          <a:bodyPr/>
+          <a:lstStyle/>
+          <a:p>
+            <a:fld id="{1452997D-4953-9D40-BE8A-B0429FF0A279}" type="slidenum">
+              <a:rPr lang="en-US" smtClean="0"/>
+              <a:t>‹#›</a:t>
+            </a:fld>
+            <a:endParaRPr lang="en-US"/>
+          </a:p>
+        </p:txBody>
+      </p:sp>
+    </p:spTree>
+    <p:extLst>
+      <p:ext uri="{BB962C8B-B14F-4D97-AF65-F5344CB8AC3E}">
+        <p14:creationId xmlns:p14="http://schemas.microsoft.com/office/powerpoint/2010/main" val="3718218957"/>
+      </p:ext>
+    </p:extLst>
+  </p:cSld>
+  <p:clrMapOvr>
+    <a:masterClrMapping/>
+  </p:clrMapOvr>
+</p:sldLayout>
+</file>
+
+<file path=ppt/slideLayouts/slideLayout27.xml><?xml version="1.0" encoding="utf-8"?>
+<p:sldLayout xmlns:a="http://schemas.openxmlformats.org/drawingml/2006/main" xmlns:r="http://schemas.openxmlformats.org/officeDocument/2006/relationships" xmlns:p="http://schemas.openxmlformats.org/presentationml/2006/main" type="twoTxTwoObj" preserve="1">
+  <p:cSld name="Comparison">
+    <p:spTree>
+      <p:nvGrpSpPr>
+        <p:cNvPr id="1" name=""/>
+        <p:cNvGrpSpPr/>
+        <p:nvPr/>
+      </p:nvGrpSpPr>
+      <p:grpSpPr>
+        <a:xfrm>
+          <a:off x="0" y="0"/>
+          <a:ext cx="0" cy="0"/>
+          <a:chOff x="0" y="0"/>
+          <a:chExt cx="0" cy="0"/>
+        </a:xfrm>
+      </p:grpSpPr>
+      <p:sp>
+        <p:nvSpPr>
+          <p:cNvPr id="2" name="Title 1"/>
+          <p:cNvSpPr>
+            <a:spLocks noGrp="1"/>
+          </p:cNvSpPr>
+          <p:nvPr>
+            <p:ph type="title"/>
+          </p:nvPr>
+        </p:nvSpPr>
+        <p:spPr>
+          <a:xfrm>
+            <a:off x="839788" y="365125"/>
+            <a:ext cx="10515600" cy="1325563"/>
+          </a:xfrm>
+        </p:spPr>
+        <p:txBody>
+          <a:bodyPr/>
+          <a:lstStyle/>
+          <a:p>
+            <a:r>
+              <a:rPr lang="en-US"/>
+              <a:t>Click to edit Master title style</a:t>
+            </a:r>
+          </a:p>
+        </p:txBody>
+      </p:sp>
+      <p:sp>
+        <p:nvSpPr>
+          <p:cNvPr id="3" name="Text Placeholder 2"/>
+          <p:cNvSpPr>
+            <a:spLocks noGrp="1"/>
+          </p:cNvSpPr>
+          <p:nvPr>
+            <p:ph type="body" idx="1"/>
+          </p:nvPr>
+        </p:nvSpPr>
+        <p:spPr>
+          <a:xfrm>
+            <a:off x="839788" y="1681163"/>
+            <a:ext cx="5157787" cy="823912"/>
+          </a:xfrm>
+        </p:spPr>
+        <p:txBody>
+          <a:bodyPr anchor="b"/>
+          <a:lstStyle>
+            <a:lvl1pPr marL="0" indent="0">
+              <a:buNone/>
+              <a:defRPr sz="2400" b="1"/>
+            </a:lvl1pPr>
+            <a:lvl2pPr marL="457200" indent="0">
+              <a:buNone/>
+              <a:defRPr sz="2000" b="1"/>
+            </a:lvl2pPr>
+            <a:lvl3pPr marL="914400" indent="0">
+              <a:buNone/>
+              <a:defRPr sz="1800" b="1"/>
+            </a:lvl3pPr>
+            <a:lvl4pPr marL="1371600" indent="0">
+              <a:buNone/>
+              <a:defRPr sz="1600" b="1"/>
+            </a:lvl4pPr>
+            <a:lvl5pPr marL="1828800" indent="0">
+              <a:buNone/>
+              <a:defRPr sz="1600" b="1"/>
+            </a:lvl5pPr>
+            <a:lvl6pPr marL="2286000" indent="0">
+              <a:buNone/>
+              <a:defRPr sz="1600" b="1"/>
+            </a:lvl6pPr>
+            <a:lvl7pPr marL="2743200" indent="0">
+              <a:buNone/>
+              <a:defRPr sz="1600" b="1"/>
+            </a:lvl7pPr>
+            <a:lvl8pPr marL="3200400" indent="0">
+              <a:buNone/>
+              <a:defRPr sz="1600" b="1"/>
+            </a:lvl8pPr>
+            <a:lvl9pPr marL="3657600" indent="0">
+              <a:buNone/>
+              <a:defRPr sz="1600" b="1"/>
+            </a:lvl9pPr>
+          </a:lstStyle>
+          <a:p>
+            <a:pPr lvl="0"/>
+            <a:r>
+              <a:rPr lang="en-US"/>
+              <a:t>Click to edit Master text styles</a:t>
+            </a:r>
+          </a:p>
+        </p:txBody>
+      </p:sp>
+      <p:sp>
+        <p:nvSpPr>
+          <p:cNvPr id="4" name="Content Placeholder 3"/>
+          <p:cNvSpPr>
+            <a:spLocks noGrp="1"/>
+          </p:cNvSpPr>
+          <p:nvPr>
+            <p:ph sz="half" idx="2"/>
+          </p:nvPr>
+        </p:nvSpPr>
+        <p:spPr>
+          <a:xfrm>
+            <a:off x="839788" y="2505075"/>
+            <a:ext cx="5157787" cy="3684588"/>
+          </a:xfrm>
+        </p:spPr>
+        <p:txBody>
+          <a:bodyPr/>
+          <a:lstStyle/>
+          <a:p>
+            <a:pPr lvl="0"/>
+            <a:r>
+              <a:rPr lang="en-US"/>
+              <a:t>Click to edit Master text styles</a:t>
+            </a:r>
+          </a:p>
+          <a:p>
+            <a:pPr lvl="1"/>
+            <a:r>
+              <a:rPr lang="en-US"/>
+              <a:t>Second level</a:t>
+            </a:r>
+          </a:p>
+          <a:p>
+            <a:pPr lvl="2"/>
+            <a:r>
+              <a:rPr lang="en-US"/>
+              <a:t>Third level</a:t>
+            </a:r>
+          </a:p>
+          <a:p>
+            <a:pPr lvl="3"/>
+            <a:r>
+              <a:rPr lang="en-US"/>
+              <a:t>Fourth level</a:t>
+            </a:r>
+          </a:p>
+          <a:p>
+            <a:pPr lvl="4"/>
+            <a:r>
+              <a:rPr lang="en-US"/>
+              <a:t>Fifth level</a:t>
+            </a:r>
+          </a:p>
+        </p:txBody>
+      </p:sp>
+      <p:sp>
+        <p:nvSpPr>
+          <p:cNvPr id="5" name="Text Placeholder 4"/>
+          <p:cNvSpPr>
+            <a:spLocks noGrp="1"/>
+          </p:cNvSpPr>
+          <p:nvPr>
+            <p:ph type="body" sz="quarter" idx="3"/>
+          </p:nvPr>
+        </p:nvSpPr>
+        <p:spPr>
+          <a:xfrm>
+            <a:off x="6172200" y="1681163"/>
+            <a:ext cx="5183188" cy="823912"/>
+          </a:xfrm>
+        </p:spPr>
+        <p:txBody>
+          <a:bodyPr anchor="b"/>
+          <a:lstStyle>
+            <a:lvl1pPr marL="0" indent="0">
+              <a:buNone/>
+              <a:defRPr sz="2400" b="1"/>
+            </a:lvl1pPr>
+            <a:lvl2pPr marL="457200" indent="0">
+              <a:buNone/>
+              <a:defRPr sz="2000" b="1"/>
+            </a:lvl2pPr>
+            <a:lvl3pPr marL="914400" indent="0">
+              <a:buNone/>
+              <a:defRPr sz="1800" b="1"/>
+            </a:lvl3pPr>
+            <a:lvl4pPr marL="1371600" indent="0">
+              <a:buNone/>
+              <a:defRPr sz="1600" b="1"/>
+            </a:lvl4pPr>
+            <a:lvl5pPr marL="1828800" indent="0">
+              <a:buNone/>
+              <a:defRPr sz="1600" b="1"/>
+            </a:lvl5pPr>
+            <a:lvl6pPr marL="2286000" indent="0">
+              <a:buNone/>
+              <a:defRPr sz="1600" b="1"/>
+            </a:lvl6pPr>
+            <a:lvl7pPr marL="2743200" indent="0">
+              <a:buNone/>
+              <a:defRPr sz="1600" b="1"/>
+            </a:lvl7pPr>
+            <a:lvl8pPr marL="3200400" indent="0">
+              <a:buNone/>
+              <a:defRPr sz="1600" b="1"/>
+            </a:lvl8pPr>
+            <a:lvl9pPr marL="3657600" indent="0">
+              <a:buNone/>
+              <a:defRPr sz="1600" b="1"/>
+            </a:lvl9pPr>
+          </a:lstStyle>
+          <a:p>
+            <a:pPr lvl="0"/>
+            <a:r>
+              <a:rPr lang="en-US"/>
+              <a:t>Click to edit Master text styles</a:t>
+            </a:r>
+          </a:p>
+        </p:txBody>
+      </p:sp>
+      <p:sp>
+        <p:nvSpPr>
+          <p:cNvPr id="6" name="Content Placeholder 5"/>
+          <p:cNvSpPr>
+            <a:spLocks noGrp="1"/>
+          </p:cNvSpPr>
+          <p:nvPr>
+            <p:ph sz="quarter" idx="4"/>
+          </p:nvPr>
+        </p:nvSpPr>
+        <p:spPr>
+          <a:xfrm>
+            <a:off x="6172200" y="2505075"/>
+            <a:ext cx="5183188" cy="3684588"/>
+          </a:xfrm>
+        </p:spPr>
+        <p:txBody>
+          <a:bodyPr/>
+          <a:lstStyle/>
+          <a:p>
+            <a:pPr lvl="0"/>
+            <a:r>
+              <a:rPr lang="en-US"/>
+              <a:t>Click to edit Master text styles</a:t>
+            </a:r>
+          </a:p>
+          <a:p>
+            <a:pPr lvl="1"/>
+            <a:r>
+              <a:rPr lang="en-US"/>
+              <a:t>Second level</a:t>
+            </a:r>
+          </a:p>
+          <a:p>
+            <a:pPr lvl="2"/>
+            <a:r>
+              <a:rPr lang="en-US"/>
+              <a:t>Third level</a:t>
+            </a:r>
+          </a:p>
+          <a:p>
+            <a:pPr lvl="3"/>
+            <a:r>
+              <a:rPr lang="en-US"/>
+              <a:t>Fourth level</a:t>
+            </a:r>
+          </a:p>
+          <a:p>
+            <a:pPr lvl="4"/>
+            <a:r>
+              <a:rPr lang="en-US"/>
+              <a:t>Fifth level</a:t>
+            </a:r>
+          </a:p>
+        </p:txBody>
+      </p:sp>
+      <p:sp>
+        <p:nvSpPr>
+          <p:cNvPr id="7" name="Date Placeholder 6"/>
+          <p:cNvSpPr>
+            <a:spLocks noGrp="1"/>
+          </p:cNvSpPr>
+          <p:nvPr>
+            <p:ph type="dt" sz="half" idx="10"/>
+          </p:nvPr>
+        </p:nvSpPr>
+        <p:spPr/>
+        <p:txBody>
+          <a:bodyPr/>
+          <a:lstStyle/>
+          <a:p>
+            <a:fld id="{232015E6-04D3-AA46-8EB6-5FC99D770932}" type="datetimeFigureOut">
+              <a:rPr lang="en-US" smtClean="0"/>
+              <a:t>10/3/2019</a:t>
+            </a:fld>
+            <a:endParaRPr lang="en-US"/>
+          </a:p>
+        </p:txBody>
+      </p:sp>
+      <p:sp>
+        <p:nvSpPr>
+          <p:cNvPr id="8" name="Footer Placeholder 7"/>
+          <p:cNvSpPr>
+            <a:spLocks noGrp="1"/>
+          </p:cNvSpPr>
+          <p:nvPr>
+            <p:ph type="ftr" sz="quarter" idx="11"/>
+          </p:nvPr>
+        </p:nvSpPr>
+        <p:spPr/>
+        <p:txBody>
+          <a:bodyPr/>
+          <a:lstStyle/>
+          <a:p>
+            <a:endParaRPr lang="en-US"/>
+          </a:p>
+        </p:txBody>
+      </p:sp>
+      <p:sp>
+        <p:nvSpPr>
+          <p:cNvPr id="9" name="Slide Number Placeholder 8"/>
+          <p:cNvSpPr>
+            <a:spLocks noGrp="1"/>
+          </p:cNvSpPr>
+          <p:nvPr>
+            <p:ph type="sldNum" sz="quarter" idx="12"/>
+          </p:nvPr>
+        </p:nvSpPr>
+        <p:spPr/>
+        <p:txBody>
+          <a:bodyPr/>
+          <a:lstStyle/>
+          <a:p>
+            <a:fld id="{1452997D-4953-9D40-BE8A-B0429FF0A279}" type="slidenum">
+              <a:rPr lang="en-US" smtClean="0"/>
+              <a:t>‹#›</a:t>
+            </a:fld>
+            <a:endParaRPr lang="en-US"/>
+          </a:p>
+        </p:txBody>
+      </p:sp>
+    </p:spTree>
+    <p:extLst>
+      <p:ext uri="{BB962C8B-B14F-4D97-AF65-F5344CB8AC3E}">
+        <p14:creationId xmlns:p14="http://schemas.microsoft.com/office/powerpoint/2010/main" val="4277599163"/>
+      </p:ext>
+    </p:extLst>
+  </p:cSld>
+  <p:clrMapOvr>
+    <a:masterClrMapping/>
+  </p:clrMapOvr>
+</p:sldLayout>
+</file>
+
+<file path=ppt/slideLayouts/slideLayout28.xml><?xml version="1.0" encoding="utf-8"?>
+<p:sldLayout xmlns:a="http://schemas.openxmlformats.org/drawingml/2006/main" xmlns:r="http://schemas.openxmlformats.org/officeDocument/2006/relationships" xmlns:p="http://schemas.openxmlformats.org/presentationml/2006/main" type="titleOnly" preserve="1">
+  <p:cSld name="Title Only">
+    <p:spTree>
+      <p:nvGrpSpPr>
+        <p:cNvPr id="1" name=""/>
+        <p:cNvGrpSpPr/>
+        <p:nvPr/>
+      </p:nvGrpSpPr>
+      <p:grpSpPr>
+        <a:xfrm>
+          <a:off x="0" y="0"/>
+          <a:ext cx="0" cy="0"/>
+          <a:chOff x="0" y="0"/>
+          <a:chExt cx="0" cy="0"/>
+        </a:xfrm>
+      </p:grpSpPr>
+      <p:sp>
+        <p:nvSpPr>
+          <p:cNvPr id="2" name="Title 1"/>
+          <p:cNvSpPr>
+            <a:spLocks noGrp="1"/>
+          </p:cNvSpPr>
+          <p:nvPr>
+            <p:ph type="title"/>
+          </p:nvPr>
+        </p:nvSpPr>
+        <p:spPr/>
+        <p:txBody>
+          <a:bodyPr/>
+          <a:lstStyle/>
+          <a:p>
+            <a:r>
+              <a:rPr lang="en-US"/>
+              <a:t>Click to edit Master title style</a:t>
+            </a:r>
+          </a:p>
+        </p:txBody>
+      </p:sp>
+      <p:sp>
+        <p:nvSpPr>
+          <p:cNvPr id="3" name="Date Placeholder 2"/>
+          <p:cNvSpPr>
+            <a:spLocks noGrp="1"/>
+          </p:cNvSpPr>
+          <p:nvPr>
+            <p:ph type="dt" sz="half" idx="10"/>
+          </p:nvPr>
+        </p:nvSpPr>
+        <p:spPr/>
+        <p:txBody>
+          <a:bodyPr/>
+          <a:lstStyle/>
+          <a:p>
+            <a:fld id="{232015E6-04D3-AA46-8EB6-5FC99D770932}" type="datetimeFigureOut">
+              <a:rPr lang="en-US" smtClean="0"/>
+              <a:t>10/3/2019</a:t>
+            </a:fld>
+            <a:endParaRPr lang="en-US"/>
+          </a:p>
+        </p:txBody>
+      </p:sp>
+      <p:sp>
+        <p:nvSpPr>
+          <p:cNvPr id="4" name="Footer Placeholder 3"/>
+          <p:cNvSpPr>
+            <a:spLocks noGrp="1"/>
+          </p:cNvSpPr>
+          <p:nvPr>
+            <p:ph type="ftr" sz="quarter" idx="11"/>
+          </p:nvPr>
+        </p:nvSpPr>
+        <p:spPr/>
+        <p:txBody>
+          <a:bodyPr/>
+          <a:lstStyle/>
+          <a:p>
+            <a:endParaRPr lang="en-US"/>
+          </a:p>
+        </p:txBody>
+      </p:sp>
+      <p:sp>
+        <p:nvSpPr>
+          <p:cNvPr id="5" name="Slide Number Placeholder 4"/>
+          <p:cNvSpPr>
+            <a:spLocks noGrp="1"/>
+          </p:cNvSpPr>
+          <p:nvPr>
+            <p:ph type="sldNum" sz="quarter" idx="12"/>
+          </p:nvPr>
+        </p:nvSpPr>
+        <p:spPr/>
+        <p:txBody>
+          <a:bodyPr/>
+          <a:lstStyle/>
+          <a:p>
+            <a:fld id="{1452997D-4953-9D40-BE8A-B0429FF0A279}" type="slidenum">
+              <a:rPr lang="en-US" smtClean="0"/>
+              <a:t>‹#›</a:t>
+            </a:fld>
+            <a:endParaRPr lang="en-US"/>
+          </a:p>
+        </p:txBody>
+      </p:sp>
+    </p:spTree>
+    <p:extLst>
+      <p:ext uri="{BB962C8B-B14F-4D97-AF65-F5344CB8AC3E}">
+        <p14:creationId xmlns:p14="http://schemas.microsoft.com/office/powerpoint/2010/main" val="1495694151"/>
+      </p:ext>
+    </p:extLst>
+  </p:cSld>
+  <p:clrMapOvr>
+    <a:masterClrMapping/>
+  </p:clrMapOvr>
+</p:sldLayout>
+</file>
+
+<file path=ppt/slideLayouts/slideLayout29.xml><?xml version="1.0" encoding="utf-8"?>
+<p:sldLayout xmlns:a="http://schemas.openxmlformats.org/drawingml/2006/main" xmlns:r="http://schemas.openxmlformats.org/officeDocument/2006/relationships" xmlns:p="http://schemas.openxmlformats.org/presentationml/2006/main" type="blank" preserve="1">
+  <p:cSld name="Blank">
+    <p:spTree>
+      <p:nvGrpSpPr>
+        <p:cNvPr id="1" name=""/>
+        <p:cNvGrpSpPr/>
+        <p:nvPr/>
+      </p:nvGrpSpPr>
+      <p:grpSpPr>
+        <a:xfrm>
+          <a:off x="0" y="0"/>
+          <a:ext cx="0" cy="0"/>
+          <a:chOff x="0" y="0"/>
+          <a:chExt cx="0" cy="0"/>
+        </a:xfrm>
+      </p:grpSpPr>
+      <p:sp>
+        <p:nvSpPr>
+          <p:cNvPr id="2" name="Date Placeholder 1"/>
+          <p:cNvSpPr>
+            <a:spLocks noGrp="1"/>
+          </p:cNvSpPr>
+          <p:nvPr>
+            <p:ph type="dt" sz="half" idx="10"/>
+          </p:nvPr>
+        </p:nvSpPr>
+        <p:spPr/>
+        <p:txBody>
+          <a:bodyPr/>
+          <a:lstStyle/>
+          <a:p>
+            <a:fld id="{232015E6-04D3-AA46-8EB6-5FC99D770932}" type="datetimeFigureOut">
+              <a:rPr lang="en-US" smtClean="0"/>
+              <a:t>10/3/2019</a:t>
+            </a:fld>
+            <a:endParaRPr lang="en-US"/>
+          </a:p>
+        </p:txBody>
+      </p:sp>
+      <p:sp>
+        <p:nvSpPr>
+          <p:cNvPr id="3" name="Footer Placeholder 2"/>
+          <p:cNvSpPr>
+            <a:spLocks noGrp="1"/>
+          </p:cNvSpPr>
+          <p:nvPr>
+            <p:ph type="ftr" sz="quarter" idx="11"/>
+          </p:nvPr>
+        </p:nvSpPr>
+        <p:spPr/>
+        <p:txBody>
+          <a:bodyPr/>
+          <a:lstStyle/>
+          <a:p>
+            <a:endParaRPr lang="en-US"/>
+          </a:p>
+        </p:txBody>
+      </p:sp>
+      <p:sp>
+        <p:nvSpPr>
+          <p:cNvPr id="4" name="Slide Number Placeholder 3"/>
+          <p:cNvSpPr>
+            <a:spLocks noGrp="1"/>
+          </p:cNvSpPr>
+          <p:nvPr>
+            <p:ph type="sldNum" sz="quarter" idx="12"/>
+          </p:nvPr>
+        </p:nvSpPr>
+        <p:spPr/>
+        <p:txBody>
+          <a:bodyPr/>
+          <a:lstStyle/>
+          <a:p>
+            <a:fld id="{1452997D-4953-9D40-BE8A-B0429FF0A279}" type="slidenum">
+              <a:rPr lang="en-US" smtClean="0"/>
+              <a:t>‹#›</a:t>
+            </a:fld>
+            <a:endParaRPr lang="en-US"/>
+          </a:p>
+        </p:txBody>
+      </p:sp>
+    </p:spTree>
+    <p:extLst>
+      <p:ext uri="{BB962C8B-B14F-4D97-AF65-F5344CB8AC3E}">
+        <p14:creationId xmlns:p14="http://schemas.microsoft.com/office/powerpoint/2010/main" val="1518926902"/>
+      </p:ext>
+    </p:extLst>
+  </p:cSld>
+  <p:clrMapOvr>
+    <a:masterClrMapping/>
+  </p:clrMapOvr>
+</p:sldLayout>
+</file>
+
+<file path=ppt/slideLayouts/slideLayout3.xml><?xml version="1.0" encoding="utf-8"?>
+<p:sldLayout xmlns:a="http://schemas.openxmlformats.org/drawingml/2006/main" xmlns:r="http://schemas.openxmlformats.org/officeDocument/2006/relationships" xmlns:p="http://schemas.openxmlformats.org/presentationml/2006/main" type="secHead" preserve="1">
+  <p:cSld name="Section Header">
+    <p:spTree>
+      <p:nvGrpSpPr>
+        <p:cNvPr id="1" name=""/>
+        <p:cNvGrpSpPr/>
+        <p:nvPr/>
+      </p:nvGrpSpPr>
+      <p:grpSpPr>
+        <a:xfrm>
+          <a:off x="0" y="0"/>
+          <a:ext cx="0" cy="0"/>
+          <a:chOff x="0" y="0"/>
+          <a:chExt cx="0" cy="0"/>
+        </a:xfrm>
+      </p:grpSpPr>
+      <p:sp>
+        <p:nvSpPr>
+          <p:cNvPr id="2" name="Title 1">
+            <a:extLst>
+              <a:ext uri="{FF2B5EF4-FFF2-40B4-BE49-F238E27FC236}">
+                <a16:creationId xmlns:a16="http://schemas.microsoft.com/office/drawing/2014/main" id="{FF7AFC90-31D7-472A-A348-EA7A07371418}"/>
+              </a:ext>
+            </a:extLst>
+          </p:cNvPr>
+          <p:cNvSpPr>
+            <a:spLocks noGrp="1"/>
+          </p:cNvSpPr>
+          <p:nvPr>
+            <p:ph type="title"/>
+          </p:nvPr>
+        </p:nvSpPr>
+        <p:spPr>
+          <a:xfrm>
+            <a:off x="831850" y="1709738"/>
+            <a:ext cx="10515600" cy="2852737"/>
+          </a:xfrm>
+        </p:spPr>
+        <p:txBody>
+          <a:bodyPr anchor="b"/>
+          <a:lstStyle>
+            <a:lvl1pPr>
+              <a:defRPr sz="6000"/>
+            </a:lvl1pPr>
+          </a:lstStyle>
+          <a:p>
+            <a:r>
+              <a:rPr lang="en-US"/>
+              <a:t>Click to edit Master title style</a:t>
+            </a:r>
+          </a:p>
+        </p:txBody>
+      </p:sp>
+      <p:sp>
+        <p:nvSpPr>
+          <p:cNvPr id="3" name="Text Placeholder 2">
+            <a:extLst>
+              <a:ext uri="{FF2B5EF4-FFF2-40B4-BE49-F238E27FC236}">
+                <a16:creationId xmlns:a16="http://schemas.microsoft.com/office/drawing/2014/main" id="{B7D83DF4-242B-478C-85D4-DAEBC44C0B25}"/>
+              </a:ext>
+            </a:extLst>
+          </p:cNvPr>
+          <p:cNvSpPr>
+            <a:spLocks noGrp="1"/>
+          </p:cNvSpPr>
+          <p:nvPr>
+            <p:ph type="body" idx="1"/>
+          </p:nvPr>
+        </p:nvSpPr>
+        <p:spPr>
+          <a:xfrm>
+            <a:off x="831850" y="4589463"/>
+            <a:ext cx="10515600" cy="1500187"/>
+          </a:xfrm>
+        </p:spPr>
+        <p:txBody>
+          <a:bodyPr/>
+          <a:lstStyle>
+            <a:lvl1pPr marL="0" indent="0">
+              <a:buNone/>
+              <a:defRPr sz="2400">
+                <a:solidFill>
+                  <a:schemeClr val="tx1">
+                    <a:tint val="75000"/>
+                  </a:schemeClr>
+                </a:solidFill>
+              </a:defRPr>
+            </a:lvl1pPr>
+            <a:lvl2pPr marL="457200" indent="0">
+              <a:buNone/>
+              <a:defRPr sz="2000">
+                <a:solidFill>
+                  <a:schemeClr val="tx1">
+                    <a:tint val="75000"/>
+                  </a:schemeClr>
+                </a:solidFill>
+              </a:defRPr>
+            </a:lvl2pPr>
+            <a:lvl3pPr marL="914400" indent="0">
+              <a:buNone/>
+              <a:defRPr sz="1800">
+                <a:solidFill>
+                  <a:schemeClr val="tx1">
+                    <a:tint val="75000"/>
+                  </a:schemeClr>
+                </a:solidFill>
+              </a:defRPr>
+            </a:lvl3pPr>
+            <a:lvl4pPr marL="1371600" indent="0">
+              <a:buNone/>
+              <a:defRPr sz="1600">
+                <a:solidFill>
+                  <a:schemeClr val="tx1">
+                    <a:tint val="75000"/>
+                  </a:schemeClr>
+                </a:solidFill>
+              </a:defRPr>
+            </a:lvl4pPr>
+            <a:lvl5pPr marL="1828800" indent="0">
+              <a:buNone/>
+              <a:defRPr sz="1600">
+                <a:solidFill>
+                  <a:schemeClr val="tx1">
+                    <a:tint val="75000"/>
+                  </a:schemeClr>
+                </a:solidFill>
+              </a:defRPr>
+            </a:lvl5pPr>
+            <a:lvl6pPr marL="2286000" indent="0">
+              <a:buNone/>
+              <a:defRPr sz="1600">
+                <a:solidFill>
+                  <a:schemeClr val="tx1">
+                    <a:tint val="75000"/>
+                  </a:schemeClr>
+                </a:solidFill>
+              </a:defRPr>
+            </a:lvl6pPr>
+            <a:lvl7pPr marL="2743200" indent="0">
+              <a:buNone/>
+              <a:defRPr sz="1600">
+                <a:solidFill>
+                  <a:schemeClr val="tx1">
+                    <a:tint val="75000"/>
+                  </a:schemeClr>
+                </a:solidFill>
+              </a:defRPr>
+            </a:lvl7pPr>
+            <a:lvl8pPr marL="3200400" indent="0">
+              <a:buNone/>
+              <a:defRPr sz="1600">
+                <a:solidFill>
+                  <a:schemeClr val="tx1">
+                    <a:tint val="75000"/>
+                  </a:schemeClr>
+                </a:solidFill>
+              </a:defRPr>
+            </a:lvl8pPr>
+            <a:lvl9pPr marL="3657600" indent="0">
+              <a:buNone/>
+              <a:defRPr sz="1600">
+                <a:solidFill>
+                  <a:schemeClr val="tx1">
+                    <a:tint val="75000"/>
+                  </a:schemeClr>
+                </a:solidFill>
+              </a:defRPr>
+            </a:lvl9pPr>
+          </a:lstStyle>
+          <a:p>
+            <a:pPr lvl="0"/>
+            <a:r>
+              <a:rPr lang="en-US"/>
+              <a:t>Click to edit Master text styles</a:t>
+            </a:r>
+          </a:p>
+        </p:txBody>
+      </p:sp>
+      <p:sp>
+        <p:nvSpPr>
           <p:cNvPr id="4" name="Date Placeholder 3">
             <a:extLst>
               <a:ext uri="{FF2B5EF4-FFF2-40B4-BE49-F238E27FC236}">
@@ -3833,6 +5747,879 @@
     <p:extLst>
       <p:ext uri="{BB962C8B-B14F-4D97-AF65-F5344CB8AC3E}">
         <p14:creationId xmlns:p14="http://schemas.microsoft.com/office/powerpoint/2010/main" val="3221238780"/>
+      </p:ext>
+    </p:extLst>
+  </p:cSld>
+  <p:clrMapOvr>
+    <a:masterClrMapping/>
+  </p:clrMapOvr>
+</p:sldLayout>
+</file>
+
+<file path=ppt/slideLayouts/slideLayout30.xml><?xml version="1.0" encoding="utf-8"?>
+<p:sldLayout xmlns:a="http://schemas.openxmlformats.org/drawingml/2006/main" xmlns:r="http://schemas.openxmlformats.org/officeDocument/2006/relationships" xmlns:p="http://schemas.openxmlformats.org/presentationml/2006/main" type="objTx" preserve="1">
+  <p:cSld name="Content with Caption">
+    <p:spTree>
+      <p:nvGrpSpPr>
+        <p:cNvPr id="1" name=""/>
+        <p:cNvGrpSpPr/>
+        <p:nvPr/>
+      </p:nvGrpSpPr>
+      <p:grpSpPr>
+        <a:xfrm>
+          <a:off x="0" y="0"/>
+          <a:ext cx="0" cy="0"/>
+          <a:chOff x="0" y="0"/>
+          <a:chExt cx="0" cy="0"/>
+        </a:xfrm>
+      </p:grpSpPr>
+      <p:sp>
+        <p:nvSpPr>
+          <p:cNvPr id="2" name="Title 1"/>
+          <p:cNvSpPr>
+            <a:spLocks noGrp="1"/>
+          </p:cNvSpPr>
+          <p:nvPr>
+            <p:ph type="title"/>
+          </p:nvPr>
+        </p:nvSpPr>
+        <p:spPr>
+          <a:xfrm>
+            <a:off x="839788" y="457200"/>
+            <a:ext cx="3932237" cy="1600200"/>
+          </a:xfrm>
+        </p:spPr>
+        <p:txBody>
+          <a:bodyPr anchor="b"/>
+          <a:lstStyle>
+            <a:lvl1pPr>
+              <a:defRPr sz="3200"/>
+            </a:lvl1pPr>
+          </a:lstStyle>
+          <a:p>
+            <a:r>
+              <a:rPr lang="en-US"/>
+              <a:t>Click to edit Master title style</a:t>
+            </a:r>
+          </a:p>
+        </p:txBody>
+      </p:sp>
+      <p:sp>
+        <p:nvSpPr>
+          <p:cNvPr id="3" name="Content Placeholder 2"/>
+          <p:cNvSpPr>
+            <a:spLocks noGrp="1"/>
+          </p:cNvSpPr>
+          <p:nvPr>
+            <p:ph idx="1"/>
+          </p:nvPr>
+        </p:nvSpPr>
+        <p:spPr>
+          <a:xfrm>
+            <a:off x="5183188" y="987425"/>
+            <a:ext cx="6172200" cy="4873625"/>
+          </a:xfrm>
+        </p:spPr>
+        <p:txBody>
+          <a:bodyPr/>
+          <a:lstStyle>
+            <a:lvl1pPr>
+              <a:defRPr sz="3200"/>
+            </a:lvl1pPr>
+            <a:lvl2pPr>
+              <a:defRPr sz="2800"/>
+            </a:lvl2pPr>
+            <a:lvl3pPr>
+              <a:defRPr sz="2400"/>
+            </a:lvl3pPr>
+            <a:lvl4pPr>
+              <a:defRPr sz="2000"/>
+            </a:lvl4pPr>
+            <a:lvl5pPr>
+              <a:defRPr sz="2000"/>
+            </a:lvl5pPr>
+            <a:lvl6pPr>
+              <a:defRPr sz="2000"/>
+            </a:lvl6pPr>
+            <a:lvl7pPr>
+              <a:defRPr sz="2000"/>
+            </a:lvl7pPr>
+            <a:lvl8pPr>
+              <a:defRPr sz="2000"/>
+            </a:lvl8pPr>
+            <a:lvl9pPr>
+              <a:defRPr sz="2000"/>
+            </a:lvl9pPr>
+          </a:lstStyle>
+          <a:p>
+            <a:pPr lvl="0"/>
+            <a:r>
+              <a:rPr lang="en-US"/>
+              <a:t>Click to edit Master text styles</a:t>
+            </a:r>
+          </a:p>
+          <a:p>
+            <a:pPr lvl="1"/>
+            <a:r>
+              <a:rPr lang="en-US"/>
+              <a:t>Second level</a:t>
+            </a:r>
+          </a:p>
+          <a:p>
+            <a:pPr lvl="2"/>
+            <a:r>
+              <a:rPr lang="en-US"/>
+              <a:t>Third level</a:t>
+            </a:r>
+          </a:p>
+          <a:p>
+            <a:pPr lvl="3"/>
+            <a:r>
+              <a:rPr lang="en-US"/>
+              <a:t>Fourth level</a:t>
+            </a:r>
+          </a:p>
+          <a:p>
+            <a:pPr lvl="4"/>
+            <a:r>
+              <a:rPr lang="en-US"/>
+              <a:t>Fifth level</a:t>
+            </a:r>
+          </a:p>
+        </p:txBody>
+      </p:sp>
+      <p:sp>
+        <p:nvSpPr>
+          <p:cNvPr id="4" name="Text Placeholder 3"/>
+          <p:cNvSpPr>
+            <a:spLocks noGrp="1"/>
+          </p:cNvSpPr>
+          <p:nvPr>
+            <p:ph type="body" sz="half" idx="2"/>
+          </p:nvPr>
+        </p:nvSpPr>
+        <p:spPr>
+          <a:xfrm>
+            <a:off x="839788" y="2057400"/>
+            <a:ext cx="3932237" cy="3811588"/>
+          </a:xfrm>
+        </p:spPr>
+        <p:txBody>
+          <a:bodyPr/>
+          <a:lstStyle>
+            <a:lvl1pPr marL="0" indent="0">
+              <a:buNone/>
+              <a:defRPr sz="1600"/>
+            </a:lvl1pPr>
+            <a:lvl2pPr marL="457200" indent="0">
+              <a:buNone/>
+              <a:defRPr sz="1400"/>
+            </a:lvl2pPr>
+            <a:lvl3pPr marL="914400" indent="0">
+              <a:buNone/>
+              <a:defRPr sz="1200"/>
+            </a:lvl3pPr>
+            <a:lvl4pPr marL="1371600" indent="0">
+              <a:buNone/>
+              <a:defRPr sz="1000"/>
+            </a:lvl4pPr>
+            <a:lvl5pPr marL="1828800" indent="0">
+              <a:buNone/>
+              <a:defRPr sz="1000"/>
+            </a:lvl5pPr>
+            <a:lvl6pPr marL="2286000" indent="0">
+              <a:buNone/>
+              <a:defRPr sz="1000"/>
+            </a:lvl6pPr>
+            <a:lvl7pPr marL="2743200" indent="0">
+              <a:buNone/>
+              <a:defRPr sz="1000"/>
+            </a:lvl7pPr>
+            <a:lvl8pPr marL="3200400" indent="0">
+              <a:buNone/>
+              <a:defRPr sz="1000"/>
+            </a:lvl8pPr>
+            <a:lvl9pPr marL="3657600" indent="0">
+              <a:buNone/>
+              <a:defRPr sz="1000"/>
+            </a:lvl9pPr>
+          </a:lstStyle>
+          <a:p>
+            <a:pPr lvl="0"/>
+            <a:r>
+              <a:rPr lang="en-US"/>
+              <a:t>Click to edit Master text styles</a:t>
+            </a:r>
+          </a:p>
+        </p:txBody>
+      </p:sp>
+      <p:sp>
+        <p:nvSpPr>
+          <p:cNvPr id="5" name="Date Placeholder 4"/>
+          <p:cNvSpPr>
+            <a:spLocks noGrp="1"/>
+          </p:cNvSpPr>
+          <p:nvPr>
+            <p:ph type="dt" sz="half" idx="10"/>
+          </p:nvPr>
+        </p:nvSpPr>
+        <p:spPr/>
+        <p:txBody>
+          <a:bodyPr/>
+          <a:lstStyle/>
+          <a:p>
+            <a:fld id="{232015E6-04D3-AA46-8EB6-5FC99D770932}" type="datetimeFigureOut">
+              <a:rPr lang="en-US" smtClean="0"/>
+              <a:t>10/3/2019</a:t>
+            </a:fld>
+            <a:endParaRPr lang="en-US"/>
+          </a:p>
+        </p:txBody>
+      </p:sp>
+      <p:sp>
+        <p:nvSpPr>
+          <p:cNvPr id="6" name="Footer Placeholder 5"/>
+          <p:cNvSpPr>
+            <a:spLocks noGrp="1"/>
+          </p:cNvSpPr>
+          <p:nvPr>
+            <p:ph type="ftr" sz="quarter" idx="11"/>
+          </p:nvPr>
+        </p:nvSpPr>
+        <p:spPr/>
+        <p:txBody>
+          <a:bodyPr/>
+          <a:lstStyle/>
+          <a:p>
+            <a:endParaRPr lang="en-US"/>
+          </a:p>
+        </p:txBody>
+      </p:sp>
+      <p:sp>
+        <p:nvSpPr>
+          <p:cNvPr id="7" name="Slide Number Placeholder 6"/>
+          <p:cNvSpPr>
+            <a:spLocks noGrp="1"/>
+          </p:cNvSpPr>
+          <p:nvPr>
+            <p:ph type="sldNum" sz="quarter" idx="12"/>
+          </p:nvPr>
+        </p:nvSpPr>
+        <p:spPr/>
+        <p:txBody>
+          <a:bodyPr/>
+          <a:lstStyle/>
+          <a:p>
+            <a:fld id="{1452997D-4953-9D40-BE8A-B0429FF0A279}" type="slidenum">
+              <a:rPr lang="en-US" smtClean="0"/>
+              <a:t>‹#›</a:t>
+            </a:fld>
+            <a:endParaRPr lang="en-US"/>
+          </a:p>
+        </p:txBody>
+      </p:sp>
+    </p:spTree>
+    <p:extLst>
+      <p:ext uri="{BB962C8B-B14F-4D97-AF65-F5344CB8AC3E}">
+        <p14:creationId xmlns:p14="http://schemas.microsoft.com/office/powerpoint/2010/main" val="3238653837"/>
+      </p:ext>
+    </p:extLst>
+  </p:cSld>
+  <p:clrMapOvr>
+    <a:masterClrMapping/>
+  </p:clrMapOvr>
+</p:sldLayout>
+</file>
+
+<file path=ppt/slideLayouts/slideLayout31.xml><?xml version="1.0" encoding="utf-8"?>
+<p:sldLayout xmlns:a="http://schemas.openxmlformats.org/drawingml/2006/main" xmlns:r="http://schemas.openxmlformats.org/officeDocument/2006/relationships" xmlns:p="http://schemas.openxmlformats.org/presentationml/2006/main" type="picTx" preserve="1">
+  <p:cSld name="Picture with Caption">
+    <p:spTree>
+      <p:nvGrpSpPr>
+        <p:cNvPr id="1" name=""/>
+        <p:cNvGrpSpPr/>
+        <p:nvPr/>
+      </p:nvGrpSpPr>
+      <p:grpSpPr>
+        <a:xfrm>
+          <a:off x="0" y="0"/>
+          <a:ext cx="0" cy="0"/>
+          <a:chOff x="0" y="0"/>
+          <a:chExt cx="0" cy="0"/>
+        </a:xfrm>
+      </p:grpSpPr>
+      <p:sp>
+        <p:nvSpPr>
+          <p:cNvPr id="2" name="Title 1"/>
+          <p:cNvSpPr>
+            <a:spLocks noGrp="1"/>
+          </p:cNvSpPr>
+          <p:nvPr>
+            <p:ph type="title"/>
+          </p:nvPr>
+        </p:nvSpPr>
+        <p:spPr>
+          <a:xfrm>
+            <a:off x="839788" y="457200"/>
+            <a:ext cx="3932237" cy="1600200"/>
+          </a:xfrm>
+        </p:spPr>
+        <p:txBody>
+          <a:bodyPr anchor="b"/>
+          <a:lstStyle>
+            <a:lvl1pPr>
+              <a:defRPr sz="3200"/>
+            </a:lvl1pPr>
+          </a:lstStyle>
+          <a:p>
+            <a:r>
+              <a:rPr lang="en-US"/>
+              <a:t>Click to edit Master title style</a:t>
+            </a:r>
+          </a:p>
+        </p:txBody>
+      </p:sp>
+      <p:sp>
+        <p:nvSpPr>
+          <p:cNvPr id="3" name="Picture Placeholder 2"/>
+          <p:cNvSpPr>
+            <a:spLocks noGrp="1"/>
+          </p:cNvSpPr>
+          <p:nvPr>
+            <p:ph type="pic" idx="1"/>
+          </p:nvPr>
+        </p:nvSpPr>
+        <p:spPr>
+          <a:xfrm>
+            <a:off x="5183188" y="987425"/>
+            <a:ext cx="6172200" cy="4873625"/>
+          </a:xfrm>
+        </p:spPr>
+        <p:txBody>
+          <a:bodyPr/>
+          <a:lstStyle>
+            <a:lvl1pPr marL="0" indent="0">
+              <a:buNone/>
+              <a:defRPr sz="3200"/>
+            </a:lvl1pPr>
+            <a:lvl2pPr marL="457200" indent="0">
+              <a:buNone/>
+              <a:defRPr sz="2800"/>
+            </a:lvl2pPr>
+            <a:lvl3pPr marL="914400" indent="0">
+              <a:buNone/>
+              <a:defRPr sz="2400"/>
+            </a:lvl3pPr>
+            <a:lvl4pPr marL="1371600" indent="0">
+              <a:buNone/>
+              <a:defRPr sz="2000"/>
+            </a:lvl4pPr>
+            <a:lvl5pPr marL="1828800" indent="0">
+              <a:buNone/>
+              <a:defRPr sz="2000"/>
+            </a:lvl5pPr>
+            <a:lvl6pPr marL="2286000" indent="0">
+              <a:buNone/>
+              <a:defRPr sz="2000"/>
+            </a:lvl6pPr>
+            <a:lvl7pPr marL="2743200" indent="0">
+              <a:buNone/>
+              <a:defRPr sz="2000"/>
+            </a:lvl7pPr>
+            <a:lvl8pPr marL="3200400" indent="0">
+              <a:buNone/>
+              <a:defRPr sz="2000"/>
+            </a:lvl8pPr>
+            <a:lvl9pPr marL="3657600" indent="0">
+              <a:buNone/>
+              <a:defRPr sz="2000"/>
+            </a:lvl9pPr>
+          </a:lstStyle>
+          <a:p>
+            <a:endParaRPr lang="en-US"/>
+          </a:p>
+        </p:txBody>
+      </p:sp>
+      <p:sp>
+        <p:nvSpPr>
+          <p:cNvPr id="4" name="Text Placeholder 3"/>
+          <p:cNvSpPr>
+            <a:spLocks noGrp="1"/>
+          </p:cNvSpPr>
+          <p:nvPr>
+            <p:ph type="body" sz="half" idx="2"/>
+          </p:nvPr>
+        </p:nvSpPr>
+        <p:spPr>
+          <a:xfrm>
+            <a:off x="839788" y="2057400"/>
+            <a:ext cx="3932237" cy="3811588"/>
+          </a:xfrm>
+        </p:spPr>
+        <p:txBody>
+          <a:bodyPr/>
+          <a:lstStyle>
+            <a:lvl1pPr marL="0" indent="0">
+              <a:buNone/>
+              <a:defRPr sz="1600"/>
+            </a:lvl1pPr>
+            <a:lvl2pPr marL="457200" indent="0">
+              <a:buNone/>
+              <a:defRPr sz="1400"/>
+            </a:lvl2pPr>
+            <a:lvl3pPr marL="914400" indent="0">
+              <a:buNone/>
+              <a:defRPr sz="1200"/>
+            </a:lvl3pPr>
+            <a:lvl4pPr marL="1371600" indent="0">
+              <a:buNone/>
+              <a:defRPr sz="1000"/>
+            </a:lvl4pPr>
+            <a:lvl5pPr marL="1828800" indent="0">
+              <a:buNone/>
+              <a:defRPr sz="1000"/>
+            </a:lvl5pPr>
+            <a:lvl6pPr marL="2286000" indent="0">
+              <a:buNone/>
+              <a:defRPr sz="1000"/>
+            </a:lvl6pPr>
+            <a:lvl7pPr marL="2743200" indent="0">
+              <a:buNone/>
+              <a:defRPr sz="1000"/>
+            </a:lvl7pPr>
+            <a:lvl8pPr marL="3200400" indent="0">
+              <a:buNone/>
+              <a:defRPr sz="1000"/>
+            </a:lvl8pPr>
+            <a:lvl9pPr marL="3657600" indent="0">
+              <a:buNone/>
+              <a:defRPr sz="1000"/>
+            </a:lvl9pPr>
+          </a:lstStyle>
+          <a:p>
+            <a:pPr lvl="0"/>
+            <a:r>
+              <a:rPr lang="en-US"/>
+              <a:t>Click to edit Master text styles</a:t>
+            </a:r>
+          </a:p>
+        </p:txBody>
+      </p:sp>
+      <p:sp>
+        <p:nvSpPr>
+          <p:cNvPr id="5" name="Date Placeholder 4"/>
+          <p:cNvSpPr>
+            <a:spLocks noGrp="1"/>
+          </p:cNvSpPr>
+          <p:nvPr>
+            <p:ph type="dt" sz="half" idx="10"/>
+          </p:nvPr>
+        </p:nvSpPr>
+        <p:spPr/>
+        <p:txBody>
+          <a:bodyPr/>
+          <a:lstStyle/>
+          <a:p>
+            <a:fld id="{232015E6-04D3-AA46-8EB6-5FC99D770932}" type="datetimeFigureOut">
+              <a:rPr lang="en-US" smtClean="0"/>
+              <a:t>10/3/2019</a:t>
+            </a:fld>
+            <a:endParaRPr lang="en-US"/>
+          </a:p>
+        </p:txBody>
+      </p:sp>
+      <p:sp>
+        <p:nvSpPr>
+          <p:cNvPr id="6" name="Footer Placeholder 5"/>
+          <p:cNvSpPr>
+            <a:spLocks noGrp="1"/>
+          </p:cNvSpPr>
+          <p:nvPr>
+            <p:ph type="ftr" sz="quarter" idx="11"/>
+          </p:nvPr>
+        </p:nvSpPr>
+        <p:spPr/>
+        <p:txBody>
+          <a:bodyPr/>
+          <a:lstStyle/>
+          <a:p>
+            <a:endParaRPr lang="en-US"/>
+          </a:p>
+        </p:txBody>
+      </p:sp>
+      <p:sp>
+        <p:nvSpPr>
+          <p:cNvPr id="7" name="Slide Number Placeholder 6"/>
+          <p:cNvSpPr>
+            <a:spLocks noGrp="1"/>
+          </p:cNvSpPr>
+          <p:nvPr>
+            <p:ph type="sldNum" sz="quarter" idx="12"/>
+          </p:nvPr>
+        </p:nvSpPr>
+        <p:spPr/>
+        <p:txBody>
+          <a:bodyPr/>
+          <a:lstStyle/>
+          <a:p>
+            <a:fld id="{1452997D-4953-9D40-BE8A-B0429FF0A279}" type="slidenum">
+              <a:rPr lang="en-US" smtClean="0"/>
+              <a:t>‹#›</a:t>
+            </a:fld>
+            <a:endParaRPr lang="en-US"/>
+          </a:p>
+        </p:txBody>
+      </p:sp>
+    </p:spTree>
+    <p:extLst>
+      <p:ext uri="{BB962C8B-B14F-4D97-AF65-F5344CB8AC3E}">
+        <p14:creationId xmlns:p14="http://schemas.microsoft.com/office/powerpoint/2010/main" val="1763762455"/>
+      </p:ext>
+    </p:extLst>
+  </p:cSld>
+  <p:clrMapOvr>
+    <a:masterClrMapping/>
+  </p:clrMapOvr>
+</p:sldLayout>
+</file>
+
+<file path=ppt/slideLayouts/slideLayout32.xml><?xml version="1.0" encoding="utf-8"?>
+<p:sldLayout xmlns:a="http://schemas.openxmlformats.org/drawingml/2006/main" xmlns:r="http://schemas.openxmlformats.org/officeDocument/2006/relationships" xmlns:p="http://schemas.openxmlformats.org/presentationml/2006/main" type="vertTx" preserve="1">
+  <p:cSld name="Title and Vertical Text">
+    <p:spTree>
+      <p:nvGrpSpPr>
+        <p:cNvPr id="1" name=""/>
+        <p:cNvGrpSpPr/>
+        <p:nvPr/>
+      </p:nvGrpSpPr>
+      <p:grpSpPr>
+        <a:xfrm>
+          <a:off x="0" y="0"/>
+          <a:ext cx="0" cy="0"/>
+          <a:chOff x="0" y="0"/>
+          <a:chExt cx="0" cy="0"/>
+        </a:xfrm>
+      </p:grpSpPr>
+      <p:sp>
+        <p:nvSpPr>
+          <p:cNvPr id="2" name="Title 1"/>
+          <p:cNvSpPr>
+            <a:spLocks noGrp="1"/>
+          </p:cNvSpPr>
+          <p:nvPr>
+            <p:ph type="title"/>
+          </p:nvPr>
+        </p:nvSpPr>
+        <p:spPr/>
+        <p:txBody>
+          <a:bodyPr/>
+          <a:lstStyle/>
+          <a:p>
+            <a:r>
+              <a:rPr lang="en-US"/>
+              <a:t>Click to edit Master title style</a:t>
+            </a:r>
+          </a:p>
+        </p:txBody>
+      </p:sp>
+      <p:sp>
+        <p:nvSpPr>
+          <p:cNvPr id="3" name="Vertical Text Placeholder 2"/>
+          <p:cNvSpPr>
+            <a:spLocks noGrp="1"/>
+          </p:cNvSpPr>
+          <p:nvPr>
+            <p:ph type="body" orient="vert" idx="1"/>
+          </p:nvPr>
+        </p:nvSpPr>
+        <p:spPr/>
+        <p:txBody>
+          <a:bodyPr vert="eaVert"/>
+          <a:lstStyle/>
+          <a:p>
+            <a:pPr lvl="0"/>
+            <a:r>
+              <a:rPr lang="en-US"/>
+              <a:t>Click to edit Master text styles</a:t>
+            </a:r>
+          </a:p>
+          <a:p>
+            <a:pPr lvl="1"/>
+            <a:r>
+              <a:rPr lang="en-US"/>
+              <a:t>Second level</a:t>
+            </a:r>
+          </a:p>
+          <a:p>
+            <a:pPr lvl="2"/>
+            <a:r>
+              <a:rPr lang="en-US"/>
+              <a:t>Third level</a:t>
+            </a:r>
+          </a:p>
+          <a:p>
+            <a:pPr lvl="3"/>
+            <a:r>
+              <a:rPr lang="en-US"/>
+              <a:t>Fourth level</a:t>
+            </a:r>
+          </a:p>
+          <a:p>
+            <a:pPr lvl="4"/>
+            <a:r>
+              <a:rPr lang="en-US"/>
+              <a:t>Fifth level</a:t>
+            </a:r>
+          </a:p>
+        </p:txBody>
+      </p:sp>
+      <p:sp>
+        <p:nvSpPr>
+          <p:cNvPr id="4" name="Date Placeholder 3"/>
+          <p:cNvSpPr>
+            <a:spLocks noGrp="1"/>
+          </p:cNvSpPr>
+          <p:nvPr>
+            <p:ph type="dt" sz="half" idx="10"/>
+          </p:nvPr>
+        </p:nvSpPr>
+        <p:spPr/>
+        <p:txBody>
+          <a:bodyPr/>
+          <a:lstStyle/>
+          <a:p>
+            <a:fld id="{232015E6-04D3-AA46-8EB6-5FC99D770932}" type="datetimeFigureOut">
+              <a:rPr lang="en-US" smtClean="0"/>
+              <a:t>10/3/2019</a:t>
+            </a:fld>
+            <a:endParaRPr lang="en-US"/>
+          </a:p>
+        </p:txBody>
+      </p:sp>
+      <p:sp>
+        <p:nvSpPr>
+          <p:cNvPr id="5" name="Footer Placeholder 4"/>
+          <p:cNvSpPr>
+            <a:spLocks noGrp="1"/>
+          </p:cNvSpPr>
+          <p:nvPr>
+            <p:ph type="ftr" sz="quarter" idx="11"/>
+          </p:nvPr>
+        </p:nvSpPr>
+        <p:spPr/>
+        <p:txBody>
+          <a:bodyPr/>
+          <a:lstStyle/>
+          <a:p>
+            <a:endParaRPr lang="en-US"/>
+          </a:p>
+        </p:txBody>
+      </p:sp>
+      <p:sp>
+        <p:nvSpPr>
+          <p:cNvPr id="6" name="Slide Number Placeholder 5"/>
+          <p:cNvSpPr>
+            <a:spLocks noGrp="1"/>
+          </p:cNvSpPr>
+          <p:nvPr>
+            <p:ph type="sldNum" sz="quarter" idx="12"/>
+          </p:nvPr>
+        </p:nvSpPr>
+        <p:spPr/>
+        <p:txBody>
+          <a:bodyPr/>
+          <a:lstStyle/>
+          <a:p>
+            <a:fld id="{1452997D-4953-9D40-BE8A-B0429FF0A279}" type="slidenum">
+              <a:rPr lang="en-US" smtClean="0"/>
+              <a:t>‹#›</a:t>
+            </a:fld>
+            <a:endParaRPr lang="en-US"/>
+          </a:p>
+        </p:txBody>
+      </p:sp>
+    </p:spTree>
+    <p:extLst>
+      <p:ext uri="{BB962C8B-B14F-4D97-AF65-F5344CB8AC3E}">
+        <p14:creationId xmlns:p14="http://schemas.microsoft.com/office/powerpoint/2010/main" val="898174781"/>
+      </p:ext>
+    </p:extLst>
+  </p:cSld>
+  <p:clrMapOvr>
+    <a:masterClrMapping/>
+  </p:clrMapOvr>
+</p:sldLayout>
+</file>
+
+<file path=ppt/slideLayouts/slideLayout33.xml><?xml version="1.0" encoding="utf-8"?>
+<p:sldLayout xmlns:a="http://schemas.openxmlformats.org/drawingml/2006/main" xmlns:r="http://schemas.openxmlformats.org/officeDocument/2006/relationships" xmlns:p="http://schemas.openxmlformats.org/presentationml/2006/main" type="vertTitleAndTx" preserve="1">
+  <p:cSld name="Vertical Title and Text">
+    <p:spTree>
+      <p:nvGrpSpPr>
+        <p:cNvPr id="1" name=""/>
+        <p:cNvGrpSpPr/>
+        <p:nvPr/>
+      </p:nvGrpSpPr>
+      <p:grpSpPr>
+        <a:xfrm>
+          <a:off x="0" y="0"/>
+          <a:ext cx="0" cy="0"/>
+          <a:chOff x="0" y="0"/>
+          <a:chExt cx="0" cy="0"/>
+        </a:xfrm>
+      </p:grpSpPr>
+      <p:sp>
+        <p:nvSpPr>
+          <p:cNvPr id="2" name="Vertical Title 1"/>
+          <p:cNvSpPr>
+            <a:spLocks noGrp="1"/>
+          </p:cNvSpPr>
+          <p:nvPr>
+            <p:ph type="title" orient="vert"/>
+          </p:nvPr>
+        </p:nvSpPr>
+        <p:spPr>
+          <a:xfrm>
+            <a:off x="8724900" y="365125"/>
+            <a:ext cx="2628900" cy="5811838"/>
+          </a:xfrm>
+        </p:spPr>
+        <p:txBody>
+          <a:bodyPr vert="eaVert"/>
+          <a:lstStyle/>
+          <a:p>
+            <a:r>
+              <a:rPr lang="en-US"/>
+              <a:t>Click to edit Master title style</a:t>
+            </a:r>
+          </a:p>
+        </p:txBody>
+      </p:sp>
+      <p:sp>
+        <p:nvSpPr>
+          <p:cNvPr id="3" name="Vertical Text Placeholder 2"/>
+          <p:cNvSpPr>
+            <a:spLocks noGrp="1"/>
+          </p:cNvSpPr>
+          <p:nvPr>
+            <p:ph type="body" orient="vert" idx="1"/>
+          </p:nvPr>
+        </p:nvSpPr>
+        <p:spPr>
+          <a:xfrm>
+            <a:off x="838200" y="365125"/>
+            <a:ext cx="7734300" cy="5811838"/>
+          </a:xfrm>
+        </p:spPr>
+        <p:txBody>
+          <a:bodyPr vert="eaVert"/>
+          <a:lstStyle/>
+          <a:p>
+            <a:pPr lvl="0"/>
+            <a:r>
+              <a:rPr lang="en-US"/>
+              <a:t>Click to edit Master text styles</a:t>
+            </a:r>
+          </a:p>
+          <a:p>
+            <a:pPr lvl="1"/>
+            <a:r>
+              <a:rPr lang="en-US"/>
+              <a:t>Second level</a:t>
+            </a:r>
+          </a:p>
+          <a:p>
+            <a:pPr lvl="2"/>
+            <a:r>
+              <a:rPr lang="en-US"/>
+              <a:t>Third level</a:t>
+            </a:r>
+          </a:p>
+          <a:p>
+            <a:pPr lvl="3"/>
+            <a:r>
+              <a:rPr lang="en-US"/>
+              <a:t>Fourth level</a:t>
+            </a:r>
+          </a:p>
+          <a:p>
+            <a:pPr lvl="4"/>
+            <a:r>
+              <a:rPr lang="en-US"/>
+              <a:t>Fifth level</a:t>
+            </a:r>
+          </a:p>
+        </p:txBody>
+      </p:sp>
+      <p:sp>
+        <p:nvSpPr>
+          <p:cNvPr id="4" name="Date Placeholder 3"/>
+          <p:cNvSpPr>
+            <a:spLocks noGrp="1"/>
+          </p:cNvSpPr>
+          <p:nvPr>
+            <p:ph type="dt" sz="half" idx="10"/>
+          </p:nvPr>
+        </p:nvSpPr>
+        <p:spPr/>
+        <p:txBody>
+          <a:bodyPr/>
+          <a:lstStyle/>
+          <a:p>
+            <a:fld id="{232015E6-04D3-AA46-8EB6-5FC99D770932}" type="datetimeFigureOut">
+              <a:rPr lang="en-US" smtClean="0"/>
+              <a:t>10/3/2019</a:t>
+            </a:fld>
+            <a:endParaRPr lang="en-US"/>
+          </a:p>
+        </p:txBody>
+      </p:sp>
+      <p:sp>
+        <p:nvSpPr>
+          <p:cNvPr id="5" name="Footer Placeholder 4"/>
+          <p:cNvSpPr>
+            <a:spLocks noGrp="1"/>
+          </p:cNvSpPr>
+          <p:nvPr>
+            <p:ph type="ftr" sz="quarter" idx="11"/>
+          </p:nvPr>
+        </p:nvSpPr>
+        <p:spPr/>
+        <p:txBody>
+          <a:bodyPr/>
+          <a:lstStyle/>
+          <a:p>
+            <a:endParaRPr lang="en-US"/>
+          </a:p>
+        </p:txBody>
+      </p:sp>
+      <p:sp>
+        <p:nvSpPr>
+          <p:cNvPr id="6" name="Slide Number Placeholder 5"/>
+          <p:cNvSpPr>
+            <a:spLocks noGrp="1"/>
+          </p:cNvSpPr>
+          <p:nvPr>
+            <p:ph type="sldNum" sz="quarter" idx="12"/>
+          </p:nvPr>
+        </p:nvSpPr>
+        <p:spPr/>
+        <p:txBody>
+          <a:bodyPr/>
+          <a:lstStyle/>
+          <a:p>
+            <a:fld id="{1452997D-4953-9D40-BE8A-B0429FF0A279}" type="slidenum">
+              <a:rPr lang="en-US" smtClean="0"/>
+              <a:t>‹#›</a:t>
+            </a:fld>
+            <a:endParaRPr lang="en-US"/>
+          </a:p>
+        </p:txBody>
+      </p:sp>
+    </p:spTree>
+    <p:extLst>
+      <p:ext uri="{BB962C8B-B14F-4D97-AF65-F5344CB8AC3E}">
+        <p14:creationId xmlns:p14="http://schemas.microsoft.com/office/powerpoint/2010/main" val="1205176080"/>
       </p:ext>
     </p:extLst>
   </p:cSld>
@@ -6398,6 +9185,544 @@
           <a:spcPts val="500"/>
         </a:spcBef>
         <a:buFont typeface="Arial" panose="020B0604020202020204" pitchFamily="34" charset="0"/>
+        <a:buChar char="•"/>
+        <a:defRPr sz="1800" kern="1200">
+          <a:solidFill>
+            <a:schemeClr val="tx1"/>
+          </a:solidFill>
+          <a:latin typeface="+mn-lt"/>
+          <a:ea typeface="+mn-ea"/>
+          <a:cs typeface="+mn-cs"/>
+        </a:defRPr>
+      </a:lvl9pPr>
+    </p:bodyStyle>
+    <p:otherStyle>
+      <a:defPPr>
+        <a:defRPr lang="en-US"/>
+      </a:defPPr>
+      <a:lvl1pPr marL="0" algn="l" defTabSz="914400" rtl="0" eaLnBrk="1" latinLnBrk="0" hangingPunct="1">
+        <a:defRPr sz="1800" kern="1200">
+          <a:solidFill>
+            <a:schemeClr val="tx1"/>
+          </a:solidFill>
+          <a:latin typeface="+mn-lt"/>
+          <a:ea typeface="+mn-ea"/>
+          <a:cs typeface="+mn-cs"/>
+        </a:defRPr>
+      </a:lvl1pPr>
+      <a:lvl2pPr marL="457200" algn="l" defTabSz="914400" rtl="0" eaLnBrk="1" latinLnBrk="0" hangingPunct="1">
+        <a:defRPr sz="1800" kern="1200">
+          <a:solidFill>
+            <a:schemeClr val="tx1"/>
+          </a:solidFill>
+          <a:latin typeface="+mn-lt"/>
+          <a:ea typeface="+mn-ea"/>
+          <a:cs typeface="+mn-cs"/>
+        </a:defRPr>
+      </a:lvl2pPr>
+      <a:lvl3pPr marL="914400" algn="l" defTabSz="914400" rtl="0" eaLnBrk="1" latinLnBrk="0" hangingPunct="1">
+        <a:defRPr sz="1800" kern="1200">
+          <a:solidFill>
+            <a:schemeClr val="tx1"/>
+          </a:solidFill>
+          <a:latin typeface="+mn-lt"/>
+          <a:ea typeface="+mn-ea"/>
+          <a:cs typeface="+mn-cs"/>
+        </a:defRPr>
+      </a:lvl3pPr>
+      <a:lvl4pPr marL="1371600" algn="l" defTabSz="914400" rtl="0" eaLnBrk="1" latinLnBrk="0" hangingPunct="1">
+        <a:defRPr sz="1800" kern="1200">
+          <a:solidFill>
+            <a:schemeClr val="tx1"/>
+          </a:solidFill>
+          <a:latin typeface="+mn-lt"/>
+          <a:ea typeface="+mn-ea"/>
+          <a:cs typeface="+mn-cs"/>
+        </a:defRPr>
+      </a:lvl4pPr>
+      <a:lvl5pPr marL="1828800" algn="l" defTabSz="914400" rtl="0" eaLnBrk="1" latinLnBrk="0" hangingPunct="1">
+        <a:defRPr sz="1800" kern="1200">
+          <a:solidFill>
+            <a:schemeClr val="tx1"/>
+          </a:solidFill>
+          <a:latin typeface="+mn-lt"/>
+          <a:ea typeface="+mn-ea"/>
+          <a:cs typeface="+mn-cs"/>
+        </a:defRPr>
+      </a:lvl5pPr>
+      <a:lvl6pPr marL="2286000" algn="l" defTabSz="914400" rtl="0" eaLnBrk="1" latinLnBrk="0" hangingPunct="1">
+        <a:defRPr sz="1800" kern="1200">
+          <a:solidFill>
+            <a:schemeClr val="tx1"/>
+          </a:solidFill>
+          <a:latin typeface="+mn-lt"/>
+          <a:ea typeface="+mn-ea"/>
+          <a:cs typeface="+mn-cs"/>
+        </a:defRPr>
+      </a:lvl6pPr>
+      <a:lvl7pPr marL="2743200" algn="l" defTabSz="914400" rtl="0" eaLnBrk="1" latinLnBrk="0" hangingPunct="1">
+        <a:defRPr sz="1800" kern="1200">
+          <a:solidFill>
+            <a:schemeClr val="tx1"/>
+          </a:solidFill>
+          <a:latin typeface="+mn-lt"/>
+          <a:ea typeface="+mn-ea"/>
+          <a:cs typeface="+mn-cs"/>
+        </a:defRPr>
+      </a:lvl7pPr>
+      <a:lvl8pPr marL="3200400" algn="l" defTabSz="914400" rtl="0" eaLnBrk="1" latinLnBrk="0" hangingPunct="1">
+        <a:defRPr sz="1800" kern="1200">
+          <a:solidFill>
+            <a:schemeClr val="tx1"/>
+          </a:solidFill>
+          <a:latin typeface="+mn-lt"/>
+          <a:ea typeface="+mn-ea"/>
+          <a:cs typeface="+mn-cs"/>
+        </a:defRPr>
+      </a:lvl8pPr>
+      <a:lvl9pPr marL="3657600" algn="l" defTabSz="914400" rtl="0" eaLnBrk="1" latinLnBrk="0" hangingPunct="1">
+        <a:defRPr sz="1800" kern="1200">
+          <a:solidFill>
+            <a:schemeClr val="tx1"/>
+          </a:solidFill>
+          <a:latin typeface="+mn-lt"/>
+          <a:ea typeface="+mn-ea"/>
+          <a:cs typeface="+mn-cs"/>
+        </a:defRPr>
+      </a:lvl9pPr>
+    </p:otherStyle>
+  </p:txStyles>
+</p:sldMaster>
+</file>
+
+<file path=ppt/slideMasters/slideMaster3.xml><?xml version="1.0" encoding="utf-8"?>
+<p:sldMaster xmlns:a="http://schemas.openxmlformats.org/drawingml/2006/main" xmlns:r="http://schemas.openxmlformats.org/officeDocument/2006/relationships" xmlns:p="http://schemas.openxmlformats.org/presentationml/2006/main">
+  <p:cSld>
+    <p:bg>
+      <p:bgRef idx="1001">
+        <a:schemeClr val="bg1"/>
+      </p:bgRef>
+    </p:bg>
+    <p:spTree>
+      <p:nvGrpSpPr>
+        <p:cNvPr id="1" name=""/>
+        <p:cNvGrpSpPr/>
+        <p:nvPr/>
+      </p:nvGrpSpPr>
+      <p:grpSpPr>
+        <a:xfrm>
+          <a:off x="0" y="0"/>
+          <a:ext cx="0" cy="0"/>
+          <a:chOff x="0" y="0"/>
+          <a:chExt cx="0" cy="0"/>
+        </a:xfrm>
+      </p:grpSpPr>
+      <p:sp>
+        <p:nvSpPr>
+          <p:cNvPr id="2" name="Title Placeholder 1"/>
+          <p:cNvSpPr>
+            <a:spLocks noGrp="1"/>
+          </p:cNvSpPr>
+          <p:nvPr>
+            <p:ph type="title"/>
+          </p:nvPr>
+        </p:nvSpPr>
+        <p:spPr>
+          <a:xfrm>
+            <a:off x="838200" y="365125"/>
+            <a:ext cx="10515600" cy="1325563"/>
+          </a:xfrm>
+          <a:prstGeom prst="rect">
+            <a:avLst/>
+          </a:prstGeom>
+        </p:spPr>
+        <p:txBody>
+          <a:bodyPr vert="horz" lIns="91440" tIns="45720" rIns="91440" bIns="45720" rtlCol="0" anchor="ctr">
+            <a:normAutofit/>
+          </a:bodyPr>
+          <a:lstStyle/>
+          <a:p>
+            <a:r>
+              <a:rPr lang="en-US"/>
+              <a:t>Click to edit Master title style</a:t>
+            </a:r>
+          </a:p>
+        </p:txBody>
+      </p:sp>
+      <p:sp>
+        <p:nvSpPr>
+          <p:cNvPr id="3" name="Text Placeholder 2"/>
+          <p:cNvSpPr>
+            <a:spLocks noGrp="1"/>
+          </p:cNvSpPr>
+          <p:nvPr>
+            <p:ph type="body" idx="1"/>
+          </p:nvPr>
+        </p:nvSpPr>
+        <p:spPr>
+          <a:xfrm>
+            <a:off x="838200" y="1825625"/>
+            <a:ext cx="10515600" cy="4351338"/>
+          </a:xfrm>
+          <a:prstGeom prst="rect">
+            <a:avLst/>
+          </a:prstGeom>
+        </p:spPr>
+        <p:txBody>
+          <a:bodyPr vert="horz" lIns="91440" tIns="45720" rIns="91440" bIns="45720" rtlCol="0">
+            <a:normAutofit/>
+          </a:bodyPr>
+          <a:lstStyle/>
+          <a:p>
+            <a:pPr lvl="0"/>
+            <a:r>
+              <a:rPr lang="en-US"/>
+              <a:t>Click to edit Master text styles</a:t>
+            </a:r>
+          </a:p>
+          <a:p>
+            <a:pPr lvl="1"/>
+            <a:r>
+              <a:rPr lang="en-US"/>
+              <a:t>Second level</a:t>
+            </a:r>
+          </a:p>
+          <a:p>
+            <a:pPr lvl="2"/>
+            <a:r>
+              <a:rPr lang="en-US"/>
+              <a:t>Third level</a:t>
+            </a:r>
+          </a:p>
+          <a:p>
+            <a:pPr lvl="3"/>
+            <a:r>
+              <a:rPr lang="en-US"/>
+              <a:t>Fourth level</a:t>
+            </a:r>
+          </a:p>
+          <a:p>
+            <a:pPr lvl="4"/>
+            <a:r>
+              <a:rPr lang="en-US"/>
+              <a:t>Fifth level</a:t>
+            </a:r>
+          </a:p>
+        </p:txBody>
+      </p:sp>
+      <p:sp>
+        <p:nvSpPr>
+          <p:cNvPr id="4" name="Date Placeholder 3"/>
+          <p:cNvSpPr>
+            <a:spLocks noGrp="1"/>
+          </p:cNvSpPr>
+          <p:nvPr>
+            <p:ph type="dt" sz="half" idx="2"/>
+          </p:nvPr>
+        </p:nvSpPr>
+        <p:spPr>
+          <a:xfrm>
+            <a:off x="838200" y="6356350"/>
+            <a:ext cx="2743200" cy="365125"/>
+          </a:xfrm>
+          <a:prstGeom prst="rect">
+            <a:avLst/>
+          </a:prstGeom>
+        </p:spPr>
+        <p:txBody>
+          <a:bodyPr vert="horz" lIns="91440" tIns="45720" rIns="91440" bIns="45720" rtlCol="0" anchor="ctr"/>
+          <a:lstStyle>
+            <a:lvl1pPr algn="l">
+              <a:defRPr sz="1200">
+                <a:solidFill>
+                  <a:schemeClr val="tx1">
+                    <a:tint val="75000"/>
+                  </a:schemeClr>
+                </a:solidFill>
+              </a:defRPr>
+            </a:lvl1pPr>
+          </a:lstStyle>
+          <a:p>
+            <a:fld id="{232015E6-04D3-AA46-8EB6-5FC99D770932}" type="datetimeFigureOut">
+              <a:rPr lang="en-US" smtClean="0"/>
+              <a:t>10/3/2019</a:t>
+            </a:fld>
+            <a:endParaRPr lang="en-US"/>
+          </a:p>
+        </p:txBody>
+      </p:sp>
+      <p:sp>
+        <p:nvSpPr>
+          <p:cNvPr id="5" name="Footer Placeholder 4"/>
+          <p:cNvSpPr>
+            <a:spLocks noGrp="1"/>
+          </p:cNvSpPr>
+          <p:nvPr>
+            <p:ph type="ftr" sz="quarter" idx="3"/>
+          </p:nvPr>
+        </p:nvSpPr>
+        <p:spPr>
+          <a:xfrm>
+            <a:off x="4038600" y="6356350"/>
+            <a:ext cx="4114800" cy="365125"/>
+          </a:xfrm>
+          <a:prstGeom prst="rect">
+            <a:avLst/>
+          </a:prstGeom>
+        </p:spPr>
+        <p:txBody>
+          <a:bodyPr vert="horz" lIns="91440" tIns="45720" rIns="91440" bIns="45720" rtlCol="0" anchor="ctr"/>
+          <a:lstStyle>
+            <a:lvl1pPr algn="ctr">
+              <a:defRPr sz="1200">
+                <a:solidFill>
+                  <a:schemeClr val="tx1">
+                    <a:tint val="75000"/>
+                  </a:schemeClr>
+                </a:solidFill>
+              </a:defRPr>
+            </a:lvl1pPr>
+          </a:lstStyle>
+          <a:p>
+            <a:endParaRPr lang="en-US"/>
+          </a:p>
+        </p:txBody>
+      </p:sp>
+      <p:sp>
+        <p:nvSpPr>
+          <p:cNvPr id="6" name="Slide Number Placeholder 5"/>
+          <p:cNvSpPr>
+            <a:spLocks noGrp="1"/>
+          </p:cNvSpPr>
+          <p:nvPr>
+            <p:ph type="sldNum" sz="quarter" idx="4"/>
+          </p:nvPr>
+        </p:nvSpPr>
+        <p:spPr>
+          <a:xfrm>
+            <a:off x="8610600" y="6356350"/>
+            <a:ext cx="2743200" cy="365125"/>
+          </a:xfrm>
+          <a:prstGeom prst="rect">
+            <a:avLst/>
+          </a:prstGeom>
+        </p:spPr>
+        <p:txBody>
+          <a:bodyPr vert="horz" lIns="91440" tIns="45720" rIns="91440" bIns="45720" rtlCol="0" anchor="ctr"/>
+          <a:lstStyle>
+            <a:lvl1pPr algn="r">
+              <a:defRPr sz="1200">
+                <a:solidFill>
+                  <a:schemeClr val="tx1">
+                    <a:tint val="75000"/>
+                  </a:schemeClr>
+                </a:solidFill>
+              </a:defRPr>
+            </a:lvl1pPr>
+          </a:lstStyle>
+          <a:p>
+            <a:fld id="{1452997D-4953-9D40-BE8A-B0429FF0A279}" type="slidenum">
+              <a:rPr lang="en-US" smtClean="0"/>
+              <a:t>‹#›</a:t>
+            </a:fld>
+            <a:endParaRPr lang="en-US"/>
+          </a:p>
+        </p:txBody>
+      </p:sp>
+    </p:spTree>
+    <p:extLst>
+      <p:ext uri="{BB962C8B-B14F-4D97-AF65-F5344CB8AC3E}">
+        <p14:creationId xmlns:p14="http://schemas.microsoft.com/office/powerpoint/2010/main" val="1096763565"/>
+      </p:ext>
+    </p:extLst>
+  </p:cSld>
+  <p:clrMap bg1="lt1" tx1="dk1" bg2="lt2" tx2="dk2" accent1="accent1" accent2="accent2" accent3="accent3" accent4="accent4" accent5="accent5" accent6="accent6" hlink="hlink" folHlink="folHlink"/>
+  <p:sldLayoutIdLst>
+    <p:sldLayoutId id="2147483673" r:id="rId1"/>
+    <p:sldLayoutId id="2147483674" r:id="rId2"/>
+    <p:sldLayoutId id="2147483675" r:id="rId3"/>
+    <p:sldLayoutId id="2147483676" r:id="rId4"/>
+    <p:sldLayoutId id="2147483677" r:id="rId5"/>
+    <p:sldLayoutId id="2147483678" r:id="rId6"/>
+    <p:sldLayoutId id="2147483679" r:id="rId7"/>
+    <p:sldLayoutId id="2147483680" r:id="rId8"/>
+    <p:sldLayoutId id="2147483681" r:id="rId9"/>
+    <p:sldLayoutId id="2147483682" r:id="rId10"/>
+    <p:sldLayoutId id="2147483683" r:id="rId11"/>
+  </p:sldLayoutIdLst>
+  <p:txStyles>
+    <p:titleStyle>
+      <a:lvl1pPr algn="l" defTabSz="914400" rtl="0" eaLnBrk="1" latinLnBrk="0" hangingPunct="1">
+        <a:lnSpc>
+          <a:spcPct val="90000"/>
+        </a:lnSpc>
+        <a:spcBef>
+          <a:spcPct val="0"/>
+        </a:spcBef>
+        <a:buNone/>
+        <a:defRPr sz="4400" kern="1200">
+          <a:solidFill>
+            <a:schemeClr val="tx1"/>
+          </a:solidFill>
+          <a:latin typeface="+mj-lt"/>
+          <a:ea typeface="+mj-ea"/>
+          <a:cs typeface="+mj-cs"/>
+        </a:defRPr>
+      </a:lvl1pPr>
+    </p:titleStyle>
+    <p:bodyStyle>
+      <a:lvl1pPr marL="228600" indent="-228600" algn="l" defTabSz="914400" rtl="0" eaLnBrk="1" latinLnBrk="0" hangingPunct="1">
+        <a:lnSpc>
+          <a:spcPct val="90000"/>
+        </a:lnSpc>
+        <a:spcBef>
+          <a:spcPts val="1000"/>
+        </a:spcBef>
+        <a:buFont typeface="Arial"/>
+        <a:buChar char="•"/>
+        <a:defRPr sz="2800" kern="1200">
+          <a:solidFill>
+            <a:schemeClr val="tx1"/>
+          </a:solidFill>
+          <a:latin typeface="+mn-lt"/>
+          <a:ea typeface="+mn-ea"/>
+          <a:cs typeface="+mn-cs"/>
+        </a:defRPr>
+      </a:lvl1pPr>
+      <a:lvl2pPr marL="685800" indent="-228600" algn="l" defTabSz="914400" rtl="0" eaLnBrk="1" latinLnBrk="0" hangingPunct="1">
+        <a:lnSpc>
+          <a:spcPct val="90000"/>
+        </a:lnSpc>
+        <a:spcBef>
+          <a:spcPts val="500"/>
+        </a:spcBef>
+        <a:buFont typeface="Arial"/>
+        <a:buChar char="•"/>
+        <a:defRPr sz="2400" kern="1200">
+          <a:solidFill>
+            <a:schemeClr val="tx1"/>
+          </a:solidFill>
+          <a:latin typeface="+mn-lt"/>
+          <a:ea typeface="+mn-ea"/>
+          <a:cs typeface="+mn-cs"/>
+        </a:defRPr>
+      </a:lvl2pPr>
+      <a:lvl3pPr marL="1143000" indent="-228600" algn="l" defTabSz="914400" rtl="0" eaLnBrk="1" latinLnBrk="0" hangingPunct="1">
+        <a:lnSpc>
+          <a:spcPct val="90000"/>
+        </a:lnSpc>
+        <a:spcBef>
+          <a:spcPts val="500"/>
+        </a:spcBef>
+        <a:buFont typeface="Arial"/>
+        <a:buChar char="•"/>
+        <a:defRPr sz="2000" kern="1200">
+          <a:solidFill>
+            <a:schemeClr val="tx1"/>
+          </a:solidFill>
+          <a:latin typeface="+mn-lt"/>
+          <a:ea typeface="+mn-ea"/>
+          <a:cs typeface="+mn-cs"/>
+        </a:defRPr>
+      </a:lvl3pPr>
+      <a:lvl4pPr marL="1600200" indent="-228600" algn="l" defTabSz="914400" rtl="0" eaLnBrk="1" latinLnBrk="0" hangingPunct="1">
+        <a:lnSpc>
+          <a:spcPct val="90000"/>
+        </a:lnSpc>
+        <a:spcBef>
+          <a:spcPts val="500"/>
+        </a:spcBef>
+        <a:buFont typeface="Arial"/>
+        <a:buChar char="•"/>
+        <a:defRPr sz="1800" kern="1200">
+          <a:solidFill>
+            <a:schemeClr val="tx1"/>
+          </a:solidFill>
+          <a:latin typeface="+mn-lt"/>
+          <a:ea typeface="+mn-ea"/>
+          <a:cs typeface="+mn-cs"/>
+        </a:defRPr>
+      </a:lvl4pPr>
+      <a:lvl5pPr marL="2057400" indent="-228600" algn="l" defTabSz="914400" rtl="0" eaLnBrk="1" latinLnBrk="0" hangingPunct="1">
+        <a:lnSpc>
+          <a:spcPct val="90000"/>
+        </a:lnSpc>
+        <a:spcBef>
+          <a:spcPts val="500"/>
+        </a:spcBef>
+        <a:buFont typeface="Arial"/>
+        <a:buChar char="•"/>
+        <a:defRPr sz="1800" kern="1200">
+          <a:solidFill>
+            <a:schemeClr val="tx1"/>
+          </a:solidFill>
+          <a:latin typeface="+mn-lt"/>
+          <a:ea typeface="+mn-ea"/>
+          <a:cs typeface="+mn-cs"/>
+        </a:defRPr>
+      </a:lvl5pPr>
+      <a:lvl6pPr marL="2514600" indent="-228600" algn="l" defTabSz="914400" rtl="0" eaLnBrk="1" latinLnBrk="0" hangingPunct="1">
+        <a:lnSpc>
+          <a:spcPct val="90000"/>
+        </a:lnSpc>
+        <a:spcBef>
+          <a:spcPts val="500"/>
+        </a:spcBef>
+        <a:buFont typeface="Arial"/>
+        <a:buChar char="•"/>
+        <a:defRPr sz="1800" kern="1200">
+          <a:solidFill>
+            <a:schemeClr val="tx1"/>
+          </a:solidFill>
+          <a:latin typeface="+mn-lt"/>
+          <a:ea typeface="+mn-ea"/>
+          <a:cs typeface="+mn-cs"/>
+        </a:defRPr>
+      </a:lvl6pPr>
+      <a:lvl7pPr marL="2971800" indent="-228600" algn="l" defTabSz="914400" rtl="0" eaLnBrk="1" latinLnBrk="0" hangingPunct="1">
+        <a:lnSpc>
+          <a:spcPct val="90000"/>
+        </a:lnSpc>
+        <a:spcBef>
+          <a:spcPts val="500"/>
+        </a:spcBef>
+        <a:buFont typeface="Arial"/>
+        <a:buChar char="•"/>
+        <a:defRPr sz="1800" kern="1200">
+          <a:solidFill>
+            <a:schemeClr val="tx1"/>
+          </a:solidFill>
+          <a:latin typeface="+mn-lt"/>
+          <a:ea typeface="+mn-ea"/>
+          <a:cs typeface="+mn-cs"/>
+        </a:defRPr>
+      </a:lvl7pPr>
+      <a:lvl8pPr marL="3429000" indent="-228600" algn="l" defTabSz="914400" rtl="0" eaLnBrk="1" latinLnBrk="0" hangingPunct="1">
+        <a:lnSpc>
+          <a:spcPct val="90000"/>
+        </a:lnSpc>
+        <a:spcBef>
+          <a:spcPts val="500"/>
+        </a:spcBef>
+        <a:buFont typeface="Arial"/>
+        <a:buChar char="•"/>
+        <a:defRPr sz="1800" kern="1200">
+          <a:solidFill>
+            <a:schemeClr val="tx1"/>
+          </a:solidFill>
+          <a:latin typeface="+mn-lt"/>
+          <a:ea typeface="+mn-ea"/>
+          <a:cs typeface="+mn-cs"/>
+        </a:defRPr>
+      </a:lvl8pPr>
+      <a:lvl9pPr marL="3886200" indent="-228600" algn="l" defTabSz="914400" rtl="0" eaLnBrk="1" latinLnBrk="0" hangingPunct="1">
+        <a:lnSpc>
+          <a:spcPct val="90000"/>
+        </a:lnSpc>
+        <a:spcBef>
+          <a:spcPts val="500"/>
+        </a:spcBef>
+        <a:buFont typeface="Arial"/>
         <a:buChar char="•"/>
         <a:defRPr sz="1800" kern="1200">
           <a:solidFill>
@@ -12999,6 +16324,2877 @@
 </p:sld>
 </file>
 
+<file path=ppt/slides/slide3.xml><?xml version="1.0" encoding="utf-8"?>
+<p:sld xmlns:a="http://schemas.openxmlformats.org/drawingml/2006/main" xmlns:r="http://schemas.openxmlformats.org/officeDocument/2006/relationships" xmlns:p="http://schemas.openxmlformats.org/presentationml/2006/main">
+  <p:cSld>
+    <p:spTree>
+      <p:nvGrpSpPr>
+        <p:cNvPr id="1" name=""/>
+        <p:cNvGrpSpPr/>
+        <p:nvPr/>
+      </p:nvGrpSpPr>
+      <p:grpSpPr>
+        <a:xfrm>
+          <a:off x="0" y="0"/>
+          <a:ext cx="0" cy="0"/>
+          <a:chOff x="0" y="0"/>
+          <a:chExt cx="0" cy="0"/>
+        </a:xfrm>
+      </p:grpSpPr>
+      <p:sp>
+        <p:nvSpPr>
+          <p:cNvPr id="3" name="TextBox 2">
+            <a:extLst>
+              <a:ext uri="{FF2B5EF4-FFF2-40B4-BE49-F238E27FC236}">
+                <a16:creationId xmlns:a16="http://schemas.microsoft.com/office/drawing/2014/main" id="{1992EA4B-2C4A-47E9-9CBC-BEFAE0172812}"/>
+              </a:ext>
+            </a:extLst>
+          </p:cNvPr>
+          <p:cNvSpPr txBox="1"/>
+          <p:nvPr/>
+        </p:nvSpPr>
+        <p:spPr>
+          <a:xfrm>
+            <a:off x="476828" y="42007"/>
+            <a:ext cx="5799601" cy="584775"/>
+          </a:xfrm>
+          <a:prstGeom prst="rect">
+            <a:avLst/>
+          </a:prstGeom>
+          <a:noFill/>
+        </p:spPr>
+        <p:txBody>
+          <a:bodyPr wrap="none" rtlCol="0">
+            <a:spAutoFit/>
+          </a:bodyPr>
+          <a:lstStyle/>
+          <a:p>
+            <a:pPr marL="0" marR="0" lvl="0" indent="0" algn="l" defTabSz="914400" rtl="0" eaLnBrk="1" fontAlgn="auto" latinLnBrk="0" hangingPunct="1">
+              <a:lnSpc>
+                <a:spcPct val="100000"/>
+              </a:lnSpc>
+              <a:spcBef>
+                <a:spcPts val="0"/>
+              </a:spcBef>
+              <a:spcAft>
+                <a:spcPts val="0"/>
+              </a:spcAft>
+              <a:buClrTx/>
+              <a:buSzTx/>
+              <a:buFontTx/>
+              <a:buNone/>
+              <a:tabLst/>
+              <a:defRPr/>
+            </a:pPr>
+            <a:r>
+              <a:rPr kumimoji="0" lang="en-US" sz="3200" b="0" i="0" u="none" strike="noStrike" kern="1200" cap="none" spc="0" normalizeH="0" baseline="0" noProof="0" dirty="0">
+                <a:ln>
+                  <a:noFill/>
+                </a:ln>
+                <a:solidFill>
+                  <a:prstClr val="black"/>
+                </a:solidFill>
+                <a:effectLst/>
+                <a:uLnTx/>
+                <a:uFillTx/>
+                <a:latin typeface="Calibri Light" panose="020F0302020204030204"/>
+                <a:ea typeface="+mn-ea"/>
+                <a:cs typeface="+mn-cs"/>
+              </a:rPr>
+              <a:t>Infographic for common scenarios</a:t>
+            </a:r>
+          </a:p>
+        </p:txBody>
+      </p:sp>
+      <p:grpSp>
+        <p:nvGrpSpPr>
+          <p:cNvPr id="110" name="Group 109">
+            <a:extLst>
+              <a:ext uri="{FF2B5EF4-FFF2-40B4-BE49-F238E27FC236}">
+                <a16:creationId xmlns:a16="http://schemas.microsoft.com/office/drawing/2014/main" id="{078DE39C-B0D3-4C46-970B-DB809B826B31}"/>
+              </a:ext>
+            </a:extLst>
+          </p:cNvPr>
+          <p:cNvGrpSpPr/>
+          <p:nvPr/>
+        </p:nvGrpSpPr>
+        <p:grpSpPr>
+          <a:xfrm>
+            <a:off x="-75121" y="1218014"/>
+            <a:ext cx="11552244" cy="4279092"/>
+            <a:chOff x="91566" y="1822851"/>
+            <a:chExt cx="11552244" cy="4279092"/>
+          </a:xfrm>
+        </p:grpSpPr>
+        <p:sp>
+          <p:nvSpPr>
+            <p:cNvPr id="39" name="TextBox 38"/>
+            <p:cNvSpPr txBox="1"/>
+            <p:nvPr/>
+          </p:nvSpPr>
+          <p:spPr>
+            <a:xfrm>
+              <a:off x="91566" y="3622601"/>
+              <a:ext cx="1817065" cy="646331"/>
+            </a:xfrm>
+            <a:prstGeom prst="rect">
+              <a:avLst/>
+            </a:prstGeom>
+            <a:noFill/>
+          </p:spPr>
+          <p:txBody>
+            <a:bodyPr wrap="square" rtlCol="0">
+              <a:spAutoFit/>
+            </a:bodyPr>
+            <a:lstStyle/>
+            <a:p>
+              <a:pPr marL="0" marR="0" lvl="0" indent="0" algn="ctr" defTabSz="914400" rtl="0" eaLnBrk="1" fontAlgn="auto" latinLnBrk="0" hangingPunct="1">
+                <a:lnSpc>
+                  <a:spcPct val="100000"/>
+                </a:lnSpc>
+                <a:spcBef>
+                  <a:spcPts val="0"/>
+                </a:spcBef>
+                <a:spcAft>
+                  <a:spcPts val="0"/>
+                </a:spcAft>
+                <a:buClrTx/>
+                <a:buSzTx/>
+                <a:buFontTx/>
+                <a:buNone/>
+                <a:tabLst/>
+                <a:defRPr/>
+              </a:pPr>
+              <a:r>
+                <a:rPr kumimoji="0" lang="en-US" b="0" i="0" u="none" strike="noStrike" kern="1200" cap="none" spc="0" normalizeH="0" baseline="0" noProof="0" dirty="0">
+                  <a:ln>
+                    <a:noFill/>
+                  </a:ln>
+                  <a:solidFill>
+                    <a:prstClr val="black"/>
+                  </a:solidFill>
+                  <a:effectLst/>
+                  <a:uLnTx/>
+                  <a:uFillTx/>
+                  <a:latin typeface="Calibri" panose="020F0502020204030204"/>
+                  <a:ea typeface="+mn-ea"/>
+                  <a:cs typeface="+mn-cs"/>
+                </a:rPr>
+                <a:t>Sensors &amp; IoT</a:t>
+              </a:r>
+            </a:p>
+            <a:p>
+              <a:pPr marL="0" marR="0" lvl="0" indent="0" algn="ctr" defTabSz="914400" rtl="0" eaLnBrk="1" fontAlgn="auto" latinLnBrk="0" hangingPunct="1">
+                <a:lnSpc>
+                  <a:spcPct val="100000"/>
+                </a:lnSpc>
+                <a:spcBef>
+                  <a:spcPts val="0"/>
+                </a:spcBef>
+                <a:spcAft>
+                  <a:spcPts val="0"/>
+                </a:spcAft>
+                <a:buClrTx/>
+                <a:buSzTx/>
+                <a:buFontTx/>
+                <a:buNone/>
+                <a:tabLst/>
+                <a:defRPr/>
+              </a:pPr>
+              <a:r>
+                <a:rPr kumimoji="0" lang="en-US" b="0" i="0" u="none" strike="noStrike" kern="1200" cap="none" spc="0" normalizeH="0" baseline="0" noProof="0" dirty="0">
+                  <a:ln>
+                    <a:noFill/>
+                  </a:ln>
+                  <a:solidFill>
+                    <a:prstClr val="black"/>
+                  </a:solidFill>
+                  <a:effectLst/>
+                  <a:uLnTx/>
+                  <a:uFillTx/>
+                  <a:latin typeface="Calibri" panose="020F0502020204030204"/>
+                  <a:ea typeface="+mn-ea"/>
+                  <a:cs typeface="+mn-cs"/>
+                </a:rPr>
+                <a:t>devices</a:t>
+              </a:r>
+            </a:p>
+          </p:txBody>
+        </p:sp>
+        <p:grpSp>
+          <p:nvGrpSpPr>
+            <p:cNvPr id="109" name="Group 108">
+              <a:extLst>
+                <a:ext uri="{FF2B5EF4-FFF2-40B4-BE49-F238E27FC236}">
+                  <a16:creationId xmlns:a16="http://schemas.microsoft.com/office/drawing/2014/main" id="{3B61AF3C-EA8A-4352-BC28-1985158E0DFE}"/>
+                </a:ext>
+              </a:extLst>
+            </p:cNvPr>
+            <p:cNvGrpSpPr/>
+            <p:nvPr/>
+          </p:nvGrpSpPr>
+          <p:grpSpPr>
+            <a:xfrm>
+              <a:off x="587402" y="1822851"/>
+              <a:ext cx="11056408" cy="4279092"/>
+              <a:chOff x="587402" y="1822851"/>
+              <a:chExt cx="11056408" cy="4279092"/>
+            </a:xfrm>
+          </p:grpSpPr>
+          <p:sp>
+            <p:nvSpPr>
+              <p:cNvPr id="5" name="Rectangle 4"/>
+              <p:cNvSpPr/>
+              <p:nvPr/>
+            </p:nvSpPr>
+            <p:spPr>
+              <a:xfrm>
+                <a:off x="2246255" y="1952893"/>
+                <a:ext cx="1620456" cy="4016415"/>
+              </a:xfrm>
+              <a:prstGeom prst="rect">
+                <a:avLst/>
+              </a:prstGeom>
+              <a:solidFill>
+                <a:schemeClr val="bg2"/>
+              </a:solidFill>
+              <a:ln w="38100">
+                <a:solidFill>
+                  <a:schemeClr val="tx1"/>
+                </a:solidFill>
+              </a:ln>
+            </p:spPr>
+            <p:style>
+              <a:lnRef idx="2">
+                <a:schemeClr val="accent1">
+                  <a:shade val="50000"/>
+                </a:schemeClr>
+              </a:lnRef>
+              <a:fillRef idx="1">
+                <a:schemeClr val="accent1"/>
+              </a:fillRef>
+              <a:effectRef idx="0">
+                <a:schemeClr val="accent1"/>
+              </a:effectRef>
+              <a:fontRef idx="minor">
+                <a:schemeClr val="lt1"/>
+              </a:fontRef>
+            </p:style>
+            <p:txBody>
+              <a:bodyPr rtlCol="0" anchor="ctr"/>
+              <a:lstStyle/>
+              <a:p>
+                <a:pPr marL="0" marR="0" lvl="0" indent="0" algn="ctr" defTabSz="914400" rtl="0" eaLnBrk="1" fontAlgn="auto" latinLnBrk="0" hangingPunct="1">
+                  <a:lnSpc>
+                    <a:spcPct val="100000"/>
+                  </a:lnSpc>
+                  <a:spcBef>
+                    <a:spcPts val="0"/>
+                  </a:spcBef>
+                  <a:spcAft>
+                    <a:spcPts val="0"/>
+                  </a:spcAft>
+                  <a:buClrTx/>
+                  <a:buSzTx/>
+                  <a:buFontTx/>
+                  <a:buNone/>
+                  <a:tabLst/>
+                  <a:defRPr/>
+                </a:pPr>
+                <a:endParaRPr kumimoji="0" lang="en-US" sz="1800" b="0" i="0" u="none" strike="noStrike" kern="1200" cap="none" spc="0" normalizeH="0" baseline="0" noProof="0">
+                  <a:ln>
+                    <a:noFill/>
+                  </a:ln>
+                  <a:solidFill>
+                    <a:prstClr val="white"/>
+                  </a:solidFill>
+                  <a:effectLst/>
+                  <a:uLnTx/>
+                  <a:uFillTx/>
+                  <a:latin typeface="Calibri" panose="020F0502020204030204"/>
+                  <a:ea typeface="+mn-ea"/>
+                  <a:cs typeface="+mn-cs"/>
+                </a:endParaRPr>
+              </a:p>
+            </p:txBody>
+          </p:sp>
+          <p:sp>
+            <p:nvSpPr>
+              <p:cNvPr id="10" name="TextBox 9"/>
+              <p:cNvSpPr txBox="1"/>
+              <p:nvPr/>
+            </p:nvSpPr>
+            <p:spPr>
+              <a:xfrm>
+                <a:off x="2590753" y="2098890"/>
+                <a:ext cx="949124" cy="461665"/>
+              </a:xfrm>
+              <a:prstGeom prst="rect">
+                <a:avLst/>
+              </a:prstGeom>
+              <a:noFill/>
+            </p:spPr>
+            <p:txBody>
+              <a:bodyPr wrap="square" rtlCol="0">
+                <a:spAutoFit/>
+              </a:bodyPr>
+              <a:lstStyle/>
+              <a:p>
+                <a:pPr marL="0" marR="0" lvl="0" indent="0" algn="ctr" defTabSz="914400" rtl="0" eaLnBrk="1" fontAlgn="auto" latinLnBrk="0" hangingPunct="1">
+                  <a:lnSpc>
+                    <a:spcPct val="100000"/>
+                  </a:lnSpc>
+                  <a:spcBef>
+                    <a:spcPts val="0"/>
+                  </a:spcBef>
+                  <a:spcAft>
+                    <a:spcPts val="0"/>
+                  </a:spcAft>
+                  <a:buClrTx/>
+                  <a:buSzTx/>
+                  <a:buFontTx/>
+                  <a:buNone/>
+                  <a:tabLst/>
+                  <a:defRPr/>
+                </a:pPr>
+                <a:r>
+                  <a:rPr kumimoji="0" lang="en-US" sz="2400" b="0" i="0" u="none" strike="noStrike" kern="1200" cap="none" spc="0" normalizeH="0" baseline="0" noProof="0" dirty="0">
+                    <a:ln>
+                      <a:noFill/>
+                    </a:ln>
+                    <a:solidFill>
+                      <a:prstClr val="black"/>
+                    </a:solidFill>
+                    <a:effectLst/>
+                    <a:uLnTx/>
+                    <a:uFillTx/>
+                    <a:latin typeface="Calibri" panose="020F0502020204030204"/>
+                    <a:ea typeface="+mn-ea"/>
+                    <a:cs typeface="+mn-cs"/>
+                  </a:rPr>
+                  <a:t>Ingest</a:t>
+                </a:r>
+              </a:p>
+            </p:txBody>
+          </p:sp>
+          <p:grpSp>
+            <p:nvGrpSpPr>
+              <p:cNvPr id="2" name="Group 1">
+                <a:extLst>
+                  <a:ext uri="{FF2B5EF4-FFF2-40B4-BE49-F238E27FC236}">
+                    <a16:creationId xmlns:a16="http://schemas.microsoft.com/office/drawing/2014/main" id="{77341DE7-E639-429C-A056-E4EF9DBE56E8}"/>
+                  </a:ext>
+                </a:extLst>
+              </p:cNvPr>
+              <p:cNvGrpSpPr/>
+              <p:nvPr/>
+            </p:nvGrpSpPr>
+            <p:grpSpPr>
+              <a:xfrm>
+                <a:off x="1509988" y="2239112"/>
+                <a:ext cx="917526" cy="3519161"/>
+                <a:chOff x="1813963" y="1081077"/>
+                <a:chExt cx="917526" cy="3519161"/>
+              </a:xfrm>
+            </p:grpSpPr>
+            <p:cxnSp>
+              <p:nvCxnSpPr>
+                <p:cNvPr id="41" name="Straight Arrow Connector 40"/>
+                <p:cNvCxnSpPr>
+                  <a:cxnSpLocks/>
+                </p:cNvCxnSpPr>
+                <p:nvPr/>
+              </p:nvCxnSpPr>
+              <p:spPr>
+                <a:xfrm>
+                  <a:off x="2207802" y="2548696"/>
+                  <a:ext cx="523687" cy="0"/>
+                </a:xfrm>
+                <a:prstGeom prst="straightConnector1">
+                  <a:avLst/>
+                </a:prstGeom>
+                <a:ln w="101600">
+                  <a:solidFill>
+                    <a:srgbClr val="0070C0"/>
+                  </a:solidFill>
+                  <a:tailEnd type="triangle"/>
+                </a:ln>
+              </p:spPr>
+              <p:style>
+                <a:lnRef idx="1">
+                  <a:schemeClr val="accent1"/>
+                </a:lnRef>
+                <a:fillRef idx="0">
+                  <a:schemeClr val="accent1"/>
+                </a:fillRef>
+                <a:effectRef idx="0">
+                  <a:schemeClr val="accent1"/>
+                </a:effectRef>
+                <a:fontRef idx="minor">
+                  <a:schemeClr val="tx1"/>
+                </a:fontRef>
+              </p:style>
+            </p:cxnSp>
+            <p:cxnSp>
+              <p:nvCxnSpPr>
+                <p:cNvPr id="43" name="Straight Connector 42"/>
+                <p:cNvCxnSpPr/>
+                <p:nvPr/>
+              </p:nvCxnSpPr>
+              <p:spPr>
+                <a:xfrm flipH="1" flipV="1">
+                  <a:off x="2197127" y="1081077"/>
+                  <a:ext cx="6757" cy="3519161"/>
+                </a:xfrm>
+                <a:prstGeom prst="line">
+                  <a:avLst/>
+                </a:prstGeom>
+                <a:ln w="101600">
+                  <a:solidFill>
+                    <a:srgbClr val="0070C0"/>
+                  </a:solidFill>
+                </a:ln>
+              </p:spPr>
+              <p:style>
+                <a:lnRef idx="1">
+                  <a:schemeClr val="accent1"/>
+                </a:lnRef>
+                <a:fillRef idx="0">
+                  <a:schemeClr val="accent1"/>
+                </a:fillRef>
+                <a:effectRef idx="0">
+                  <a:schemeClr val="accent1"/>
+                </a:effectRef>
+                <a:fontRef idx="minor">
+                  <a:schemeClr val="tx1"/>
+                </a:fontRef>
+              </p:style>
+            </p:cxnSp>
+            <p:cxnSp>
+              <p:nvCxnSpPr>
+                <p:cNvPr id="44" name="Straight Connector 43"/>
+                <p:cNvCxnSpPr/>
+                <p:nvPr/>
+              </p:nvCxnSpPr>
+              <p:spPr>
+                <a:xfrm flipH="1" flipV="1">
+                  <a:off x="1813963" y="1081077"/>
+                  <a:ext cx="433563" cy="10092"/>
+                </a:xfrm>
+                <a:prstGeom prst="line">
+                  <a:avLst/>
+                </a:prstGeom>
+                <a:ln w="101600">
+                  <a:solidFill>
+                    <a:srgbClr val="0070C0"/>
+                  </a:solidFill>
+                </a:ln>
+              </p:spPr>
+              <p:style>
+                <a:lnRef idx="1">
+                  <a:schemeClr val="accent1"/>
+                </a:lnRef>
+                <a:fillRef idx="0">
+                  <a:schemeClr val="accent1"/>
+                </a:fillRef>
+                <a:effectRef idx="0">
+                  <a:schemeClr val="accent1"/>
+                </a:effectRef>
+                <a:fontRef idx="minor">
+                  <a:schemeClr val="tx1"/>
+                </a:fontRef>
+              </p:style>
+            </p:cxnSp>
+            <p:cxnSp>
+              <p:nvCxnSpPr>
+                <p:cNvPr id="49" name="Straight Connector 48"/>
+                <p:cNvCxnSpPr>
+                  <a:cxnSpLocks/>
+                </p:cNvCxnSpPr>
+                <p:nvPr/>
+              </p:nvCxnSpPr>
+              <p:spPr>
+                <a:xfrm flipH="1" flipV="1">
+                  <a:off x="1828368" y="4566772"/>
+                  <a:ext cx="405563" cy="6253"/>
+                </a:xfrm>
+                <a:prstGeom prst="line">
+                  <a:avLst/>
+                </a:prstGeom>
+                <a:ln w="101600">
+                  <a:solidFill>
+                    <a:srgbClr val="0070C0"/>
+                  </a:solidFill>
+                </a:ln>
+              </p:spPr>
+              <p:style>
+                <a:lnRef idx="1">
+                  <a:schemeClr val="accent1"/>
+                </a:lnRef>
+                <a:fillRef idx="0">
+                  <a:schemeClr val="accent1"/>
+                </a:fillRef>
+                <a:effectRef idx="0">
+                  <a:schemeClr val="accent1"/>
+                </a:effectRef>
+                <a:fontRef idx="minor">
+                  <a:schemeClr val="tx1"/>
+                </a:fontRef>
+              </p:style>
+            </p:cxnSp>
+          </p:grpSp>
+          <p:sp>
+            <p:nvSpPr>
+              <p:cNvPr id="56" name="TextBox 55">
+                <a:extLst>
+                  <a:ext uri="{FF2B5EF4-FFF2-40B4-BE49-F238E27FC236}">
+                    <a16:creationId xmlns:a16="http://schemas.microsoft.com/office/drawing/2014/main" id="{BFE16701-7683-4D0F-B56A-CCA242B230CC}"/>
+                  </a:ext>
+                </a:extLst>
+              </p:cNvPr>
+              <p:cNvSpPr txBox="1"/>
+              <p:nvPr/>
+            </p:nvSpPr>
+            <p:spPr>
+              <a:xfrm>
+                <a:off x="2186603" y="3467931"/>
+                <a:ext cx="1757423" cy="646331"/>
+              </a:xfrm>
+              <a:prstGeom prst="rect">
+                <a:avLst/>
+              </a:prstGeom>
+              <a:noFill/>
+            </p:spPr>
+            <p:txBody>
+              <a:bodyPr wrap="square" rtlCol="0">
+                <a:spAutoFit/>
+              </a:bodyPr>
+              <a:lstStyle/>
+              <a:p>
+                <a:pPr marL="0" marR="0" lvl="0" indent="0" algn="ctr" defTabSz="914400" rtl="0" eaLnBrk="1" fontAlgn="auto" latinLnBrk="0" hangingPunct="1">
+                  <a:lnSpc>
+                    <a:spcPct val="100000"/>
+                  </a:lnSpc>
+                  <a:spcBef>
+                    <a:spcPts val="0"/>
+                  </a:spcBef>
+                  <a:spcAft>
+                    <a:spcPts val="0"/>
+                  </a:spcAft>
+                  <a:buClrTx/>
+                  <a:buSzTx/>
+                  <a:buFontTx/>
+                  <a:buNone/>
+                  <a:tabLst/>
+                  <a:defRPr/>
+                </a:pPr>
+                <a:r>
+                  <a:rPr kumimoji="0" lang="en-US" sz="1800" b="0" i="0" u="none" strike="noStrike" kern="1200" cap="none" spc="0" normalizeH="0" baseline="0" noProof="0" dirty="0">
+                    <a:ln>
+                      <a:noFill/>
+                    </a:ln>
+                    <a:solidFill>
+                      <a:prstClr val="black"/>
+                    </a:solidFill>
+                    <a:effectLst/>
+                    <a:uLnTx/>
+                    <a:uFillTx/>
+                    <a:latin typeface="Calibri" panose="020F0502020204030204"/>
+                    <a:ea typeface="+mn-ea"/>
+                    <a:cs typeface="+mn-cs"/>
+                  </a:rPr>
+                  <a:t>Azure IoT</a:t>
+                </a:r>
+                <a:br>
+                  <a:rPr kumimoji="0" lang="en-US" sz="1800" b="0" i="0" u="none" strike="noStrike" kern="1200" cap="none" spc="0" normalizeH="0" baseline="0" noProof="0" dirty="0">
+                    <a:ln>
+                      <a:noFill/>
+                    </a:ln>
+                    <a:solidFill>
+                      <a:prstClr val="black"/>
+                    </a:solidFill>
+                    <a:effectLst/>
+                    <a:uLnTx/>
+                    <a:uFillTx/>
+                    <a:latin typeface="Calibri" panose="020F0502020204030204"/>
+                    <a:ea typeface="+mn-ea"/>
+                    <a:cs typeface="+mn-cs"/>
+                  </a:rPr>
+                </a:br>
+                <a:r>
+                  <a:rPr kumimoji="0" lang="en-US" sz="1800" b="0" i="0" u="none" strike="noStrike" kern="1200" cap="none" spc="0" normalizeH="0" baseline="0" noProof="0" dirty="0">
+                    <a:ln>
+                      <a:noFill/>
+                    </a:ln>
+                    <a:solidFill>
+                      <a:prstClr val="black"/>
+                    </a:solidFill>
+                    <a:effectLst/>
+                    <a:uLnTx/>
+                    <a:uFillTx/>
+                    <a:latin typeface="Calibri" panose="020F0502020204030204"/>
+                    <a:ea typeface="+mn-ea"/>
+                    <a:cs typeface="+mn-cs"/>
+                  </a:rPr>
+                  <a:t>Hub</a:t>
+                </a:r>
+              </a:p>
+            </p:txBody>
+          </p:sp>
+          <p:grpSp>
+            <p:nvGrpSpPr>
+              <p:cNvPr id="42" name="Group 41">
+                <a:extLst>
+                  <a:ext uri="{FF2B5EF4-FFF2-40B4-BE49-F238E27FC236}">
+                    <a16:creationId xmlns:a16="http://schemas.microsoft.com/office/drawing/2014/main" id="{D041988C-C16B-4DE2-9132-BF336785E15D}"/>
+                  </a:ext>
+                </a:extLst>
+              </p:cNvPr>
+              <p:cNvGrpSpPr/>
+              <p:nvPr/>
+            </p:nvGrpSpPr>
+            <p:grpSpPr>
+              <a:xfrm>
+                <a:off x="5908417" y="1952892"/>
+                <a:ext cx="1812400" cy="4016415"/>
+                <a:chOff x="6736708" y="1948131"/>
+                <a:chExt cx="1812400" cy="4016415"/>
+              </a:xfrm>
+            </p:grpSpPr>
+            <p:sp>
+              <p:nvSpPr>
+                <p:cNvPr id="7" name="Rectangle 6"/>
+                <p:cNvSpPr/>
+                <p:nvPr/>
+              </p:nvSpPr>
+              <p:spPr>
+                <a:xfrm>
+                  <a:off x="6770765" y="1948131"/>
+                  <a:ext cx="1620456" cy="4016415"/>
+                </a:xfrm>
+                <a:prstGeom prst="rect">
+                  <a:avLst/>
+                </a:prstGeom>
+                <a:solidFill>
+                  <a:schemeClr val="bg2"/>
+                </a:solidFill>
+                <a:ln w="38100">
+                  <a:solidFill>
+                    <a:schemeClr val="tx1"/>
+                  </a:solidFill>
+                </a:ln>
+              </p:spPr>
+              <p:style>
+                <a:lnRef idx="2">
+                  <a:schemeClr val="accent1">
+                    <a:shade val="50000"/>
+                  </a:schemeClr>
+                </a:lnRef>
+                <a:fillRef idx="1">
+                  <a:schemeClr val="accent1"/>
+                </a:fillRef>
+                <a:effectRef idx="0">
+                  <a:schemeClr val="accent1"/>
+                </a:effectRef>
+                <a:fontRef idx="minor">
+                  <a:schemeClr val="lt1"/>
+                </a:fontRef>
+              </p:style>
+              <p:txBody>
+                <a:bodyPr rtlCol="0" anchor="ctr"/>
+                <a:lstStyle/>
+                <a:p>
+                  <a:pPr marL="0" marR="0" lvl="0" indent="0" algn="ctr" defTabSz="914400" rtl="0" eaLnBrk="1" fontAlgn="auto" latinLnBrk="0" hangingPunct="1">
+                    <a:lnSpc>
+                      <a:spcPct val="100000"/>
+                    </a:lnSpc>
+                    <a:spcBef>
+                      <a:spcPts val="0"/>
+                    </a:spcBef>
+                    <a:spcAft>
+                      <a:spcPts val="0"/>
+                    </a:spcAft>
+                    <a:buClrTx/>
+                    <a:buSzTx/>
+                    <a:buFontTx/>
+                    <a:buNone/>
+                    <a:tabLst/>
+                    <a:defRPr/>
+                  </a:pPr>
+                  <a:endParaRPr kumimoji="0" lang="en-US" sz="1800" b="0" i="0" u="none" strike="noStrike" kern="1200" cap="none" spc="0" normalizeH="0" baseline="0" noProof="0">
+                    <a:ln>
+                      <a:noFill/>
+                    </a:ln>
+                    <a:solidFill>
+                      <a:prstClr val="white"/>
+                    </a:solidFill>
+                    <a:effectLst/>
+                    <a:uLnTx/>
+                    <a:uFillTx/>
+                    <a:latin typeface="Calibri" panose="020F0502020204030204"/>
+                    <a:ea typeface="+mn-ea"/>
+                    <a:cs typeface="+mn-cs"/>
+                  </a:endParaRPr>
+                </a:p>
+              </p:txBody>
+            </p:sp>
+            <p:sp>
+              <p:nvSpPr>
+                <p:cNvPr id="12" name="TextBox 11"/>
+                <p:cNvSpPr txBox="1"/>
+                <p:nvPr/>
+              </p:nvSpPr>
+              <p:spPr>
+                <a:xfrm>
+                  <a:off x="6736708" y="2087031"/>
+                  <a:ext cx="1812400" cy="461665"/>
+                </a:xfrm>
+                <a:prstGeom prst="rect">
+                  <a:avLst/>
+                </a:prstGeom>
+                <a:noFill/>
+              </p:spPr>
+              <p:txBody>
+                <a:bodyPr wrap="square" rtlCol="0">
+                  <a:spAutoFit/>
+                </a:bodyPr>
+                <a:lstStyle/>
+                <a:p>
+                  <a:pPr marL="0" marR="0" lvl="0" indent="0" algn="l" defTabSz="914400" rtl="0" eaLnBrk="1" fontAlgn="auto" latinLnBrk="0" hangingPunct="1">
+                    <a:lnSpc>
+                      <a:spcPct val="100000"/>
+                    </a:lnSpc>
+                    <a:spcBef>
+                      <a:spcPts val="0"/>
+                    </a:spcBef>
+                    <a:spcAft>
+                      <a:spcPts val="0"/>
+                    </a:spcAft>
+                    <a:buClrTx/>
+                    <a:buSzTx/>
+                    <a:buFontTx/>
+                    <a:buNone/>
+                    <a:tabLst/>
+                    <a:defRPr/>
+                  </a:pPr>
+                  <a:r>
+                    <a:rPr kumimoji="0" lang="en-US" sz="2400" b="0" i="0" u="none" strike="noStrike" kern="1200" cap="none" spc="0" normalizeH="0" baseline="0" noProof="0" dirty="0">
+                      <a:ln>
+                        <a:noFill/>
+                      </a:ln>
+                      <a:solidFill>
+                        <a:prstClr val="black"/>
+                      </a:solidFill>
+                      <a:effectLst/>
+                      <a:uLnTx/>
+                      <a:uFillTx/>
+                      <a:latin typeface="Calibri" panose="020F0502020204030204"/>
+                      <a:ea typeface="+mn-ea"/>
+                      <a:cs typeface="+mn-cs"/>
+                    </a:rPr>
+                    <a:t>Prep &amp; train</a:t>
+                  </a:r>
+                </a:p>
+              </p:txBody>
+            </p:sp>
+            <p:sp>
+              <p:nvSpPr>
+                <p:cNvPr id="61" name="TextBox 60">
+                  <a:extLst>
+                    <a:ext uri="{FF2B5EF4-FFF2-40B4-BE49-F238E27FC236}">
+                      <a16:creationId xmlns:a16="http://schemas.microsoft.com/office/drawing/2014/main" id="{A6633C8F-DF5C-4C3A-BFC6-51A792F0D8E2}"/>
+                    </a:ext>
+                  </a:extLst>
+                </p:cNvPr>
+                <p:cNvSpPr txBox="1"/>
+                <p:nvPr/>
+              </p:nvSpPr>
+              <p:spPr>
+                <a:xfrm>
+                  <a:off x="6749236" y="2892367"/>
+                  <a:ext cx="1628148" cy="2616101"/>
+                </a:xfrm>
+                <a:prstGeom prst="rect">
+                  <a:avLst/>
+                </a:prstGeom>
+                <a:noFill/>
+              </p:spPr>
+              <p:txBody>
+                <a:bodyPr wrap="square" rtlCol="0">
+                  <a:spAutoFit/>
+                </a:bodyPr>
+                <a:lstStyle/>
+                <a:p>
+                  <a:pPr marL="0" marR="0" lvl="0" indent="0" algn="ctr" defTabSz="914400" rtl="0" eaLnBrk="1" fontAlgn="auto" latinLnBrk="0" hangingPunct="1">
+                    <a:lnSpc>
+                      <a:spcPct val="100000"/>
+                    </a:lnSpc>
+                    <a:spcBef>
+                      <a:spcPts val="0"/>
+                    </a:spcBef>
+                    <a:spcAft>
+                      <a:spcPts val="0"/>
+                    </a:spcAft>
+                    <a:buClrTx/>
+                    <a:buSzTx/>
+                    <a:buFontTx/>
+                    <a:buNone/>
+                    <a:tabLst/>
+                    <a:defRPr/>
+                  </a:pPr>
+                  <a:r>
+                    <a:rPr kumimoji="0" lang="en-US" sz="2000" b="0" i="0" u="none" strike="noStrike" kern="1200" cap="none" spc="0" normalizeH="0" baseline="0" noProof="0" dirty="0">
+                      <a:ln>
+                        <a:noFill/>
+                      </a:ln>
+                      <a:solidFill>
+                        <a:prstClr val="black"/>
+                      </a:solidFill>
+                      <a:effectLst/>
+                      <a:uLnTx/>
+                      <a:uFillTx/>
+                      <a:latin typeface="Calibri" panose="020F0502020204030204"/>
+                      <a:ea typeface="+mn-ea"/>
+                      <a:cs typeface="+mn-cs"/>
+                    </a:rPr>
+                    <a:t>Machine learning services and libraries</a:t>
+                  </a:r>
+                  <a:br>
+                    <a:rPr kumimoji="0" lang="en-US" sz="2000" b="0" i="0" u="none" strike="noStrike" kern="1200" cap="none" spc="0" normalizeH="0" baseline="0" noProof="0" dirty="0">
+                      <a:ln>
+                        <a:noFill/>
+                      </a:ln>
+                      <a:solidFill>
+                        <a:prstClr val="black"/>
+                      </a:solidFill>
+                      <a:effectLst/>
+                      <a:uLnTx/>
+                      <a:uFillTx/>
+                      <a:latin typeface="Calibri" panose="020F0502020204030204"/>
+                      <a:ea typeface="+mn-ea"/>
+                      <a:cs typeface="+mn-cs"/>
+                    </a:rPr>
+                  </a:br>
+                  <a:br>
+                    <a:rPr kumimoji="0" lang="en-US" sz="2000" b="0" i="0" u="none" strike="noStrike" kern="1200" cap="none" spc="0" normalizeH="0" baseline="0" noProof="0" dirty="0">
+                      <a:ln>
+                        <a:noFill/>
+                      </a:ln>
+                      <a:solidFill>
+                        <a:prstClr val="black"/>
+                      </a:solidFill>
+                      <a:effectLst/>
+                      <a:uLnTx/>
+                      <a:uFillTx/>
+                      <a:latin typeface="Calibri" panose="020F0502020204030204"/>
+                      <a:ea typeface="+mn-ea"/>
+                      <a:cs typeface="+mn-cs"/>
+                    </a:rPr>
+                  </a:br>
+                  <a:r>
+                    <a:rPr kumimoji="0" lang="en-US" sz="1600" b="0" i="0" u="none" strike="noStrike" kern="1200" cap="none" spc="0" normalizeH="0" baseline="0" noProof="0" dirty="0">
+                      <a:ln>
+                        <a:noFill/>
+                      </a:ln>
+                      <a:solidFill>
+                        <a:prstClr val="black"/>
+                      </a:solidFill>
+                      <a:effectLst/>
+                      <a:uLnTx/>
+                      <a:uFillTx/>
+                      <a:latin typeface="Calibri" panose="020F0502020204030204"/>
+                      <a:ea typeface="+mn-ea"/>
+                      <a:cs typeface="+mn-cs"/>
+                    </a:rPr>
+                    <a:t>(Python, Scala, Java, R, Spark, Hadoop, SQL ML Services)</a:t>
+                  </a:r>
+                </a:p>
+              </p:txBody>
+            </p:sp>
+          </p:grpSp>
+          <p:grpSp>
+            <p:nvGrpSpPr>
+              <p:cNvPr id="46" name="Group 45">
+                <a:extLst>
+                  <a:ext uri="{FF2B5EF4-FFF2-40B4-BE49-F238E27FC236}">
+                    <a16:creationId xmlns:a16="http://schemas.microsoft.com/office/drawing/2014/main" id="{6BC2460E-844A-4E51-9E8E-D22EF333D0DC}"/>
+                  </a:ext>
+                </a:extLst>
+              </p:cNvPr>
+              <p:cNvGrpSpPr/>
+              <p:nvPr/>
+            </p:nvGrpSpPr>
+            <p:grpSpPr>
+              <a:xfrm>
+                <a:off x="7750310" y="1952892"/>
+                <a:ext cx="1641985" cy="4016415"/>
+                <a:chOff x="8823034" y="1948131"/>
+                <a:chExt cx="1641985" cy="4016415"/>
+              </a:xfrm>
+            </p:grpSpPr>
+            <p:sp>
+              <p:nvSpPr>
+                <p:cNvPr id="8" name="Rectangle 7"/>
+                <p:cNvSpPr/>
+                <p:nvPr/>
+              </p:nvSpPr>
+              <p:spPr>
+                <a:xfrm>
+                  <a:off x="8844563" y="1948131"/>
+                  <a:ext cx="1620456" cy="4016415"/>
+                </a:xfrm>
+                <a:prstGeom prst="rect">
+                  <a:avLst/>
+                </a:prstGeom>
+                <a:solidFill>
+                  <a:schemeClr val="bg2"/>
+                </a:solidFill>
+                <a:ln w="38100">
+                  <a:solidFill>
+                    <a:schemeClr val="tx1"/>
+                  </a:solidFill>
+                </a:ln>
+              </p:spPr>
+              <p:style>
+                <a:lnRef idx="2">
+                  <a:schemeClr val="accent1">
+                    <a:shade val="50000"/>
+                  </a:schemeClr>
+                </a:lnRef>
+                <a:fillRef idx="1">
+                  <a:schemeClr val="accent1"/>
+                </a:fillRef>
+                <a:effectRef idx="0">
+                  <a:schemeClr val="accent1"/>
+                </a:effectRef>
+                <a:fontRef idx="minor">
+                  <a:schemeClr val="lt1"/>
+                </a:fontRef>
+              </p:style>
+              <p:txBody>
+                <a:bodyPr rtlCol="0" anchor="ctr"/>
+                <a:lstStyle/>
+                <a:p>
+                  <a:pPr marL="0" marR="0" lvl="0" indent="0" algn="ctr" defTabSz="914400" rtl="0" eaLnBrk="1" fontAlgn="auto" latinLnBrk="0" hangingPunct="1">
+                    <a:lnSpc>
+                      <a:spcPct val="100000"/>
+                    </a:lnSpc>
+                    <a:spcBef>
+                      <a:spcPts val="0"/>
+                    </a:spcBef>
+                    <a:spcAft>
+                      <a:spcPts val="0"/>
+                    </a:spcAft>
+                    <a:buClrTx/>
+                    <a:buSzTx/>
+                    <a:buFontTx/>
+                    <a:buNone/>
+                    <a:tabLst/>
+                    <a:defRPr/>
+                  </a:pPr>
+                  <a:endParaRPr kumimoji="0" lang="en-US" sz="1800" b="0" i="0" u="none" strike="noStrike" kern="1200" cap="none" spc="0" normalizeH="0" baseline="0" noProof="0">
+                    <a:ln>
+                      <a:noFill/>
+                    </a:ln>
+                    <a:solidFill>
+                      <a:prstClr val="white"/>
+                    </a:solidFill>
+                    <a:effectLst/>
+                    <a:uLnTx/>
+                    <a:uFillTx/>
+                    <a:latin typeface="Calibri" panose="020F0502020204030204"/>
+                    <a:ea typeface="+mn-ea"/>
+                    <a:cs typeface="+mn-cs"/>
+                  </a:endParaRPr>
+                </a:p>
+              </p:txBody>
+            </p:sp>
+            <p:sp>
+              <p:nvSpPr>
+                <p:cNvPr id="13" name="TextBox 12"/>
+                <p:cNvSpPr txBox="1"/>
+                <p:nvPr/>
+              </p:nvSpPr>
+              <p:spPr>
+                <a:xfrm>
+                  <a:off x="8830726" y="2087031"/>
+                  <a:ext cx="1620456" cy="830997"/>
+                </a:xfrm>
+                <a:prstGeom prst="rect">
+                  <a:avLst/>
+                </a:prstGeom>
+                <a:noFill/>
+              </p:spPr>
+              <p:txBody>
+                <a:bodyPr wrap="square" rtlCol="0">
+                  <a:spAutoFit/>
+                </a:bodyPr>
+                <a:lstStyle/>
+                <a:p>
+                  <a:pPr marL="0" marR="0" lvl="0" indent="0" algn="ctr" defTabSz="914400" rtl="0" eaLnBrk="1" fontAlgn="auto" latinLnBrk="0" hangingPunct="1">
+                    <a:lnSpc>
+                      <a:spcPct val="100000"/>
+                    </a:lnSpc>
+                    <a:spcBef>
+                      <a:spcPts val="0"/>
+                    </a:spcBef>
+                    <a:spcAft>
+                      <a:spcPts val="0"/>
+                    </a:spcAft>
+                    <a:buClrTx/>
+                    <a:buSzTx/>
+                    <a:buFontTx/>
+                    <a:buNone/>
+                    <a:tabLst/>
+                    <a:defRPr/>
+                  </a:pPr>
+                  <a:r>
+                    <a:rPr kumimoji="0" lang="en-US" sz="2400" b="0" i="0" u="none" strike="noStrike" kern="1200" cap="none" spc="0" normalizeH="0" baseline="0" noProof="0" dirty="0">
+                      <a:ln>
+                        <a:noFill/>
+                      </a:ln>
+                      <a:solidFill>
+                        <a:prstClr val="black"/>
+                      </a:solidFill>
+                      <a:effectLst/>
+                      <a:uLnTx/>
+                      <a:uFillTx/>
+                      <a:latin typeface="Calibri" panose="020F0502020204030204"/>
+                      <a:ea typeface="+mn-ea"/>
+                      <a:cs typeface="+mn-cs"/>
+                    </a:rPr>
+                    <a:t>Model &amp;</a:t>
+                  </a:r>
+                </a:p>
+                <a:p>
+                  <a:pPr marL="0" marR="0" lvl="0" indent="0" algn="ctr" defTabSz="914400" rtl="0" eaLnBrk="1" fontAlgn="auto" latinLnBrk="0" hangingPunct="1">
+                    <a:lnSpc>
+                      <a:spcPct val="100000"/>
+                    </a:lnSpc>
+                    <a:spcBef>
+                      <a:spcPts val="0"/>
+                    </a:spcBef>
+                    <a:spcAft>
+                      <a:spcPts val="0"/>
+                    </a:spcAft>
+                    <a:buClrTx/>
+                    <a:buSzTx/>
+                    <a:buFontTx/>
+                    <a:buNone/>
+                    <a:tabLst/>
+                    <a:defRPr/>
+                  </a:pPr>
+                  <a:r>
+                    <a:rPr kumimoji="0" lang="en-US" sz="2400" b="0" i="0" u="none" strike="noStrike" kern="1200" cap="none" spc="0" normalizeH="0" baseline="0" noProof="0" dirty="0">
+                      <a:ln>
+                        <a:noFill/>
+                      </a:ln>
+                      <a:solidFill>
+                        <a:prstClr val="black"/>
+                      </a:solidFill>
+                      <a:effectLst/>
+                      <a:uLnTx/>
+                      <a:uFillTx/>
+                      <a:latin typeface="Calibri" panose="020F0502020204030204"/>
+                      <a:ea typeface="+mn-ea"/>
+                      <a:cs typeface="+mn-cs"/>
+                    </a:rPr>
+                    <a:t>serve</a:t>
+                  </a:r>
+                </a:p>
+              </p:txBody>
+            </p:sp>
+            <p:sp>
+              <p:nvSpPr>
+                <p:cNvPr id="62" name="TextBox 61">
+                  <a:extLst>
+                    <a:ext uri="{FF2B5EF4-FFF2-40B4-BE49-F238E27FC236}">
+                      <a16:creationId xmlns:a16="http://schemas.microsoft.com/office/drawing/2014/main" id="{8BC33E6D-E5A7-4830-8434-195F64C5BF14}"/>
+                    </a:ext>
+                  </a:extLst>
+                </p:cNvPr>
+                <p:cNvSpPr txBox="1"/>
+                <p:nvPr/>
+              </p:nvSpPr>
+              <p:spPr>
+                <a:xfrm>
+                  <a:off x="8823034" y="3240766"/>
+                  <a:ext cx="1628148" cy="2062103"/>
+                </a:xfrm>
+                <a:prstGeom prst="rect">
+                  <a:avLst/>
+                </a:prstGeom>
+                <a:noFill/>
+              </p:spPr>
+              <p:txBody>
+                <a:bodyPr wrap="square" rtlCol="0">
+                  <a:spAutoFit/>
+                </a:bodyPr>
+                <a:lstStyle/>
+                <a:p>
+                  <a:pPr marL="0" marR="0" lvl="0" indent="0" algn="ctr" defTabSz="914400" rtl="0" eaLnBrk="1" fontAlgn="auto" latinLnBrk="0" hangingPunct="1">
+                    <a:lnSpc>
+                      <a:spcPct val="100000"/>
+                    </a:lnSpc>
+                    <a:spcBef>
+                      <a:spcPts val="0"/>
+                    </a:spcBef>
+                    <a:spcAft>
+                      <a:spcPts val="0"/>
+                    </a:spcAft>
+                    <a:buClrTx/>
+                    <a:buSzTx/>
+                    <a:buFontTx/>
+                    <a:buNone/>
+                    <a:tabLst/>
+                    <a:defRPr/>
+                  </a:pPr>
+                  <a:r>
+                    <a:rPr kumimoji="0" lang="en-US" sz="1600" b="0" i="0" u="none" strike="noStrike" kern="1200" cap="none" spc="0" normalizeH="0" baseline="0" noProof="0" dirty="0">
+                      <a:ln>
+                        <a:noFill/>
+                      </a:ln>
+                      <a:solidFill>
+                        <a:prstClr val="black"/>
+                      </a:solidFill>
+                      <a:effectLst/>
+                      <a:uLnTx/>
+                      <a:uFillTx/>
+                      <a:latin typeface="Calibri" panose="020F0502020204030204"/>
+                      <a:ea typeface="+mn-ea"/>
+                      <a:cs typeface="+mn-cs"/>
+                    </a:rPr>
+                    <a:t>Predictive maintenance model served by ML service hosted in container, web service, or database service</a:t>
+                  </a:r>
+                </a:p>
+              </p:txBody>
+            </p:sp>
+          </p:grpSp>
+          <p:pic>
+            <p:nvPicPr>
+              <p:cNvPr id="45" name="Graphic 44">
+                <a:extLst>
+                  <a:ext uri="{FF2B5EF4-FFF2-40B4-BE49-F238E27FC236}">
+                    <a16:creationId xmlns:a16="http://schemas.microsoft.com/office/drawing/2014/main" id="{59B6CB90-07B3-4FFF-8531-42C9210074B7}"/>
+                  </a:ext>
+                </a:extLst>
+              </p:cNvPr>
+              <p:cNvPicPr>
+                <a:picLocks noChangeAspect="1"/>
+              </p:cNvPicPr>
+              <p:nvPr/>
+            </p:nvPicPr>
+            <p:blipFill>
+              <a:blip r:embed="rId3">
+                <a:extLst>
+                  <a:ext uri="{28A0092B-C50C-407E-A947-70E740481C1C}">
+                    <a14:useLocalDpi xmlns:a14="http://schemas.microsoft.com/office/drawing/2010/main" val="0"/>
+                  </a:ext>
+                  <a:ext uri="{96DAC541-7B7A-43D3-8B79-37D633B846F1}">
+                    <asvg:svgBlip xmlns:asvg="http://schemas.microsoft.com/office/drawing/2016/SVG/main" r:embed="rId4"/>
+                  </a:ext>
+                </a:extLst>
+              </a:blip>
+              <a:stretch>
+                <a:fillRect/>
+              </a:stretch>
+            </p:blipFill>
+            <p:spPr>
+              <a:xfrm>
+                <a:off x="587402" y="2723216"/>
+                <a:ext cx="735811" cy="735811"/>
+              </a:xfrm>
+              <a:prstGeom prst="rect">
+                <a:avLst/>
+              </a:prstGeom>
+            </p:spPr>
+          </p:pic>
+          <p:pic>
+            <p:nvPicPr>
+              <p:cNvPr id="17" name="Graphic 16">
+                <a:extLst>
+                  <a:ext uri="{FF2B5EF4-FFF2-40B4-BE49-F238E27FC236}">
+                    <a16:creationId xmlns:a16="http://schemas.microsoft.com/office/drawing/2014/main" id="{ED6ED061-38AA-4AE9-B8BE-0CF8AFE80474}"/>
+                  </a:ext>
+                </a:extLst>
+              </p:cNvPr>
+              <p:cNvPicPr>
+                <a:picLocks noChangeAspect="1"/>
+              </p:cNvPicPr>
+              <p:nvPr/>
+            </p:nvPicPr>
+            <p:blipFill>
+              <a:blip r:embed="rId5">
+                <a:extLst>
+                  <a:ext uri="{28A0092B-C50C-407E-A947-70E740481C1C}">
+                    <a14:useLocalDpi xmlns:a14="http://schemas.microsoft.com/office/drawing/2010/main" val="0"/>
+                  </a:ext>
+                  <a:ext uri="{96DAC541-7B7A-43D3-8B79-37D633B846F1}">
+                    <asvg:svgBlip xmlns:asvg="http://schemas.microsoft.com/office/drawing/2016/SVG/main" r:embed="rId6"/>
+                  </a:ext>
+                </a:extLst>
+              </a:blip>
+              <a:stretch>
+                <a:fillRect/>
+              </a:stretch>
+            </p:blipFill>
+            <p:spPr>
+              <a:xfrm>
+                <a:off x="2664338" y="2706552"/>
+                <a:ext cx="693042" cy="693042"/>
+              </a:xfrm>
+              <a:prstGeom prst="rect">
+                <a:avLst/>
+              </a:prstGeom>
+            </p:spPr>
+          </p:pic>
+          <p:grpSp>
+            <p:nvGrpSpPr>
+              <p:cNvPr id="20" name="Group 19">
+                <a:extLst>
+                  <a:ext uri="{FF2B5EF4-FFF2-40B4-BE49-F238E27FC236}">
+                    <a16:creationId xmlns:a16="http://schemas.microsoft.com/office/drawing/2014/main" id="{101E4FD1-0329-4BAA-BD2D-5C4198EAC324}"/>
+                  </a:ext>
+                </a:extLst>
+              </p:cNvPr>
+              <p:cNvGrpSpPr/>
+              <p:nvPr/>
+            </p:nvGrpSpPr>
+            <p:grpSpPr>
+              <a:xfrm>
+                <a:off x="2166182" y="4286509"/>
+                <a:ext cx="1757423" cy="1363238"/>
+                <a:chOff x="2543096" y="4281747"/>
+                <a:chExt cx="1757423" cy="1363238"/>
+              </a:xfrm>
+            </p:grpSpPr>
+            <p:pic>
+              <p:nvPicPr>
+                <p:cNvPr id="19" name="Graphic 18">
+                  <a:extLst>
+                    <a:ext uri="{FF2B5EF4-FFF2-40B4-BE49-F238E27FC236}">
+                      <a16:creationId xmlns:a16="http://schemas.microsoft.com/office/drawing/2014/main" id="{0BEF68F4-C77C-4C03-AFC2-63AB0B6EB55A}"/>
+                    </a:ext>
+                  </a:extLst>
+                </p:cNvPr>
+                <p:cNvPicPr>
+                  <a:picLocks noChangeAspect="1"/>
+                </p:cNvPicPr>
+                <p:nvPr/>
+              </p:nvPicPr>
+              <p:blipFill>
+                <a:blip r:embed="rId7">
+                  <a:extLst>
+                    <a:ext uri="{28A0092B-C50C-407E-A947-70E740481C1C}">
+                      <a14:useLocalDpi xmlns:a14="http://schemas.microsoft.com/office/drawing/2010/main" val="0"/>
+                    </a:ext>
+                    <a:ext uri="{96DAC541-7B7A-43D3-8B79-37D633B846F1}">
+                      <asvg:svgBlip xmlns:asvg="http://schemas.microsoft.com/office/drawing/2016/SVG/main" r:embed="rId8"/>
+                    </a:ext>
+                  </a:extLst>
+                </a:blip>
+                <a:stretch>
+                  <a:fillRect/>
+                </a:stretch>
+              </p:blipFill>
+              <p:spPr>
+                <a:xfrm>
+                  <a:off x="3089587" y="4281747"/>
+                  <a:ext cx="712686" cy="712686"/>
+                </a:xfrm>
+                <a:prstGeom prst="rect">
+                  <a:avLst/>
+                </a:prstGeom>
+              </p:spPr>
+            </p:pic>
+            <p:sp>
+              <p:nvSpPr>
+                <p:cNvPr id="50" name="TextBox 49">
+                  <a:extLst>
+                    <a:ext uri="{FF2B5EF4-FFF2-40B4-BE49-F238E27FC236}">
+                      <a16:creationId xmlns:a16="http://schemas.microsoft.com/office/drawing/2014/main" id="{96EFC1A8-081C-4991-A84A-6076B7DFE8AA}"/>
+                    </a:ext>
+                  </a:extLst>
+                </p:cNvPr>
+                <p:cNvSpPr txBox="1"/>
+                <p:nvPr/>
+              </p:nvSpPr>
+              <p:spPr>
+                <a:xfrm>
+                  <a:off x="2543096" y="4998654"/>
+                  <a:ext cx="1757423" cy="646331"/>
+                </a:xfrm>
+                <a:prstGeom prst="rect">
+                  <a:avLst/>
+                </a:prstGeom>
+                <a:noFill/>
+              </p:spPr>
+              <p:txBody>
+                <a:bodyPr wrap="square" rtlCol="0">
+                  <a:spAutoFit/>
+                </a:bodyPr>
+                <a:lstStyle/>
+                <a:p>
+                  <a:pPr marL="0" marR="0" lvl="0" indent="0" algn="ctr" defTabSz="914400" rtl="0" eaLnBrk="1" fontAlgn="auto" latinLnBrk="0" hangingPunct="1">
+                    <a:lnSpc>
+                      <a:spcPct val="100000"/>
+                    </a:lnSpc>
+                    <a:spcBef>
+                      <a:spcPts val="0"/>
+                    </a:spcBef>
+                    <a:spcAft>
+                      <a:spcPts val="0"/>
+                    </a:spcAft>
+                    <a:buClrTx/>
+                    <a:buSzTx/>
+                    <a:buFontTx/>
+                    <a:buNone/>
+                    <a:tabLst/>
+                    <a:defRPr/>
+                  </a:pPr>
+                  <a:r>
+                    <a:rPr kumimoji="0" lang="en-US" sz="1800" b="0" i="0" u="none" strike="noStrike" kern="1200" cap="none" spc="0" normalizeH="0" baseline="0" noProof="0" dirty="0">
+                      <a:ln>
+                        <a:noFill/>
+                      </a:ln>
+                      <a:solidFill>
+                        <a:prstClr val="black"/>
+                      </a:solidFill>
+                      <a:effectLst/>
+                      <a:uLnTx/>
+                      <a:uFillTx/>
+                      <a:latin typeface="Calibri" panose="020F0502020204030204"/>
+                      <a:ea typeface="+mn-ea"/>
+                      <a:cs typeface="+mn-cs"/>
+                    </a:rPr>
+                    <a:t>Azure IoT</a:t>
+                  </a:r>
+                  <a:br>
+                    <a:rPr kumimoji="0" lang="en-US" sz="1800" b="0" i="0" u="none" strike="noStrike" kern="1200" cap="none" spc="0" normalizeH="0" baseline="0" noProof="0" dirty="0">
+                      <a:ln>
+                        <a:noFill/>
+                      </a:ln>
+                      <a:solidFill>
+                        <a:prstClr val="black"/>
+                      </a:solidFill>
+                      <a:effectLst/>
+                      <a:uLnTx/>
+                      <a:uFillTx/>
+                      <a:latin typeface="Calibri" panose="020F0502020204030204"/>
+                      <a:ea typeface="+mn-ea"/>
+                      <a:cs typeface="+mn-cs"/>
+                    </a:rPr>
+                  </a:br>
+                  <a:r>
+                    <a:rPr kumimoji="0" lang="en-US" sz="1800" b="0" i="0" u="none" strike="noStrike" kern="1200" cap="none" spc="0" normalizeH="0" baseline="0" noProof="0" dirty="0">
+                      <a:ln>
+                        <a:noFill/>
+                      </a:ln>
+                      <a:solidFill>
+                        <a:prstClr val="black"/>
+                      </a:solidFill>
+                      <a:effectLst/>
+                      <a:uLnTx/>
+                      <a:uFillTx/>
+                      <a:latin typeface="Calibri" panose="020F0502020204030204"/>
+                      <a:ea typeface="+mn-ea"/>
+                      <a:cs typeface="+mn-cs"/>
+                    </a:rPr>
+                    <a:t>Central</a:t>
+                  </a:r>
+                </a:p>
+              </p:txBody>
+            </p:sp>
+          </p:grpSp>
+          <p:cxnSp>
+            <p:nvCxnSpPr>
+              <p:cNvPr id="28" name="Straight Connector 27">
+                <a:extLst>
+                  <a:ext uri="{FF2B5EF4-FFF2-40B4-BE49-F238E27FC236}">
+                    <a16:creationId xmlns:a16="http://schemas.microsoft.com/office/drawing/2014/main" id="{7C9BCBCA-5AEE-45AE-A5CC-2F65E8193C22}"/>
+                  </a:ext>
+                </a:extLst>
+              </p:cNvPr>
+              <p:cNvCxnSpPr/>
+              <p:nvPr/>
+            </p:nvCxnSpPr>
+            <p:spPr>
+              <a:xfrm>
+                <a:off x="2388824" y="4153469"/>
+                <a:ext cx="1342966" cy="0"/>
+              </a:xfrm>
+              <a:prstGeom prst="line">
+                <a:avLst/>
+              </a:prstGeom>
+              <a:ln>
+                <a:prstDash val="dash"/>
+              </a:ln>
+            </p:spPr>
+            <p:style>
+              <a:lnRef idx="3">
+                <a:schemeClr val="dk1"/>
+              </a:lnRef>
+              <a:fillRef idx="0">
+                <a:schemeClr val="dk1"/>
+              </a:fillRef>
+              <a:effectRef idx="2">
+                <a:schemeClr val="dk1"/>
+              </a:effectRef>
+              <a:fontRef idx="minor">
+                <a:schemeClr val="tx1"/>
+              </a:fontRef>
+            </p:style>
+          </p:cxnSp>
+          <p:grpSp>
+            <p:nvGrpSpPr>
+              <p:cNvPr id="35" name="Group 34">
+                <a:extLst>
+                  <a:ext uri="{FF2B5EF4-FFF2-40B4-BE49-F238E27FC236}">
+                    <a16:creationId xmlns:a16="http://schemas.microsoft.com/office/drawing/2014/main" id="{41B39EC5-D3F7-47F7-B249-E430BA65743C}"/>
+                  </a:ext>
+                </a:extLst>
+              </p:cNvPr>
+              <p:cNvGrpSpPr/>
+              <p:nvPr/>
+            </p:nvGrpSpPr>
+            <p:grpSpPr>
+              <a:xfrm>
+                <a:off x="3980358" y="1952892"/>
+                <a:ext cx="1757423" cy="4016415"/>
+                <a:chOff x="4578053" y="1948130"/>
+                <a:chExt cx="1757423" cy="4016415"/>
+              </a:xfrm>
+            </p:grpSpPr>
+            <p:sp>
+              <p:nvSpPr>
+                <p:cNvPr id="6" name="Rectangle 5"/>
+                <p:cNvSpPr/>
+                <p:nvPr/>
+              </p:nvSpPr>
+              <p:spPr>
+                <a:xfrm>
+                  <a:off x="4696967" y="1948130"/>
+                  <a:ext cx="1620456" cy="4016415"/>
+                </a:xfrm>
+                <a:prstGeom prst="rect">
+                  <a:avLst/>
+                </a:prstGeom>
+                <a:solidFill>
+                  <a:schemeClr val="bg2"/>
+                </a:solidFill>
+                <a:ln w="38100">
+                  <a:solidFill>
+                    <a:schemeClr val="tx1"/>
+                  </a:solidFill>
+                </a:ln>
+              </p:spPr>
+              <p:style>
+                <a:lnRef idx="2">
+                  <a:schemeClr val="accent1">
+                    <a:shade val="50000"/>
+                  </a:schemeClr>
+                </a:lnRef>
+                <a:fillRef idx="1">
+                  <a:schemeClr val="accent1"/>
+                </a:fillRef>
+                <a:effectRef idx="0">
+                  <a:schemeClr val="accent1"/>
+                </a:effectRef>
+                <a:fontRef idx="minor">
+                  <a:schemeClr val="lt1"/>
+                </a:fontRef>
+              </p:style>
+              <p:txBody>
+                <a:bodyPr rtlCol="0" anchor="ctr"/>
+                <a:lstStyle/>
+                <a:p>
+                  <a:pPr marL="0" marR="0" lvl="0" indent="0" algn="ctr" defTabSz="914400" rtl="0" eaLnBrk="1" fontAlgn="auto" latinLnBrk="0" hangingPunct="1">
+                    <a:lnSpc>
+                      <a:spcPct val="100000"/>
+                    </a:lnSpc>
+                    <a:spcBef>
+                      <a:spcPts val="0"/>
+                    </a:spcBef>
+                    <a:spcAft>
+                      <a:spcPts val="0"/>
+                    </a:spcAft>
+                    <a:buClrTx/>
+                    <a:buSzTx/>
+                    <a:buFontTx/>
+                    <a:buNone/>
+                    <a:tabLst/>
+                    <a:defRPr/>
+                  </a:pPr>
+                  <a:endParaRPr kumimoji="0" lang="en-US" sz="1800" b="0" i="0" u="none" strike="noStrike" kern="1200" cap="none" spc="0" normalizeH="0" baseline="0" noProof="0">
+                    <a:ln>
+                      <a:noFill/>
+                    </a:ln>
+                    <a:solidFill>
+                      <a:prstClr val="white"/>
+                    </a:solidFill>
+                    <a:effectLst/>
+                    <a:uLnTx/>
+                    <a:uFillTx/>
+                    <a:latin typeface="Calibri" panose="020F0502020204030204"/>
+                    <a:ea typeface="+mn-ea"/>
+                    <a:cs typeface="+mn-cs"/>
+                  </a:endParaRPr>
+                </a:p>
+              </p:txBody>
+            </p:sp>
+            <p:sp>
+              <p:nvSpPr>
+                <p:cNvPr id="11" name="TextBox 10"/>
+                <p:cNvSpPr txBox="1"/>
+                <p:nvPr/>
+              </p:nvSpPr>
+              <p:spPr>
+                <a:xfrm>
+                  <a:off x="4863618" y="2061370"/>
+                  <a:ext cx="1254429" cy="830997"/>
+                </a:xfrm>
+                <a:prstGeom prst="rect">
+                  <a:avLst/>
+                </a:prstGeom>
+                <a:noFill/>
+              </p:spPr>
+              <p:txBody>
+                <a:bodyPr wrap="square" rtlCol="0">
+                  <a:spAutoFit/>
+                </a:bodyPr>
+                <a:lstStyle/>
+                <a:p>
+                  <a:pPr marL="0" marR="0" lvl="0" indent="0" algn="ctr" defTabSz="914400" rtl="0" eaLnBrk="1" fontAlgn="auto" latinLnBrk="0" hangingPunct="1">
+                    <a:lnSpc>
+                      <a:spcPct val="100000"/>
+                    </a:lnSpc>
+                    <a:spcBef>
+                      <a:spcPts val="0"/>
+                    </a:spcBef>
+                    <a:spcAft>
+                      <a:spcPts val="0"/>
+                    </a:spcAft>
+                    <a:buClrTx/>
+                    <a:buSzTx/>
+                    <a:buFontTx/>
+                    <a:buNone/>
+                    <a:tabLst/>
+                    <a:defRPr/>
+                  </a:pPr>
+                  <a:r>
+                    <a:rPr kumimoji="0" lang="en-US" sz="2400" b="0" i="0" u="none" strike="noStrike" kern="1200" cap="none" spc="0" normalizeH="0" baseline="0" noProof="0" dirty="0">
+                      <a:ln>
+                        <a:noFill/>
+                      </a:ln>
+                      <a:solidFill>
+                        <a:prstClr val="black"/>
+                      </a:solidFill>
+                      <a:effectLst/>
+                      <a:uLnTx/>
+                      <a:uFillTx/>
+                      <a:latin typeface="Calibri" panose="020F0502020204030204"/>
+                      <a:ea typeface="+mn-ea"/>
+                      <a:cs typeface="+mn-cs"/>
+                    </a:rPr>
+                    <a:t>Process &amp; store</a:t>
+                  </a:r>
+                </a:p>
+              </p:txBody>
+            </p:sp>
+            <p:grpSp>
+              <p:nvGrpSpPr>
+                <p:cNvPr id="64" name="Group 63">
+                  <a:extLst>
+                    <a:ext uri="{FF2B5EF4-FFF2-40B4-BE49-F238E27FC236}">
+                      <a16:creationId xmlns:a16="http://schemas.microsoft.com/office/drawing/2014/main" id="{0328E4B2-4001-4CF7-A2F4-E401D9AA20E4}"/>
+                    </a:ext>
+                  </a:extLst>
+                </p:cNvPr>
+                <p:cNvGrpSpPr/>
+                <p:nvPr/>
+              </p:nvGrpSpPr>
+              <p:grpSpPr>
+                <a:xfrm>
+                  <a:off x="4578053" y="4281747"/>
+                  <a:ext cx="1757423" cy="1363238"/>
+                  <a:chOff x="2543096" y="4281747"/>
+                  <a:chExt cx="1757423" cy="1363238"/>
+                </a:xfrm>
+              </p:grpSpPr>
+              <p:pic>
+                <p:nvPicPr>
+                  <p:cNvPr id="65" name="Graphic 64">
+                    <a:extLst>
+                      <a:ext uri="{FF2B5EF4-FFF2-40B4-BE49-F238E27FC236}">
+                        <a16:creationId xmlns:a16="http://schemas.microsoft.com/office/drawing/2014/main" id="{9AAA24E4-49E6-4DE9-8686-0738874ABB7A}"/>
+                      </a:ext>
+                    </a:extLst>
+                  </p:cNvPr>
+                  <p:cNvPicPr>
+                    <a:picLocks noChangeAspect="1"/>
+                  </p:cNvPicPr>
+                  <p:nvPr/>
+                </p:nvPicPr>
+                <p:blipFill>
+                  <a:blip r:embed="rId7">
+                    <a:extLst>
+                      <a:ext uri="{28A0092B-C50C-407E-A947-70E740481C1C}">
+                        <a14:useLocalDpi xmlns:a14="http://schemas.microsoft.com/office/drawing/2010/main" val="0"/>
+                      </a:ext>
+                      <a:ext uri="{96DAC541-7B7A-43D3-8B79-37D633B846F1}">
+                        <asvg:svgBlip xmlns:asvg="http://schemas.microsoft.com/office/drawing/2016/SVG/main" r:embed="rId8"/>
+                      </a:ext>
+                    </a:extLst>
+                  </a:blip>
+                  <a:stretch>
+                    <a:fillRect/>
+                  </a:stretch>
+                </p:blipFill>
+                <p:spPr>
+                  <a:xfrm>
+                    <a:off x="3089587" y="4281747"/>
+                    <a:ext cx="712686" cy="712686"/>
+                  </a:xfrm>
+                  <a:prstGeom prst="rect">
+                    <a:avLst/>
+                  </a:prstGeom>
+                </p:spPr>
+              </p:pic>
+              <p:sp>
+                <p:nvSpPr>
+                  <p:cNvPr id="66" name="TextBox 65">
+                    <a:extLst>
+                      <a:ext uri="{FF2B5EF4-FFF2-40B4-BE49-F238E27FC236}">
+                        <a16:creationId xmlns:a16="http://schemas.microsoft.com/office/drawing/2014/main" id="{F6BC6521-090E-4022-A2C2-739D7C14CBD1}"/>
+                      </a:ext>
+                    </a:extLst>
+                  </p:cNvPr>
+                  <p:cNvSpPr txBox="1"/>
+                  <p:nvPr/>
+                </p:nvSpPr>
+                <p:spPr>
+                  <a:xfrm>
+                    <a:off x="2543096" y="4998654"/>
+                    <a:ext cx="1757423" cy="646331"/>
+                  </a:xfrm>
+                  <a:prstGeom prst="rect">
+                    <a:avLst/>
+                  </a:prstGeom>
+                  <a:noFill/>
+                </p:spPr>
+                <p:txBody>
+                  <a:bodyPr wrap="square" rtlCol="0">
+                    <a:spAutoFit/>
+                  </a:bodyPr>
+                  <a:lstStyle/>
+                  <a:p>
+                    <a:pPr marL="0" marR="0" lvl="0" indent="0" algn="ctr" defTabSz="914400" rtl="0" eaLnBrk="1" fontAlgn="auto" latinLnBrk="0" hangingPunct="1">
+                      <a:lnSpc>
+                        <a:spcPct val="100000"/>
+                      </a:lnSpc>
+                      <a:spcBef>
+                        <a:spcPts val="0"/>
+                      </a:spcBef>
+                      <a:spcAft>
+                        <a:spcPts val="0"/>
+                      </a:spcAft>
+                      <a:buClrTx/>
+                      <a:buSzTx/>
+                      <a:buFontTx/>
+                      <a:buNone/>
+                      <a:tabLst/>
+                      <a:defRPr/>
+                    </a:pPr>
+                    <a:r>
+                      <a:rPr kumimoji="0" lang="en-US" sz="1800" b="0" i="0" u="none" strike="noStrike" kern="1200" cap="none" spc="0" normalizeH="0" baseline="0" noProof="0" dirty="0">
+                        <a:ln>
+                          <a:noFill/>
+                        </a:ln>
+                        <a:solidFill>
+                          <a:prstClr val="black"/>
+                        </a:solidFill>
+                        <a:effectLst/>
+                        <a:uLnTx/>
+                        <a:uFillTx/>
+                        <a:latin typeface="Calibri" panose="020F0502020204030204"/>
+                        <a:ea typeface="+mn-ea"/>
+                        <a:cs typeface="+mn-cs"/>
+                      </a:rPr>
+                      <a:t>Azure IoT</a:t>
+                    </a:r>
+                    <a:br>
+                      <a:rPr kumimoji="0" lang="en-US" sz="1800" b="0" i="0" u="none" strike="noStrike" kern="1200" cap="none" spc="0" normalizeH="0" baseline="0" noProof="0" dirty="0">
+                        <a:ln>
+                          <a:noFill/>
+                        </a:ln>
+                        <a:solidFill>
+                          <a:prstClr val="black"/>
+                        </a:solidFill>
+                        <a:effectLst/>
+                        <a:uLnTx/>
+                        <a:uFillTx/>
+                        <a:latin typeface="Calibri" panose="020F0502020204030204"/>
+                        <a:ea typeface="+mn-ea"/>
+                        <a:cs typeface="+mn-cs"/>
+                      </a:rPr>
+                    </a:br>
+                    <a:r>
+                      <a:rPr kumimoji="0" lang="en-US" sz="1800" b="0" i="0" u="none" strike="noStrike" kern="1200" cap="none" spc="0" normalizeH="0" baseline="0" noProof="0" dirty="0">
+                        <a:ln>
+                          <a:noFill/>
+                        </a:ln>
+                        <a:solidFill>
+                          <a:prstClr val="black"/>
+                        </a:solidFill>
+                        <a:effectLst/>
+                        <a:uLnTx/>
+                        <a:uFillTx/>
+                        <a:latin typeface="Calibri" panose="020F0502020204030204"/>
+                        <a:ea typeface="+mn-ea"/>
+                        <a:cs typeface="+mn-cs"/>
+                      </a:rPr>
+                      <a:t>Central</a:t>
+                    </a:r>
+                  </a:p>
+                </p:txBody>
+              </p:sp>
+            </p:grpSp>
+            <p:pic>
+              <p:nvPicPr>
+                <p:cNvPr id="22" name="Graphic 21" descr="Database">
+                  <a:extLst>
+                    <a:ext uri="{FF2B5EF4-FFF2-40B4-BE49-F238E27FC236}">
+                      <a16:creationId xmlns:a16="http://schemas.microsoft.com/office/drawing/2014/main" id="{50CA99E2-4CA3-4735-8D51-2F2D405158B4}"/>
+                    </a:ext>
+                  </a:extLst>
+                </p:cNvPr>
+                <p:cNvPicPr>
+                  <a:picLocks noChangeAspect="1"/>
+                </p:cNvPicPr>
+                <p:nvPr/>
+              </p:nvPicPr>
+              <p:blipFill>
+                <a:blip r:embed="rId9">
+                  <a:extLst>
+                    <a:ext uri="{28A0092B-C50C-407E-A947-70E740481C1C}">
+                      <a14:useLocalDpi xmlns:a14="http://schemas.microsoft.com/office/drawing/2010/main" val="0"/>
+                    </a:ext>
+                    <a:ext uri="{96DAC541-7B7A-43D3-8B79-37D633B846F1}">
+                      <asvg:svgBlip xmlns:asvg="http://schemas.microsoft.com/office/drawing/2016/SVG/main" r:embed="rId10"/>
+                    </a:ext>
+                  </a:extLst>
+                </a:blip>
+                <a:stretch>
+                  <a:fillRect/>
+                </a:stretch>
+              </p:blipFill>
+              <p:spPr>
+                <a:xfrm>
+                  <a:off x="4796665" y="2912638"/>
+                  <a:ext cx="591027" cy="591027"/>
+                </a:xfrm>
+                <a:prstGeom prst="rect">
+                  <a:avLst/>
+                </a:prstGeom>
+              </p:spPr>
+            </p:pic>
+            <p:pic>
+              <p:nvPicPr>
+                <p:cNvPr id="26" name="Graphic 25" descr="Internet">
+                  <a:extLst>
+                    <a:ext uri="{FF2B5EF4-FFF2-40B4-BE49-F238E27FC236}">
+                      <a16:creationId xmlns:a16="http://schemas.microsoft.com/office/drawing/2014/main" id="{EB4C1E76-CD5C-49EB-AAB5-DF1C89E8FA46}"/>
+                    </a:ext>
+                  </a:extLst>
+                </p:cNvPr>
+                <p:cNvPicPr>
+                  <a:picLocks noChangeAspect="1"/>
+                </p:cNvPicPr>
+                <p:nvPr/>
+              </p:nvPicPr>
+              <p:blipFill>
+                <a:blip r:embed="rId11">
+                  <a:extLst>
+                    <a:ext uri="{28A0092B-C50C-407E-A947-70E740481C1C}">
+                      <a14:useLocalDpi xmlns:a14="http://schemas.microsoft.com/office/drawing/2010/main" val="0"/>
+                    </a:ext>
+                    <a:ext uri="{96DAC541-7B7A-43D3-8B79-37D633B846F1}">
+                      <asvg:svgBlip xmlns:asvg="http://schemas.microsoft.com/office/drawing/2016/SVG/main" r:embed="rId12"/>
+                    </a:ext>
+                  </a:extLst>
+                </a:blip>
+                <a:stretch>
+                  <a:fillRect/>
+                </a:stretch>
+              </p:blipFill>
+              <p:spPr>
+                <a:xfrm>
+                  <a:off x="5406620" y="2857198"/>
+                  <a:ext cx="712686" cy="712686"/>
+                </a:xfrm>
+                <a:prstGeom prst="rect">
+                  <a:avLst/>
+                </a:prstGeom>
+              </p:spPr>
+            </p:pic>
+            <p:sp>
+              <p:nvSpPr>
+                <p:cNvPr id="67" name="TextBox 66">
+                  <a:extLst>
+                    <a:ext uri="{FF2B5EF4-FFF2-40B4-BE49-F238E27FC236}">
+                      <a16:creationId xmlns:a16="http://schemas.microsoft.com/office/drawing/2014/main" id="{F2846E05-3B90-414B-B050-B136878525AC}"/>
+                    </a:ext>
+                  </a:extLst>
+                </p:cNvPr>
+                <p:cNvSpPr txBox="1"/>
+                <p:nvPr/>
+              </p:nvSpPr>
+              <p:spPr>
+                <a:xfrm>
+                  <a:off x="4760985" y="3475712"/>
+                  <a:ext cx="1492419" cy="646331"/>
+                </a:xfrm>
+                <a:prstGeom prst="rect">
+                  <a:avLst/>
+                </a:prstGeom>
+                <a:noFill/>
+              </p:spPr>
+              <p:txBody>
+                <a:bodyPr wrap="square" rtlCol="0">
+                  <a:spAutoFit/>
+                </a:bodyPr>
+                <a:lstStyle/>
+                <a:p>
+                  <a:pPr marL="0" marR="0" lvl="0" indent="0" algn="ctr" defTabSz="914400" rtl="0" eaLnBrk="1" fontAlgn="auto" latinLnBrk="0" hangingPunct="1">
+                    <a:lnSpc>
+                      <a:spcPct val="100000"/>
+                    </a:lnSpc>
+                    <a:spcBef>
+                      <a:spcPts val="0"/>
+                    </a:spcBef>
+                    <a:spcAft>
+                      <a:spcPts val="0"/>
+                    </a:spcAft>
+                    <a:buClrTx/>
+                    <a:buSzTx/>
+                    <a:buFontTx/>
+                    <a:buNone/>
+                    <a:tabLst/>
+                    <a:defRPr/>
+                  </a:pPr>
+                  <a:r>
+                    <a:rPr kumimoji="0" lang="en-US" sz="1800" b="0" i="0" u="none" strike="noStrike" kern="1200" cap="none" spc="0" normalizeH="0" baseline="0" noProof="0" dirty="0">
+                      <a:ln>
+                        <a:noFill/>
+                      </a:ln>
+                      <a:solidFill>
+                        <a:prstClr val="black"/>
+                      </a:solidFill>
+                      <a:effectLst/>
+                      <a:uLnTx/>
+                      <a:uFillTx/>
+                      <a:latin typeface="Calibri" panose="020F0502020204030204"/>
+                      <a:ea typeface="+mn-ea"/>
+                      <a:cs typeface="+mn-cs"/>
+                    </a:rPr>
+                    <a:t>Database &amp; Web App</a:t>
+                  </a:r>
+                </a:p>
+              </p:txBody>
+            </p:sp>
+            <p:cxnSp>
+              <p:nvCxnSpPr>
+                <p:cNvPr id="68" name="Straight Connector 67">
+                  <a:extLst>
+                    <a:ext uri="{FF2B5EF4-FFF2-40B4-BE49-F238E27FC236}">
+                      <a16:creationId xmlns:a16="http://schemas.microsoft.com/office/drawing/2014/main" id="{E4E9A7C5-B41E-4175-89E2-13D61A2E7630}"/>
+                    </a:ext>
+                  </a:extLst>
+                </p:cNvPr>
+                <p:cNvCxnSpPr/>
+                <p:nvPr/>
+              </p:nvCxnSpPr>
+              <p:spPr>
+                <a:xfrm>
+                  <a:off x="4835711" y="4148707"/>
+                  <a:ext cx="1342966" cy="0"/>
+                </a:xfrm>
+                <a:prstGeom prst="line">
+                  <a:avLst/>
+                </a:prstGeom>
+                <a:ln>
+                  <a:prstDash val="dash"/>
+                </a:ln>
+              </p:spPr>
+              <p:style>
+                <a:lnRef idx="3">
+                  <a:schemeClr val="dk1"/>
+                </a:lnRef>
+                <a:fillRef idx="0">
+                  <a:schemeClr val="dk1"/>
+                </a:fillRef>
+                <a:effectRef idx="2">
+                  <a:schemeClr val="dk1"/>
+                </a:effectRef>
+                <a:fontRef idx="minor">
+                  <a:schemeClr val="tx1"/>
+                </a:fontRef>
+              </p:style>
+            </p:cxnSp>
+          </p:grpSp>
+          <p:grpSp>
+            <p:nvGrpSpPr>
+              <p:cNvPr id="69" name="Group 68">
+                <a:extLst>
+                  <a:ext uri="{FF2B5EF4-FFF2-40B4-BE49-F238E27FC236}">
+                    <a16:creationId xmlns:a16="http://schemas.microsoft.com/office/drawing/2014/main" id="{572ED5F6-24F5-4206-B3A6-5EC822043E7B}"/>
+                  </a:ext>
+                </a:extLst>
+              </p:cNvPr>
+              <p:cNvGrpSpPr/>
+              <p:nvPr/>
+            </p:nvGrpSpPr>
+            <p:grpSpPr>
+              <a:xfrm>
+                <a:off x="9590005" y="1952891"/>
+                <a:ext cx="1620456" cy="4016415"/>
+                <a:chOff x="4696967" y="1948130"/>
+                <a:chExt cx="1620456" cy="4016415"/>
+              </a:xfrm>
+            </p:grpSpPr>
+            <p:sp>
+              <p:nvSpPr>
+                <p:cNvPr id="70" name="Rectangle 69">
+                  <a:extLst>
+                    <a:ext uri="{FF2B5EF4-FFF2-40B4-BE49-F238E27FC236}">
+                      <a16:creationId xmlns:a16="http://schemas.microsoft.com/office/drawing/2014/main" id="{AA670700-3992-4462-AFD0-9D2635E75BA3}"/>
+                    </a:ext>
+                  </a:extLst>
+                </p:cNvPr>
+                <p:cNvSpPr/>
+                <p:nvPr/>
+              </p:nvSpPr>
+              <p:spPr>
+                <a:xfrm>
+                  <a:off x="4696967" y="1948130"/>
+                  <a:ext cx="1620456" cy="4016415"/>
+                </a:xfrm>
+                <a:prstGeom prst="rect">
+                  <a:avLst/>
+                </a:prstGeom>
+                <a:solidFill>
+                  <a:schemeClr val="bg2"/>
+                </a:solidFill>
+                <a:ln w="38100">
+                  <a:solidFill>
+                    <a:schemeClr val="tx1"/>
+                  </a:solidFill>
+                </a:ln>
+              </p:spPr>
+              <p:style>
+                <a:lnRef idx="2">
+                  <a:schemeClr val="accent1">
+                    <a:shade val="50000"/>
+                  </a:schemeClr>
+                </a:lnRef>
+                <a:fillRef idx="1">
+                  <a:schemeClr val="accent1"/>
+                </a:fillRef>
+                <a:effectRef idx="0">
+                  <a:schemeClr val="accent1"/>
+                </a:effectRef>
+                <a:fontRef idx="minor">
+                  <a:schemeClr val="lt1"/>
+                </a:fontRef>
+              </p:style>
+              <p:txBody>
+                <a:bodyPr rtlCol="0" anchor="ctr"/>
+                <a:lstStyle/>
+                <a:p>
+                  <a:pPr marL="0" marR="0" lvl="0" indent="0" algn="ctr" defTabSz="914400" rtl="0" eaLnBrk="1" fontAlgn="auto" latinLnBrk="0" hangingPunct="1">
+                    <a:lnSpc>
+                      <a:spcPct val="100000"/>
+                    </a:lnSpc>
+                    <a:spcBef>
+                      <a:spcPts val="0"/>
+                    </a:spcBef>
+                    <a:spcAft>
+                      <a:spcPts val="0"/>
+                    </a:spcAft>
+                    <a:buClrTx/>
+                    <a:buSzTx/>
+                    <a:buFontTx/>
+                    <a:buNone/>
+                    <a:tabLst/>
+                    <a:defRPr/>
+                  </a:pPr>
+                  <a:endParaRPr kumimoji="0" lang="en-US" sz="1800" b="0" i="0" u="none" strike="noStrike" kern="1200" cap="none" spc="0" normalizeH="0" baseline="0" noProof="0">
+                    <a:ln>
+                      <a:noFill/>
+                    </a:ln>
+                    <a:solidFill>
+                      <a:prstClr val="white"/>
+                    </a:solidFill>
+                    <a:effectLst/>
+                    <a:uLnTx/>
+                    <a:uFillTx/>
+                    <a:latin typeface="Calibri" panose="020F0502020204030204"/>
+                    <a:ea typeface="+mn-ea"/>
+                    <a:cs typeface="+mn-cs"/>
+                  </a:endParaRPr>
+                </a:p>
+              </p:txBody>
+            </p:sp>
+            <p:sp>
+              <p:nvSpPr>
+                <p:cNvPr id="71" name="TextBox 70">
+                  <a:extLst>
+                    <a:ext uri="{FF2B5EF4-FFF2-40B4-BE49-F238E27FC236}">
+                      <a16:creationId xmlns:a16="http://schemas.microsoft.com/office/drawing/2014/main" id="{F312ADCE-7335-4345-AE9F-895434B91296}"/>
+                    </a:ext>
+                  </a:extLst>
+                </p:cNvPr>
+                <p:cNvSpPr txBox="1"/>
+                <p:nvPr/>
+              </p:nvSpPr>
+              <p:spPr>
+                <a:xfrm>
+                  <a:off x="4863618" y="2061370"/>
+                  <a:ext cx="1254429" cy="461665"/>
+                </a:xfrm>
+                <a:prstGeom prst="rect">
+                  <a:avLst/>
+                </a:prstGeom>
+                <a:noFill/>
+              </p:spPr>
+              <p:txBody>
+                <a:bodyPr wrap="square" rtlCol="0">
+                  <a:spAutoFit/>
+                </a:bodyPr>
+                <a:lstStyle/>
+                <a:p>
+                  <a:pPr marL="0" marR="0" lvl="0" indent="0" algn="ctr" defTabSz="914400" rtl="0" eaLnBrk="1" fontAlgn="auto" latinLnBrk="0" hangingPunct="1">
+                    <a:lnSpc>
+                      <a:spcPct val="100000"/>
+                    </a:lnSpc>
+                    <a:spcBef>
+                      <a:spcPts val="0"/>
+                    </a:spcBef>
+                    <a:spcAft>
+                      <a:spcPts val="0"/>
+                    </a:spcAft>
+                    <a:buClrTx/>
+                    <a:buSzTx/>
+                    <a:buFontTx/>
+                    <a:buNone/>
+                    <a:tabLst/>
+                    <a:defRPr/>
+                  </a:pPr>
+                  <a:r>
+                    <a:rPr kumimoji="0" lang="en-US" sz="2400" b="0" i="0" u="none" strike="noStrike" kern="1200" cap="none" spc="0" normalizeH="0" baseline="0" noProof="0" dirty="0">
+                      <a:ln>
+                        <a:noFill/>
+                      </a:ln>
+                      <a:solidFill>
+                        <a:prstClr val="black"/>
+                      </a:solidFill>
+                      <a:effectLst/>
+                      <a:uLnTx/>
+                      <a:uFillTx/>
+                      <a:latin typeface="Calibri" panose="020F0502020204030204"/>
+                      <a:ea typeface="+mn-ea"/>
+                      <a:cs typeface="+mn-cs"/>
+                    </a:rPr>
+                    <a:t>Predict</a:t>
+                  </a:r>
+                </a:p>
+              </p:txBody>
+            </p:sp>
+            <p:sp>
+              <p:nvSpPr>
+                <p:cNvPr id="75" name="TextBox 74">
+                  <a:extLst>
+                    <a:ext uri="{FF2B5EF4-FFF2-40B4-BE49-F238E27FC236}">
+                      <a16:creationId xmlns:a16="http://schemas.microsoft.com/office/drawing/2014/main" id="{7809BC12-7867-4E9D-B85D-D4EE1FBEE5AF}"/>
+                    </a:ext>
+                  </a:extLst>
+                </p:cNvPr>
+                <p:cNvSpPr txBox="1"/>
+                <p:nvPr/>
+              </p:nvSpPr>
+              <p:spPr>
+                <a:xfrm>
+                  <a:off x="4760984" y="3094620"/>
+                  <a:ext cx="1492419" cy="523220"/>
+                </a:xfrm>
+                <a:prstGeom prst="rect">
+                  <a:avLst/>
+                </a:prstGeom>
+                <a:noFill/>
+              </p:spPr>
+              <p:txBody>
+                <a:bodyPr wrap="square" rtlCol="0">
+                  <a:spAutoFit/>
+                </a:bodyPr>
+                <a:lstStyle/>
+                <a:p>
+                  <a:pPr marL="0" marR="0" lvl="0" indent="0" algn="ctr" defTabSz="914400" rtl="0" eaLnBrk="1" fontAlgn="auto" latinLnBrk="0" hangingPunct="1">
+                    <a:lnSpc>
+                      <a:spcPct val="100000"/>
+                    </a:lnSpc>
+                    <a:spcBef>
+                      <a:spcPts val="0"/>
+                    </a:spcBef>
+                    <a:spcAft>
+                      <a:spcPts val="0"/>
+                    </a:spcAft>
+                    <a:buClrTx/>
+                    <a:buSzTx/>
+                    <a:buFontTx/>
+                    <a:buNone/>
+                    <a:tabLst/>
+                    <a:defRPr/>
+                  </a:pPr>
+                  <a:r>
+                    <a:rPr kumimoji="0" lang="en-US" sz="1400" b="0" i="0" u="none" strike="noStrike" kern="1200" cap="none" spc="0" normalizeH="0" baseline="0" noProof="0" dirty="0">
+                      <a:ln>
+                        <a:noFill/>
+                      </a:ln>
+                      <a:solidFill>
+                        <a:prstClr val="black"/>
+                      </a:solidFill>
+                      <a:effectLst/>
+                      <a:uLnTx/>
+                      <a:uFillTx/>
+                      <a:latin typeface="Calibri" panose="020F0502020204030204"/>
+                      <a:ea typeface="+mn-ea"/>
+                      <a:cs typeface="+mn-cs"/>
+                    </a:rPr>
+                    <a:t>Event Hubs /</a:t>
+                  </a:r>
+                  <a:br>
+                    <a:rPr kumimoji="0" lang="en-US" sz="1400" b="0" i="0" u="none" strike="noStrike" kern="1200" cap="none" spc="0" normalizeH="0" baseline="0" noProof="0" dirty="0">
+                      <a:ln>
+                        <a:noFill/>
+                      </a:ln>
+                      <a:solidFill>
+                        <a:prstClr val="black"/>
+                      </a:solidFill>
+                      <a:effectLst/>
+                      <a:uLnTx/>
+                      <a:uFillTx/>
+                      <a:latin typeface="Calibri" panose="020F0502020204030204"/>
+                      <a:ea typeface="+mn-ea"/>
+                      <a:cs typeface="+mn-cs"/>
+                    </a:rPr>
+                  </a:br>
+                  <a:r>
+                    <a:rPr kumimoji="0" lang="en-US" sz="1400" b="0" i="0" u="none" strike="noStrike" kern="1200" cap="none" spc="0" normalizeH="0" baseline="0" noProof="0" dirty="0">
+                      <a:ln>
+                        <a:noFill/>
+                      </a:ln>
+                      <a:solidFill>
+                        <a:prstClr val="black"/>
+                      </a:solidFill>
+                      <a:effectLst/>
+                      <a:uLnTx/>
+                      <a:uFillTx/>
+                      <a:latin typeface="Calibri" panose="020F0502020204030204"/>
+                      <a:ea typeface="+mn-ea"/>
+                      <a:cs typeface="+mn-cs"/>
+                    </a:rPr>
+                    <a:t>Service Bus</a:t>
+                  </a:r>
+                </a:p>
+              </p:txBody>
+            </p:sp>
+          </p:grpSp>
+          <p:pic>
+            <p:nvPicPr>
+              <p:cNvPr id="79" name="Graphic 78">
+                <a:extLst>
+                  <a:ext uri="{FF2B5EF4-FFF2-40B4-BE49-F238E27FC236}">
+                    <a16:creationId xmlns:a16="http://schemas.microsoft.com/office/drawing/2014/main" id="{8F5EB81E-B742-4BDF-8A1B-0934973147B5}"/>
+                  </a:ext>
+                </a:extLst>
+              </p:cNvPr>
+              <p:cNvPicPr>
+                <a:picLocks noChangeAspect="1"/>
+              </p:cNvPicPr>
+              <p:nvPr/>
+            </p:nvPicPr>
+            <p:blipFill>
+              <a:blip r:embed="rId13">
+                <a:extLst>
+                  <a:ext uri="{28A0092B-C50C-407E-A947-70E740481C1C}">
+                    <a14:useLocalDpi xmlns:a14="http://schemas.microsoft.com/office/drawing/2010/main" val="0"/>
+                  </a:ext>
+                  <a:ext uri="{96DAC541-7B7A-43D3-8B79-37D633B846F1}">
+                    <asvg:svgBlip xmlns:asvg="http://schemas.microsoft.com/office/drawing/2016/SVG/main" r:embed="rId14"/>
+                  </a:ext>
+                </a:extLst>
+              </a:blip>
+              <a:stretch>
+                <a:fillRect/>
+              </a:stretch>
+            </p:blipFill>
+            <p:spPr>
+              <a:xfrm>
+                <a:off x="9799413" y="2641036"/>
+                <a:ext cx="436338" cy="436338"/>
+              </a:xfrm>
+              <a:prstGeom prst="rect">
+                <a:avLst/>
+              </a:prstGeom>
+            </p:spPr>
+          </p:pic>
+          <p:pic>
+            <p:nvPicPr>
+              <p:cNvPr id="48" name="Graphic 47">
+                <a:extLst>
+                  <a:ext uri="{FF2B5EF4-FFF2-40B4-BE49-F238E27FC236}">
+                    <a16:creationId xmlns:a16="http://schemas.microsoft.com/office/drawing/2014/main" id="{B5EED02A-6D27-4137-9648-4502B212D5AF}"/>
+                  </a:ext>
+                </a:extLst>
+              </p:cNvPr>
+              <p:cNvPicPr>
+                <a:picLocks noChangeAspect="1"/>
+              </p:cNvPicPr>
+              <p:nvPr/>
+            </p:nvPicPr>
+            <p:blipFill>
+              <a:blip r:embed="rId15">
+                <a:extLst>
+                  <a:ext uri="{28A0092B-C50C-407E-A947-70E740481C1C}">
+                    <a14:useLocalDpi xmlns:a14="http://schemas.microsoft.com/office/drawing/2010/main" val="0"/>
+                  </a:ext>
+                  <a:ext uri="{96DAC541-7B7A-43D3-8B79-37D633B846F1}">
+                    <asvg:svgBlip xmlns:asvg="http://schemas.microsoft.com/office/drawing/2016/SVG/main" r:embed="rId16"/>
+                  </a:ext>
+                </a:extLst>
+              </a:blip>
+              <a:stretch>
+                <a:fillRect/>
+              </a:stretch>
+            </p:blipFill>
+            <p:spPr>
+              <a:xfrm>
+                <a:off x="10603423" y="2646989"/>
+                <a:ext cx="407662" cy="407662"/>
+              </a:xfrm>
+              <a:prstGeom prst="rect">
+                <a:avLst/>
+              </a:prstGeom>
+            </p:spPr>
+          </p:pic>
+          <p:cxnSp>
+            <p:nvCxnSpPr>
+              <p:cNvPr id="80" name="Straight Connector 79">
+                <a:extLst>
+                  <a:ext uri="{FF2B5EF4-FFF2-40B4-BE49-F238E27FC236}">
+                    <a16:creationId xmlns:a16="http://schemas.microsoft.com/office/drawing/2014/main" id="{A6A21CA9-C6FC-47F5-9EEF-D7BCDDBC8EC3}"/>
+                  </a:ext>
+                </a:extLst>
+              </p:cNvPr>
+              <p:cNvCxnSpPr>
+                <a:cxnSpLocks/>
+              </p:cNvCxnSpPr>
+              <p:nvPr/>
+            </p:nvCxnSpPr>
+            <p:spPr>
+              <a:xfrm>
+                <a:off x="10414983" y="2619029"/>
+                <a:ext cx="0" cy="480352"/>
+              </a:xfrm>
+              <a:prstGeom prst="line">
+                <a:avLst/>
+              </a:prstGeom>
+              <a:ln>
+                <a:prstDash val="dash"/>
+              </a:ln>
+            </p:spPr>
+            <p:style>
+              <a:lnRef idx="3">
+                <a:schemeClr val="dk1"/>
+              </a:lnRef>
+              <a:fillRef idx="0">
+                <a:schemeClr val="dk1"/>
+              </a:fillRef>
+              <a:effectRef idx="2">
+                <a:schemeClr val="dk1"/>
+              </a:effectRef>
+              <a:fontRef idx="minor">
+                <a:schemeClr val="tx1"/>
+              </a:fontRef>
+            </p:style>
+          </p:cxnSp>
+          <p:pic>
+            <p:nvPicPr>
+              <p:cNvPr id="81" name="Graphic 80">
+                <a:extLst>
+                  <a:ext uri="{FF2B5EF4-FFF2-40B4-BE49-F238E27FC236}">
+                    <a16:creationId xmlns:a16="http://schemas.microsoft.com/office/drawing/2014/main" id="{9615C54B-DA34-4721-8EE1-9570DEA2A654}"/>
+                  </a:ext>
+                </a:extLst>
+              </p:cNvPr>
+              <p:cNvPicPr>
+                <a:picLocks noChangeAspect="1"/>
+              </p:cNvPicPr>
+              <p:nvPr/>
+            </p:nvPicPr>
+            <p:blipFill>
+              <a:blip r:embed="rId17">
+                <a:extLst>
+                  <a:ext uri="{28A0092B-C50C-407E-A947-70E740481C1C}">
+                    <a14:useLocalDpi xmlns:a14="http://schemas.microsoft.com/office/drawing/2010/main" val="0"/>
+                  </a:ext>
+                  <a:ext uri="{96DAC541-7B7A-43D3-8B79-37D633B846F1}">
+                    <asvg:svgBlip xmlns:asvg="http://schemas.microsoft.com/office/drawing/2016/SVG/main" r:embed="rId18"/>
+                  </a:ext>
+                </a:extLst>
+              </a:blip>
+              <a:stretch>
+                <a:fillRect/>
+              </a:stretch>
+            </p:blipFill>
+            <p:spPr>
+              <a:xfrm>
+                <a:off x="9769807" y="3920827"/>
+                <a:ext cx="495549" cy="495549"/>
+              </a:xfrm>
+              <a:prstGeom prst="rect">
+                <a:avLst/>
+              </a:prstGeom>
+            </p:spPr>
+          </p:pic>
+          <p:pic>
+            <p:nvPicPr>
+              <p:cNvPr id="83" name="Graphic 82">
+                <a:extLst>
+                  <a:ext uri="{FF2B5EF4-FFF2-40B4-BE49-F238E27FC236}">
+                    <a16:creationId xmlns:a16="http://schemas.microsoft.com/office/drawing/2014/main" id="{DC7F321A-544E-4169-844D-4CA7CD0FAEB5}"/>
+                  </a:ext>
+                </a:extLst>
+              </p:cNvPr>
+              <p:cNvPicPr>
+                <a:picLocks noChangeAspect="1"/>
+              </p:cNvPicPr>
+              <p:nvPr/>
+            </p:nvPicPr>
+            <p:blipFill>
+              <a:blip r:embed="rId19">
+                <a:extLst>
+                  <a:ext uri="{28A0092B-C50C-407E-A947-70E740481C1C}">
+                    <a14:useLocalDpi xmlns:a14="http://schemas.microsoft.com/office/drawing/2010/main" val="0"/>
+                  </a:ext>
+                  <a:ext uri="{96DAC541-7B7A-43D3-8B79-37D633B846F1}">
+                    <asvg:svgBlip xmlns:asvg="http://schemas.microsoft.com/office/drawing/2016/SVG/main" r:embed="rId20"/>
+                  </a:ext>
+                </a:extLst>
+              </a:blip>
+              <a:stretch>
+                <a:fillRect/>
+              </a:stretch>
+            </p:blipFill>
+            <p:spPr>
+              <a:xfrm>
+                <a:off x="10603423" y="3920827"/>
+                <a:ext cx="431252" cy="431252"/>
+              </a:xfrm>
+              <a:prstGeom prst="rect">
+                <a:avLst/>
+              </a:prstGeom>
+            </p:spPr>
+          </p:pic>
+          <p:cxnSp>
+            <p:nvCxnSpPr>
+              <p:cNvPr id="84" name="Straight Connector 83">
+                <a:extLst>
+                  <a:ext uri="{FF2B5EF4-FFF2-40B4-BE49-F238E27FC236}">
+                    <a16:creationId xmlns:a16="http://schemas.microsoft.com/office/drawing/2014/main" id="{C906A81F-F36D-4F92-8B40-63B55C67E862}"/>
+                  </a:ext>
+                </a:extLst>
+              </p:cNvPr>
+              <p:cNvCxnSpPr>
+                <a:cxnSpLocks/>
+              </p:cNvCxnSpPr>
+              <p:nvPr/>
+            </p:nvCxnSpPr>
+            <p:spPr>
+              <a:xfrm>
+                <a:off x="10414983" y="3897071"/>
+                <a:ext cx="0" cy="480352"/>
+              </a:xfrm>
+              <a:prstGeom prst="line">
+                <a:avLst/>
+              </a:prstGeom>
+              <a:ln>
+                <a:prstDash val="dash"/>
+              </a:ln>
+            </p:spPr>
+            <p:style>
+              <a:lnRef idx="3">
+                <a:schemeClr val="dk1"/>
+              </a:lnRef>
+              <a:fillRef idx="0">
+                <a:schemeClr val="dk1"/>
+              </a:fillRef>
+              <a:effectRef idx="2">
+                <a:schemeClr val="dk1"/>
+              </a:effectRef>
+              <a:fontRef idx="minor">
+                <a:schemeClr val="tx1"/>
+              </a:fontRef>
+            </p:style>
+          </p:cxnSp>
+          <p:sp>
+            <p:nvSpPr>
+              <p:cNvPr id="85" name="TextBox 84">
+                <a:extLst>
+                  <a:ext uri="{FF2B5EF4-FFF2-40B4-BE49-F238E27FC236}">
+                    <a16:creationId xmlns:a16="http://schemas.microsoft.com/office/drawing/2014/main" id="{809DFE20-615B-47A5-AC81-39AD9511C508}"/>
+                  </a:ext>
+                </a:extLst>
+              </p:cNvPr>
+              <p:cNvSpPr txBox="1"/>
+              <p:nvPr/>
+            </p:nvSpPr>
+            <p:spPr>
+              <a:xfrm>
+                <a:off x="9718042" y="4368442"/>
+                <a:ext cx="1492419" cy="523220"/>
+              </a:xfrm>
+              <a:prstGeom prst="rect">
+                <a:avLst/>
+              </a:prstGeom>
+              <a:noFill/>
+            </p:spPr>
+            <p:txBody>
+              <a:bodyPr wrap="square" rtlCol="0">
+                <a:spAutoFit/>
+              </a:bodyPr>
+              <a:lstStyle/>
+              <a:p>
+                <a:pPr marL="0" marR="0" lvl="0" indent="0" algn="ctr" defTabSz="914400" rtl="0" eaLnBrk="1" fontAlgn="auto" latinLnBrk="0" hangingPunct="1">
+                  <a:lnSpc>
+                    <a:spcPct val="100000"/>
+                  </a:lnSpc>
+                  <a:spcBef>
+                    <a:spcPts val="0"/>
+                  </a:spcBef>
+                  <a:spcAft>
+                    <a:spcPts val="0"/>
+                  </a:spcAft>
+                  <a:buClrTx/>
+                  <a:buSzTx/>
+                  <a:buFontTx/>
+                  <a:buNone/>
+                  <a:tabLst/>
+                  <a:defRPr/>
+                </a:pPr>
+                <a:r>
+                  <a:rPr kumimoji="0" lang="en-US" sz="1400" b="0" i="0" u="none" strike="noStrike" kern="1200" cap="none" spc="0" normalizeH="0" baseline="0" noProof="0" dirty="0">
+                    <a:ln>
+                      <a:noFill/>
+                    </a:ln>
+                    <a:solidFill>
+                      <a:prstClr val="black"/>
+                    </a:solidFill>
+                    <a:effectLst/>
+                    <a:uLnTx/>
+                    <a:uFillTx/>
+                    <a:latin typeface="Calibri" panose="020F0502020204030204"/>
+                    <a:ea typeface="+mn-ea"/>
+                    <a:cs typeface="+mn-cs"/>
+                  </a:rPr>
+                  <a:t>Azure Functions / Web App API</a:t>
+                </a:r>
+              </a:p>
+            </p:txBody>
+          </p:sp>
+          <p:pic>
+            <p:nvPicPr>
+              <p:cNvPr id="86" name="Picture 287">
+                <a:extLst>
+                  <a:ext uri="{FF2B5EF4-FFF2-40B4-BE49-F238E27FC236}">
+                    <a16:creationId xmlns:a16="http://schemas.microsoft.com/office/drawing/2014/main" id="{815F28BD-B32E-4FA2-9BE7-470432A56B4F}"/>
+                  </a:ext>
+                </a:extLst>
+              </p:cNvPr>
+              <p:cNvPicPr>
+                <a:picLocks noChangeAspect="1"/>
+              </p:cNvPicPr>
+              <p:nvPr/>
+            </p:nvPicPr>
+            <p:blipFill>
+              <a:blip r:embed="rId21">
+                <a:extLst>
+                  <a:ext uri="{28A0092B-C50C-407E-A947-70E740481C1C}">
+                    <a14:useLocalDpi xmlns:a14="http://schemas.microsoft.com/office/drawing/2010/main" val="0"/>
+                  </a:ext>
+                </a:extLst>
+              </a:blip>
+              <a:stretch>
+                <a:fillRect/>
+              </a:stretch>
+            </p:blipFill>
+            <p:spPr>
+              <a:xfrm>
+                <a:off x="9760263" y="5165846"/>
+                <a:ext cx="475488" cy="475488"/>
+              </a:xfrm>
+              <a:prstGeom prst="rect">
+                <a:avLst/>
+              </a:prstGeom>
+            </p:spPr>
+          </p:pic>
+          <p:pic>
+            <p:nvPicPr>
+              <p:cNvPr id="88" name="Graphic 87">
+                <a:extLst>
+                  <a:ext uri="{FF2B5EF4-FFF2-40B4-BE49-F238E27FC236}">
+                    <a16:creationId xmlns:a16="http://schemas.microsoft.com/office/drawing/2014/main" id="{C8CEFF3E-292E-437A-A389-1EA0EC548967}"/>
+                  </a:ext>
+                </a:extLst>
+              </p:cNvPr>
+              <p:cNvPicPr>
+                <a:picLocks noChangeAspect="1"/>
+              </p:cNvPicPr>
+              <p:nvPr/>
+            </p:nvPicPr>
+            <p:blipFill>
+              <a:blip r:embed="rId22">
+                <a:extLst>
+                  <a:ext uri="{28A0092B-C50C-407E-A947-70E740481C1C}">
+                    <a14:useLocalDpi xmlns:a14="http://schemas.microsoft.com/office/drawing/2010/main" val="0"/>
+                  </a:ext>
+                  <a:ext uri="{96DAC541-7B7A-43D3-8B79-37D633B846F1}">
+                    <asvg:svgBlip xmlns:asvg="http://schemas.microsoft.com/office/drawing/2016/SVG/main" r:embed="rId23"/>
+                  </a:ext>
+                </a:extLst>
+              </a:blip>
+              <a:stretch>
+                <a:fillRect/>
+              </a:stretch>
+            </p:blipFill>
+            <p:spPr>
+              <a:xfrm>
+                <a:off x="10603423" y="5171072"/>
+                <a:ext cx="523220" cy="523220"/>
+              </a:xfrm>
+              <a:prstGeom prst="rect">
+                <a:avLst/>
+              </a:prstGeom>
+            </p:spPr>
+          </p:pic>
+          <p:sp>
+            <p:nvSpPr>
+              <p:cNvPr id="89" name="TextBox 88">
+                <a:extLst>
+                  <a:ext uri="{FF2B5EF4-FFF2-40B4-BE49-F238E27FC236}">
+                    <a16:creationId xmlns:a16="http://schemas.microsoft.com/office/drawing/2014/main" id="{F5742E36-A707-4F2F-8BD1-D5CEE8DE7720}"/>
+                  </a:ext>
+                </a:extLst>
+              </p:cNvPr>
+              <p:cNvSpPr txBox="1"/>
+              <p:nvPr/>
+            </p:nvSpPr>
+            <p:spPr>
+              <a:xfrm>
+                <a:off x="9646899" y="5624953"/>
+                <a:ext cx="1492419" cy="307777"/>
+              </a:xfrm>
+              <a:prstGeom prst="rect">
+                <a:avLst/>
+              </a:prstGeom>
+              <a:noFill/>
+            </p:spPr>
+            <p:txBody>
+              <a:bodyPr wrap="square" rtlCol="0">
+                <a:spAutoFit/>
+              </a:bodyPr>
+              <a:lstStyle/>
+              <a:p>
+                <a:pPr marL="0" marR="0" lvl="0" indent="0" algn="ctr" defTabSz="914400" rtl="0" eaLnBrk="1" fontAlgn="auto" latinLnBrk="0" hangingPunct="1">
+                  <a:lnSpc>
+                    <a:spcPct val="100000"/>
+                  </a:lnSpc>
+                  <a:spcBef>
+                    <a:spcPts val="0"/>
+                  </a:spcBef>
+                  <a:spcAft>
+                    <a:spcPts val="0"/>
+                  </a:spcAft>
+                  <a:buClrTx/>
+                  <a:buSzTx/>
+                  <a:buFontTx/>
+                  <a:buNone/>
+                  <a:tabLst/>
+                  <a:defRPr/>
+                </a:pPr>
+                <a:r>
+                  <a:rPr kumimoji="0" lang="en-US" sz="1400" b="0" i="0" u="none" strike="noStrike" kern="1200" cap="none" spc="0" normalizeH="0" baseline="0" noProof="0" dirty="0">
+                    <a:ln>
+                      <a:noFill/>
+                    </a:ln>
+                    <a:solidFill>
+                      <a:prstClr val="black"/>
+                    </a:solidFill>
+                    <a:effectLst/>
+                    <a:uLnTx/>
+                    <a:uFillTx/>
+                    <a:latin typeface="Calibri" panose="020F0502020204030204"/>
+                    <a:ea typeface="+mn-ea"/>
+                    <a:cs typeface="+mn-cs"/>
+                  </a:rPr>
+                  <a:t>AKS      /      ACI</a:t>
+                </a:r>
+              </a:p>
+            </p:txBody>
+          </p:sp>
+          <p:cxnSp>
+            <p:nvCxnSpPr>
+              <p:cNvPr id="90" name="Straight Connector 89">
+                <a:extLst>
+                  <a:ext uri="{FF2B5EF4-FFF2-40B4-BE49-F238E27FC236}">
+                    <a16:creationId xmlns:a16="http://schemas.microsoft.com/office/drawing/2014/main" id="{201118F2-55B1-4D77-8D6E-DC03EC47D0A1}"/>
+                  </a:ext>
+                </a:extLst>
+              </p:cNvPr>
+              <p:cNvCxnSpPr>
+                <a:cxnSpLocks/>
+              </p:cNvCxnSpPr>
+              <p:nvPr/>
+            </p:nvCxnSpPr>
+            <p:spPr>
+              <a:xfrm>
+                <a:off x="10414983" y="5192506"/>
+                <a:ext cx="0" cy="480352"/>
+              </a:xfrm>
+              <a:prstGeom prst="line">
+                <a:avLst/>
+              </a:prstGeom>
+              <a:ln>
+                <a:prstDash val="dash"/>
+              </a:ln>
+            </p:spPr>
+            <p:style>
+              <a:lnRef idx="3">
+                <a:schemeClr val="dk1"/>
+              </a:lnRef>
+              <a:fillRef idx="0">
+                <a:schemeClr val="dk1"/>
+              </a:fillRef>
+              <a:effectRef idx="2">
+                <a:schemeClr val="dk1"/>
+              </a:effectRef>
+              <a:fontRef idx="minor">
+                <a:schemeClr val="tx1"/>
+              </a:fontRef>
+            </p:style>
+          </p:cxnSp>
+          <p:cxnSp>
+            <p:nvCxnSpPr>
+              <p:cNvPr id="94" name="Straight Arrow Connector 93">
+                <a:extLst>
+                  <a:ext uri="{FF2B5EF4-FFF2-40B4-BE49-F238E27FC236}">
+                    <a16:creationId xmlns:a16="http://schemas.microsoft.com/office/drawing/2014/main" id="{39D1F754-22C5-4AB8-AB71-2B35C531E8BA}"/>
+                  </a:ext>
+                </a:extLst>
+              </p:cNvPr>
+              <p:cNvCxnSpPr>
+                <a:cxnSpLocks/>
+              </p:cNvCxnSpPr>
+              <p:nvPr/>
+            </p:nvCxnSpPr>
+            <p:spPr>
+              <a:xfrm>
+                <a:off x="11436552" y="3438881"/>
+                <a:ext cx="0" cy="601731"/>
+              </a:xfrm>
+              <a:prstGeom prst="straightConnector1">
+                <a:avLst/>
+              </a:prstGeom>
+              <a:ln w="57150">
+                <a:tailEnd type="triangle"/>
+              </a:ln>
+            </p:spPr>
+            <p:style>
+              <a:lnRef idx="3">
+                <a:schemeClr val="accent1"/>
+              </a:lnRef>
+              <a:fillRef idx="0">
+                <a:schemeClr val="accent1"/>
+              </a:fillRef>
+              <a:effectRef idx="2">
+                <a:schemeClr val="accent1"/>
+              </a:effectRef>
+              <a:fontRef idx="minor">
+                <a:schemeClr val="tx1"/>
+              </a:fontRef>
+            </p:style>
+          </p:cxnSp>
+          <p:cxnSp>
+            <p:nvCxnSpPr>
+              <p:cNvPr id="99" name="Straight Arrow Connector 98">
+                <a:extLst>
+                  <a:ext uri="{FF2B5EF4-FFF2-40B4-BE49-F238E27FC236}">
+                    <a16:creationId xmlns:a16="http://schemas.microsoft.com/office/drawing/2014/main" id="{89A07F99-4EEB-43BD-9FA1-E198DEFBC1DF}"/>
+                  </a:ext>
+                </a:extLst>
+              </p:cNvPr>
+              <p:cNvCxnSpPr>
+                <a:cxnSpLocks/>
+              </p:cNvCxnSpPr>
+              <p:nvPr/>
+            </p:nvCxnSpPr>
+            <p:spPr>
+              <a:xfrm>
+                <a:off x="11434763" y="4929188"/>
+                <a:ext cx="1791" cy="397393"/>
+              </a:xfrm>
+              <a:prstGeom prst="straightConnector1">
+                <a:avLst/>
+              </a:prstGeom>
+              <a:ln w="57150">
+                <a:tailEnd type="triangle"/>
+              </a:ln>
+            </p:spPr>
+            <p:style>
+              <a:lnRef idx="3">
+                <a:schemeClr val="accent1"/>
+              </a:lnRef>
+              <a:fillRef idx="0">
+                <a:schemeClr val="accent1"/>
+              </a:fillRef>
+              <a:effectRef idx="2">
+                <a:schemeClr val="accent1"/>
+              </a:effectRef>
+              <a:fontRef idx="minor">
+                <a:schemeClr val="tx1"/>
+              </a:fontRef>
+            </p:style>
+          </p:cxnSp>
+          <p:sp>
+            <p:nvSpPr>
+              <p:cNvPr id="100" name="TextBox 99">
+                <a:extLst>
+                  <a:ext uri="{FF2B5EF4-FFF2-40B4-BE49-F238E27FC236}">
+                    <a16:creationId xmlns:a16="http://schemas.microsoft.com/office/drawing/2014/main" id="{8C2470BC-7727-476E-BB31-D6142284EC84}"/>
+                  </a:ext>
+                </a:extLst>
+              </p:cNvPr>
+              <p:cNvSpPr txBox="1"/>
+              <p:nvPr/>
+            </p:nvSpPr>
+            <p:spPr>
+              <a:xfrm rot="5400000">
+                <a:off x="10672390" y="2424939"/>
+                <a:ext cx="1573508" cy="369332"/>
+              </a:xfrm>
+              <a:prstGeom prst="rect">
+                <a:avLst/>
+              </a:prstGeom>
+              <a:noFill/>
+            </p:spPr>
+            <p:txBody>
+              <a:bodyPr wrap="none" rtlCol="0">
+                <a:spAutoFit/>
+              </a:bodyPr>
+              <a:lstStyle/>
+              <a:p>
+                <a:r>
+                  <a:rPr lang="en-US" dirty="0"/>
+                  <a:t>Real-time Data</a:t>
+                </a:r>
+              </a:p>
+            </p:txBody>
+          </p:sp>
+          <p:sp>
+            <p:nvSpPr>
+              <p:cNvPr id="101" name="TextBox 100">
+                <a:extLst>
+                  <a:ext uri="{FF2B5EF4-FFF2-40B4-BE49-F238E27FC236}">
+                    <a16:creationId xmlns:a16="http://schemas.microsoft.com/office/drawing/2014/main" id="{FED373F9-2088-426D-B2CB-BAB9FA8510D7}"/>
+                  </a:ext>
+                </a:extLst>
+              </p:cNvPr>
+              <p:cNvSpPr txBox="1"/>
+              <p:nvPr/>
+            </p:nvSpPr>
+            <p:spPr>
+              <a:xfrm rot="5400000">
+                <a:off x="11012002" y="4262070"/>
+                <a:ext cx="894284" cy="369332"/>
+              </a:xfrm>
+              <a:prstGeom prst="rect">
+                <a:avLst/>
+              </a:prstGeom>
+              <a:noFill/>
+            </p:spPr>
+            <p:txBody>
+              <a:bodyPr wrap="none" rtlCol="0">
+                <a:spAutoFit/>
+              </a:bodyPr>
+              <a:lstStyle/>
+              <a:p>
+                <a:r>
+                  <a:rPr lang="en-US" dirty="0"/>
+                  <a:t>Process</a:t>
+                </a:r>
+              </a:p>
+            </p:txBody>
+          </p:sp>
+          <p:sp>
+            <p:nvSpPr>
+              <p:cNvPr id="108" name="TextBox 107">
+                <a:extLst>
+                  <a:ext uri="{FF2B5EF4-FFF2-40B4-BE49-F238E27FC236}">
+                    <a16:creationId xmlns:a16="http://schemas.microsoft.com/office/drawing/2014/main" id="{B40264D6-B627-41F9-84F0-59765E98D1DE}"/>
+                  </a:ext>
+                </a:extLst>
+              </p:cNvPr>
+              <p:cNvSpPr txBox="1"/>
+              <p:nvPr/>
+            </p:nvSpPr>
+            <p:spPr>
+              <a:xfrm rot="5400000">
+                <a:off x="11108791" y="5566925"/>
+                <a:ext cx="700705" cy="369332"/>
+              </a:xfrm>
+              <a:prstGeom prst="rect">
+                <a:avLst/>
+              </a:prstGeom>
+              <a:noFill/>
+            </p:spPr>
+            <p:txBody>
+              <a:bodyPr wrap="none" rtlCol="0">
+                <a:spAutoFit/>
+              </a:bodyPr>
+              <a:lstStyle/>
+              <a:p>
+                <a:r>
+                  <a:rPr lang="en-US" dirty="0"/>
+                  <a:t>Score</a:t>
+                </a:r>
+              </a:p>
+            </p:txBody>
+          </p:sp>
+        </p:grpSp>
+      </p:grpSp>
+    </p:spTree>
+    <p:extLst>
+      <p:ext uri="{BB962C8B-B14F-4D97-AF65-F5344CB8AC3E}">
+        <p14:creationId xmlns:p14="http://schemas.microsoft.com/office/powerpoint/2010/main" val="300566555"/>
+      </p:ext>
+    </p:extLst>
+  </p:cSld>
+  <p:clrMapOvr>
+    <a:masterClrMapping/>
+  </p:clrMapOvr>
+</p:sld>
+</file>
+
 <file path=ppt/theme/theme1.xml><?xml version="1.0" encoding="utf-8"?>
 <a:theme xmlns:a="http://schemas.openxmlformats.org/drawingml/2006/main" name="Office Theme">
   <a:themeElements>
@@ -13587,4 +19783,560 @@
     </a:ext>
   </a:extLst>
 </a:theme>
+</file>
+
+<file path=ppt/theme/theme3.xml><?xml version="1.0" encoding="utf-8"?>
+<a:theme xmlns:a="http://schemas.openxmlformats.org/drawingml/2006/main" name="2_Office Theme">
+  <a:themeElements>
+    <a:clrScheme name="Office">
+      <a:dk1>
+        <a:sysClr val="windowText" lastClr="000000"/>
+      </a:dk1>
+      <a:lt1>
+        <a:sysClr val="window" lastClr="FFFFFF"/>
+      </a:lt1>
+      <a:dk2>
+        <a:srgbClr val="44546A"/>
+      </a:dk2>
+      <a:lt2>
+        <a:srgbClr val="E7E6E6"/>
+      </a:lt2>
+      <a:accent1>
+        <a:srgbClr val="4472C4"/>
+      </a:accent1>
+      <a:accent2>
+        <a:srgbClr val="ED7D31"/>
+      </a:accent2>
+      <a:accent3>
+        <a:srgbClr val="A5A5A5"/>
+      </a:accent3>
+      <a:accent4>
+        <a:srgbClr val="FFC000"/>
+      </a:accent4>
+      <a:accent5>
+        <a:srgbClr val="5B9BD5"/>
+      </a:accent5>
+      <a:accent6>
+        <a:srgbClr val="70AD47"/>
+      </a:accent6>
+      <a:hlink>
+        <a:srgbClr val="0563C1"/>
+      </a:hlink>
+      <a:folHlink>
+        <a:srgbClr val="954F72"/>
+      </a:folHlink>
+    </a:clrScheme>
+    <a:fontScheme name="Office">
+      <a:majorFont>
+        <a:latin typeface="Calibri Light" panose="020F0302020204030204"/>
+        <a:ea typeface=""/>
+        <a:cs typeface=""/>
+        <a:font script="Jpan" typeface="Yu Gothic Light"/>
+        <a:font script="Hang" typeface="맑은 고딕"/>
+        <a:font script="Hans" typeface="DengXian Light"/>
+        <a:font script="Hant" typeface="新細明體"/>
+        <a:font script="Arab" typeface="Times New Roman"/>
+        <a:font script="Hebr" typeface="Times New Roman"/>
+        <a:font script="Thai" typeface="Angsana New"/>
+        <a:font script="Ethi" typeface="Nyala"/>
+        <a:font script="Beng" typeface="Vrinda"/>
+        <a:font script="Gujr" typeface="Shruti"/>
+        <a:font script="Khmr" typeface="MoolBoran"/>
+        <a:font script="Knda" typeface="Tunga"/>
+        <a:font script="Guru" typeface="Raavi"/>
+        <a:font script="Cans" typeface="Euphemia"/>
+        <a:font script="Cher" typeface="Plantagenet Cherokee"/>
+        <a:font script="Yiii" typeface="Microsoft Yi Baiti"/>
+        <a:font script="Tibt" typeface="Microsoft Himalaya"/>
+        <a:font script="Thaa" typeface="MV Boli"/>
+        <a:font script="Deva" typeface="Mangal"/>
+        <a:font script="Telu" typeface="Gautami"/>
+        <a:font script="Taml" typeface="Latha"/>
+        <a:font script="Syrc" typeface="Estrangelo Edessa"/>
+        <a:font script="Orya" typeface="Kalinga"/>
+        <a:font script="Mlym" typeface="Kartika"/>
+        <a:font script="Laoo" typeface="DokChampa"/>
+        <a:font script="Sinh" typeface="Iskoola Pota"/>
+        <a:font script="Mong" typeface="Mongolian Baiti"/>
+        <a:font script="Viet" typeface="Times New Roman"/>
+        <a:font script="Uigh" typeface="Microsoft Uighur"/>
+        <a:font script="Geor" typeface="Sylfaen"/>
+      </a:majorFont>
+      <a:minorFont>
+        <a:latin typeface="Calibri" panose="020F0502020204030204"/>
+        <a:ea typeface=""/>
+        <a:cs typeface=""/>
+        <a:font script="Jpan" typeface="Yu Gothic"/>
+        <a:font script="Hang" typeface="맑은 고딕"/>
+        <a:font script="Hans" typeface="DengXian"/>
+        <a:font script="Hant" typeface="新細明體"/>
+        <a:font script="Arab" typeface="Arial"/>
+        <a:font script="Hebr" typeface="Arial"/>
+        <a:font script="Thai" typeface="Cordia New"/>
+        <a:font script="Ethi" typeface="Nyala"/>
+        <a:font script="Beng" typeface="Vrinda"/>
+        <a:font script="Gujr" typeface="Shruti"/>
+        <a:font script="Khmr" typeface="DaunPenh"/>
+        <a:font script="Knda" typeface="Tunga"/>
+        <a:font script="Guru" typeface="Raavi"/>
+        <a:font script="Cans" typeface="Euphemia"/>
+        <a:font script="Cher" typeface="Plantagenet Cherokee"/>
+        <a:font script="Yiii" typeface="Microsoft Yi Baiti"/>
+        <a:font script="Tibt" typeface="Microsoft Himalaya"/>
+        <a:font script="Thaa" typeface="MV Boli"/>
+        <a:font script="Deva" typeface="Mangal"/>
+        <a:font script="Telu" typeface="Gautami"/>
+        <a:font script="Taml" typeface="Latha"/>
+        <a:font script="Syrc" typeface="Estrangelo Edessa"/>
+        <a:font script="Orya" typeface="Kalinga"/>
+        <a:font script="Mlym" typeface="Kartika"/>
+        <a:font script="Laoo" typeface="DokChampa"/>
+        <a:font script="Sinh" typeface="Iskoola Pota"/>
+        <a:font script="Mong" typeface="Mongolian Baiti"/>
+        <a:font script="Viet" typeface="Arial"/>
+        <a:font script="Uigh" typeface="Microsoft Uighur"/>
+        <a:font script="Geor" typeface="Sylfaen"/>
+      </a:minorFont>
+    </a:fontScheme>
+    <a:fmtScheme name="Office">
+      <a:fillStyleLst>
+        <a:solidFill>
+          <a:schemeClr val="phClr"/>
+        </a:solidFill>
+        <a:gradFill rotWithShape="1">
+          <a:gsLst>
+            <a:gs pos="0">
+              <a:schemeClr val="phClr">
+                <a:lumMod val="110000"/>
+                <a:satMod val="105000"/>
+                <a:tint val="67000"/>
+              </a:schemeClr>
+            </a:gs>
+            <a:gs pos="50000">
+              <a:schemeClr val="phClr">
+                <a:lumMod val="105000"/>
+                <a:satMod val="103000"/>
+                <a:tint val="73000"/>
+              </a:schemeClr>
+            </a:gs>
+            <a:gs pos="100000">
+              <a:schemeClr val="phClr">
+                <a:lumMod val="105000"/>
+                <a:satMod val="109000"/>
+                <a:tint val="81000"/>
+              </a:schemeClr>
+            </a:gs>
+          </a:gsLst>
+          <a:lin ang="5400000" scaled="0"/>
+        </a:gradFill>
+        <a:gradFill rotWithShape="1">
+          <a:gsLst>
+            <a:gs pos="0">
+              <a:schemeClr val="phClr">
+                <a:satMod val="103000"/>
+                <a:lumMod val="102000"/>
+                <a:tint val="94000"/>
+              </a:schemeClr>
+            </a:gs>
+            <a:gs pos="50000">
+              <a:schemeClr val="phClr">
+                <a:satMod val="110000"/>
+                <a:lumMod val="100000"/>
+                <a:shade val="100000"/>
+              </a:schemeClr>
+            </a:gs>
+            <a:gs pos="100000">
+              <a:schemeClr val="phClr">
+                <a:lumMod val="99000"/>
+                <a:satMod val="120000"/>
+                <a:shade val="78000"/>
+              </a:schemeClr>
+            </a:gs>
+          </a:gsLst>
+          <a:lin ang="5400000" scaled="0"/>
+        </a:gradFill>
+      </a:fillStyleLst>
+      <a:lnStyleLst>
+        <a:ln w="6350" cap="flat" cmpd="sng" algn="ctr">
+          <a:solidFill>
+            <a:schemeClr val="phClr"/>
+          </a:solidFill>
+          <a:prstDash val="solid"/>
+          <a:miter lim="800000"/>
+        </a:ln>
+        <a:ln w="12700" cap="flat" cmpd="sng" algn="ctr">
+          <a:solidFill>
+            <a:schemeClr val="phClr"/>
+          </a:solidFill>
+          <a:prstDash val="solid"/>
+          <a:miter lim="800000"/>
+        </a:ln>
+        <a:ln w="19050" cap="flat" cmpd="sng" algn="ctr">
+          <a:solidFill>
+            <a:schemeClr val="phClr"/>
+          </a:solidFill>
+          <a:prstDash val="solid"/>
+          <a:miter lim="800000"/>
+        </a:ln>
+      </a:lnStyleLst>
+      <a:effectStyleLst>
+        <a:effectStyle>
+          <a:effectLst/>
+        </a:effectStyle>
+        <a:effectStyle>
+          <a:effectLst/>
+        </a:effectStyle>
+        <a:effectStyle>
+          <a:effectLst>
+            <a:outerShdw blurRad="57150" dist="19050" dir="5400000" algn="ctr" rotWithShape="0">
+              <a:srgbClr val="000000">
+                <a:alpha val="63000"/>
+              </a:srgbClr>
+            </a:outerShdw>
+          </a:effectLst>
+        </a:effectStyle>
+      </a:effectStyleLst>
+      <a:bgFillStyleLst>
+        <a:solidFill>
+          <a:schemeClr val="phClr"/>
+        </a:solidFill>
+        <a:solidFill>
+          <a:schemeClr val="phClr">
+            <a:tint val="95000"/>
+            <a:satMod val="170000"/>
+          </a:schemeClr>
+        </a:solidFill>
+        <a:gradFill rotWithShape="1">
+          <a:gsLst>
+            <a:gs pos="0">
+              <a:schemeClr val="phClr">
+                <a:tint val="93000"/>
+                <a:satMod val="150000"/>
+                <a:shade val="98000"/>
+                <a:lumMod val="102000"/>
+              </a:schemeClr>
+            </a:gs>
+            <a:gs pos="50000">
+              <a:schemeClr val="phClr">
+                <a:tint val="98000"/>
+                <a:satMod val="130000"/>
+                <a:shade val="90000"/>
+                <a:lumMod val="103000"/>
+              </a:schemeClr>
+            </a:gs>
+            <a:gs pos="100000">
+              <a:schemeClr val="phClr">
+                <a:shade val="63000"/>
+                <a:satMod val="120000"/>
+              </a:schemeClr>
+            </a:gs>
+          </a:gsLst>
+          <a:lin ang="5400000" scaled="0"/>
+        </a:gradFill>
+      </a:bgFillStyleLst>
+    </a:fmtScheme>
+  </a:themeElements>
+  <a:objectDefaults/>
+  <a:extraClrSchemeLst/>
+  <a:extLst>
+    <a:ext uri="{05A4C25C-085E-4340-85A3-A5531E510DB2}">
+      <thm15:themeFamily xmlns:thm15="http://schemas.microsoft.com/office/thememl/2012/main" name="Office Theme" id="{62F939B6-93AF-4DB8-9C6B-D6C7DFDC589F}" vid="{4A3C46E8-61CC-4603-A589-7422A47A8E4A}"/>
+    </a:ext>
+  </a:extLst>
+</a:theme>
+</file>
+
+<file path=ppt/theme/theme4.xml><?xml version="1.0" encoding="utf-8"?>
+<a:theme xmlns:a="http://schemas.openxmlformats.org/drawingml/2006/main" name="Office Theme">
+  <a:themeElements>
+    <a:clrScheme name="Office">
+      <a:dk1>
+        <a:sysClr val="windowText" lastClr="000000"/>
+      </a:dk1>
+      <a:lt1>
+        <a:sysClr val="window" lastClr="FFFFFF"/>
+      </a:lt1>
+      <a:dk2>
+        <a:srgbClr val="44546A"/>
+      </a:dk2>
+      <a:lt2>
+        <a:srgbClr val="E7E6E6"/>
+      </a:lt2>
+      <a:accent1>
+        <a:srgbClr val="4472C4"/>
+      </a:accent1>
+      <a:accent2>
+        <a:srgbClr val="ED7D31"/>
+      </a:accent2>
+      <a:accent3>
+        <a:srgbClr val="A5A5A5"/>
+      </a:accent3>
+      <a:accent4>
+        <a:srgbClr val="FFC000"/>
+      </a:accent4>
+      <a:accent5>
+        <a:srgbClr val="5B9BD5"/>
+      </a:accent5>
+      <a:accent6>
+        <a:srgbClr val="70AD47"/>
+      </a:accent6>
+      <a:hlink>
+        <a:srgbClr val="0563C1"/>
+      </a:hlink>
+      <a:folHlink>
+        <a:srgbClr val="954F72"/>
+      </a:folHlink>
+    </a:clrScheme>
+    <a:fontScheme name="Office">
+      <a:majorFont>
+        <a:latin typeface="Calibri Light" panose="020F0302020204030204"/>
+        <a:ea typeface=""/>
+        <a:cs typeface=""/>
+        <a:font script="Jpan" typeface="游ゴシック Light"/>
+        <a:font script="Hang" typeface="맑은 고딕"/>
+        <a:font script="Hans" typeface="等线 Light"/>
+        <a:font script="Hant" typeface="新細明體"/>
+        <a:font script="Arab" typeface="Times New Roman"/>
+        <a:font script="Hebr" typeface="Times New Roman"/>
+        <a:font script="Thai" typeface="Angsana New"/>
+        <a:font script="Ethi" typeface="Nyala"/>
+        <a:font script="Beng" typeface="Vrinda"/>
+        <a:font script="Gujr" typeface="Shruti"/>
+        <a:font script="Khmr" typeface="MoolBoran"/>
+        <a:font script="Knda" typeface="Tunga"/>
+        <a:font script="Guru" typeface="Raavi"/>
+        <a:font script="Cans" typeface="Euphemia"/>
+        <a:font script="Cher" typeface="Plantagenet Cherokee"/>
+        <a:font script="Yiii" typeface="Microsoft Yi Baiti"/>
+        <a:font script="Tibt" typeface="Microsoft Himalaya"/>
+        <a:font script="Thaa" typeface="MV Boli"/>
+        <a:font script="Deva" typeface="Mangal"/>
+        <a:font script="Telu" typeface="Gautami"/>
+        <a:font script="Taml" typeface="Latha"/>
+        <a:font script="Syrc" typeface="Estrangelo Edessa"/>
+        <a:font script="Orya" typeface="Kalinga"/>
+        <a:font script="Mlym" typeface="Kartika"/>
+        <a:font script="Laoo" typeface="DokChampa"/>
+        <a:font script="Sinh" typeface="Iskoola Pota"/>
+        <a:font script="Mong" typeface="Mongolian Baiti"/>
+        <a:font script="Viet" typeface="Times New Roman"/>
+        <a:font script="Uigh" typeface="Microsoft Uighur"/>
+        <a:font script="Geor" typeface="Sylfaen"/>
+        <a:font script="Armn" typeface="Arial"/>
+        <a:font script="Bugi" typeface="Leelawadee UI"/>
+        <a:font script="Bopo" typeface="Microsoft JhengHei"/>
+        <a:font script="Java" typeface="Javanese Text"/>
+        <a:font script="Lisu" typeface="Segoe UI"/>
+        <a:font script="Mymr" typeface="Myanmar Text"/>
+        <a:font script="Nkoo" typeface="Ebrima"/>
+        <a:font script="Olck" typeface="Nirmala UI"/>
+        <a:font script="Osma" typeface="Ebrima"/>
+        <a:font script="Phag" typeface="Phagspa"/>
+        <a:font script="Syrn" typeface="Estrangelo Edessa"/>
+        <a:font script="Syrj" typeface="Estrangelo Edessa"/>
+        <a:font script="Syre" typeface="Estrangelo Edessa"/>
+        <a:font script="Sora" typeface="Nirmala UI"/>
+        <a:font script="Tale" typeface="Microsoft Tai Le"/>
+        <a:font script="Talu" typeface="Microsoft New Tai Lue"/>
+        <a:font script="Tfng" typeface="Ebrima"/>
+      </a:majorFont>
+      <a:minorFont>
+        <a:latin typeface="Calibri" panose="020F0502020204030204"/>
+        <a:ea typeface=""/>
+        <a:cs typeface=""/>
+        <a:font script="Jpan" typeface="游ゴシック"/>
+        <a:font script="Hang" typeface="맑은 고딕"/>
+        <a:font script="Hans" typeface="等线"/>
+        <a:font script="Hant" typeface="新細明體"/>
+        <a:font script="Arab" typeface="Arial"/>
+        <a:font script="Hebr" typeface="Arial"/>
+        <a:font script="Thai" typeface="Cordia New"/>
+        <a:font script="Ethi" typeface="Nyala"/>
+        <a:font script="Beng" typeface="Vrinda"/>
+        <a:font script="Gujr" typeface="Shruti"/>
+        <a:font script="Khmr" typeface="DaunPenh"/>
+        <a:font script="Knda" typeface="Tunga"/>
+        <a:font script="Guru" typeface="Raavi"/>
+        <a:font script="Cans" typeface="Euphemia"/>
+        <a:font script="Cher" typeface="Plantagenet Cherokee"/>
+        <a:font script="Yiii" typeface="Microsoft Yi Baiti"/>
+        <a:font script="Tibt" typeface="Microsoft Himalaya"/>
+        <a:font script="Thaa" typeface="MV Boli"/>
+        <a:font script="Deva" typeface="Mangal"/>
+        <a:font script="Telu" typeface="Gautami"/>
+        <a:font script="Taml" typeface="Latha"/>
+        <a:font script="Syrc" typeface="Estrangelo Edessa"/>
+        <a:font script="Orya" typeface="Kalinga"/>
+        <a:font script="Mlym" typeface="Kartika"/>
+        <a:font script="Laoo" typeface="DokChampa"/>
+        <a:font script="Sinh" typeface="Iskoola Pota"/>
+        <a:font script="Mong" typeface="Mongolian Baiti"/>
+        <a:font script="Viet" typeface="Arial"/>
+        <a:font script="Uigh" typeface="Microsoft Uighur"/>
+        <a:font script="Geor" typeface="Sylfaen"/>
+        <a:font script="Armn" typeface="Arial"/>
+        <a:font script="Bugi" typeface="Leelawadee UI"/>
+        <a:font script="Bopo" typeface="Microsoft JhengHei"/>
+        <a:font script="Java" typeface="Javanese Text"/>
+        <a:font script="Lisu" typeface="Segoe UI"/>
+        <a:font script="Mymr" typeface="Myanmar Text"/>
+        <a:font script="Nkoo" typeface="Ebrima"/>
+        <a:font script="Olck" typeface="Nirmala UI"/>
+        <a:font script="Osma" typeface="Ebrima"/>
+        <a:font script="Phag" typeface="Phagspa"/>
+        <a:font script="Syrn" typeface="Estrangelo Edessa"/>
+        <a:font script="Syrj" typeface="Estrangelo Edessa"/>
+        <a:font script="Syre" typeface="Estrangelo Edessa"/>
+        <a:font script="Sora" typeface="Nirmala UI"/>
+        <a:font script="Tale" typeface="Microsoft Tai Le"/>
+        <a:font script="Talu" typeface="Microsoft New Tai Lue"/>
+        <a:font script="Tfng" typeface="Ebrima"/>
+      </a:minorFont>
+    </a:fontScheme>
+    <a:fmtScheme name="Office">
+      <a:fillStyleLst>
+        <a:solidFill>
+          <a:schemeClr val="phClr"/>
+        </a:solidFill>
+        <a:gradFill rotWithShape="1">
+          <a:gsLst>
+            <a:gs pos="0">
+              <a:schemeClr val="phClr">
+                <a:lumMod val="110000"/>
+                <a:satMod val="105000"/>
+                <a:tint val="67000"/>
+              </a:schemeClr>
+            </a:gs>
+            <a:gs pos="50000">
+              <a:schemeClr val="phClr">
+                <a:lumMod val="105000"/>
+                <a:satMod val="103000"/>
+                <a:tint val="73000"/>
+              </a:schemeClr>
+            </a:gs>
+            <a:gs pos="100000">
+              <a:schemeClr val="phClr">
+                <a:lumMod val="105000"/>
+                <a:satMod val="109000"/>
+                <a:tint val="81000"/>
+              </a:schemeClr>
+            </a:gs>
+          </a:gsLst>
+          <a:lin ang="5400000" scaled="0"/>
+        </a:gradFill>
+        <a:gradFill rotWithShape="1">
+          <a:gsLst>
+            <a:gs pos="0">
+              <a:schemeClr val="phClr">
+                <a:satMod val="103000"/>
+                <a:lumMod val="102000"/>
+                <a:tint val="94000"/>
+              </a:schemeClr>
+            </a:gs>
+            <a:gs pos="50000">
+              <a:schemeClr val="phClr">
+                <a:satMod val="110000"/>
+                <a:lumMod val="100000"/>
+                <a:shade val="100000"/>
+              </a:schemeClr>
+            </a:gs>
+            <a:gs pos="100000">
+              <a:schemeClr val="phClr">
+                <a:lumMod val="99000"/>
+                <a:satMod val="120000"/>
+                <a:shade val="78000"/>
+              </a:schemeClr>
+            </a:gs>
+          </a:gsLst>
+          <a:lin ang="5400000" scaled="0"/>
+        </a:gradFill>
+      </a:fillStyleLst>
+      <a:lnStyleLst>
+        <a:ln w="6350" cap="flat" cmpd="sng" algn="ctr">
+          <a:solidFill>
+            <a:schemeClr val="phClr"/>
+          </a:solidFill>
+          <a:prstDash val="solid"/>
+          <a:miter lim="800000"/>
+        </a:ln>
+        <a:ln w="12700" cap="flat" cmpd="sng" algn="ctr">
+          <a:solidFill>
+            <a:schemeClr val="phClr"/>
+          </a:solidFill>
+          <a:prstDash val="solid"/>
+          <a:miter lim="800000"/>
+        </a:ln>
+        <a:ln w="19050" cap="flat" cmpd="sng" algn="ctr">
+          <a:solidFill>
+            <a:schemeClr val="phClr"/>
+          </a:solidFill>
+          <a:prstDash val="solid"/>
+          <a:miter lim="800000"/>
+        </a:ln>
+      </a:lnStyleLst>
+      <a:effectStyleLst>
+        <a:effectStyle>
+          <a:effectLst/>
+        </a:effectStyle>
+        <a:effectStyle>
+          <a:effectLst/>
+        </a:effectStyle>
+        <a:effectStyle>
+          <a:effectLst>
+            <a:outerShdw blurRad="57150" dist="19050" dir="5400000" algn="ctr" rotWithShape="0">
+              <a:srgbClr val="000000">
+                <a:alpha val="63000"/>
+              </a:srgbClr>
+            </a:outerShdw>
+          </a:effectLst>
+        </a:effectStyle>
+      </a:effectStyleLst>
+      <a:bgFillStyleLst>
+        <a:solidFill>
+          <a:schemeClr val="phClr"/>
+        </a:solidFill>
+        <a:solidFill>
+          <a:schemeClr val="phClr">
+            <a:tint val="95000"/>
+            <a:satMod val="170000"/>
+          </a:schemeClr>
+        </a:solidFill>
+        <a:gradFill rotWithShape="1">
+          <a:gsLst>
+            <a:gs pos="0">
+              <a:schemeClr val="phClr">
+                <a:tint val="93000"/>
+                <a:satMod val="150000"/>
+                <a:shade val="98000"/>
+                <a:lumMod val="102000"/>
+              </a:schemeClr>
+            </a:gs>
+            <a:gs pos="50000">
+              <a:schemeClr val="phClr">
+                <a:tint val="98000"/>
+                <a:satMod val="130000"/>
+                <a:shade val="90000"/>
+                <a:lumMod val="103000"/>
+              </a:schemeClr>
+            </a:gs>
+            <a:gs pos="100000">
+              <a:schemeClr val="phClr">
+                <a:shade val="63000"/>
+                <a:satMod val="120000"/>
+              </a:schemeClr>
+            </a:gs>
+          </a:gsLst>
+          <a:lin ang="5400000" scaled="0"/>
+        </a:gradFill>
+      </a:bgFillStyleLst>
+    </a:fmtScheme>
+  </a:themeElements>
+  <a:objectDefaults/>
+  <a:extraClrSchemeLst/>
+  <a:extLst>
+    <a:ext uri="{05A4C25C-085E-4340-85A3-A5531E510DB2}">
+      <thm15:themeFamily xmlns:thm15="http://schemas.microsoft.com/office/thememl/2012/main" name="Office Theme" id="{62F939B6-93AF-4DB8-9C6B-D6C7DFDC589F}" vid="{4A3C46E8-61CC-4603-A589-7422A47A8E4A}"/>
+    </a:ext>
+  </a:extLst>
+</a:theme>
 </file>